--- a/Slide deck-Research-11_16.pptx
+++ b/Slide deck-Research-11_16.pptx
@@ -6,6 +6,8 @@
   </p:sldMasterIdLst>
   <p:sldIdLst>
     <p:sldId id="256" r:id="rId2"/>
+    <p:sldId id="257" r:id="rId3"/>
+    <p:sldId id="258" r:id="rId4"/>
   </p:sldIdLst>
   <p:sldSz cx="9144000" cy="6858000" type="screen4x3"/>
   <p:notesSz cx="6858000" cy="9144000"/>
@@ -114,10 +116,10 @@
   <c:roundedCorners val="0"/>
   <mc:AlternateContent xmlns:mc="http://schemas.openxmlformats.org/markup-compatibility/2006">
     <mc:Choice xmlns:c14="http://schemas.microsoft.com/office/drawing/2007/8/2/chart" Requires="c14">
-      <c14:style val="118"/>
+      <c14:style val="145"/>
     </mc:Choice>
     <mc:Fallback>
-      <c:style val="18"/>
+      <c:style val="45"/>
     </mc:Fallback>
   </mc:AlternateContent>
   <c:chart>
@@ -131,7 +133,7 @@
               <a:defRPr/>
             </a:pPr>
             <a:r>
-              <a:rPr lang="en-US" dirty="0" smtClean="0"/>
+              <a:rPr lang="en-US"/>
               <a:t>1 Run of 2048 app:</a:t>
             </a:r>
           </a:p>
@@ -140,14 +142,9 @@
               <a:defRPr/>
             </a:pPr>
             <a:r>
-              <a:rPr lang="en-US" dirty="0" smtClean="0"/>
-              <a:t>Method</a:t>
-            </a:r>
-            <a:r>
-              <a:rPr lang="en-US" baseline="0" dirty="0" smtClean="0"/>
-              <a:t> Calls</a:t>
-            </a:r>
-            <a:endParaRPr lang="en-US" dirty="0"/>
+              <a:rPr lang="en-US"/>
+              <a:t>Method Calls</a:t>
+            </a:r>
           </a:p>
         </c:rich>
       </c:tx>
@@ -303,6 +300,532 @@
         <c:minorTickMark val="none"/>
         <c:tickLblPos val="nextTo"/>
         <c:crossAx val="2098559160"/>
+        <c:crosses val="autoZero"/>
+        <c:crossBetween val="between"/>
+      </c:valAx>
+    </c:plotArea>
+    <c:plotVisOnly val="1"/>
+    <c:dispBlanksAs val="gap"/>
+    <c:showDLblsOverMax val="0"/>
+  </c:chart>
+  <c:txPr>
+    <a:bodyPr/>
+    <a:lstStyle/>
+    <a:p>
+      <a:pPr>
+        <a:defRPr sz="1800"/>
+      </a:pPr>
+      <a:endParaRPr lang="en-US"/>
+    </a:p>
+  </c:txPr>
+  <c:externalData r:id="rId1">
+    <c:autoUpdate val="0"/>
+  </c:externalData>
+</c:chartSpace>
+</file>
+
+<file path=ppt/charts/chart2.xml><?xml version="1.0" encoding="utf-8"?>
+<c:chartSpace xmlns:c="http://schemas.openxmlformats.org/drawingml/2006/chart" xmlns:a="http://schemas.openxmlformats.org/drawingml/2006/main" xmlns:r="http://schemas.openxmlformats.org/officeDocument/2006/relationships">
+  <c:date1904 val="0"/>
+  <c:lang val="en-US"/>
+  <c:roundedCorners val="0"/>
+  <mc:AlternateContent xmlns:mc="http://schemas.openxmlformats.org/markup-compatibility/2006">
+    <mc:Choice xmlns:c14="http://schemas.microsoft.com/office/drawing/2007/8/2/chart" Requires="c14">
+      <c14:style val="145"/>
+    </mc:Choice>
+    <mc:Fallback>
+      <c:style val="45"/>
+    </mc:Fallback>
+  </mc:AlternateContent>
+  <c:chart>
+    <c:title>
+      <c:tx>
+        <c:rich>
+          <a:bodyPr/>
+          <a:lstStyle/>
+          <a:p>
+            <a:pPr>
+              <a:defRPr/>
+            </a:pPr>
+            <a:r>
+              <a:rPr lang="en-US"/>
+              <a:t>1 Run of 2048 app:</a:t>
+            </a:r>
+          </a:p>
+          <a:p>
+            <a:pPr>
+              <a:defRPr/>
+            </a:pPr>
+            <a:r>
+              <a:rPr lang="en-US"/>
+              <a:t>API Calls</a:t>
+            </a:r>
+          </a:p>
+        </c:rich>
+      </c:tx>
+      <c:layout/>
+      <c:overlay val="0"/>
+    </c:title>
+    <c:autoTitleDeleted val="0"/>
+    <c:plotArea>
+      <c:layout/>
+      <c:barChart>
+        <c:barDir val="bar"/>
+        <c:grouping val="clustered"/>
+        <c:varyColors val="0"/>
+        <c:ser>
+          <c:idx val="0"/>
+          <c:order val="0"/>
+          <c:tx>
+            <c:strRef>
+              <c:f>Sheet1!$B$1</c:f>
+              <c:strCache>
+                <c:ptCount val="1"/>
+                <c:pt idx="0">
+                  <c:v>Series 1</c:v>
+                </c:pt>
+              </c:strCache>
+            </c:strRef>
+          </c:tx>
+          <c:invertIfNegative val="0"/>
+          <c:cat>
+            <c:strRef>
+              <c:f>Sheet1!$A$2:$A$7</c:f>
+              <c:strCache>
+                <c:ptCount val="6"/>
+                <c:pt idx="0">
+                  <c:v>android.content.Context.bindService</c:v>
+                </c:pt>
+                <c:pt idx="1">
+                  <c:v>android.net.ConnectivityManager.getActiveNetworkInfo</c:v>
+                </c:pt>
+                <c:pt idx="2">
+                  <c:v>java.net.URL.openConnection</c:v>
+                </c:pt>
+                <c:pt idx="3">
+                  <c:v>java.lang.Thread.start</c:v>
+                </c:pt>
+                <c:pt idx="4">
+                  <c:v>java.net.URL.openStream</c:v>
+                </c:pt>
+                <c:pt idx="5">
+                  <c:v>java.net.HttpURLConnection.connect</c:v>
+                </c:pt>
+              </c:strCache>
+            </c:strRef>
+          </c:cat>
+          <c:val>
+            <c:numRef>
+              <c:f>Sheet1!$B$2:$B$7</c:f>
+              <c:numCache>
+                <c:formatCode>General</c:formatCode>
+                <c:ptCount val="6"/>
+                <c:pt idx="0">
+                  <c:v>2.0</c:v>
+                </c:pt>
+                <c:pt idx="1">
+                  <c:v>4.0</c:v>
+                </c:pt>
+                <c:pt idx="2">
+                  <c:v>16.0</c:v>
+                </c:pt>
+                <c:pt idx="3">
+                  <c:v>2.0</c:v>
+                </c:pt>
+                <c:pt idx="4">
+                  <c:v>4.0</c:v>
+                </c:pt>
+                <c:pt idx="5">
+                  <c:v>12.0</c:v>
+                </c:pt>
+              </c:numCache>
+            </c:numRef>
+          </c:val>
+        </c:ser>
+        <c:dLbls>
+          <c:showLegendKey val="0"/>
+          <c:showVal val="0"/>
+          <c:showCatName val="0"/>
+          <c:showSerName val="0"/>
+          <c:showPercent val="0"/>
+          <c:showBubbleSize val="0"/>
+        </c:dLbls>
+        <c:gapWidth val="150"/>
+        <c:axId val="2125475896"/>
+        <c:axId val="2125480856"/>
+      </c:barChart>
+      <c:catAx>
+        <c:axId val="2125475896"/>
+        <c:scaling>
+          <c:orientation val="minMax"/>
+        </c:scaling>
+        <c:delete val="0"/>
+        <c:axPos val="l"/>
+        <c:majorTickMark val="out"/>
+        <c:minorTickMark val="none"/>
+        <c:tickLblPos val="nextTo"/>
+        <c:crossAx val="2125480856"/>
+        <c:crosses val="autoZero"/>
+        <c:auto val="1"/>
+        <c:lblAlgn val="ctr"/>
+        <c:lblOffset val="100"/>
+        <c:noMultiLvlLbl val="0"/>
+      </c:catAx>
+      <c:valAx>
+        <c:axId val="2125480856"/>
+        <c:scaling>
+          <c:orientation val="minMax"/>
+          <c:max val="20.0"/>
+        </c:scaling>
+        <c:delete val="0"/>
+        <c:axPos val="b"/>
+        <c:majorGridlines/>
+        <c:numFmt formatCode="General" sourceLinked="1"/>
+        <c:majorTickMark val="out"/>
+        <c:minorTickMark val="none"/>
+        <c:tickLblPos val="nextTo"/>
+        <c:crossAx val="2125475896"/>
+        <c:crosses val="autoZero"/>
+        <c:crossBetween val="between"/>
+      </c:valAx>
+    </c:plotArea>
+    <c:plotVisOnly val="1"/>
+    <c:dispBlanksAs val="gap"/>
+    <c:showDLblsOverMax val="0"/>
+  </c:chart>
+  <c:txPr>
+    <a:bodyPr/>
+    <a:lstStyle/>
+    <a:p>
+      <a:pPr>
+        <a:defRPr sz="1800"/>
+      </a:pPr>
+      <a:endParaRPr lang="en-US"/>
+    </a:p>
+  </c:txPr>
+  <c:externalData r:id="rId1">
+    <c:autoUpdate val="0"/>
+  </c:externalData>
+</c:chartSpace>
+</file>
+
+<file path=ppt/charts/chart3.xml><?xml version="1.0" encoding="utf-8"?>
+<c:chartSpace xmlns:c="http://schemas.openxmlformats.org/drawingml/2006/chart" xmlns:a="http://schemas.openxmlformats.org/drawingml/2006/main" xmlns:r="http://schemas.openxmlformats.org/officeDocument/2006/relationships">
+  <c:date1904 val="0"/>
+  <c:lang val="en-US"/>
+  <c:roundedCorners val="0"/>
+  <mc:AlternateContent xmlns:mc="http://schemas.openxmlformats.org/markup-compatibility/2006">
+    <mc:Choice xmlns:c14="http://schemas.microsoft.com/office/drawing/2007/8/2/chart" Requires="c14">
+      <c14:style val="145"/>
+    </mc:Choice>
+    <mc:Fallback>
+      <c:style val="45"/>
+    </mc:Fallback>
+  </mc:AlternateContent>
+  <c:chart>
+    <c:title>
+      <c:tx>
+        <c:rich>
+          <a:bodyPr/>
+          <a:lstStyle/>
+          <a:p>
+            <a:pPr>
+              <a:defRPr/>
+            </a:pPr>
+            <a:r>
+              <a:rPr lang="en-US" dirty="0" smtClean="0"/>
+              <a:t>1 Run 2048 App:</a:t>
+            </a:r>
+          </a:p>
+          <a:p>
+            <a:pPr>
+              <a:defRPr/>
+            </a:pPr>
+            <a:r>
+              <a:rPr lang="en-US" dirty="0" smtClean="0"/>
+              <a:t>Methods/APIs</a:t>
+            </a:r>
+            <a:r>
+              <a:rPr lang="en-US" baseline="0" dirty="0" smtClean="0"/>
+              <a:t> called </a:t>
+            </a:r>
+            <a:r>
+              <a:rPr lang="en-US" baseline="0" dirty="0" err="1" smtClean="0"/>
+              <a:t>vs</a:t>
+            </a:r>
+            <a:r>
+              <a:rPr lang="en-US" baseline="0" dirty="0" smtClean="0"/>
+              <a:t> Total Logged</a:t>
+            </a:r>
+            <a:endParaRPr lang="en-US" dirty="0"/>
+          </a:p>
+        </c:rich>
+      </c:tx>
+      <c:layout/>
+      <c:overlay val="0"/>
+    </c:title>
+    <c:autoTitleDeleted val="0"/>
+    <c:plotArea>
+      <c:layout>
+        <c:manualLayout>
+          <c:layoutTarget val="inner"/>
+          <c:xMode val="edge"/>
+          <c:yMode val="edge"/>
+          <c:x val="0.336149278215223"/>
+          <c:y val="0.129992709244678"/>
+          <c:w val="0.638576771653543"/>
+          <c:h val="0.790334499854185"/>
+        </c:manualLayout>
+      </c:layout>
+      <c:barChart>
+        <c:barDir val="bar"/>
+        <c:grouping val="clustered"/>
+        <c:varyColors val="0"/>
+        <c:ser>
+          <c:idx val="0"/>
+          <c:order val="0"/>
+          <c:tx>
+            <c:strRef>
+              <c:f>Sheet1!$B$1</c:f>
+              <c:strCache>
+                <c:ptCount val="1"/>
+                <c:pt idx="0">
+                  <c:v>Series 1</c:v>
+                </c:pt>
+              </c:strCache>
+            </c:strRef>
+          </c:tx>
+          <c:invertIfNegative val="0"/>
+          <c:cat>
+            <c:strRef>
+              <c:f>Sheet1!$A$2:$A$38</c:f>
+              <c:strCache>
+                <c:ptCount val="37"/>
+                <c:pt idx="0">
+                  <c:v>andro...MainActivity;-&gt;onStart</c:v>
+                </c:pt>
+                <c:pt idx="1">
+                  <c:v>andro...MainActivity;-&gt;onBackPressed</c:v>
+                </c:pt>
+                <c:pt idx="2">
+                  <c:v>andro...MainActivity;-&gt;onCreate</c:v>
+                </c:pt>
+                <c:pt idx="3">
+                  <c:v>andro...MainActivity;-&gt;onDestroy</c:v>
+                </c:pt>
+                <c:pt idx="4">
+                  <c:v>andro...MainActivity;-&gt;onPause</c:v>
+                </c:pt>
+                <c:pt idx="5">
+                  <c:v>andro...MainActivity;-&gt;onResume</c:v>
+                </c:pt>
+                <c:pt idx="6">
+                  <c:v>andro...MainActivity;-&gt;onTouch</c:v>
+                </c:pt>
+                <c:pt idx="7">
+                  <c:v>java/net/URL;-&gt;openConnection</c:v>
+                </c:pt>
+                <c:pt idx="8">
+                  <c:v>java/net/HttpURLConnection;-&gt;connect</c:v>
+                </c:pt>
+                <c:pt idx="9">
+                  <c:v>android/content/Intent;-&gt;setData</c:v>
+                </c:pt>
+                <c:pt idx="10">
+                  <c:v>android/net/ConnectivityManager;-&gt;getActiveNetworkInfo</c:v>
+                </c:pt>
+                <c:pt idx="11">
+                  <c:v>java/net/URL;-&gt;openStream</c:v>
+                </c:pt>
+                <c:pt idx="12">
+                  <c:v>/net/URL;-&gt;openStream</c:v>
+                </c:pt>
+                <c:pt idx="13">
+                  <c:v>andro...ab;-&gt;run</c:v>
+                </c:pt>
+                <c:pt idx="14">
+                  <c:v>andro...b;-&gt;run</c:v>
+                </c:pt>
+                <c:pt idx="15">
+                  <c:v>andro...c;-&gt;onClick</c:v>
+                </c:pt>
+                <c:pt idx="16">
+                  <c:v>andro...d;-&gt;onClick</c:v>
+                </c:pt>
+                <c:pt idx="17">
+                  <c:v>andro...e;-&gt;onClick</c:v>
+                </c:pt>
+                <c:pt idx="18">
+                  <c:v>andro...f;-&gt;onClick</c:v>
+                </c:pt>
+                <c:pt idx="19">
+                  <c:v>andro...g;-&gt;onClick</c:v>
+                </c:pt>
+                <c:pt idx="20">
+                  <c:v>andro...h;-&gt;onClick</c:v>
+                </c:pt>
+                <c:pt idx="21">
+                  <c:v>andro...i;-&gt;onPreExecute</c:v>
+                </c:pt>
+                <c:pt idx="22">
+                  <c:v>andro...r;-&gt;onTouch</c:v>
+                </c:pt>
+                <c:pt idx="23">
+                  <c:v>andro...s;-&gt;onClick</c:v>
+                </c:pt>
+                <c:pt idx="24">
+                  <c:v>andro...u;-&gt;onClick</c:v>
+                </c:pt>
+                <c:pt idx="25">
+                  <c:v>andro...v;-&gt;onClick</c:v>
+                </c:pt>
+                <c:pt idx="26">
+                  <c:v>android/content/Intent;-&gt;setData</c:v>
+                </c:pt>
+                <c:pt idx="27">
+                  <c:v>andro...w;-&gt;onClick</c:v>
+                </c:pt>
+                <c:pt idx="28">
+                  <c:v>andro...x;-&gt;onClick</c:v>
+                </c:pt>
+                <c:pt idx="29">
+                  <c:v>andro...y;-&gt;onClick</c:v>
+                </c:pt>
+                <c:pt idx="30">
+                  <c:v>android/content/Intent;-&gt;setData</c:v>
+                </c:pt>
+                <c:pt idx="31">
+                  <c:v>andro...z;-&gt;onClick</c:v>
+                </c:pt>
+                <c:pt idx="32">
+                  <c:v>android/content/Intent;-&gt;setData</c:v>
+                </c:pt>
+                <c:pt idx="33">
+                  <c:v>android/content/Context;-&gt;bindService</c:v>
+                </c:pt>
+                <c:pt idx="34">
+                  <c:v>java/lang/Thread;-&gt;start</c:v>
+                </c:pt>
+                <c:pt idx="35">
+                  <c:v>b/a/a/f;-&gt;run</c:v>
+                </c:pt>
+                <c:pt idx="36">
+                  <c:v>b/a/a/g;-&gt;run</c:v>
+                </c:pt>
+              </c:strCache>
+            </c:strRef>
+          </c:cat>
+          <c:val>
+            <c:numRef>
+              <c:f>Sheet1!$B$2:$B$38</c:f>
+              <c:numCache>
+                <c:formatCode>General</c:formatCode>
+                <c:ptCount val="37"/>
+                <c:pt idx="0">
+                  <c:v>4.0</c:v>
+                </c:pt>
+                <c:pt idx="1">
+                  <c:v>2.0</c:v>
+                </c:pt>
+                <c:pt idx="2">
+                  <c:v>2.0</c:v>
+                </c:pt>
+                <c:pt idx="5">
+                  <c:v>6.0</c:v>
+                </c:pt>
+                <c:pt idx="6">
+                  <c:v>24.0</c:v>
+                </c:pt>
+                <c:pt idx="7">
+                  <c:v>16.0</c:v>
+                </c:pt>
+                <c:pt idx="8">
+                  <c:v>12.0</c:v>
+                </c:pt>
+                <c:pt idx="10">
+                  <c:v>4.0</c:v>
+                </c:pt>
+                <c:pt idx="12">
+                  <c:v>4.0</c:v>
+                </c:pt>
+                <c:pt idx="14">
+                  <c:v>6.0</c:v>
+                </c:pt>
+                <c:pt idx="21">
+                  <c:v>2.0</c:v>
+                </c:pt>
+                <c:pt idx="22">
+                  <c:v>154.0</c:v>
+                </c:pt>
+                <c:pt idx="33">
+                  <c:v>2.0</c:v>
+                </c:pt>
+                <c:pt idx="34">
+                  <c:v>2.0</c:v>
+                </c:pt>
+                <c:pt idx="35">
+                  <c:v>2.0</c:v>
+                </c:pt>
+                <c:pt idx="36">
+                  <c:v>2.0</c:v>
+                </c:pt>
+              </c:numCache>
+            </c:numRef>
+          </c:val>
+        </c:ser>
+        <c:dLbls>
+          <c:showLegendKey val="0"/>
+          <c:showVal val="0"/>
+          <c:showCatName val="0"/>
+          <c:showSerName val="0"/>
+          <c:showPercent val="0"/>
+          <c:showBubbleSize val="0"/>
+        </c:dLbls>
+        <c:gapWidth val="150"/>
+        <c:axId val="2128958712"/>
+        <c:axId val="2125736536"/>
+      </c:barChart>
+      <c:catAx>
+        <c:axId val="2128958712"/>
+        <c:scaling>
+          <c:orientation val="minMax"/>
+        </c:scaling>
+        <c:delete val="0"/>
+        <c:axPos val="l"/>
+        <c:majorTickMark val="out"/>
+        <c:minorTickMark val="none"/>
+        <c:tickLblPos val="nextTo"/>
+        <c:txPr>
+          <a:bodyPr/>
+          <a:lstStyle/>
+          <a:p>
+            <a:pPr>
+              <a:defRPr sz="1600"/>
+            </a:pPr>
+            <a:endParaRPr lang="en-US"/>
+          </a:p>
+        </c:txPr>
+        <c:crossAx val="2125736536"/>
+        <c:crosses val="autoZero"/>
+        <c:auto val="1"/>
+        <c:lblAlgn val="ctr"/>
+        <c:lblOffset val="100"/>
+        <c:noMultiLvlLbl val="0"/>
+      </c:catAx>
+      <c:valAx>
+        <c:axId val="2125736536"/>
+        <c:scaling>
+          <c:orientation val="minMax"/>
+          <c:max val="25.0"/>
+        </c:scaling>
+        <c:delete val="0"/>
+        <c:axPos val="b"/>
+        <c:majorGridlines/>
+        <c:numFmt formatCode="General" sourceLinked="1"/>
+        <c:majorTickMark val="out"/>
+        <c:minorTickMark val="none"/>
+        <c:tickLblPos val="nextTo"/>
+        <c:crossAx val="2128958712"/>
         <c:crosses val="autoZero"/>
         <c:crossBetween val="between"/>
       </c:valAx>
@@ -3322,14 +3845,14 @@
           <p:nvPr>
             <p:extLst>
               <p:ext uri="{D42A27DB-BD31-4B8C-83A1-F6EECF244321}">
-                <p14:modId xmlns:p14="http://schemas.microsoft.com/office/powerpoint/2010/main" val="1045508733"/>
+                <p14:modId xmlns:p14="http://schemas.microsoft.com/office/powerpoint/2010/main" val="379573094"/>
               </p:ext>
             </p:extLst>
           </p:nvPr>
         </p:nvGraphicFramePr>
         <p:xfrm>
-          <a:off x="1" y="228649"/>
-          <a:ext cx="8972130" cy="6365750"/>
+          <a:off x="0" y="0"/>
+          <a:ext cx="9144000" cy="6858000"/>
         </p:xfrm>
         <a:graphic>
           <a:graphicData uri="http://schemas.openxmlformats.org/drawingml/2006/chart">
@@ -3345,7 +3868,7 @@
         </p:nvSpPr>
         <p:spPr>
           <a:xfrm>
-            <a:off x="8168659" y="2105313"/>
+            <a:off x="8436483" y="1985493"/>
             <a:ext cx="535648" cy="369332"/>
           </a:xfrm>
           <a:prstGeom prst="rect">
@@ -3371,6 +3894,148 @@
     <p:extLst>
       <p:ext uri="{BB962C8B-B14F-4D97-AF65-F5344CB8AC3E}">
         <p14:creationId xmlns:p14="http://schemas.microsoft.com/office/powerpoint/2010/main" val="516959052"/>
+      </p:ext>
+    </p:extLst>
+  </p:cSld>
+  <p:clrMapOvr>
+    <a:masterClrMapping/>
+  </p:clrMapOvr>
+</p:sld>
+</file>
+
+<file path=ppt/slides/slide2.xml><?xml version="1.0" encoding="utf-8"?>
+<p:sld xmlns:a="http://schemas.openxmlformats.org/drawingml/2006/main" xmlns:r="http://schemas.openxmlformats.org/officeDocument/2006/relationships" xmlns:p="http://schemas.openxmlformats.org/presentationml/2006/main">
+  <p:cSld>
+    <p:spTree>
+      <p:nvGrpSpPr>
+        <p:cNvPr id="1" name=""/>
+        <p:cNvGrpSpPr/>
+        <p:nvPr/>
+      </p:nvGrpSpPr>
+      <p:grpSpPr>
+        <a:xfrm>
+          <a:off x="0" y="0"/>
+          <a:ext cx="0" cy="0"/>
+          <a:chOff x="0" y="0"/>
+          <a:chExt cx="0" cy="0"/>
+        </a:xfrm>
+      </p:grpSpPr>
+      <p:graphicFrame>
+        <p:nvGraphicFramePr>
+          <p:cNvPr id="4" name="Chart 3"/>
+          <p:cNvGraphicFramePr/>
+          <p:nvPr>
+            <p:extLst>
+              <p:ext uri="{D42A27DB-BD31-4B8C-83A1-F6EECF244321}">
+                <p14:modId xmlns:p14="http://schemas.microsoft.com/office/powerpoint/2010/main" val="2401427259"/>
+              </p:ext>
+            </p:extLst>
+          </p:nvPr>
+        </p:nvGraphicFramePr>
+        <p:xfrm>
+          <a:off x="0" y="0"/>
+          <a:ext cx="9144000" cy="6858000"/>
+        </p:xfrm>
+        <a:graphic>
+          <a:graphicData uri="http://schemas.openxmlformats.org/drawingml/2006/chart">
+            <c:chart xmlns:c="http://schemas.openxmlformats.org/drawingml/2006/chart" xmlns:r="http://schemas.openxmlformats.org/officeDocument/2006/relationships" r:id="rId2"/>
+          </a:graphicData>
+        </a:graphic>
+      </p:graphicFrame>
+    </p:spTree>
+    <p:extLst>
+      <p:ext uri="{BB962C8B-B14F-4D97-AF65-F5344CB8AC3E}">
+        <p14:creationId xmlns:p14="http://schemas.microsoft.com/office/powerpoint/2010/main" val="759668411"/>
+      </p:ext>
+    </p:extLst>
+  </p:cSld>
+  <p:clrMapOvr>
+    <a:masterClrMapping/>
+  </p:clrMapOvr>
+</p:sld>
+</file>
+
+<file path=ppt/slides/slide3.xml><?xml version="1.0" encoding="utf-8"?>
+<p:sld xmlns:a="http://schemas.openxmlformats.org/drawingml/2006/main" xmlns:r="http://schemas.openxmlformats.org/officeDocument/2006/relationships" xmlns:p="http://schemas.openxmlformats.org/presentationml/2006/main">
+  <p:cSld>
+    <p:spTree>
+      <p:nvGrpSpPr>
+        <p:cNvPr id="1" name=""/>
+        <p:cNvGrpSpPr/>
+        <p:nvPr/>
+      </p:nvGrpSpPr>
+      <p:grpSpPr>
+        <a:xfrm>
+          <a:off x="0" y="0"/>
+          <a:ext cx="0" cy="0"/>
+          <a:chOff x="0" y="0"/>
+          <a:chExt cx="0" cy="0"/>
+        </a:xfrm>
+      </p:grpSpPr>
+      <p:graphicFrame>
+        <p:nvGraphicFramePr>
+          <p:cNvPr id="4" name="Chart 3"/>
+          <p:cNvGraphicFramePr/>
+          <p:nvPr>
+            <p:extLst>
+              <p:ext uri="{D42A27DB-BD31-4B8C-83A1-F6EECF244321}">
+                <p14:modId xmlns:p14="http://schemas.microsoft.com/office/powerpoint/2010/main" val="3519842838"/>
+              </p:ext>
+            </p:extLst>
+          </p:nvPr>
+        </p:nvGraphicFramePr>
+        <p:xfrm>
+          <a:off x="0" y="0"/>
+          <a:ext cx="9144000" cy="6858000"/>
+        </p:xfrm>
+        <a:graphic>
+          <a:graphicData uri="http://schemas.openxmlformats.org/drawingml/2006/chart">
+            <c:chart xmlns:c="http://schemas.openxmlformats.org/drawingml/2006/chart" xmlns:r="http://schemas.openxmlformats.org/officeDocument/2006/relationships" r:id="rId2"/>
+          </a:graphicData>
+        </a:graphic>
+      </p:graphicFrame>
+      <p:sp>
+        <p:nvSpPr>
+          <p:cNvPr id="5" name="TextBox 4"/>
+          <p:cNvSpPr txBox="1"/>
+          <p:nvPr/>
+        </p:nvSpPr>
+        <p:spPr>
+          <a:xfrm>
+            <a:off x="8412687" y="2689003"/>
+            <a:ext cx="496650" cy="338554"/>
+          </a:xfrm>
+          <a:prstGeom prst="rect">
+            <a:avLst/>
+          </a:prstGeom>
+          <a:noFill/>
+        </p:spPr>
+        <p:txBody>
+          <a:bodyPr wrap="none" rtlCol="0">
+            <a:spAutoFit/>
+          </a:bodyPr>
+          <a:lstStyle/>
+          <a:p>
+            <a:r>
+              <a:rPr lang="en-US" sz="1600" dirty="0" smtClean="0">
+                <a:solidFill>
+                  <a:schemeClr val="bg1"/>
+                </a:solidFill>
+              </a:rPr>
+              <a:t>154</a:t>
+            </a:r>
+            <a:endParaRPr lang="en-US" sz="1600" dirty="0">
+              <a:solidFill>
+                <a:schemeClr val="bg1"/>
+              </a:solidFill>
+            </a:endParaRPr>
+          </a:p>
+        </p:txBody>
+      </p:sp>
+    </p:spTree>
+    <p:extLst>
+      <p:ext uri="{BB962C8B-B14F-4D97-AF65-F5344CB8AC3E}">
+        <p14:creationId xmlns:p14="http://schemas.microsoft.com/office/powerpoint/2010/main" val="268153582"/>
       </p:ext>
     </p:extLst>
   </p:cSld>

--- a/Slide deck-Research-11_16.pptx
+++ b/Slide deck-Research-11_16.pptx
@@ -8,6 +8,7 @@
     <p:sldId id="256" r:id="rId2"/>
     <p:sldId id="257" r:id="rId3"/>
     <p:sldId id="258" r:id="rId4"/>
+    <p:sldId id="259" r:id="rId5"/>
   </p:sldIdLst>
   <p:sldSz cx="9144000" cy="6858000" type="screen4x3"/>
   <p:notesSz cx="6858000" cy="9144000"/>
@@ -266,11 +267,11 @@
           <c:showBubbleSize val="0"/>
         </c:dLbls>
         <c:gapWidth val="150"/>
-        <c:axId val="2098559160"/>
-        <c:axId val="2098537864"/>
+        <c:axId val="2135904888"/>
+        <c:axId val="2102140248"/>
       </c:barChart>
       <c:catAx>
-        <c:axId val="2098559160"/>
+        <c:axId val="2135904888"/>
         <c:scaling>
           <c:orientation val="minMax"/>
         </c:scaling>
@@ -279,7 +280,7 @@
         <c:majorTickMark val="out"/>
         <c:minorTickMark val="none"/>
         <c:tickLblPos val="nextTo"/>
-        <c:crossAx val="2098537864"/>
+        <c:crossAx val="2102140248"/>
         <c:crosses val="autoZero"/>
         <c:auto val="1"/>
         <c:lblAlgn val="ctr"/>
@@ -287,7 +288,7 @@
         <c:noMultiLvlLbl val="0"/>
       </c:catAx>
       <c:valAx>
-        <c:axId val="2098537864"/>
+        <c:axId val="2102140248"/>
         <c:scaling>
           <c:orientation val="minMax"/>
           <c:max val="30.0"/>
@@ -299,7 +300,7 @@
         <c:majorTickMark val="out"/>
         <c:minorTickMark val="none"/>
         <c:tickLblPos val="nextTo"/>
-        <c:crossAx val="2098559160"/>
+        <c:crossAx val="2135904888"/>
         <c:crosses val="autoZero"/>
         <c:crossBetween val="between"/>
       </c:valAx>
@@ -451,11 +452,11 @@
           <c:showBubbleSize val="0"/>
         </c:dLbls>
         <c:gapWidth val="150"/>
-        <c:axId val="2125475896"/>
-        <c:axId val="2125480856"/>
+        <c:axId val="-2136691576"/>
+        <c:axId val="-2136688568"/>
       </c:barChart>
       <c:catAx>
-        <c:axId val="2125475896"/>
+        <c:axId val="-2136691576"/>
         <c:scaling>
           <c:orientation val="minMax"/>
         </c:scaling>
@@ -464,7 +465,7 @@
         <c:majorTickMark val="out"/>
         <c:minorTickMark val="none"/>
         <c:tickLblPos val="nextTo"/>
-        <c:crossAx val="2125480856"/>
+        <c:crossAx val="-2136688568"/>
         <c:crosses val="autoZero"/>
         <c:auto val="1"/>
         <c:lblAlgn val="ctr"/>
@@ -472,7 +473,7 @@
         <c:noMultiLvlLbl val="0"/>
       </c:catAx>
       <c:valAx>
-        <c:axId val="2125480856"/>
+        <c:axId val="-2136688568"/>
         <c:scaling>
           <c:orientation val="minMax"/>
           <c:max val="20.0"/>
@@ -484,7 +485,7 @@
         <c:majorTickMark val="out"/>
         <c:minorTickMark val="none"/>
         <c:tickLblPos val="nextTo"/>
-        <c:crossAx val="2125475896"/>
+        <c:crossAx val="-2136691576"/>
         <c:crosses val="autoZero"/>
         <c:crossBetween val="between"/>
       </c:valAx>
@@ -543,19 +544,11 @@
             </a:pPr>
             <a:r>
               <a:rPr lang="en-US" dirty="0" smtClean="0"/>
-              <a:t>Methods/APIs</a:t>
+              <a:t>Methods</a:t>
             </a:r>
             <a:r>
               <a:rPr lang="en-US" baseline="0" dirty="0" smtClean="0"/>
-              <a:t> called </a:t>
-            </a:r>
-            <a:r>
-              <a:rPr lang="en-US" baseline="0" dirty="0" err="1" smtClean="0"/>
-              <a:t>vs</a:t>
-            </a:r>
-            <a:r>
-              <a:rPr lang="en-US" baseline="0" dirty="0" smtClean="0"/>
-              <a:t> Total Logged</a:t>
+              <a:t> &amp; APIs Called (out of Total)</a:t>
             </a:r>
             <a:endParaRPr lang="en-US" dirty="0"/>
           </a:p>
@@ -598,176 +591,164 @@
           <c:invertIfNegative val="0"/>
           <c:cat>
             <c:strRef>
-              <c:f>Sheet1!$A$2:$A$38</c:f>
+              <c:f>Sheet1!$A$2:$A$34</c:f>
               <c:strCache>
-                <c:ptCount val="37"/>
+                <c:ptCount val="33"/>
                 <c:pt idx="0">
-                  <c:v>andro...MainActivity;-&gt;onStart</c:v>
+                  <c:v>java.netURL.openConnection</c:v>
                 </c:pt>
                 <c:pt idx="1">
-                  <c:v>andro...MainActivity;-&gt;onBackPressed</c:v>
+                  <c:v>java.net.URL.openStream</c:v>
                 </c:pt>
                 <c:pt idx="2">
-                  <c:v>andro...MainActivity;-&gt;onCreate</c:v>
+                  <c:v>java.net.HttpURLConnection.connect</c:v>
                 </c:pt>
                 <c:pt idx="3">
-                  <c:v>andro...MainActivity;-&gt;onDestroy</c:v>
+                  <c:v>java.lang.Thread.start</c:v>
                 </c:pt>
                 <c:pt idx="4">
-                  <c:v>andro...MainActivity;-&gt;onPause</c:v>
+                  <c:v>b.a.a.g.run</c:v>
                 </c:pt>
                 <c:pt idx="5">
-                  <c:v>andro...MainActivity;-&gt;onResume</c:v>
+                  <c:v>b.a.a.f.run</c:v>
                 </c:pt>
                 <c:pt idx="6">
-                  <c:v>andro...MainActivity;-&gt;onTouch</c:v>
+                  <c:v>android.net.ConnectivityManager.getActiveNetworkInfo</c:v>
                 </c:pt>
                 <c:pt idx="7">
-                  <c:v>java/net/URL;-&gt;openConnection</c:v>
+                  <c:v>android.content.Intent.setData</c:v>
                 </c:pt>
                 <c:pt idx="8">
-                  <c:v>java/net/HttpURLConnection;-&gt;connect</c:v>
+                  <c:v>android.content.Context.bindService</c:v>
                 </c:pt>
                 <c:pt idx="9">
-                  <c:v>android/content/Intent;-&gt;setData</c:v>
+                  <c:v>andro...z.onClick</c:v>
                 </c:pt>
                 <c:pt idx="10">
-                  <c:v>android/net/ConnectivityManager;-&gt;getActiveNetworkInfo</c:v>
+                  <c:v>andro...y.onClick</c:v>
                 </c:pt>
                 <c:pt idx="11">
-                  <c:v>java/net/URL;-&gt;openStream</c:v>
+                  <c:v>andro...x.onClick</c:v>
                 </c:pt>
                 <c:pt idx="12">
-                  <c:v>/net/URL;-&gt;openStream</c:v>
+                  <c:v>andro...w.onClick</c:v>
                 </c:pt>
                 <c:pt idx="13">
-                  <c:v>andro...ab;-&gt;run</c:v>
+                  <c:v>andro...v.onClick</c:v>
                 </c:pt>
                 <c:pt idx="14">
-                  <c:v>andro...b;-&gt;run</c:v>
+                  <c:v>andro...u.onClick</c:v>
                 </c:pt>
                 <c:pt idx="15">
-                  <c:v>andro...c;-&gt;onClick</c:v>
+                  <c:v>andro...s.onClick</c:v>
                 </c:pt>
                 <c:pt idx="16">
-                  <c:v>andro...d;-&gt;onClick</c:v>
+                  <c:v>andro...r.onTouch</c:v>
                 </c:pt>
                 <c:pt idx="17">
-                  <c:v>andro...e;-&gt;onClick</c:v>
+                  <c:v>andro...MainActivity.onTouch</c:v>
                 </c:pt>
                 <c:pt idx="18">
-                  <c:v>andro...f;-&gt;onClick</c:v>
+                  <c:v>andro...MainActivity.onStart</c:v>
                 </c:pt>
                 <c:pt idx="19">
-                  <c:v>andro...g;-&gt;onClick</c:v>
+                  <c:v>andro...MainActivity.onResume</c:v>
                 </c:pt>
                 <c:pt idx="20">
-                  <c:v>andro...h;-&gt;onClick</c:v>
+                  <c:v>andro...MainActivity.onPause</c:v>
                 </c:pt>
                 <c:pt idx="21">
-                  <c:v>andro...i;-&gt;onPreExecute</c:v>
+                  <c:v>andro...MainActivity.onDestroy</c:v>
                 </c:pt>
                 <c:pt idx="22">
-                  <c:v>andro...r;-&gt;onTouch</c:v>
+                  <c:v>andro...MainActivity.onCreate</c:v>
                 </c:pt>
                 <c:pt idx="23">
-                  <c:v>andro...s;-&gt;onClick</c:v>
+                  <c:v>andro...MainActivity.onBackPressed</c:v>
                 </c:pt>
                 <c:pt idx="24">
-                  <c:v>andro...u;-&gt;onClick</c:v>
+                  <c:v>andro...i.onPreExecute</c:v>
                 </c:pt>
                 <c:pt idx="25">
-                  <c:v>andro...v;-&gt;onClick</c:v>
+                  <c:v>andro...h.onClick</c:v>
                 </c:pt>
                 <c:pt idx="26">
-                  <c:v>android/content/Intent;-&gt;setData</c:v>
+                  <c:v>andro...g.onClick</c:v>
                 </c:pt>
                 <c:pt idx="27">
-                  <c:v>andro...w;-&gt;onClick</c:v>
+                  <c:v>andro...f.onClick</c:v>
                 </c:pt>
                 <c:pt idx="28">
-                  <c:v>andro...x;-&gt;onClick</c:v>
+                  <c:v>andro...e.onClick</c:v>
                 </c:pt>
                 <c:pt idx="29">
-                  <c:v>andro...y;-&gt;onClick</c:v>
+                  <c:v>andro...d.onClick</c:v>
                 </c:pt>
                 <c:pt idx="30">
-                  <c:v>android/content/Intent;-&gt;setData</c:v>
+                  <c:v>andro...c.onClick</c:v>
                 </c:pt>
                 <c:pt idx="31">
-                  <c:v>andro...z;-&gt;onClick</c:v>
+                  <c:v>andro...b.run</c:v>
                 </c:pt>
                 <c:pt idx="32">
-                  <c:v>android/content/Intent;-&gt;setData</c:v>
-                </c:pt>
-                <c:pt idx="33">
-                  <c:v>android/content/Context;-&gt;bindService</c:v>
-                </c:pt>
-                <c:pt idx="34">
-                  <c:v>java/lang/Thread;-&gt;start</c:v>
-                </c:pt>
-                <c:pt idx="35">
-                  <c:v>b/a/a/f;-&gt;run</c:v>
-                </c:pt>
-                <c:pt idx="36">
-                  <c:v>b/a/a/g;-&gt;run</c:v>
+                  <c:v>andro...ab.run</c:v>
                 </c:pt>
               </c:strCache>
             </c:strRef>
           </c:cat>
           <c:val>
             <c:numRef>
-              <c:f>Sheet1!$B$2:$B$38</c:f>
+              <c:f>Sheet1!$B$2:$B$34</c:f>
               <c:numCache>
                 <c:formatCode>General</c:formatCode>
-                <c:ptCount val="37"/>
+                <c:ptCount val="33"/>
                 <c:pt idx="0">
+                  <c:v>16.0</c:v>
+                </c:pt>
+                <c:pt idx="1">
                   <c:v>4.0</c:v>
                 </c:pt>
-                <c:pt idx="1">
+                <c:pt idx="2">
+                  <c:v>12.0</c:v>
+                </c:pt>
+                <c:pt idx="3">
                   <c:v>2.0</c:v>
                 </c:pt>
-                <c:pt idx="2">
+                <c:pt idx="4">
                   <c:v>2.0</c:v>
                 </c:pt>
                 <c:pt idx="5">
+                  <c:v>2.0</c:v>
+                </c:pt>
+                <c:pt idx="6">
+                  <c:v>4.0</c:v>
+                </c:pt>
+                <c:pt idx="8">
+                  <c:v>2.0</c:v>
+                </c:pt>
+                <c:pt idx="16">
+                  <c:v>154.0</c:v>
+                </c:pt>
+                <c:pt idx="17">
+                  <c:v>24.0</c:v>
+                </c:pt>
+                <c:pt idx="18">
+                  <c:v>4.0</c:v>
+                </c:pt>
+                <c:pt idx="19">
                   <c:v>6.0</c:v>
                 </c:pt>
-                <c:pt idx="6">
-                  <c:v>24.0</c:v>
-                </c:pt>
-                <c:pt idx="7">
-                  <c:v>16.0</c:v>
-                </c:pt>
-                <c:pt idx="8">
-                  <c:v>12.0</c:v>
-                </c:pt>
-                <c:pt idx="10">
-                  <c:v>4.0</c:v>
-                </c:pt>
-                <c:pt idx="12">
-                  <c:v>4.0</c:v>
-                </c:pt>
-                <c:pt idx="14">
+                <c:pt idx="22">
+                  <c:v>2.0</c:v>
+                </c:pt>
+                <c:pt idx="23">
+                  <c:v>2.0</c:v>
+                </c:pt>
+                <c:pt idx="24">
+                  <c:v>2.0</c:v>
+                </c:pt>
+                <c:pt idx="31">
                   <c:v>6.0</c:v>
-                </c:pt>
-                <c:pt idx="21">
-                  <c:v>2.0</c:v>
-                </c:pt>
-                <c:pt idx="22">
-                  <c:v>154.0</c:v>
-                </c:pt>
-                <c:pt idx="33">
-                  <c:v>2.0</c:v>
-                </c:pt>
-                <c:pt idx="34">
-                  <c:v>2.0</c:v>
-                </c:pt>
-                <c:pt idx="35">
-                  <c:v>2.0</c:v>
-                </c:pt>
-                <c:pt idx="36">
-                  <c:v>2.0</c:v>
                 </c:pt>
               </c:numCache>
             </c:numRef>
@@ -782,11 +763,11 @@
           <c:showBubbleSize val="0"/>
         </c:dLbls>
         <c:gapWidth val="150"/>
-        <c:axId val="2128958712"/>
-        <c:axId val="2125736536"/>
+        <c:axId val="-2136665752"/>
+        <c:axId val="-2136662776"/>
       </c:barChart>
       <c:catAx>
-        <c:axId val="2128958712"/>
+        <c:axId val="-2136665752"/>
         <c:scaling>
           <c:orientation val="minMax"/>
         </c:scaling>
@@ -800,12 +781,12 @@
           <a:lstStyle/>
           <a:p>
             <a:pPr>
-              <a:defRPr sz="1600"/>
+              <a:defRPr sz="900"/>
             </a:pPr>
             <a:endParaRPr lang="en-US"/>
           </a:p>
         </c:txPr>
-        <c:crossAx val="2125736536"/>
+        <c:crossAx val="-2136662776"/>
         <c:crosses val="autoZero"/>
         <c:auto val="1"/>
         <c:lblAlgn val="ctr"/>
@@ -813,7 +794,7 @@
         <c:noMultiLvlLbl val="0"/>
       </c:catAx>
       <c:valAx>
-        <c:axId val="2125736536"/>
+        <c:axId val="-2136662776"/>
         <c:scaling>
           <c:orientation val="minMax"/>
           <c:max val="25.0"/>
@@ -825,7 +806,7 @@
         <c:majorTickMark val="out"/>
         <c:minorTickMark val="none"/>
         <c:tickLblPos val="nextTo"/>
-        <c:crossAx val="2128958712"/>
+        <c:crossAx val="-2136665752"/>
         <c:crosses val="autoZero"/>
         <c:crossBetween val="between"/>
       </c:valAx>
@@ -848,6 +829,5205 @@
     <c:autoUpdate val="0"/>
   </c:externalData>
 </c:chartSpace>
+</file>
+
+<file path=ppt/charts/chart4.xml><?xml version="1.0" encoding="utf-8"?>
+<c:chartSpace xmlns:c="http://schemas.openxmlformats.org/drawingml/2006/chart" xmlns:a="http://schemas.openxmlformats.org/drawingml/2006/main" xmlns:r="http://schemas.openxmlformats.org/officeDocument/2006/relationships">
+  <c:date1904 val="0"/>
+  <c:lang val="en-US"/>
+  <c:roundedCorners val="0"/>
+  <mc:AlternateContent xmlns:mc="http://schemas.openxmlformats.org/markup-compatibility/2006">
+    <mc:Choice xmlns:c14="http://schemas.microsoft.com/office/drawing/2007/8/2/chart" Requires="c14">
+      <c14:style val="118"/>
+    </mc:Choice>
+    <mc:Fallback>
+      <c:style val="18"/>
+    </mc:Fallback>
+  </mc:AlternateContent>
+  <c:chart>
+    <c:title>
+      <c:layout/>
+      <c:overlay val="0"/>
+    </c:title>
+    <c:autoTitleDeleted val="0"/>
+    <c:plotArea>
+      <c:layout/>
+      <c:barChart>
+        <c:barDir val="bar"/>
+        <c:grouping val="clustered"/>
+        <c:varyColors val="0"/>
+        <c:ser>
+          <c:idx val="0"/>
+          <c:order val="0"/>
+          <c:tx>
+            <c:strRef>
+              <c:f>Sheet1!$B$1</c:f>
+              <c:strCache>
+                <c:ptCount val="1"/>
+                <c:pt idx="0">
+                  <c:v>Series 1</c:v>
+                </c:pt>
+              </c:strCache>
+            </c:strRef>
+          </c:tx>
+          <c:invertIfNegative val="0"/>
+          <c:cat>
+            <c:strRef>
+              <c:f>Sheet1!$A$2:$A$838</c:f>
+              <c:strCache>
+                <c:ptCount val="837"/>
+                <c:pt idx="0">
+                  <c:v>android.animation.AnimatorSet.start</c:v>
+                </c:pt>
+                <c:pt idx="1">
+                  <c:v>android.animation.ObjectAnimator.start</c:v>
+                </c:pt>
+                <c:pt idx="2">
+                  <c:v>android.bluetooth.BluetoothAdapter.getAddress</c:v>
+                </c:pt>
+                <c:pt idx="3">
+                  <c:v>android.content.ContentResolver.openInputStream</c:v>
+                </c:pt>
+                <c:pt idx="4">
+                  <c:v>android.content.ContentResolver.query</c:v>
+                </c:pt>
+                <c:pt idx="5">
+                  <c:v>android.content.ContentResolver.registerContentObserver</c:v>
+                </c:pt>
+                <c:pt idx="6">
+                  <c:v>android.content.Context.sendBroadcast</c:v>
+                </c:pt>
+                <c:pt idx="7">
+                  <c:v>android.content.Context.startService</c:v>
+                </c:pt>
+                <c:pt idx="8">
+                  <c:v>android.content.Intent.&lt;init&gt;</c:v>
+                </c:pt>
+                <c:pt idx="9">
+                  <c:v>android.content.Intent.setData</c:v>
+                </c:pt>
+                <c:pt idx="10">
+                  <c:v>android.content.Intent.setDataAndType</c:v>
+                </c:pt>
+                <c:pt idx="11">
+                  <c:v>android.hardware.Camera.open</c:v>
+                </c:pt>
+                <c:pt idx="12">
+                  <c:v>android.location.LocationManager.getBestProvider</c:v>
+                </c:pt>
+                <c:pt idx="13">
+                  <c:v>android.location.LocationManager.getLastKnownLocation</c:v>
+                </c:pt>
+                <c:pt idx="14">
+                  <c:v>android.location.LocationManager.isProviderEnabled</c:v>
+                </c:pt>
+                <c:pt idx="15">
+                  <c:v>android.location.LocationManager.requestLocationUpdates</c:v>
+                </c:pt>
+                <c:pt idx="16">
+                  <c:v>android.media.MediaPlayer.release</c:v>
+                </c:pt>
+                <c:pt idx="17">
+                  <c:v>android.media.MediaPlayer.start</c:v>
+                </c:pt>
+                <c:pt idx="18">
+                  <c:v>android.media.MediaPlayer.stop</c:v>
+                </c:pt>
+                <c:pt idx="19">
+                  <c:v>android.media.MediaScannerConnection.scanFile</c:v>
+                </c:pt>
+                <c:pt idx="20">
+                  <c:v>android.net.ConnectivityManager.getActiveNetworkInfo</c:v>
+                </c:pt>
+                <c:pt idx="21">
+                  <c:v>android.net.wifi.WifiManager.getConnectionInfo</c:v>
+                </c:pt>
+                <c:pt idx="22">
+                  <c:v>android.os.HandlerThread.start</c:v>
+                </c:pt>
+                <c:pt idx="23">
+                  <c:v>android.os.Vibrator.vibrate</c:v>
+                </c:pt>
+                <c:pt idx="24">
+                  <c:v>android.preference.CheckBoxPreference.isChecked</c:v>
+                </c:pt>
+                <c:pt idx="25">
+                  <c:v>android.telephony.TelephonyManager.getDeviceId</c:v>
+                </c:pt>
+                <c:pt idx="26">
+                  <c:v>android.telephony.TelephonyManager.getLine1Number</c:v>
+                </c:pt>
+                <c:pt idx="27">
+                  <c:v>android.view.ViewPropertyAnimator.start</c:v>
+                </c:pt>
+                <c:pt idx="28">
+                  <c:v>android.webkit.WebView.&lt;init&gt;</c:v>
+                </c:pt>
+                <c:pt idx="29">
+                  <c:v>android.widget.CheckBox.isChecked</c:v>
+                </c:pt>
+                <c:pt idx="30">
+                  <c:v>android.widget.VideoView.pause</c:v>
+                </c:pt>
+                <c:pt idx="31">
+                  <c:v>android.widget.VideoView.setVideoPath</c:v>
+                </c:pt>
+                <c:pt idx="32">
+                  <c:v>android.widget.VideoView.setVideoURI</c:v>
+                </c:pt>
+                <c:pt idx="33">
+                  <c:v>android.widget.VideoView.start</c:v>
+                </c:pt>
+                <c:pt idx="34">
+                  <c:v>android.widget.VideoView.stopPlayback</c:v>
+                </c:pt>
+                <c:pt idx="35">
+                  <c:v>com.applovin.adview.AppLovinConfirmationActivity.onCreate</c:v>
+                </c:pt>
+                <c:pt idx="36">
+                  <c:v>com.applovin.adview.AppLovinConfirmationActivity.onDestroy</c:v>
+                </c:pt>
+                <c:pt idx="37">
+                  <c:v>com.applovin.adview.AppLovinConfirmationActivity.onPause</c:v>
+                </c:pt>
+                <c:pt idx="38">
+                  <c:v>com.applovin.adview.AppLovinConfirmationActivity.onResume</c:v>
+                </c:pt>
+                <c:pt idx="39">
+                  <c:v>com.applovin.adview.AppLovinConfirmationActivity.onStart</c:v>
+                </c:pt>
+                <c:pt idx="40">
+                  <c:v>com.applovin.adview.AppLovinInterstitialActivity.onBackPressed</c:v>
+                </c:pt>
+                <c:pt idx="41">
+                  <c:v>com.applovin.adview.AppLovinInterstitialActivity.onCreate</c:v>
+                </c:pt>
+                <c:pt idx="42">
+                  <c:v>com.applovin.adview.AppLovinInterstitialActivity.onDestroy</c:v>
+                </c:pt>
+                <c:pt idx="43">
+                  <c:v>com.applovin.adview.AppLovinInterstitialActivity.onPause</c:v>
+                </c:pt>
+                <c:pt idx="44">
+                  <c:v>com.applovin.adview.AppLovinInterstitialActivity.onResume</c:v>
+                </c:pt>
+                <c:pt idx="45">
+                  <c:v>com.applovin.adview.AppLovinInterstitialActivity.onStart</c:v>
+                </c:pt>
+                <c:pt idx="46">
+                  <c:v>com.applovin.adview.a.onClick</c:v>
+                </c:pt>
+                <c:pt idx="47">
+                  <c:v>com.applovin.adview.d.run</c:v>
+                </c:pt>
+                <c:pt idx="48">
+                  <c:v>com.applovin.adview.i.run</c:v>
+                </c:pt>
+                <c:pt idx="49">
+                  <c:v>com.applovin.adview.j.onClick</c:v>
+                </c:pt>
+                <c:pt idx="50">
+                  <c:v>com.applovin.adview.k.onClick</c:v>
+                </c:pt>
+                <c:pt idx="51">
+                  <c:v>com.applovin.adview.l.run</c:v>
+                </c:pt>
+                <c:pt idx="52">
+                  <c:v>com.applovin.adview.m.run</c:v>
+                </c:pt>
+                <c:pt idx="53">
+                  <c:v>com.applovin.adview.o.run</c:v>
+                </c:pt>
+                <c:pt idx="54">
+                  <c:v>com.applovin.adview.p.run</c:v>
+                </c:pt>
+                <c:pt idx="55">
+                  <c:v>com.applovin.impl.adview.AppLovinVideoView.setVideoURI</c:v>
+                </c:pt>
+                <c:pt idx="56">
+                  <c:v>com.applovin.impl.adview.AppLovinVideoView.start</c:v>
+                </c:pt>
+                <c:pt idx="57">
+                  <c:v>com.applovin.impl.adview.a.run</c:v>
+                </c:pt>
+                <c:pt idx="58">
+                  <c:v>com.applovin.impl.adview.aa.onClick</c:v>
+                </c:pt>
+                <c:pt idx="59">
+                  <c:v>com.applovin.impl.adview.ab.onClick</c:v>
+                </c:pt>
+                <c:pt idx="60">
+                  <c:v>com.applovin.impl.adview.ac.run</c:v>
+                </c:pt>
+                <c:pt idx="61">
+                  <c:v>com.applovin.impl.adview.af.run</c:v>
+                </c:pt>
+                <c:pt idx="62">
+                  <c:v>com.applovin.impl.adview.ag.run</c:v>
+                </c:pt>
+                <c:pt idx="63">
+                  <c:v>com.applovin.impl.adview.ah.run</c:v>
+                </c:pt>
+                <c:pt idx="64">
+                  <c:v>com.applovin.impl.adview.ai.run</c:v>
+                </c:pt>
+                <c:pt idx="65">
+                  <c:v>com.applovin.impl.adview.b.run</c:v>
+                </c:pt>
+                <c:pt idx="66">
+                  <c:v>com.applovin.impl.adview.f.run</c:v>
+                </c:pt>
+                <c:pt idx="67">
+                  <c:v>com.applovin.impl.adview.g.run</c:v>
+                </c:pt>
+                <c:pt idx="68">
+                  <c:v>com.applovin.impl.adview.h.run</c:v>
+                </c:pt>
+                <c:pt idx="69">
+                  <c:v>com.applovin.impl.adview.i.run</c:v>
+                </c:pt>
+                <c:pt idx="70">
+                  <c:v>com.applovin.impl.adview.j.run</c:v>
+                </c:pt>
+                <c:pt idx="71">
+                  <c:v>com.applovin.impl.adview.k.run</c:v>
+                </c:pt>
+                <c:pt idx="72">
+                  <c:v>com.applovin.impl.adview.o.onFocusChanged</c:v>
+                </c:pt>
+                <c:pt idx="73">
+                  <c:v>com.applovin.impl.adview.p.onTouch</c:v>
+                </c:pt>
+                <c:pt idx="74">
+                  <c:v>com.applovin.impl.adview.q.onLongClick</c:v>
+                </c:pt>
+                <c:pt idx="75">
+                  <c:v>com.applovin.impl.adview.v.onCreate</c:v>
+                </c:pt>
+                <c:pt idx="76">
+                  <c:v>com.applovin.impl.adview.z.run</c:v>
+                </c:pt>
+                <c:pt idx="77">
+                  <c:v>com.applovin.impl.sdk.aa.run</c:v>
+                </c:pt>
+                <c:pt idx="78">
+                  <c:v>com.applovin.impl.sdk.ab.run</c:v>
+                </c:pt>
+                <c:pt idx="79">
+                  <c:v>com.applovin.impl.sdk.ac.run</c:v>
+                </c:pt>
+                <c:pt idx="80">
+                  <c:v>com.applovin.impl.sdk.ad.run</c:v>
+                </c:pt>
+                <c:pt idx="81">
+                  <c:v>com.applovin.impl.sdk.ae.run</c:v>
+                </c:pt>
+                <c:pt idx="82">
+                  <c:v>com.applovin.impl.sdk.af.run</c:v>
+                </c:pt>
+                <c:pt idx="83">
+                  <c:v>com.applovin.impl.sdk.ag.run</c:v>
+                </c:pt>
+                <c:pt idx="84">
+                  <c:v>com.applovin.impl.sdk.ah.run</c:v>
+                </c:pt>
+                <c:pt idx="85">
+                  <c:v>com.applovin.impl.sdk.ai.run</c:v>
+                </c:pt>
+                <c:pt idx="86">
+                  <c:v>com.applovin.impl.sdk.ak.run</c:v>
+                </c:pt>
+                <c:pt idx="87">
+                  <c:v>com.applovin.impl.sdk.am.run</c:v>
+                </c:pt>
+                <c:pt idx="88">
+                  <c:v>com.applovin.impl.sdk.an.onClick</c:v>
+                </c:pt>
+                <c:pt idx="89">
+                  <c:v>com.applovin.impl.sdk.ao.run</c:v>
+                </c:pt>
+                <c:pt idx="90">
+                  <c:v>com.applovin.impl.sdk.ap.run</c:v>
+                </c:pt>
+                <c:pt idx="91">
+                  <c:v>com.applovin.impl.sdk.aq.onClick</c:v>
+                </c:pt>
+                <c:pt idx="92">
+                  <c:v>com.applovin.impl.sdk.bg.run</c:v>
+                </c:pt>
+                <c:pt idx="93">
+                  <c:v>com.applovin.impl.sdk.bi.run</c:v>
+                </c:pt>
+                <c:pt idx="94">
+                  <c:v>com.applovin.impl.sdk.bk.run</c:v>
+                </c:pt>
+                <c:pt idx="95">
+                  <c:v>com.applovin.impl.sdk.bp.run</c:v>
+                </c:pt>
+                <c:pt idx="96">
+                  <c:v>com.applovin.impl.sdk.bq.run</c:v>
+                </c:pt>
+                <c:pt idx="97">
+                  <c:v>com.applovin.impl.sdk.br.run</c:v>
+                </c:pt>
+                <c:pt idx="98">
+                  <c:v>com.applovin.impl.sdk.bt.run</c:v>
+                </c:pt>
+                <c:pt idx="99">
+                  <c:v>com.applovin.impl.sdk.by.run</c:v>
+                </c:pt>
+                <c:pt idx="100">
+                  <c:v>com.applovin.impl.sdk.x.run</c:v>
+                </c:pt>
+                <c:pt idx="101">
+                  <c:v>com.applovin.impl.sdk.y.run</c:v>
+                </c:pt>
+                <c:pt idx="102">
+                  <c:v>com.bluekai.sdk.SettingsActivity$1.onClick</c:v>
+                </c:pt>
+                <c:pt idx="103">
+                  <c:v>com.bluekai.sdk.SettingsActivity$2.onClick</c:v>
+                </c:pt>
+                <c:pt idx="104">
+                  <c:v>com.bluekai.sdk.SettingsActivity.onCreate</c:v>
+                </c:pt>
+                <c:pt idx="105">
+                  <c:v>com.bluekai.sdk.SettingsActivity.onDestroy</c:v>
+                </c:pt>
+                <c:pt idx="106">
+                  <c:v>com.bluekai.sdk.SettingsActivity.onPause</c:v>
+                </c:pt>
+                <c:pt idx="107">
+                  <c:v>com.bluekai.sdk.SettingsActivity.onResume</c:v>
+                </c:pt>
+                <c:pt idx="108">
+                  <c:v>com.bluekai.sdk.SettingsActivity.onStart</c:v>
+                </c:pt>
+                <c:pt idx="109">
+                  <c:v>com.bluekai.sdk.a$a$1.run</c:v>
+                </c:pt>
+                <c:pt idx="110">
+                  <c:v>com.bluekai.sdk.a$a.run</c:v>
+                </c:pt>
+                <c:pt idx="111">
+                  <c:v>com.bluekai.sdk.c.onCreate</c:v>
+                </c:pt>
+                <c:pt idx="112">
+                  <c:v>com.bluekai.sdk.d$1.onReceivedError</c:v>
+                </c:pt>
+                <c:pt idx="113">
+                  <c:v>com.bluekai.sdk.d$2.onClick</c:v>
+                </c:pt>
+                <c:pt idx="114">
+                  <c:v>com.bluekai.sdk.d.onCreateDialog</c:v>
+                </c:pt>
+                <c:pt idx="115">
+                  <c:v>com.bluekai.sdk.e$1.onReceivedError</c:v>
+                </c:pt>
+                <c:pt idx="116">
+                  <c:v>com.brightroll.androidsdk.AdActivity$1.onReceive</c:v>
+                </c:pt>
+                <c:pt idx="117">
+                  <c:v>com.brightroll.androidsdk.AdActivity$3.run</c:v>
+                </c:pt>
+                <c:pt idx="118">
+                  <c:v>com.brightroll.androidsdk.AdActivity$4$1.run</c:v>
+                </c:pt>
+                <c:pt idx="119">
+                  <c:v>com.brightroll.androidsdk.AdActivity$4.run</c:v>
+                </c:pt>
+                <c:pt idx="120">
+                  <c:v>com.brightroll.androidsdk.AdActivity$5.run</c:v>
+                </c:pt>
+                <c:pt idx="121">
+                  <c:v>com.brightroll.androidsdk.AdActivity$6.run</c:v>
+                </c:pt>
+                <c:pt idx="122">
+                  <c:v>com.brightroll.androidsdk.AdActivity.onBackPressed</c:v>
+                </c:pt>
+                <c:pt idx="123">
+                  <c:v>com.brightroll.androidsdk.AdActivity.onCreate</c:v>
+                </c:pt>
+                <c:pt idx="124">
+                  <c:v>com.brightroll.androidsdk.AdActivity.onDestroy</c:v>
+                </c:pt>
+                <c:pt idx="125">
+                  <c:v>com.brightroll.androidsdk.AdActivity.onPause</c:v>
+                </c:pt>
+                <c:pt idx="126">
+                  <c:v>com.brightroll.androidsdk.AdActivity.onResume</c:v>
+                </c:pt>
+                <c:pt idx="127">
+                  <c:v>com.brightroll.androidsdk.AdActivity.onStart</c:v>
+                </c:pt>
+                <c:pt idx="128">
+                  <c:v>com.brightroll.androidsdk.AdIdTask.doInBackground</c:v>
+                </c:pt>
+                <c:pt idx="129">
+                  <c:v>com.brightroll.androidsdk.AdIdTask.onPostExecute</c:v>
+                </c:pt>
+                <c:pt idx="130">
+                  <c:v>com.brightroll.androidsdk.AdIdTask.onPreExecute</c:v>
+                </c:pt>
+                <c:pt idx="131">
+                  <c:v>com.brightroll.androidsdk.AsyncHttpRequest.doInBackground</c:v>
+                </c:pt>
+                <c:pt idx="132">
+                  <c:v>com.brightroll.androidsdk.AsyncHttpRequest.onPostExecute</c:v>
+                </c:pt>
+                <c:pt idx="133">
+                  <c:v>com.brightroll.androidsdk.AsyncHttpRequest.onPreExecute</c:v>
+                </c:pt>
+                <c:pt idx="134">
+                  <c:v>com.brightroll.androidsdk.AsyncHttpRequest.start</c:v>
+                </c:pt>
+                <c:pt idx="135">
+                  <c:v>com.chartboost.sdk.CBImpressionActivity.onBackPressed</c:v>
+                </c:pt>
+                <c:pt idx="136">
+                  <c:v>com.chartboost.sdk.CBImpressionActivity.onCreate</c:v>
+                </c:pt>
+                <c:pt idx="137">
+                  <c:v>com.chartboost.sdk.CBImpressionActivity.onDestroy</c:v>
+                </c:pt>
+                <c:pt idx="138">
+                  <c:v>com.chartboost.sdk.CBImpressionActivity.onPause</c:v>
+                </c:pt>
+                <c:pt idx="139">
+                  <c:v>com.chartboost.sdk.CBImpressionActivity.onResume</c:v>
+                </c:pt>
+                <c:pt idx="140">
+                  <c:v>com.chartboost.sdk.CBImpressionActivity.onStart</c:v>
+                </c:pt>
+                <c:pt idx="141">
+                  <c:v>com.chartboost.sdk.Chartboost$2.run</c:v>
+                </c:pt>
+                <c:pt idx="142">
+                  <c:v>com.chartboost.sdk.Chartboost$3.run</c:v>
+                </c:pt>
+                <c:pt idx="143">
+                  <c:v>com.chartboost.sdk.Chartboost$CBAgeGateConfirmation.execute</c:v>
+                </c:pt>
+                <c:pt idx="144">
+                  <c:v>com.chartboost.sdk.Chartboost$a.run</c:v>
+                </c:pt>
+                <c:pt idx="145">
+                  <c:v>com.chartboost.sdk.Chartboost.onBackPressed</c:v>
+                </c:pt>
+                <c:pt idx="146">
+                  <c:v>com.chartboost.sdk.Chartboost.onCreate</c:v>
+                </c:pt>
+                <c:pt idx="147">
+                  <c:v>com.chartboost.sdk.Chartboost.onDestroy</c:v>
+                </c:pt>
+                <c:pt idx="148">
+                  <c:v>com.chartboost.sdk.Chartboost.onStart</c:v>
+                </c:pt>
+                <c:pt idx="149">
+                  <c:v>com.chartboost.sdk.ChartboostActivity.onBackPressed</c:v>
+                </c:pt>
+                <c:pt idx="150">
+                  <c:v>com.chartboost.sdk.ChartboostActivity.onCreate</c:v>
+                </c:pt>
+                <c:pt idx="151">
+                  <c:v>com.chartboost.sdk.ChartboostActivity.onDestroy</c:v>
+                </c:pt>
+                <c:pt idx="152">
+                  <c:v>com.chartboost.sdk.ChartboostActivity.onPause</c:v>
+                </c:pt>
+                <c:pt idx="153">
+                  <c:v>com.chartboost.sdk.ChartboostActivity.onResume</c:v>
+                </c:pt>
+                <c:pt idx="154">
+                  <c:v>com.chartboost.sdk.ChartboostActivity.onStart</c:v>
+                </c:pt>
+                <c:pt idx="155">
+                  <c:v>com.chartboost.sdk.ChartboostNativeActivity.onBackPressed</c:v>
+                </c:pt>
+                <c:pt idx="156">
+                  <c:v>com.chartboost.sdk.ChartboostNativeActivity.onCreate</c:v>
+                </c:pt>
+                <c:pt idx="157">
+                  <c:v>com.chartboost.sdk.ChartboostNativeActivity.onDestroy</c:v>
+                </c:pt>
+                <c:pt idx="158">
+                  <c:v>com.chartboost.sdk.ChartboostNativeActivity.onStart</c:v>
+                </c:pt>
+                <c:pt idx="159">
+                  <c:v>com.chartboost.sdk.Libraries.c$1.run</c:v>
+                </c:pt>
+                <c:pt idx="160">
+                  <c:v>com.chartboost.sdk.a$1.run</c:v>
+                </c:pt>
+                <c:pt idx="161">
+                  <c:v>com.chartboost.sdk.a$2.run</c:v>
+                </c:pt>
+                <c:pt idx="162">
+                  <c:v>com.chartboost.sdk.a$3.run</c:v>
+                </c:pt>
+                <c:pt idx="163">
+                  <c:v>com.chartboost.sdk.a$4$1.run</c:v>
+                </c:pt>
+                <c:pt idx="164">
+                  <c:v>com.chartboost.sdk.a$4.execute</c:v>
+                </c:pt>
+                <c:pt idx="165">
+                  <c:v>com.chartboost.sdk.b$2$1$1.run</c:v>
+                </c:pt>
+                <c:pt idx="166">
+                  <c:v>com.chartboost.sdk.b$2.run</c:v>
+                </c:pt>
+                <c:pt idx="167">
+                  <c:v>com.chartboost.sdk.c$b$1.onTouch</c:v>
+                </c:pt>
+                <c:pt idx="168">
+                  <c:v>com.chartboost.sdk.impl.a$a$1.onClick</c:v>
+                </c:pt>
+                <c:pt idx="169">
+                  <c:v>com.chartboost.sdk.impl.a$a$2.onClick</c:v>
+                </c:pt>
+                <c:pt idx="170">
+                  <c:v>com.chartboost.sdk.impl.g$a$1.onClick</c:v>
+                </c:pt>
+                <c:pt idx="171">
+                  <c:v>com.chartboost.sdk.impl.g$a$2.run</c:v>
+                </c:pt>
+                <c:pt idx="172">
+                  <c:v>com.chartboost.sdk.impl.g$a$a$1.onClick</c:v>
+                </c:pt>
+                <c:pt idx="173">
+                  <c:v>com.chartboost.sdk.impl.i$d$1.run</c:v>
+                </c:pt>
+                <c:pt idx="174">
+                  <c:v>com.chartboost.sdk.impl.m$1$1.run</c:v>
+                </c:pt>
+                <c:pt idx="175">
+                  <c:v>com.chartboost.sdk.impl.m$1.run</c:v>
+                </c:pt>
+                <c:pt idx="176">
+                  <c:v>com.chartboost.sdk.impl.n$a$1.run</c:v>
+                </c:pt>
+                <c:pt idx="177">
+                  <c:v>com.chartboost.sdk.impl.n$a.run</c:v>
+                </c:pt>
+                <c:pt idx="178">
+                  <c:v>com.chartboost.sdk.impl.o$2.run</c:v>
+                </c:pt>
+                <c:pt idx="179">
+                  <c:v>com.chartboost.sdk.impl.r$1.onTouch</c:v>
+                </c:pt>
+                <c:pt idx="180">
+                  <c:v>com.chartboost.sdk.impl.t$2.onTouch</c:v>
+                </c:pt>
+                <c:pt idx="181">
+                  <c:v>com.chartboost.sdk.impl.t.onTouchEvent</c:v>
+                </c:pt>
+                <c:pt idx="182">
+                  <c:v>com.chartboost.sdk.impl.v$1.run</c:v>
+                </c:pt>
+                <c:pt idx="183">
+                  <c:v>com.chartboost.sdk.impl.w$b.onKeyDown</c:v>
+                </c:pt>
+                <c:pt idx="184">
+                  <c:v>com.chartboost.sdk.impl.w$c.onReceivedError</c:v>
+                </c:pt>
+                <c:pt idx="185">
+                  <c:v>com.crashlytics.android.Crashlytics.start</c:v>
+                </c:pt>
+                <c:pt idx="186">
+                  <c:v>com.crashlytics.android.E.run</c:v>
+                </c:pt>
+                <c:pt idx="187">
+                  <c:v>com.crashlytics.android.G.run</c:v>
+                </c:pt>
+                <c:pt idx="188">
+                  <c:v>com.crashlytics.android.L.onReceive</c:v>
+                </c:pt>
+                <c:pt idx="189">
+                  <c:v>com.crashlytics.android.M.onReceive</c:v>
+                </c:pt>
+                <c:pt idx="190">
+                  <c:v>com.crashlytics.android.P.run</c:v>
+                </c:pt>
+                <c:pt idx="191">
+                  <c:v>com.crashlytics.android.internal.C.run</c:v>
+                </c:pt>
+                <c:pt idx="192">
+                  <c:v>com.crashlytics.android.internal.P.run</c:v>
+                </c:pt>
+                <c:pt idx="193">
+                  <c:v>com.crashlytics.android.internal.Q.run</c:v>
+                </c:pt>
+                <c:pt idx="194">
+                  <c:v>com.crashlytics.android.internal.R.run</c:v>
+                </c:pt>
+                <c:pt idx="195">
+                  <c:v>com.crashlytics.android.internal.S.run</c:v>
+                </c:pt>
+                <c:pt idx="196">
+                  <c:v>com.crashlytics.android.internal.T.run</c:v>
+                </c:pt>
+                <c:pt idx="197">
+                  <c:v>com.crashlytics.android.internal.Y.run</c:v>
+                </c:pt>
+                <c:pt idx="198">
+                  <c:v>com.crashlytics.android.internal.aB.a</c:v>
+                </c:pt>
+                <c:pt idx="199">
+                  <c:v>com.crashlytics.android.internal.aa.run</c:v>
+                </c:pt>
+                <c:pt idx="200">
+                  <c:v>com.crashlytics.android.j.onPreExecute</c:v>
+                </c:pt>
+                <c:pt idx="201">
+                  <c:v>com.crashlytics.android.p.run</c:v>
+                </c:pt>
+                <c:pt idx="202">
+                  <c:v>com.crashlytics.android.q.onClick</c:v>
+                </c:pt>
+                <c:pt idx="203">
+                  <c:v>com.crashlytics.android.r.onClick</c:v>
+                </c:pt>
+                <c:pt idx="204">
+                  <c:v>com.crashlytics.android.s.onClick</c:v>
+                </c:pt>
+                <c:pt idx="205">
+                  <c:v>com.electrotank.electroserver5.client.connection.EsEngine$1.run</c:v>
+                </c:pt>
+                <c:pt idx="206">
+                  <c:v>com.electrotank.electroserver5.client.connection.EsEngine$2.run</c:v>
+                </c:pt>
+                <c:pt idx="207">
+                  <c:v>com.electrotank.electroserver5.client.connection.SocketConnection.run</c:v>
+                </c:pt>
+                <c:pt idx="208">
+                  <c:v>com.electrotank.electroserver5.client.connection.UdpConnection.run</c:v>
+                </c:pt>
+                <c:pt idx="209">
+                  <c:v>com.facebook.ads.AdView$ScreenStateReceiver.onReceive</c:v>
+                </c:pt>
+                <c:pt idx="210">
+                  <c:v>com.facebook.ads.InterstitialAd$AdInterstitialBroadcastReceiver.onReceive</c:v>
+                </c:pt>
+                <c:pt idx="211">
+                  <c:v>com.facebook.ads.InterstitialAdActivity.onCreate</c:v>
+                </c:pt>
+                <c:pt idx="212">
+                  <c:v>com.facebook.ads.InterstitialAdActivity.onDestroy</c:v>
+                </c:pt>
+                <c:pt idx="213">
+                  <c:v>com.facebook.ads.InterstitialAdActivity.onPause</c:v>
+                </c:pt>
+                <c:pt idx="214">
+                  <c:v>com.facebook.ads.InterstitialAdActivity.onResume</c:v>
+                </c:pt>
+                <c:pt idx="215">
+                  <c:v>com.facebook.ads.InterstitialAdActivity.onStart</c:v>
+                </c:pt>
+                <c:pt idx="216">
+                  <c:v>com.facebook.ads.NativeAd$EventHandler.onClick</c:v>
+                </c:pt>
+                <c:pt idx="217">
+                  <c:v>com.facebook.ads.NativeAd$EventHandler.onTouch</c:v>
+                </c:pt>
+                <c:pt idx="218">
+                  <c:v>com.facebook.ads.VideoAdActivity$10.onTouch</c:v>
+                </c:pt>
+                <c:pt idx="219">
+                  <c:v>com.facebook.ads.VideoAdActivity$11.run</c:v>
+                </c:pt>
+                <c:pt idx="220">
+                  <c:v>com.facebook.ads.VideoAdActivity$2.onTouch</c:v>
+                </c:pt>
+                <c:pt idx="221">
+                  <c:v>com.facebook.ads.VideoAdActivity$3.onClick</c:v>
+                </c:pt>
+                <c:pt idx="222">
+                  <c:v>com.facebook.ads.VideoAdActivity$4.onClick</c:v>
+                </c:pt>
+                <c:pt idx="223">
+                  <c:v>com.facebook.ads.VideoAdActivity$5.onClick</c:v>
+                </c:pt>
+                <c:pt idx="224">
+                  <c:v>com.facebook.ads.VideoAdActivity$6.onClick</c:v>
+                </c:pt>
+                <c:pt idx="225">
+                  <c:v>com.facebook.ads.VideoAdActivity$7.onTouch</c:v>
+                </c:pt>
+                <c:pt idx="226">
+                  <c:v>com.facebook.ads.VideoAdActivity.onCreate</c:v>
+                </c:pt>
+                <c:pt idx="227">
+                  <c:v>com.facebook.ads.VideoAdActivity.onDestroy</c:v>
+                </c:pt>
+                <c:pt idx="228">
+                  <c:v>com.facebook.ads.VideoAdActivity.onPause</c:v>
+                </c:pt>
+                <c:pt idx="229">
+                  <c:v>com.facebook.ads.VideoAdActivity.onResume</c:v>
+                </c:pt>
+                <c:pt idx="230">
+                  <c:v>com.facebook.ads.VideoAdActivity.onStart</c:v>
+                </c:pt>
+                <c:pt idx="231">
+                  <c:v>com.facebook.ads.internal.AdHandler$1.run</c:v>
+                </c:pt>
+                <c:pt idx="232">
+                  <c:v>com.facebook.ads.internal.AdRequest$1.doInBackground</c:v>
+                </c:pt>
+                <c:pt idx="233">
+                  <c:v>com.facebook.ads.internal.AdRequest$1.onPostExecute</c:v>
+                </c:pt>
+                <c:pt idx="234">
+                  <c:v>com.facebook.ads.internal.AdRequest$1.onPreExecute</c:v>
+                </c:pt>
+                <c:pt idx="235">
+                  <c:v>com.facebook.ads.internal.AdRequest.executeAsync</c:v>
+                </c:pt>
+                <c:pt idx="236">
+                  <c:v>com.facebook.ads.internal.AdRequest.executeConnectionAndWait</c:v>
+                </c:pt>
+                <c:pt idx="237">
+                  <c:v>com.facebook.ads.internal.AdRequestController$1.run</c:v>
+                </c:pt>
+                <c:pt idx="238">
+                  <c:v>com.facebook.ads.internal.AdRequestController$ScreenStateReceiver.onReceive</c:v>
+                </c:pt>
+                <c:pt idx="239">
+                  <c:v>com.facebook.ads.internal.DownloadImageTask.doInBackground</c:v>
+                </c:pt>
+                <c:pt idx="240">
+                  <c:v>com.facebook.ads.internal.DownloadImageTask.onPostExecute</c:v>
+                </c:pt>
+                <c:pt idx="241">
+                  <c:v>com.facebook.ads.internal.DownloadImageTask.onPreExecute</c:v>
+                </c:pt>
+                <c:pt idx="242">
+                  <c:v>com.facebook.ads.internal.OpenUrlTask.doInBackground</c:v>
+                </c:pt>
+                <c:pt idx="243">
+                  <c:v>com.facebook.ads.internal.OpenUrlTask.onPreExecute</c:v>
+                </c:pt>
+                <c:pt idx="244">
+                  <c:v>com.facebook.ads.internal.action.AdAction.execute</c:v>
+                </c:pt>
+                <c:pt idx="245">
+                  <c:v>com.facebook.ads.internal.action.AppAdAction.execute</c:v>
+                </c:pt>
+                <c:pt idx="246">
+                  <c:v>com.facebook.ads.internal.action.AppAdAction.logAdClick</c:v>
+                </c:pt>
+                <c:pt idx="247">
+                  <c:v>com.facebook.ads.internal.action.LinkAdAction.execute</c:v>
+                </c:pt>
+                <c:pt idx="248">
+                  <c:v>com.facebook.ads.internal.action.LinkAdAction.logAdClick</c:v>
+                </c:pt>
+                <c:pt idx="249">
+                  <c:v>com.facebook.ads.internal.action.VideoAppAdAction.execute</c:v>
+                </c:pt>
+                <c:pt idx="250">
+                  <c:v>com.facebook.ads.internal.action.VideoAppAdAction.logAdClick</c:v>
+                </c:pt>
+                <c:pt idx="251">
+                  <c:v>com.flurry.sdk.da$1$1.run</c:v>
+                </c:pt>
+                <c:pt idx="252">
+                  <c:v>com.flurry.sdk.dj$a.run</c:v>
+                </c:pt>
+                <c:pt idx="253">
+                  <c:v>com.flurry.sdk.ek$2.run</c:v>
+                </c:pt>
+                <c:pt idx="254">
+                  <c:v>com.flurry.sdk.es.onReceive</c:v>
+                </c:pt>
+                <c:pt idx="255">
+                  <c:v>com.flurry.sdk.fc.run</c:v>
+                </c:pt>
+                <c:pt idx="256">
+                  <c:v>com.greystripe.sdk.GSFullscreenActivity$1.run</c:v>
+                </c:pt>
+                <c:pt idx="257">
+                  <c:v>com.greystripe.sdk.GSFullscreenActivity$2.run</c:v>
+                </c:pt>
+                <c:pt idx="258">
+                  <c:v>com.greystripe.sdk.GSFullscreenActivity.onBackPressed</c:v>
+                </c:pt>
+                <c:pt idx="259">
+                  <c:v>com.greystripe.sdk.GSFullscreenActivity.onCreate</c:v>
+                </c:pt>
+                <c:pt idx="260">
+                  <c:v>com.greystripe.sdk.GSFullscreenActivity.onDestroy</c:v>
+                </c:pt>
+                <c:pt idx="261">
+                  <c:v>com.greystripe.sdk.GSFullscreenActivity.onPause</c:v>
+                </c:pt>
+                <c:pt idx="262">
+                  <c:v>com.greystripe.sdk.GSFullscreenActivity.onResume</c:v>
+                </c:pt>
+                <c:pt idx="263">
+                  <c:v>com.greystripe.sdk.GSFullscreenActivity.onStart</c:v>
+                </c:pt>
+                <c:pt idx="264">
+                  <c:v>com.greystripe.sdk.GSFullscreenAd.onClickthroughFailure</c:v>
+                </c:pt>
+                <c:pt idx="265">
+                  <c:v>com.greystripe.sdk.GSFullscreenAd.onStartThrottlingFetches</c:v>
+                </c:pt>
+                <c:pt idx="266">
+                  <c:v>com.greystripe.sdk.core.AdModel$1.run</c:v>
+                </c:pt>
+                <c:pt idx="267">
+                  <c:v>com.greystripe.sdk.core.AdModel$10.run</c:v>
+                </c:pt>
+                <c:pt idx="268">
+                  <c:v>com.greystripe.sdk.core.AdModel$2.run</c:v>
+                </c:pt>
+                <c:pt idx="269">
+                  <c:v>com.greystripe.sdk.core.AdModel$3.run</c:v>
+                </c:pt>
+                <c:pt idx="270">
+                  <c:v>com.greystripe.sdk.core.AdModel$4.run</c:v>
+                </c:pt>
+                <c:pt idx="271">
+                  <c:v>com.greystripe.sdk.core.AdModel$5.run</c:v>
+                </c:pt>
+                <c:pt idx="272">
+                  <c:v>com.greystripe.sdk.core.AdModel$6.run</c:v>
+                </c:pt>
+                <c:pt idx="273">
+                  <c:v>com.greystripe.sdk.core.AdModel$7.run</c:v>
+                </c:pt>
+                <c:pt idx="274">
+                  <c:v>com.greystripe.sdk.core.AdModel$8.run</c:v>
+                </c:pt>
+                <c:pt idx="275">
+                  <c:v>com.greystripe.sdk.core.AdModel$9.run</c:v>
+                </c:pt>
+                <c:pt idx="276">
+                  <c:v>com.greystripe.sdk.core.AdModel$AdStateListener$1.run</c:v>
+                </c:pt>
+                <c:pt idx="277">
+                  <c:v>com.greystripe.sdk.core.AdModel$AdStateListener$2.run</c:v>
+                </c:pt>
+                <c:pt idx="278">
+                  <c:v>com.greystripe.sdk.core.AdModel$AdStateListener.onClickthrough</c:v>
+                </c:pt>
+                <c:pt idx="279">
+                  <c:v>com.greystripe.sdk.core.AdModel$RetrieveGooglePlayServiceTask.doInBackground</c:v>
+                </c:pt>
+                <c:pt idx="280">
+                  <c:v>com.greystripe.sdk.core.AdModel$RetrieveGooglePlayServiceTask.onPostExecute</c:v>
+                </c:pt>
+                <c:pt idx="281">
+                  <c:v>com.greystripe.sdk.core.AdModel$RetrieveGooglePlayServiceTask.onPreExecute</c:v>
+                </c:pt>
+                <c:pt idx="282">
+                  <c:v>com.greystripe.sdk.core.AdModel.onClickthroughFailure</c:v>
+                </c:pt>
+                <c:pt idx="283">
+                  <c:v>com.greystripe.sdk.core.AdModel.onStartThrottlingFetches</c:v>
+                </c:pt>
+                <c:pt idx="284">
+                  <c:v>com.greystripe.sdk.core.AdWebView$1.run</c:v>
+                </c:pt>
+                <c:pt idx="285">
+                  <c:v>com.greystripe.sdk.core.AdWebView$2.run</c:v>
+                </c:pt>
+                <c:pt idx="286">
+                  <c:v>com.greystripe.sdk.core.AdWebView$3$1.run</c:v>
+                </c:pt>
+                <c:pt idx="287">
+                  <c:v>com.greystripe.sdk.core.AdWebView$3.run</c:v>
+                </c:pt>
+                <c:pt idx="288">
+                  <c:v>com.greystripe.sdk.core.AdWebView$AdWebViewClient.onReceivedError</c:v>
+                </c:pt>
+                <c:pt idx="289">
+                  <c:v>com.greystripe.sdk.core.BannerView$BannerAdListener$1.run</c:v>
+                </c:pt>
+                <c:pt idx="290">
+                  <c:v>com.greystripe.sdk.core.LeaderboardAd.onClickthroughFailure</c:v>
+                </c:pt>
+                <c:pt idx="291">
+                  <c:v>com.greystripe.sdk.core.LeaderboardAd.onStartThrottlingFetches</c:v>
+                </c:pt>
+                <c:pt idx="292">
+                  <c:v>com.greystripe.sdk.core.MediumRectangleAd.onClickthroughFailure</c:v>
+                </c:pt>
+                <c:pt idx="293">
+                  <c:v>com.greystripe.sdk.core.MediumRectangleAd.onStartThrottlingFetches</c:v>
+                </c:pt>
+                <c:pt idx="294">
+                  <c:v>com.greystripe.sdk.core.MobileBannerAd.onClickthroughFailure</c:v>
+                </c:pt>
+                <c:pt idx="295">
+                  <c:v>com.greystripe.sdk.core.MobileBannerAd.onStartThrottlingFetches</c:v>
+                </c:pt>
+                <c:pt idx="296">
+                  <c:v>com.greystripe.sdk.core.jsinterface.MraidCommandInterface$1.run</c:v>
+                </c:pt>
+                <c:pt idx="297">
+                  <c:v>com.greystripe.sdk.core.jsinterface.MraidCommandInterface$2$1.onClick</c:v>
+                </c:pt>
+                <c:pt idx="298">
+                  <c:v>com.greystripe.sdk.core.jsinterface.MraidCommandInterface$2$2.onClick</c:v>
+                </c:pt>
+                <c:pt idx="299">
+                  <c:v>com.greystripe.sdk.core.jsinterface.MraidCommandInterface$2.run</c:v>
+                </c:pt>
+                <c:pt idx="300">
+                  <c:v>com.greystripe.sdk.core.jsinterface.MraidCommandInterface$3.run</c:v>
+                </c:pt>
+                <c:pt idx="301">
+                  <c:v>com.greystripe.sdk.core.jsinterface.MraidCommandInterface$4.run</c:v>
+                </c:pt>
+                <c:pt idx="302">
+                  <c:v>com.greystripe.sdk.core.jsinterface.MraidCommandInterface$5.run</c:v>
+                </c:pt>
+                <c:pt idx="303">
+                  <c:v>com.greystripe.sdk.core.jsinterface.MraidCommandInterface$6.run</c:v>
+                </c:pt>
+                <c:pt idx="304">
+                  <c:v>com.greystripe.sdk.core.jsinterface.MraidCommandInterface$7.run</c:v>
+                </c:pt>
+                <c:pt idx="305">
+                  <c:v>com.greystripe.sdk.core.jsinterface.MraidCommandInterface$8.run</c:v>
+                </c:pt>
+                <c:pt idx="306">
+                  <c:v>com.greystripe.sdk.core.video.AdVideoController.onPause</c:v>
+                </c:pt>
+                <c:pt idx="307">
+                  <c:v>com.greystripe.sdk.core.video.AdVideoController.onTouchCancel</c:v>
+                </c:pt>
+                <c:pt idx="308">
+                  <c:v>com.greystripe.sdk.core.video.AdVideoController.onTouchEnd</c:v>
+                </c:pt>
+                <c:pt idx="309">
+                  <c:v>com.greystripe.sdk.core.video.AdVideoController.onTouchMove</c:v>
+                </c:pt>
+                <c:pt idx="310">
+                  <c:v>com.greystripe.sdk.core.video.AdVideoController.onTouchStart</c:v>
+                </c:pt>
+                <c:pt idx="311">
+                  <c:v>com.greystripe.sdk.core.video.AdVideoController.start</c:v>
+                </c:pt>
+                <c:pt idx="312">
+                  <c:v>com.greystripe.sdk.core.video.AdVideoListener.onPause</c:v>
+                </c:pt>
+                <c:pt idx="313">
+                  <c:v>com.greystripe.sdk.core.video.AdVideoListener.onTouchCancel</c:v>
+                </c:pt>
+                <c:pt idx="314">
+                  <c:v>com.greystripe.sdk.core.video.AdVideoListener.onTouchEnd</c:v>
+                </c:pt>
+                <c:pt idx="315">
+                  <c:v>com.greystripe.sdk.core.video.AdVideoListener.onTouchMove</c:v>
+                </c:pt>
+                <c:pt idx="316">
+                  <c:v>com.greystripe.sdk.core.video.AdVideoListener.onTouchStart</c:v>
+                </c:pt>
+                <c:pt idx="317">
+                  <c:v>com.greystripe.sdk.core.video.AdVideoView.onTouchEvent</c:v>
+                </c:pt>
+                <c:pt idx="318">
+                  <c:v>com.greystripe.sdk.core.video.AdVideoView.setVideoURI</c:v>
+                </c:pt>
+                <c:pt idx="319">
+                  <c:v>com.greystripe.sdk.core.video.AdVideoView.start</c:v>
+                </c:pt>
+                <c:pt idx="320">
+                  <c:v>com.greystripe.sdk.core.video.BannerAdVideoController$1.run</c:v>
+                </c:pt>
+                <c:pt idx="321">
+                  <c:v>com.greystripe.sdk.core.video.BannerAdVideoController$2.run</c:v>
+                </c:pt>
+                <c:pt idx="322">
+                  <c:v>com.greystripe.sdk.core.video.FullscreenAdVideoController$1.onClick</c:v>
+                </c:pt>
+                <c:pt idx="323">
+                  <c:v>com.greystripe.sdk.core.video.FullscreenAdVideoController$2.run</c:v>
+                </c:pt>
+                <c:pt idx="324">
+                  <c:v>com.greystripe.sdk.core.video.FullscreenAdVideoController$3.run</c:v>
+                </c:pt>
+                <c:pt idx="325">
+                  <c:v>com.greystripe.sdk.core.video.FullscreenAdVideoController$4.run</c:v>
+                </c:pt>
+                <c:pt idx="326">
+                  <c:v>com.greystripe.sdk.utils.ImageDownloader$Task.run</c:v>
+                </c:pt>
+                <c:pt idx="327">
+                  <c:v>com.greystripe.sdk.utils.ImageDownloader.execute</c:v>
+                </c:pt>
+                <c:pt idx="328">
+                  <c:v>com.mobilityware.ElectroClient.MWEsServer$1.run</c:v>
+                </c:pt>
+                <c:pt idx="329">
+                  <c:v>com.mobilityware.ElectroClient.MWEsServer$3.run</c:v>
+                </c:pt>
+                <c:pt idx="330">
+                  <c:v>com.mobilityware.ElectroClient.MWEsServer$4.run</c:v>
+                </c:pt>
+                <c:pt idx="331">
+                  <c:v>com.mobilityware.ElectroClient.MWEsServer$5.run</c:v>
+                </c:pt>
+                <c:pt idx="332">
+                  <c:v>com.mobilityware.ElectroClient.MWEsServer$6.run</c:v>
+                </c:pt>
+                <c:pt idx="333">
+                  <c:v>com.mobilityware.ElectroClient.MWEsServer$7.run</c:v>
+                </c:pt>
+                <c:pt idx="334">
+                  <c:v>com.mobilityware.ElectroClient.MWEsServer$8.run</c:v>
+                </c:pt>
+                <c:pt idx="335">
+                  <c:v>com.mobilityware.ElectroClient.MWEsServer$9.run</c:v>
+                </c:pt>
+                <c:pt idx="336">
+                  <c:v>com.mobilityware.advertising.AdControl$1.run</c:v>
+                </c:pt>
+                <c:pt idx="337">
+                  <c:v>com.mobilityware.advertising.AdControl$10$1.run</c:v>
+                </c:pt>
+                <c:pt idx="338">
+                  <c:v>com.mobilityware.advertising.AdControl$11.run</c:v>
+                </c:pt>
+                <c:pt idx="339">
+                  <c:v>com.mobilityware.advertising.AdControl$12.run</c:v>
+                </c:pt>
+                <c:pt idx="340">
+                  <c:v>com.mobilityware.advertising.AdControl$3.run</c:v>
+                </c:pt>
+                <c:pt idx="341">
+                  <c:v>com.mobilityware.advertising.AdControl$4.run</c:v>
+                </c:pt>
+                <c:pt idx="342">
+                  <c:v>com.mobilityware.advertising.AdControl$5.run</c:v>
+                </c:pt>
+                <c:pt idx="343">
+                  <c:v>com.mobilityware.advertising.AdControl$6.run</c:v>
+                </c:pt>
+                <c:pt idx="344">
+                  <c:v>com.mobilityware.advertising.AdControl$7.run</c:v>
+                </c:pt>
+                <c:pt idx="345">
+                  <c:v>com.mobilityware.advertising.AdControl$8.run</c:v>
+                </c:pt>
+                <c:pt idx="346">
+                  <c:v>com.mobilityware.advertising.AdControl.onBackPressed</c:v>
+                </c:pt>
+                <c:pt idx="347">
+                  <c:v>com.mobilityware.advertising.AdControl.onStart</c:v>
+                </c:pt>
+                <c:pt idx="348">
+                  <c:v>com.mobilityware.advertising.AdParams.onResume</c:v>
+                </c:pt>
+                <c:pt idx="349">
+                  <c:v>com.mobilityware.advertising.AdParams.start</c:v>
+                </c:pt>
+                <c:pt idx="350">
+                  <c:v>com.mobilityware.solitaire.AliasConfig$1.run</c:v>
+                </c:pt>
+                <c:pt idx="351">
+                  <c:v>com.mobilityware.solitaire.AliasConfig$2.run</c:v>
+                </c:pt>
+                <c:pt idx="352">
+                  <c:v>com.mobilityware.solitaire.AliasConfig$3.onClick</c:v>
+                </c:pt>
+                <c:pt idx="353">
+                  <c:v>com.mobilityware.solitaire.AliasConfig.onCreate</c:v>
+                </c:pt>
+                <c:pt idx="354">
+                  <c:v>com.mobilityware.solitaire.AliasConfig.onDestroy</c:v>
+                </c:pt>
+                <c:pt idx="355">
+                  <c:v>com.mobilityware.solitaire.AliasConfig.onPause</c:v>
+                </c:pt>
+                <c:pt idx="356">
+                  <c:v>com.mobilityware.solitaire.AliasConfig.onResume</c:v>
+                </c:pt>
+                <c:pt idx="357">
+                  <c:v>com.mobilityware.solitaire.AliasConfig.onStart</c:v>
+                </c:pt>
+                <c:pt idx="358">
+                  <c:v>com.mobilityware.solitaire.AnimationManager$1.run</c:v>
+                </c:pt>
+                <c:pt idx="359">
+                  <c:v>com.mobilityware.solitaire.AppRater$1.onClick</c:v>
+                </c:pt>
+                <c:pt idx="360">
+                  <c:v>com.mobilityware.solitaire.AppRater$2.onClick</c:v>
+                </c:pt>
+                <c:pt idx="361">
+                  <c:v>com.mobilityware.solitaire.AppRater$3.onClick</c:v>
+                </c:pt>
+                <c:pt idx="362">
+                  <c:v>com.mobilityware.solitaire.Congratulations$1.run</c:v>
+                </c:pt>
+                <c:pt idx="363">
+                  <c:v>com.mobilityware.solitaire.Congratulations$3.onCheckedChanged</c:v>
+                </c:pt>
+                <c:pt idx="364">
+                  <c:v>com.mobilityware.solitaire.GameDB$DatabaseHelper.onCreate</c:v>
+                </c:pt>
+                <c:pt idx="365">
+                  <c:v>com.mobilityware.solitaire.GooglePlay$1.onClick</c:v>
+                </c:pt>
+                <c:pt idx="366">
+                  <c:v>com.mobilityware.solitaire.GooglePlay$2.onClick</c:v>
+                </c:pt>
+                <c:pt idx="367">
+                  <c:v>com.mobilityware.solitaire.GooglePlay$3.onClick</c:v>
+                </c:pt>
+                <c:pt idx="368">
+                  <c:v>com.mobilityware.solitaire.GooglePlay$4.onClick</c:v>
+                </c:pt>
+                <c:pt idx="369">
+                  <c:v>com.mobilityware.solitaire.MWProgressBar$1.run</c:v>
+                </c:pt>
+                <c:pt idx="370">
+                  <c:v>com.mobilityware.solitaire.MWView$1.run</c:v>
+                </c:pt>
+                <c:pt idx="371">
+                  <c:v>com.mobilityware.solitaire.MWView$10.onClick</c:v>
+                </c:pt>
+                <c:pt idx="372">
+                  <c:v>com.mobilityware.solitaire.MWView$11.onClick</c:v>
+                </c:pt>
+                <c:pt idx="373">
+                  <c:v>com.mobilityware.solitaire.MWView$12.onClick</c:v>
+                </c:pt>
+                <c:pt idx="374">
+                  <c:v>com.mobilityware.solitaire.MWView$13.onClick</c:v>
+                </c:pt>
+                <c:pt idx="375">
+                  <c:v>com.mobilityware.solitaire.MWView$14.onClick</c:v>
+                </c:pt>
+                <c:pt idx="376">
+                  <c:v>com.mobilityware.solitaire.MWView$15.onClick</c:v>
+                </c:pt>
+                <c:pt idx="377">
+                  <c:v>com.mobilityware.solitaire.MWView$16.onClick</c:v>
+                </c:pt>
+                <c:pt idx="378">
+                  <c:v>com.mobilityware.solitaire.MWView$17.onClick</c:v>
+                </c:pt>
+                <c:pt idx="379">
+                  <c:v>com.mobilityware.solitaire.MWView$18$1.onClick</c:v>
+                </c:pt>
+                <c:pt idx="380">
+                  <c:v>com.mobilityware.solitaire.MWView$18$2.onClick</c:v>
+                </c:pt>
+                <c:pt idx="381">
+                  <c:v>com.mobilityware.solitaire.MWView$18.onClick</c:v>
+                </c:pt>
+                <c:pt idx="382">
+                  <c:v>com.mobilityware.solitaire.MWView$19.onClick</c:v>
+                </c:pt>
+                <c:pt idx="383">
+                  <c:v>com.mobilityware.solitaire.MWView$2.run</c:v>
+                </c:pt>
+                <c:pt idx="384">
+                  <c:v>com.mobilityware.solitaire.MWView$20.onClick</c:v>
+                </c:pt>
+                <c:pt idx="385">
+                  <c:v>com.mobilityware.solitaire.MWView$21.run</c:v>
+                </c:pt>
+                <c:pt idx="386">
+                  <c:v>com.mobilityware.solitaire.MWView$22.run</c:v>
+                </c:pt>
+                <c:pt idx="387">
+                  <c:v>com.mobilityware.solitaire.MWView$23.run</c:v>
+                </c:pt>
+                <c:pt idx="388">
+                  <c:v>com.mobilityware.solitaire.MWView$24.run</c:v>
+                </c:pt>
+                <c:pt idx="389">
+                  <c:v>com.mobilityware.solitaire.MWView$25.run</c:v>
+                </c:pt>
+                <c:pt idx="390">
+                  <c:v>com.mobilityware.solitaire.MWView$26.run</c:v>
+                </c:pt>
+                <c:pt idx="391">
+                  <c:v>com.mobilityware.solitaire.MWView$27$1.onClick</c:v>
+                </c:pt>
+                <c:pt idx="392">
+                  <c:v>com.mobilityware.solitaire.MWView$27$2.onClick</c:v>
+                </c:pt>
+                <c:pt idx="393">
+                  <c:v>com.mobilityware.solitaire.MWView$27.run</c:v>
+                </c:pt>
+                <c:pt idx="394">
+                  <c:v>com.mobilityware.solitaire.MWView$28$1.onClick</c:v>
+                </c:pt>
+                <c:pt idx="395">
+                  <c:v>com.mobilityware.solitaire.MWView$28.run</c:v>
+                </c:pt>
+                <c:pt idx="396">
+                  <c:v>com.mobilityware.solitaire.MWView$29.onClick</c:v>
+                </c:pt>
+                <c:pt idx="397">
+                  <c:v>com.mobilityware.solitaire.MWView$3$1.run</c:v>
+                </c:pt>
+                <c:pt idx="398">
+                  <c:v>com.mobilityware.solitaire.MWView$3.run</c:v>
+                </c:pt>
+                <c:pt idx="399">
+                  <c:v>com.mobilityware.solitaire.MWView$31.run</c:v>
+                </c:pt>
+                <c:pt idx="400">
+                  <c:v>com.mobilityware.solitaire.MWView$32.run</c:v>
+                </c:pt>
+                <c:pt idx="401">
+                  <c:v>com.mobilityware.solitaire.MWView$33.run</c:v>
+                </c:pt>
+                <c:pt idx="402">
+                  <c:v>com.mobilityware.solitaire.MWView$34.run</c:v>
+                </c:pt>
+                <c:pt idx="403">
+                  <c:v>com.mobilityware.solitaire.MWView$35.run</c:v>
+                </c:pt>
+                <c:pt idx="404">
+                  <c:v>com.mobilityware.solitaire.MWView$36.run</c:v>
+                </c:pt>
+                <c:pt idx="405">
+                  <c:v>com.mobilityware.solitaire.MWView$37.run</c:v>
+                </c:pt>
+                <c:pt idx="406">
+                  <c:v>com.mobilityware.solitaire.MWView$38.run</c:v>
+                </c:pt>
+                <c:pt idx="407">
+                  <c:v>com.mobilityware.solitaire.MWView$39$1.onClick</c:v>
+                </c:pt>
+                <c:pt idx="408">
+                  <c:v>com.mobilityware.solitaire.MWView$39$2.onClick</c:v>
+                </c:pt>
+                <c:pt idx="409">
+                  <c:v>com.mobilityware.solitaire.MWView$39.run</c:v>
+                </c:pt>
+                <c:pt idx="410">
+                  <c:v>com.mobilityware.solitaire.MWView$4.run</c:v>
+                </c:pt>
+                <c:pt idx="411">
+                  <c:v>com.mobilityware.solitaire.MWView$40.run</c:v>
+                </c:pt>
+                <c:pt idx="412">
+                  <c:v>com.mobilityware.solitaire.MWView$41.run</c:v>
+                </c:pt>
+                <c:pt idx="413">
+                  <c:v>com.mobilityware.solitaire.MWView$42.onClick</c:v>
+                </c:pt>
+                <c:pt idx="414">
+                  <c:v>com.mobilityware.solitaire.MWView$43.onClick</c:v>
+                </c:pt>
+                <c:pt idx="415">
+                  <c:v>com.mobilityware.solitaire.MWView$45.onClick</c:v>
+                </c:pt>
+                <c:pt idx="416">
+                  <c:v>com.mobilityware.solitaire.MWView$5.run</c:v>
+                </c:pt>
+                <c:pt idx="417">
+                  <c:v>com.mobilityware.solitaire.MWView$6.run</c:v>
+                </c:pt>
+                <c:pt idx="418">
+                  <c:v>com.mobilityware.solitaire.MWView$7.run</c:v>
+                </c:pt>
+                <c:pt idx="419">
+                  <c:v>com.mobilityware.solitaire.MWView$8.run</c:v>
+                </c:pt>
+                <c:pt idx="420">
+                  <c:v>com.mobilityware.solitaire.MWView$9.run</c:v>
+                </c:pt>
+                <c:pt idx="421">
+                  <c:v>com.mobilityware.solitaire.MWView.onTouchEvent</c:v>
+                </c:pt>
+                <c:pt idx="422">
+                  <c:v>com.mobilityware.solitaire.MobilityWeb.onCreate</c:v>
+                </c:pt>
+                <c:pt idx="423">
+                  <c:v>com.mobilityware.solitaire.MobilityWeb.onDestroy</c:v>
+                </c:pt>
+                <c:pt idx="424">
+                  <c:v>com.mobilityware.solitaire.MobilityWeb.onPause</c:v>
+                </c:pt>
+                <c:pt idx="425">
+                  <c:v>com.mobilityware.solitaire.MobilityWeb.onResume</c:v>
+                </c:pt>
+                <c:pt idx="426">
+                  <c:v>com.mobilityware.solitaire.MobilityWeb.onStart</c:v>
+                </c:pt>
+                <c:pt idx="427">
+                  <c:v>com.mobilityware.solitaire.PlayServices.onCreate</c:v>
+                </c:pt>
+                <c:pt idx="428">
+                  <c:v>com.mobilityware.solitaire.PlayServices.onStart</c:v>
+                </c:pt>
+                <c:pt idx="429">
+                  <c:v>com.mobilityware.solitaire.Preferences$24.onClick</c:v>
+                </c:pt>
+                <c:pt idx="430">
+                  <c:v>com.mobilityware.solitaire.Preferences.onCreate</c:v>
+                </c:pt>
+                <c:pt idx="431">
+                  <c:v>com.mobilityware.solitaire.Preferences.onDestroy</c:v>
+                </c:pt>
+                <c:pt idx="432">
+                  <c:v>com.mobilityware.solitaire.Preferences.onPause</c:v>
+                </c:pt>
+                <c:pt idx="433">
+                  <c:v>com.mobilityware.solitaire.Preferences.onResume</c:v>
+                </c:pt>
+                <c:pt idx="434">
+                  <c:v>com.mobilityware.solitaire.Rules.onCreate</c:v>
+                </c:pt>
+                <c:pt idx="435">
+                  <c:v>com.mobilityware.solitaire.Rules.onDestroy</c:v>
+                </c:pt>
+                <c:pt idx="436">
+                  <c:v>com.mobilityware.solitaire.Rules.onPause</c:v>
+                </c:pt>
+                <c:pt idx="437">
+                  <c:v>com.mobilityware.solitaire.Rules.onResume</c:v>
+                </c:pt>
+                <c:pt idx="438">
+                  <c:v>com.mobilityware.solitaire.Rules.onStart</c:v>
+                </c:pt>
+                <c:pt idx="439">
+                  <c:v>com.mobilityware.solitaire.Solitaire$1.run</c:v>
+                </c:pt>
+                <c:pt idx="440">
+                  <c:v>com.mobilityware.solitaire.Solitaire$2.run</c:v>
+                </c:pt>
+                <c:pt idx="441">
+                  <c:v>com.mobilityware.solitaire.Solitaire$3.onClick</c:v>
+                </c:pt>
+                <c:pt idx="442">
+                  <c:v>com.mobilityware.solitaire.Solitaire.onBackPressed</c:v>
+                </c:pt>
+                <c:pt idx="443">
+                  <c:v>com.mobilityware.solitaire.Solitaire.onCreate</c:v>
+                </c:pt>
+                <c:pt idx="444">
+                  <c:v>com.mobilityware.solitaire.Solitaire.onCreateOptionsMenu</c:v>
+                </c:pt>
+                <c:pt idx="445">
+                  <c:v>com.mobilityware.solitaire.Solitaire.onDestroy</c:v>
+                </c:pt>
+                <c:pt idx="446">
+                  <c:v>com.mobilityware.solitaire.Solitaire.onKeyDown</c:v>
+                </c:pt>
+                <c:pt idx="447">
+                  <c:v>com.mobilityware.solitaire.Solitaire.onKeyUp</c:v>
+                </c:pt>
+                <c:pt idx="448">
+                  <c:v>com.mobilityware.solitaire.Solitaire.onOptionsItemSelected</c:v>
+                </c:pt>
+                <c:pt idx="449">
+                  <c:v>com.mobilityware.solitaire.Solitaire.onPause</c:v>
+                </c:pt>
+                <c:pt idx="450">
+                  <c:v>com.mobilityware.solitaire.Solitaire.onResume</c:v>
+                </c:pt>
+                <c:pt idx="451">
+                  <c:v>com.mobilityware.solitaire.Solitaire.onStart</c:v>
+                </c:pt>
+                <c:pt idx="452">
+                  <c:v>com.mobilityware.solitaire.Solitaire.onTouchEvent</c:v>
+                </c:pt>
+                <c:pt idx="453">
+                  <c:v>com.mobilityware.solitaire.SolitaireApplication.onCreate</c:v>
+                </c:pt>
+                <c:pt idx="454">
+                  <c:v>com.mobilityware.solitaire.SolutionPlayer$1.run</c:v>
+                </c:pt>
+                <c:pt idx="455">
+                  <c:v>com.mobilityware.solitaire.SolutionPlayer.start</c:v>
+                </c:pt>
+                <c:pt idx="456">
+                  <c:v>com.mobilityware.solitaire.Statistics$1.onClick</c:v>
+                </c:pt>
+                <c:pt idx="457">
+                  <c:v>com.mobilityware.solitaire.Statistics$2.onClick</c:v>
+                </c:pt>
+                <c:pt idx="458">
+                  <c:v>com.mobilityware.solitaire.Statistics.onCreate</c:v>
+                </c:pt>
+                <c:pt idx="459">
+                  <c:v>com.mobilityware.solitaire.Statistics.onDestroy</c:v>
+                </c:pt>
+                <c:pt idx="460">
+                  <c:v>com.mobilityware.solitaire.Statistics.onPause</c:v>
+                </c:pt>
+                <c:pt idx="461">
+                  <c:v>com.mobilityware.solitaire.Statistics.onResume</c:v>
+                </c:pt>
+                <c:pt idx="462">
+                  <c:v>com.mobilityware.solitaire.Statistics.onStart</c:v>
+                </c:pt>
+                <c:pt idx="463">
+                  <c:v>com.mobilityware.solitaire.TellAFriendPrompter$1.onClick</c:v>
+                </c:pt>
+                <c:pt idx="464">
+                  <c:v>com.mobilityware.solitaire.TellAFriendPrompter$2.onClick</c:v>
+                </c:pt>
+                <c:pt idx="465">
+                  <c:v>com.mobilityware.solitaire.TellAFriendPrompter$3.onClick</c:v>
+                </c:pt>
+                <c:pt idx="466">
+                  <c:v>com.mobilityware.solitaire.Toolbar$1.run</c:v>
+                </c:pt>
+                <c:pt idx="467">
+                  <c:v>com.mobilityware.solitaire.Toolbar$10.onClick</c:v>
+                </c:pt>
+                <c:pt idx="468">
+                  <c:v>com.mobilityware.solitaire.Toolbar$11.onClick</c:v>
+                </c:pt>
+                <c:pt idx="469">
+                  <c:v>com.mobilityware.solitaire.Toolbar$12.onClick</c:v>
+                </c:pt>
+                <c:pt idx="470">
+                  <c:v>com.mobilityware.solitaire.Toolbar$13.onClick</c:v>
+                </c:pt>
+                <c:pt idx="471">
+                  <c:v>com.mobilityware.solitaire.Toolbar$14.onClick</c:v>
+                </c:pt>
+                <c:pt idx="472">
+                  <c:v>com.mobilityware.solitaire.Toolbar$15.onClick</c:v>
+                </c:pt>
+                <c:pt idx="473">
+                  <c:v>com.mobilityware.solitaire.Toolbar$2.onClick</c:v>
+                </c:pt>
+                <c:pt idx="474">
+                  <c:v>com.mobilityware.solitaire.Toolbar$3.onClick</c:v>
+                </c:pt>
+                <c:pt idx="475">
+                  <c:v>com.mobilityware.solitaire.Toolbar$4.onClick</c:v>
+                </c:pt>
+                <c:pt idx="476">
+                  <c:v>com.mobilityware.solitaire.Toolbar$5.onClick</c:v>
+                </c:pt>
+                <c:pt idx="477">
+                  <c:v>com.mobilityware.solitaire.Toolbar$6.onClick</c:v>
+                </c:pt>
+                <c:pt idx="478">
+                  <c:v>com.mobilityware.solitaire.Toolbar$7.onClick</c:v>
+                </c:pt>
+                <c:pt idx="479">
+                  <c:v>com.mobilityware.solitaire.Toolbar$8.onClick</c:v>
+                </c:pt>
+                <c:pt idx="480">
+                  <c:v>com.mobilityware.solitaire.Toolbar$9.onClick</c:v>
+                </c:pt>
+                <c:pt idx="481">
+                  <c:v>com.mobilityware.solitaire.WhatsNewDialog$1.run</c:v>
+                </c:pt>
+                <c:pt idx="482">
+                  <c:v>com.mobilityware.solitaire.WhatsNewDialog.onBackPressed</c:v>
+                </c:pt>
+                <c:pt idx="483">
+                  <c:v>com.mobilityware.solitaire.WinDeal.run</c:v>
+                </c:pt>
+                <c:pt idx="484">
+                  <c:v>com.mobilityware.solitaire.WinDeal.start</c:v>
+                </c:pt>
+                <c:pt idx="485">
+                  <c:v>com.mobilityware.solitaire.WinGame$1.onClick</c:v>
+                </c:pt>
+                <c:pt idx="486">
+                  <c:v>com.mobilityware.solitaire.WinGame$2.onClick</c:v>
+                </c:pt>
+                <c:pt idx="487">
+                  <c:v>com.mobilityware.solitaire.WinGame$3.onClick</c:v>
+                </c:pt>
+                <c:pt idx="488">
+                  <c:v>com.mobilityware.solitaire.WinGame$5.run</c:v>
+                </c:pt>
+                <c:pt idx="489">
+                  <c:v>com.mobilityware.solitaire.WinGame$6$1.onClick</c:v>
+                </c:pt>
+                <c:pt idx="490">
+                  <c:v>com.mobilityware.solitaire.WinGame$6$2.onClick</c:v>
+                </c:pt>
+                <c:pt idx="491">
+                  <c:v>com.mobilityware.solitaire.WinGame$6.onClick</c:v>
+                </c:pt>
+                <c:pt idx="492">
+                  <c:v>com.mobilityware.solitaire.WinStats.run</c:v>
+                </c:pt>
+                <c:pt idx="493">
+                  <c:v>com.mobilityware.solitaire.WinStats.start</c:v>
+                </c:pt>
+                <c:pt idx="494">
+                  <c:v>com.mobilityware.solitaire.WinningAnimation$1.run</c:v>
+                </c:pt>
+                <c:pt idx="495">
+                  <c:v>com.mobilityware.solitaire.WinningAnimation$2.run</c:v>
+                </c:pt>
+                <c:pt idx="496">
+                  <c:v>com.mobilityware.solitaire.WinningAnimation.start</c:v>
+                </c:pt>
+                <c:pt idx="497">
+                  <c:v>com.mopub.common.CacheService$DiskLruCacheGetTask.doInBackground</c:v>
+                </c:pt>
+                <c:pt idx="498">
+                  <c:v>com.mopub.common.CacheService$DiskLruCacheGetTask.onPostExecute</c:v>
+                </c:pt>
+                <c:pt idx="499">
+                  <c:v>com.mopub.common.CacheService$DiskLruCacheGetTask.onPreExecute</c:v>
+                </c:pt>
+                <c:pt idx="500">
+                  <c:v>com.mopub.common.CacheService$DiskLruCachePutTask.doInBackground</c:v>
+                </c:pt>
+                <c:pt idx="501">
+                  <c:v>com.mopub.common.CacheService$DiskLruCachePutTask.onPreExecute</c:v>
+                </c:pt>
+                <c:pt idx="502">
+                  <c:v>com.mopub.common.DownloadTask.doInBackground</c:v>
+                </c:pt>
+                <c:pt idx="503">
+                  <c:v>com.mopub.common.DownloadTask.onPostExecute</c:v>
+                </c:pt>
+                <c:pt idx="504">
+                  <c:v>com.mopub.common.DownloadTask.onPreExecute</c:v>
+                </c:pt>
+                <c:pt idx="505">
+                  <c:v>com.mopub.common.GpsHelper$1.run</c:v>
+                </c:pt>
+                <c:pt idx="506">
+                  <c:v>com.mopub.common.MoPubBrowser$1.onReceivedError</c:v>
+                </c:pt>
+                <c:pt idx="507">
+                  <c:v>com.mopub.common.MoPubBrowser$3.onClick</c:v>
+                </c:pt>
+                <c:pt idx="508">
+                  <c:v>com.mopub.common.MoPubBrowser$4.onClick</c:v>
+                </c:pt>
+                <c:pt idx="509">
+                  <c:v>com.mopub.common.MoPubBrowser$5.onClick</c:v>
+                </c:pt>
+                <c:pt idx="510">
+                  <c:v>com.mopub.common.MoPubBrowser$6.onClick</c:v>
+                </c:pt>
+                <c:pt idx="511">
+                  <c:v>com.mopub.common.MoPubBrowser.onCreate</c:v>
+                </c:pt>
+                <c:pt idx="512">
+                  <c:v>com.mopub.common.MoPubBrowser.onDestroy</c:v>
+                </c:pt>
+                <c:pt idx="513">
+                  <c:v>com.mopub.common.MoPubBrowser.onPause</c:v>
+                </c:pt>
+                <c:pt idx="514">
+                  <c:v>com.mopub.common.MoPubBrowser.onResume</c:v>
+                </c:pt>
+                <c:pt idx="515">
+                  <c:v>com.mopub.common.MoPubBrowser.onStart</c:v>
+                </c:pt>
+                <c:pt idx="516">
+                  <c:v>com.mopub.common.util.Reflection$MethodBuilder.execute</c:v>
+                </c:pt>
+                <c:pt idx="517">
+                  <c:v>com.mopub.nativeads.ImageDiskTaskManager.execute</c:v>
+                </c:pt>
+                <c:pt idx="518">
+                  <c:v>com.mopub.nativeads.ImageDownloadTaskManager.execute</c:v>
+                </c:pt>
+                <c:pt idx="519">
+                  <c:v>com.mopub.nativeads.ImageTaskManager.execute</c:v>
+                </c:pt>
+                <c:pt idx="520">
+                  <c:v>com.mopub.nativeads.ImpressionTrackingManager$VisibilityCheck.run</c:v>
+                </c:pt>
+                <c:pt idx="521">
+                  <c:v>com.mopub.nativeads.ImpressionTrackingManager.start</c:v>
+                </c:pt>
+                <c:pt idx="522">
+                  <c:v>com.mopub.nativeads.NativeAdViewHelper$NativeViewClickListener.onClick</c:v>
+                </c:pt>
+                <c:pt idx="523">
+                  <c:v>com.mopub.nativeads.UrlResolutionTask.doInBackground</c:v>
+                </c:pt>
+                <c:pt idx="524">
+                  <c:v>com.mopub.nativeads.UrlResolutionTask.onPostExecute</c:v>
+                </c:pt>
+                <c:pt idx="525">
+                  <c:v>com.mopub.nativeads.UrlResolutionTask.onPreExecute</c:v>
+                </c:pt>
+                <c:pt idx="526">
+                  <c:v>com.nineoldandroids.animation.Animator.start</c:v>
+                </c:pt>
+                <c:pt idx="527">
+                  <c:v>com.nineoldandroids.animation.AnimatorSet.start</c:v>
+                </c:pt>
+                <c:pt idx="528">
+                  <c:v>com.nineoldandroids.animation.ObjectAnimator.start</c:v>
+                </c:pt>
+                <c:pt idx="529">
+                  <c:v>com.nineoldandroids.animation.ValueAnimator.start</c:v>
+                </c:pt>
+                <c:pt idx="530">
+                  <c:v>com.nineoldandroids.view.ViewPropertyAnimator.start</c:v>
+                </c:pt>
+                <c:pt idx="531">
+                  <c:v>com.nineoldandroids.view.ViewPropertyAnimatorHC$1.run</c:v>
+                </c:pt>
+                <c:pt idx="532">
+                  <c:v>com.nineoldandroids.view.ViewPropertyAnimatorHC.start</c:v>
+                </c:pt>
+                <c:pt idx="533">
+                  <c:v>com.nineoldandroids.view.ViewPropertyAnimatorICS.start</c:v>
+                </c:pt>
+                <c:pt idx="534">
+                  <c:v>com.nineoldandroids.view.ViewPropertyAnimatorPreHC$1.run</c:v>
+                </c:pt>
+                <c:pt idx="535">
+                  <c:v>com.nineoldandroids.view.ViewPropertyAnimatorPreHC.start</c:v>
+                </c:pt>
+                <c:pt idx="536">
+                  <c:v>com.tapsense.android.publisher.TapSenseAds$1.onReceive</c:v>
+                </c:pt>
+                <c:pt idx="537">
+                  <c:v>com.tapsense.android.publisher.TapSenseAds$AsyncPreloadingTask.doInBackground</c:v>
+                </c:pt>
+                <c:pt idx="538">
+                  <c:v>com.tapsense.android.publisher.TapSenseAds$AsyncPreloadingTask.onPostExecute</c:v>
+                </c:pt>
+                <c:pt idx="539">
+                  <c:v>com.tapsense.android.publisher.TapSenseAds$AsyncPreloadingTask.onPreExecute</c:v>
+                </c:pt>
+                <c:pt idx="540">
+                  <c:v>com.tapsense.android.publisher.TapSenseAds.start</c:v>
+                </c:pt>
+                <c:pt idx="541">
+                  <c:v>com.tapsense.android.publisher.TapSenseAdsClickVideoActivity$2.onClick</c:v>
+                </c:pt>
+                <c:pt idx="542">
+                  <c:v>com.tapsense.android.publisher.TapSenseAdsClickVideoActivity$3.run</c:v>
+                </c:pt>
+                <c:pt idx="543">
+                  <c:v>com.tapsense.android.publisher.TapSenseAdsClickVideoActivity.onCreate</c:v>
+                </c:pt>
+                <c:pt idx="544">
+                  <c:v>com.tapsense.android.publisher.TapSenseAdsClickVideoActivity.onDestroy</c:v>
+                </c:pt>
+                <c:pt idx="545">
+                  <c:v>com.tapsense.android.publisher.TapSenseAdsClickVideoActivity.onPause</c:v>
+                </c:pt>
+                <c:pt idx="546">
+                  <c:v>com.tapsense.android.publisher.TapSenseAdsClickVideoActivity.onResume</c:v>
+                </c:pt>
+                <c:pt idx="547">
+                  <c:v>com.tapsense.android.publisher.TapSenseAdsClickVideoActivity.onStart</c:v>
+                </c:pt>
+                <c:pt idx="548">
+                  <c:v>com.tapsense.android.publisher.TapSenseAdsInterstitialActivity$2.onClick</c:v>
+                </c:pt>
+                <c:pt idx="549">
+                  <c:v>com.tapsense.android.publisher.TapSenseAdsInterstitialActivity$3.run</c:v>
+                </c:pt>
+                <c:pt idx="550">
+                  <c:v>com.tapsense.android.publisher.TapSenseAdsInterstitialActivity.onCreate</c:v>
+                </c:pt>
+                <c:pt idx="551">
+                  <c:v>com.tapsense.android.publisher.TapSenseAdsInterstitialActivity.onDestroy</c:v>
+                </c:pt>
+                <c:pt idx="552">
+                  <c:v>com.tapsense.android.publisher.TapSenseAdsInterstitialActivity.onPause</c:v>
+                </c:pt>
+                <c:pt idx="553">
+                  <c:v>com.tapsense.android.publisher.TapSenseAdsInterstitialActivity.onResume</c:v>
+                </c:pt>
+                <c:pt idx="554">
+                  <c:v>com.tapsense.android.publisher.TapSenseAdsInterstitialActivity.onStart</c:v>
+                </c:pt>
+                <c:pt idx="555">
+                  <c:v>com.tapsense.android.publisher.TapSenseAdsPureHtmlActivity$1.onClick</c:v>
+                </c:pt>
+                <c:pt idx="556">
+                  <c:v>com.tapsense.android.publisher.TapSenseAdsPureHtmlActivity$2.run</c:v>
+                </c:pt>
+                <c:pt idx="557">
+                  <c:v>com.tapsense.android.publisher.TapSenseAdsPureHtmlActivity.onCreate</c:v>
+                </c:pt>
+                <c:pt idx="558">
+                  <c:v>com.tapsense.android.publisher.TapSenseAdsPureHtmlActivity.onDestroy</c:v>
+                </c:pt>
+                <c:pt idx="559">
+                  <c:v>com.tapsense.android.publisher.TapSenseAdsPureHtmlActivity.onPause</c:v>
+                </c:pt>
+                <c:pt idx="560">
+                  <c:v>com.tapsense.android.publisher.TapSenseAdsPureHtmlActivity.onResume</c:v>
+                </c:pt>
+                <c:pt idx="561">
+                  <c:v>com.tapsense.android.publisher.TapSenseAdsPureHtmlActivity.onStart</c:v>
+                </c:pt>
+                <c:pt idx="562">
+                  <c:v>com.tapsense.android.publisher.TapSenseAdsUtils$1.onTouch</c:v>
+                </c:pt>
+                <c:pt idx="563">
+                  <c:v>com.tapsense.android.publisher.TapSenseAdsUtils$AdvertisingIdTask.doInBackground</c:v>
+                </c:pt>
+                <c:pt idx="564">
+                  <c:v>com.tapsense.android.publisher.TapSenseAdsUtils$AdvertisingIdTask.onPreExecute</c:v>
+                </c:pt>
+                <c:pt idx="565">
+                  <c:v>com.tapsense.android.publisher.TapSenseAdsVastActivity$1.onClick</c:v>
+                </c:pt>
+                <c:pt idx="566">
+                  <c:v>com.tapsense.android.publisher.TapSenseAdsVastActivity$10.onClick</c:v>
+                </c:pt>
+                <c:pt idx="567">
+                  <c:v>com.tapsense.android.publisher.TapSenseAdsVastActivity$11.onClick</c:v>
+                </c:pt>
+                <c:pt idx="568">
+                  <c:v>com.tapsense.android.publisher.TapSenseAdsVastActivity$12.onClick</c:v>
+                </c:pt>
+                <c:pt idx="569">
+                  <c:v>com.tapsense.android.publisher.TapSenseAdsVastActivity$2.onClick</c:v>
+                </c:pt>
+                <c:pt idx="570">
+                  <c:v>com.tapsense.android.publisher.TapSenseAdsVastActivity$5.start</c:v>
+                </c:pt>
+                <c:pt idx="571">
+                  <c:v>com.tapsense.android.publisher.TapSenseAdsVastActivity$6.onClick</c:v>
+                </c:pt>
+                <c:pt idx="572">
+                  <c:v>com.tapsense.android.publisher.TapSenseAdsVastActivity$7.run</c:v>
+                </c:pt>
+                <c:pt idx="573">
+                  <c:v>com.tapsense.android.publisher.TapSenseAdsVastActivity$8.onClick</c:v>
+                </c:pt>
+                <c:pt idx="574">
+                  <c:v>com.tapsense.android.publisher.TapSenseAdsVastActivity$9.onClick</c:v>
+                </c:pt>
+                <c:pt idx="575">
+                  <c:v>com.tapsense.android.publisher.TapSenseAdsVastActivity$VideoProgressTracker.doInBackground</c:v>
+                </c:pt>
+                <c:pt idx="576">
+                  <c:v>com.tapsense.android.publisher.TapSenseAdsVastActivity$VideoProgressTracker.onPreExecute</c:v>
+                </c:pt>
+                <c:pt idx="577">
+                  <c:v>com.tapsense.android.publisher.TapSenseAdsVastActivity.onCreate</c:v>
+                </c:pt>
+                <c:pt idx="578">
+                  <c:v>com.tapsense.android.publisher.TapSenseAdsVastActivity.onDestroy</c:v>
+                </c:pt>
+                <c:pt idx="579">
+                  <c:v>com.tapsense.android.publisher.TapSenseAdsVastActivity.onPause</c:v>
+                </c:pt>
+                <c:pt idx="580">
+                  <c:v>com.tapsense.android.publisher.TapSenseAdsVastActivity.onResume</c:v>
+                </c:pt>
+                <c:pt idx="581">
+                  <c:v>com.tapsense.android.publisher.TapSenseAdsVastActivity.onStart</c:v>
+                </c:pt>
+                <c:pt idx="582">
+                  <c:v>com.tapsense.android.publisher.TapSenseAdsVideoView$PlayPauseListener.onPause</c:v>
+                </c:pt>
+                <c:pt idx="583">
+                  <c:v>com.tapsense.android.publisher.TapSenseAdsVideoView.start</c:v>
+                </c:pt>
+                <c:pt idx="584">
+                  <c:v>com.tremorvideo.a.d$a.onReceivedError</c:v>
+                </c:pt>
+                <c:pt idx="585">
+                  <c:v>com.tremorvideo.a.d.onCreate</c:v>
+                </c:pt>
+                <c:pt idx="586">
+                  <c:v>com.tremorvideo.a.d.onKeyDown</c:v>
+                </c:pt>
+                <c:pt idx="587">
+                  <c:v>com.tremorvideo.a.d.onStart</c:v>
+                </c:pt>
+                <c:pt idx="588">
+                  <c:v>com.tremorvideo.a.e.onKeyLongPress</c:v>
+                </c:pt>
+                <c:pt idx="589">
+                  <c:v>com.tremorvideo.a.f$a.onReceivedSslError</c:v>
+                </c:pt>
+                <c:pt idx="590">
+                  <c:v>com.tremorvideo.a.f.onKeyLongPress</c:v>
+                </c:pt>
+                <c:pt idx="591">
+                  <c:v>com.tremorvideo.sdk.android.a.a$a.run</c:v>
+                </c:pt>
+                <c:pt idx="592">
+                  <c:v>com.tremorvideo.sdk.android.a.b$1.onReceive</c:v>
+                </c:pt>
+                <c:pt idx="593">
+                  <c:v>com.tremorvideo.sdk.android.a.b$2.onReceive</c:v>
+                </c:pt>
+                <c:pt idx="594">
+                  <c:v>com.tremorvideo.sdk.android.a.b$3.onReceive</c:v>
+                </c:pt>
+                <c:pt idx="595">
+                  <c:v>com.tremorvideo.sdk.android.a.b$a$1.run</c:v>
+                </c:pt>
+                <c:pt idx="596">
+                  <c:v>com.tremorvideo.sdk.android.a.b$a.run</c:v>
+                </c:pt>
+                <c:pt idx="597">
+                  <c:v>com.tremorvideo.sdk.android.a.i$1.run</c:v>
+                </c:pt>
+                <c:pt idx="598">
+                  <c:v>com.tremorvideo.sdk.android.a.j$b.onReceivedError</c:v>
+                </c:pt>
+                <c:pt idx="599">
+                  <c:v>com.tremorvideo.sdk.android.b.a$a.run</c:v>
+                </c:pt>
+                <c:pt idx="600">
+                  <c:v>com.tremorvideo.sdk.android.b.b$1.onReceive</c:v>
+                </c:pt>
+                <c:pt idx="601">
+                  <c:v>com.tremorvideo.sdk.android.b.b$2.onReceive</c:v>
+                </c:pt>
+                <c:pt idx="602">
+                  <c:v>com.tremorvideo.sdk.android.b.b$3.onReceive</c:v>
+                </c:pt>
+                <c:pt idx="603">
+                  <c:v>com.tremorvideo.sdk.android.b.b$a$1.run</c:v>
+                </c:pt>
+                <c:pt idx="604">
+                  <c:v>com.tremorvideo.sdk.android.b.b$a.run</c:v>
+                </c:pt>
+                <c:pt idx="605">
+                  <c:v>com.tremorvideo.sdk.android.b.d$b.onReceivedError</c:v>
+                </c:pt>
+                <c:pt idx="606">
+                  <c:v>com.tremorvideo.sdk.android.b.d$c.onPreExecute</c:v>
+                </c:pt>
+                <c:pt idx="607">
+                  <c:v>com.tremorvideo.sdk.android.e.k$1.run</c:v>
+                </c:pt>
+                <c:pt idx="608">
+                  <c:v>com.tremorvideo.sdk.android.e.k$2.onReceive</c:v>
+                </c:pt>
+                <c:pt idx="609">
+                  <c:v>com.tremorvideo.sdk.android.e.p$1.onTouch</c:v>
+                </c:pt>
+                <c:pt idx="610">
+                  <c:v>com.tremorvideo.sdk.android.e.p$d.onReceivedError</c:v>
+                </c:pt>
+                <c:pt idx="611">
+                  <c:v>com.tremorvideo.sdk.android.e.p.onPause</c:v>
+                </c:pt>
+                <c:pt idx="612">
+                  <c:v>com.tremorvideo.sdk.android.e.p.onResume</c:v>
+                </c:pt>
+                <c:pt idx="613">
+                  <c:v>com.tremorvideo.sdk.android.richmedia.ScriptInterpreter$1.run</c:v>
+                </c:pt>
+                <c:pt idx="614">
+                  <c:v>com.tremorvideo.sdk.android.richmedia.ScriptInterpreter$c.run</c:v>
+                </c:pt>
+                <c:pt idx="615">
+                  <c:v>com.tremorvideo.sdk.android.richmedia.WebViewEmbedJSCallHandler$1.run</c:v>
+                </c:pt>
+                <c:pt idx="616">
+                  <c:v>com.tremorvideo.sdk.android.richmedia.a.b$1.onReceive</c:v>
+                </c:pt>
+                <c:pt idx="617">
+                  <c:v>com.tremorvideo.sdk.android.richmedia.a.b$2.onReceive</c:v>
+                </c:pt>
+                <c:pt idx="618">
+                  <c:v>com.tremorvideo.sdk.android.richmedia.a.b$3.onReceive</c:v>
+                </c:pt>
+                <c:pt idx="619">
+                  <c:v>com.tremorvideo.sdk.android.richmedia.a.b$a$1.run</c:v>
+                </c:pt>
+                <c:pt idx="620">
+                  <c:v>com.tremorvideo.sdk.android.richmedia.a.b$a.run</c:v>
+                </c:pt>
+                <c:pt idx="621">
+                  <c:v>com.tremorvideo.sdk.android.richmedia.a.c$b.onReceivedError</c:v>
+                </c:pt>
+                <c:pt idx="622">
+                  <c:v>com.tremorvideo.sdk.android.richmedia.a.c$c.run</c:v>
+                </c:pt>
+                <c:pt idx="623">
+                  <c:v>com.tremorvideo.sdk.android.richmedia.a.g.onPreExecute</c:v>
+                </c:pt>
+                <c:pt idx="624">
+                  <c:v>com.tremorvideo.sdk.android.richmedia.a.h$a$1.run</c:v>
+                </c:pt>
+                <c:pt idx="625">
+                  <c:v>com.tremorvideo.sdk.android.richmedia.a.h$a$1.start</c:v>
+                </c:pt>
+                <c:pt idx="626">
+                  <c:v>com.tremorvideo.sdk.android.richmedia.a.h$a.onReceivedError</c:v>
+                </c:pt>
+                <c:pt idx="627">
+                  <c:v>com.tremorvideo.sdk.android.richmedia.a.h$b.onPreExecute</c:v>
+                </c:pt>
+                <c:pt idx="628">
+                  <c:v>com.tremorvideo.sdk.android.richmedia.a.h$e.run</c:v>
+                </c:pt>
+                <c:pt idx="629">
+                  <c:v>com.tremorvideo.sdk.android.richmedia.a.h$f.run</c:v>
+                </c:pt>
+                <c:pt idx="630">
+                  <c:v>com.tremorvideo.sdk.android.richmedia.a.h$g$1.run</c:v>
+                </c:pt>
+                <c:pt idx="631">
+                  <c:v>com.tremorvideo.sdk.android.richmedia.a.h$g.run</c:v>
+                </c:pt>
+                <c:pt idx="632">
+                  <c:v>com.tremorvideo.sdk.android.richmedia.a.h.executeSDKCall</c:v>
+                </c:pt>
+                <c:pt idx="633">
+                  <c:v>com.tremorvideo.sdk.android.richmedia.a.h.onTouchEvent</c:v>
+                </c:pt>
+                <c:pt idx="634">
+                  <c:v>com.tremorvideo.sdk.android.richmedia.ae$2$1.run</c:v>
+                </c:pt>
+                <c:pt idx="635">
+                  <c:v>com.tremorvideo.sdk.android.richmedia.ae$4.run</c:v>
+                </c:pt>
+                <c:pt idx="636">
+                  <c:v>com.tremorvideo.sdk.android.richmedia.ae$5.run</c:v>
+                </c:pt>
+                <c:pt idx="637">
+                  <c:v>com.tremorvideo.sdk.android.richmedia.ae$6.run</c:v>
+                </c:pt>
+                <c:pt idx="638">
+                  <c:v>com.tremorvideo.sdk.android.richmedia.ae$a.setVideoURI</c:v>
+                </c:pt>
+                <c:pt idx="639">
+                  <c:v>com.tremorvideo.sdk.android.richmedia.ae$a.start</c:v>
+                </c:pt>
+                <c:pt idx="640">
+                  <c:v>com.tremorvideo.sdk.android.richmedia.af$1.run</c:v>
+                </c:pt>
+                <c:pt idx="641">
+                  <c:v>com.tremorvideo.sdk.android.richmedia.af$b.onReceivedError</c:v>
+                </c:pt>
+                <c:pt idx="642">
+                  <c:v>com.tremorvideo.sdk.android.richmedia.b.d$a.onReceivedError</c:v>
+                </c:pt>
+                <c:pt idx="643">
+                  <c:v>com.tremorvideo.sdk.android.richmedia.b.d$b.onPreExecute</c:v>
+                </c:pt>
+                <c:pt idx="644">
+                  <c:v>com.tremorvideo.sdk.android.richmedia.b.d$d.run</c:v>
+                </c:pt>
+                <c:pt idx="645">
+                  <c:v>com.tremorvideo.sdk.android.richmedia.b.d$e.run</c:v>
+                </c:pt>
+                <c:pt idx="646">
+                  <c:v>com.tremorvideo.sdk.android.richmedia.n$1.run</c:v>
+                </c:pt>
+                <c:pt idx="647">
+                  <c:v>com.tremorvideo.sdk.android.richmedia.n$10.run</c:v>
+                </c:pt>
+                <c:pt idx="648">
+                  <c:v>com.tremorvideo.sdk.android.richmedia.n$11.run</c:v>
+                </c:pt>
+                <c:pt idx="649">
+                  <c:v>com.tremorvideo.sdk.android.richmedia.n$2.run</c:v>
+                </c:pt>
+                <c:pt idx="650">
+                  <c:v>com.tremorvideo.sdk.android.richmedia.n$4.run</c:v>
+                </c:pt>
+                <c:pt idx="651">
+                  <c:v>com.tremorvideo.sdk.android.richmedia.n$5.run</c:v>
+                </c:pt>
+                <c:pt idx="652">
+                  <c:v>com.tremorvideo.sdk.android.richmedia.n$6.run</c:v>
+                </c:pt>
+                <c:pt idx="653">
+                  <c:v>com.tremorvideo.sdk.android.richmedia.n$7.run</c:v>
+                </c:pt>
+                <c:pt idx="654">
+                  <c:v>com.tremorvideo.sdk.android.richmedia.n$8.run</c:v>
+                </c:pt>
+                <c:pt idx="655">
+                  <c:v>com.tremorvideo.sdk.android.richmedia.n$9.run</c:v>
+                </c:pt>
+                <c:pt idx="656">
+                  <c:v>com.tremorvideo.sdk.android.richmedia.n$b.run</c:v>
+                </c:pt>
+                <c:pt idx="657">
+                  <c:v>com.tremorvideo.sdk.android.richmedia.n.onKeyDown</c:v>
+                </c:pt>
+                <c:pt idx="658">
+                  <c:v>com.tremorvideo.sdk.android.richmedia.n.onTouchEvent</c:v>
+                </c:pt>
+                <c:pt idx="659">
+                  <c:v>com.tremorvideo.sdk.android.richmedia.y$c.onPreExecute</c:v>
+                </c:pt>
+                <c:pt idx="660">
+                  <c:v>com.tremorvideo.sdk.android.videoad.AdViewManager$1.run</c:v>
+                </c:pt>
+                <c:pt idx="661">
+                  <c:v>com.tremorvideo.sdk.android.videoad.AdViewManager.onResume</c:v>
+                </c:pt>
+                <c:pt idx="662">
+                  <c:v>com.tremorvideo.sdk.android.videoad.Playvideo.onCreate</c:v>
+                </c:pt>
+                <c:pt idx="663">
+                  <c:v>com.tremorvideo.sdk.android.videoad.Playvideo.onDestroy</c:v>
+                </c:pt>
+                <c:pt idx="664">
+                  <c:v>com.tremorvideo.sdk.android.videoad.Playvideo.onKeyDown</c:v>
+                </c:pt>
+                <c:pt idx="665">
+                  <c:v>com.tremorvideo.sdk.android.videoad.Playvideo.onPause</c:v>
+                </c:pt>
+                <c:pt idx="666">
+                  <c:v>com.tremorvideo.sdk.android.videoad.Playvideo.onResume</c:v>
+                </c:pt>
+                <c:pt idx="667">
+                  <c:v>com.tremorvideo.sdk.android.videoad.Playvideo.onStart</c:v>
+                </c:pt>
+                <c:pt idx="668">
+                  <c:v>com.tremorvideo.sdk.android.videoad.TremorVideo.start</c:v>
+                </c:pt>
+                <c:pt idx="669">
+                  <c:v>com.tremorvideo.sdk.android.videoad.aa$1.run</c:v>
+                </c:pt>
+                <c:pt idx="670">
+                  <c:v>com.tremorvideo.sdk.android.videoad.aa$a.onPreExecute</c:v>
+                </c:pt>
+                <c:pt idx="671">
+                  <c:v>com.tremorvideo.sdk.android.videoad.aa$b.onPreExecute</c:v>
+                </c:pt>
+                <c:pt idx="672">
+                  <c:v>com.tremorvideo.sdk.android.videoad.aa$c.onPreExecute</c:v>
+                </c:pt>
+                <c:pt idx="673">
+                  <c:v>com.tremorvideo.sdk.android.videoad.ab$1.onReceive</c:v>
+                </c:pt>
+                <c:pt idx="674">
+                  <c:v>com.tremorvideo.sdk.android.videoad.ab$2.onClick</c:v>
+                </c:pt>
+                <c:pt idx="675">
+                  <c:v>com.tremorvideo.sdk.android.videoad.ab$3.onClick</c:v>
+                </c:pt>
+                <c:pt idx="676">
+                  <c:v>com.tremorvideo.sdk.android.videoad.ab.onKeyDown</c:v>
+                </c:pt>
+                <c:pt idx="677">
+                  <c:v>com.tremorvideo.sdk.android.videoad.ad$1.run</c:v>
+                </c:pt>
+                <c:pt idx="678">
+                  <c:v>com.tremorvideo.sdk.android.videoad.ad$2.run</c:v>
+                </c:pt>
+                <c:pt idx="679">
+                  <c:v>com.tremorvideo.sdk.android.videoad.ad$f.onPreExecute</c:v>
+                </c:pt>
+                <c:pt idx="680">
+                  <c:v>com.tremorvideo.sdk.android.videoad.ad$h.run</c:v>
+                </c:pt>
+                <c:pt idx="681">
+                  <c:v>com.tremorvideo.sdk.android.videoad.af$1.onTouch</c:v>
+                </c:pt>
+                <c:pt idx="682">
+                  <c:v>com.tremorvideo.sdk.android.videoad.af$2.onFocusChange</c:v>
+                </c:pt>
+                <c:pt idx="683">
+                  <c:v>com.tremorvideo.sdk.android.videoad.af$3.onKey</c:v>
+                </c:pt>
+                <c:pt idx="684">
+                  <c:v>com.tremorvideo.sdk.android.videoad.ag.onKeyDown</c:v>
+                </c:pt>
+                <c:pt idx="685">
+                  <c:v>com.tremorvideo.sdk.android.videoad.ah.onKeyLongPress</c:v>
+                </c:pt>
+                <c:pt idx="686">
+                  <c:v>com.tremorvideo.sdk.android.videoad.ai.onKeyDown</c:v>
+                </c:pt>
+                <c:pt idx="687">
+                  <c:v>com.tremorvideo.sdk.android.videoad.aj.onKeyLongPress</c:v>
+                </c:pt>
+                <c:pt idx="688">
+                  <c:v>com.tremorvideo.sdk.android.videoad.ak.onKeyLongPress</c:v>
+                </c:pt>
+                <c:pt idx="689">
+                  <c:v>com.tremorvideo.sdk.android.videoad.am$1.onClick</c:v>
+                </c:pt>
+                <c:pt idx="690">
+                  <c:v>com.tremorvideo.sdk.android.videoad.am$2.onFocusChange</c:v>
+                </c:pt>
+                <c:pt idx="691">
+                  <c:v>com.tremorvideo.sdk.android.videoad.am$3.onTouch</c:v>
+                </c:pt>
+                <c:pt idx="692">
+                  <c:v>com.tremorvideo.sdk.android.videoad.an.onKeyDown</c:v>
+                </c:pt>
+                <c:pt idx="693">
+                  <c:v>com.tremorvideo.sdk.android.videoad.ao.onKeyLongPress</c:v>
+                </c:pt>
+                <c:pt idx="694">
+                  <c:v>com.tremorvideo.sdk.android.videoad.aq$a.onReceivedError</c:v>
+                </c:pt>
+                <c:pt idx="695">
+                  <c:v>com.tremorvideo.sdk.android.videoad.aq$b.onReceivedSslError</c:v>
+                </c:pt>
+                <c:pt idx="696">
+                  <c:v>com.tremorvideo.sdk.android.videoad.ax$1$1.run</c:v>
+                </c:pt>
+                <c:pt idx="697">
+                  <c:v>com.tremorvideo.sdk.android.videoad.ax$1$2.run</c:v>
+                </c:pt>
+                <c:pt idx="698">
+                  <c:v>com.tremorvideo.sdk.android.videoad.ax$1$3.run</c:v>
+                </c:pt>
+                <c:pt idx="699">
+                  <c:v>com.tremorvideo.sdk.android.videoad.ax$13.onItemClick</c:v>
+                </c:pt>
+                <c:pt idx="700">
+                  <c:v>com.tremorvideo.sdk.android.videoad.b$1.onClick</c:v>
+                </c:pt>
+                <c:pt idx="701">
+                  <c:v>com.tremorvideo.sdk.android.videoad.b$2.run</c:v>
+                </c:pt>
+                <c:pt idx="702">
+                  <c:v>com.tremorvideo.sdk.android.videoad.b$a.onPreExecute</c:v>
+                </c:pt>
+                <c:pt idx="703">
+                  <c:v>com.tremorvideo.sdk.android.videoad.ba$1$1.run</c:v>
+                </c:pt>
+                <c:pt idx="704">
+                  <c:v>com.tremorvideo.sdk.android.videoad.ba$2.run</c:v>
+                </c:pt>
+                <c:pt idx="705">
+                  <c:v>com.tremorvideo.sdk.android.videoad.bb$a.onPreExecute</c:v>
+                </c:pt>
+                <c:pt idx="706">
+                  <c:v>com.tremorvideo.sdk.android.videoad.bc$1.onClick</c:v>
+                </c:pt>
+                <c:pt idx="707">
+                  <c:v>com.tremorvideo.sdk.android.videoad.bc$2.onClick</c:v>
+                </c:pt>
+                <c:pt idx="708">
+                  <c:v>com.tremorvideo.sdk.android.videoad.be$2.onClick</c:v>
+                </c:pt>
+                <c:pt idx="709">
+                  <c:v>com.tremorvideo.sdk.android.videoad.be$3.onFocusChange</c:v>
+                </c:pt>
+                <c:pt idx="710">
+                  <c:v>com.tremorvideo.sdk.android.videoad.be$4.onTouch</c:v>
+                </c:pt>
+                <c:pt idx="711">
+                  <c:v>com.tremorvideo.sdk.android.videoad.be$5.run</c:v>
+                </c:pt>
+                <c:pt idx="712">
+                  <c:v>com.tremorvideo.sdk.android.videoad.be$6.onClick</c:v>
+                </c:pt>
+                <c:pt idx="713">
+                  <c:v>com.tremorvideo.sdk.android.videoad.bl$a.run</c:v>
+                </c:pt>
+                <c:pt idx="714">
+                  <c:v>com.tremorvideo.sdk.android.videoad.bu$b.onPreExecute</c:v>
+                </c:pt>
+                <c:pt idx="715">
+                  <c:v>com.tremorvideo.sdk.android.videoad.bx$1.run</c:v>
+                </c:pt>
+                <c:pt idx="716">
+                  <c:v>com.tremorvideo.sdk.android.videoad.by$a$1.run</c:v>
+                </c:pt>
+                <c:pt idx="717">
+                  <c:v>com.tremorvideo.sdk.android.videoad.by$a$2.run</c:v>
+                </c:pt>
+                <c:pt idx="718">
+                  <c:v>com.tremorvideo.sdk.android.videoad.by$a$3.run</c:v>
+                </c:pt>
+                <c:pt idx="719">
+                  <c:v>com.tremorvideo.sdk.android.videoad.by$a$a.onPreExecute</c:v>
+                </c:pt>
+                <c:pt idx="720">
+                  <c:v>com.tremorvideo.sdk.android.videoad.by$a.onReceivedError</c:v>
+                </c:pt>
+                <c:pt idx="721">
+                  <c:v>com.tremorvideo.sdk.android.videoad.by$b.onReceivedSslError</c:v>
+                </c:pt>
+                <c:pt idx="722">
+                  <c:v>com.tremorvideo.sdk.android.videoad.by$d.onPreExecute</c:v>
+                </c:pt>
+                <c:pt idx="723">
+                  <c:v>com.tremorvideo.sdk.android.videoad.c$1.onClick</c:v>
+                </c:pt>
+                <c:pt idx="724">
+                  <c:v>com.tremorvideo.sdk.android.videoad.c$2.run</c:v>
+                </c:pt>
+                <c:pt idx="725">
+                  <c:v>com.tremorvideo.sdk.android.videoad.e$1.run</c:v>
+                </c:pt>
+                <c:pt idx="726">
+                  <c:v>com.tremorvideo.sdk.android.videoad.e$10.onFocusChange</c:v>
+                </c:pt>
+                <c:pt idx="727">
+                  <c:v>com.tremorvideo.sdk.android.videoad.e$12.onClick</c:v>
+                </c:pt>
+                <c:pt idx="728">
+                  <c:v>com.tremorvideo.sdk.android.videoad.e$3$1.run</c:v>
+                </c:pt>
+                <c:pt idx="729">
+                  <c:v>com.tremorvideo.sdk.android.videoad.e$3.onClick</c:v>
+                </c:pt>
+                <c:pt idx="730">
+                  <c:v>com.tremorvideo.sdk.android.videoad.e$4.run</c:v>
+                </c:pt>
+                <c:pt idx="731">
+                  <c:v>com.tremorvideo.sdk.android.videoad.e$5$1.onClick</c:v>
+                </c:pt>
+                <c:pt idx="732">
+                  <c:v>com.tremorvideo.sdk.android.videoad.e$5.run</c:v>
+                </c:pt>
+                <c:pt idx="733">
+                  <c:v>com.tremorvideo.sdk.android.videoad.e$6.run</c:v>
+                </c:pt>
+                <c:pt idx="734">
+                  <c:v>com.tremorvideo.sdk.android.videoad.e$8.onClick</c:v>
+                </c:pt>
+                <c:pt idx="735">
+                  <c:v>com.tremorvideo.sdk.android.videoad.e$9.onTouch</c:v>
+                </c:pt>
+                <c:pt idx="736">
+                  <c:v>com.tremorvideo.sdk.android.videoad.e$a.run</c:v>
+                </c:pt>
+                <c:pt idx="737">
+                  <c:v>com.tremorvideo.sdk.android.videoad.g$5.onClick</c:v>
+                </c:pt>
+                <c:pt idx="738">
+                  <c:v>com.tremorvideo.sdk.android.videoad.h$a.run</c:v>
+                </c:pt>
+                <c:pt idx="739">
+                  <c:v>com.tremorvideo.sdk.android.videoad.h$b.run</c:v>
+                </c:pt>
+                <c:pt idx="740">
+                  <c:v>com.tremorvideo.sdk.android.videoad.h$c.run</c:v>
+                </c:pt>
+                <c:pt idx="741">
+                  <c:v>com.tremorvideo.sdk.android.videoad.i$1.onReceive</c:v>
+                </c:pt>
+                <c:pt idx="742">
+                  <c:v>com.tremorvideo.sdk.android.videoad.i$2.onReceive</c:v>
+                </c:pt>
+                <c:pt idx="743">
+                  <c:v>com.tremorvideo.sdk.android.videoad.i$3.onReceive</c:v>
+                </c:pt>
+                <c:pt idx="744">
+                  <c:v>com.tremorvideo.sdk.android.videoad.j$2.run</c:v>
+                </c:pt>
+                <c:pt idx="745">
+                  <c:v>com.tremorvideo.sdk.android.videoad.m$a$1.run</c:v>
+                </c:pt>
+                <c:pt idx="746">
+                  <c:v>com.tremorvideo.sdk.android.videoad.m$a.run</c:v>
+                </c:pt>
+                <c:pt idx="747">
+                  <c:v>com.tremorvideo.sdk.android.videoad.p$1.onClick</c:v>
+                </c:pt>
+                <c:pt idx="748">
+                  <c:v>com.tremorvideo.sdk.android.videoad.p$2.onFocusChange</c:v>
+                </c:pt>
+                <c:pt idx="749">
+                  <c:v>com.tremorvideo.sdk.android.videoad.p$3.onTouch</c:v>
+                </c:pt>
+                <c:pt idx="750">
+                  <c:v>com.tremorvideo.sdk.android.videoad.v$10$1.run</c:v>
+                </c:pt>
+                <c:pt idx="751">
+                  <c:v>com.tremorvideo.sdk.android.videoad.v$10.onClick</c:v>
+                </c:pt>
+                <c:pt idx="752">
+                  <c:v>com.tremorvideo.sdk.android.videoad.v$2.run</c:v>
+                </c:pt>
+                <c:pt idx="753">
+                  <c:v>com.tremorvideo.sdk.android.videoad.v$3.onClick</c:v>
+                </c:pt>
+                <c:pt idx="754">
+                  <c:v>com.tremorvideo.sdk.android.videoad.v$4.onTouch</c:v>
+                </c:pt>
+                <c:pt idx="755">
+                  <c:v>com.tremorvideo.sdk.android.videoad.v$6.onClick</c:v>
+                </c:pt>
+                <c:pt idx="756">
+                  <c:v>com.tremorvideo.sdk.android.videoad.v$a.run</c:v>
+                </c:pt>
+                <c:pt idx="757">
+                  <c:v>com.tremorvideo.sdk.android.videoad.v.onKeyDown</c:v>
+                </c:pt>
+                <c:pt idx="758">
+                  <c:v>com.tremorvideo.sdk.android.videoad.w$c$1.onTouch</c:v>
+                </c:pt>
+                <c:pt idx="759">
+                  <c:v>com.tremorvideo.sdk.android.videoad.w$c$2.onFocusChange</c:v>
+                </c:pt>
+                <c:pt idx="760">
+                  <c:v>com.tremorvideo.sdk.android.videoad.w$c$3.onKey</c:v>
+                </c:pt>
+                <c:pt idx="761">
+                  <c:v>com.tremorvideo.sdk.android.videoad.w$c$4.run</c:v>
+                </c:pt>
+                <c:pt idx="762">
+                  <c:v>com.tremorvideo.sdk.android.videoad.w$d.run</c:v>
+                </c:pt>
+                <c:pt idx="763">
+                  <c:v>com.ts.loopj.android.http.AsyncHttpRequest.run</c:v>
+                </c:pt>
+                <c:pt idx="764">
+                  <c:v>com.ts.loopj.android.http.AsyncHttpResponseHandler.onStart</c:v>
+                </c:pt>
+                <c:pt idx="765">
+                  <c:v>com.vungle.publisher.FullScreenAdActivity$1.onSystemUiVisibilityChange</c:v>
+                </c:pt>
+                <c:pt idx="766">
+                  <c:v>com.vungle.publisher.FullScreenAdActivity.onBackPressed</c:v>
+                </c:pt>
+                <c:pt idx="767">
+                  <c:v>com.vungle.publisher.FullScreenAdActivity.onCreate</c:v>
+                </c:pt>
+                <c:pt idx="768">
+                  <c:v>com.vungle.publisher.FullScreenAdActivity.onDestroy</c:v>
+                </c:pt>
+                <c:pt idx="769">
+                  <c:v>com.vungle.publisher.FullScreenAdActivity.onKeyDown</c:v>
+                </c:pt>
+                <c:pt idx="770">
+                  <c:v>com.vungle.publisher.FullScreenAdActivity.onPause</c:v>
+                </c:pt>
+                <c:pt idx="771">
+                  <c:v>com.vungle.publisher.FullScreenAdActivity.onResume</c:v>
+                </c:pt>
+                <c:pt idx="772">
+                  <c:v>com.vungle.publisher.FullScreenAdActivity.onStart</c:v>
+                </c:pt>
+                <c:pt idx="773">
+                  <c:v>com.vungle.publisher.VunglePub.onPause</c:v>
+                </c:pt>
+                <c:pt idx="774">
+                  <c:v>com.vungle.publisher.VunglePub.onResume</c:v>
+                </c:pt>
+                <c:pt idx="775">
+                  <c:v>com.vungle.publisher.VunglePubBase$AsyncInitEventListener$1.run</c:v>
+                </c:pt>
+                <c:pt idx="776">
+                  <c:v>com.vungle.publisher.VunglePubBase.onPause</c:v>
+                </c:pt>
+                <c:pt idx="777">
+                  <c:v>com.vungle.publisher.VunglePubBase.onResume</c:v>
+                </c:pt>
+                <c:pt idx="778">
+                  <c:v>com.vungle.publisher.VungleService.onCreate</c:v>
+                </c:pt>
+                <c:pt idx="779">
+                  <c:v>com.vungle.publisher.VungleService.onDestroy</c:v>
+                </c:pt>
+                <c:pt idx="780">
+                  <c:v>com.vungle.publisher.VungleService.onStart</c:v>
+                </c:pt>
+                <c:pt idx="781">
+                  <c:v>com.vungle.publisher.VungleService.onStartCommand</c:v>
+                </c:pt>
+                <c:pt idx="782">
+                  <c:v>com.vungle.publisher.ad.AdManager$1.run</c:v>
+                </c:pt>
+                <c:pt idx="783">
+                  <c:v>com.vungle.publisher.ao.onReceivedError</c:v>
+                </c:pt>
+                <c:pt idx="784">
+                  <c:v>com.vungle.publisher.async.ScheduledPriorityExecutor$a$a.run</c:v>
+                </c:pt>
+                <c:pt idx="785">
+                  <c:v>com.vungle.publisher.bt$a.run</c:v>
+                </c:pt>
+                <c:pt idx="786">
+                  <c:v>com.vungle.publisher.bt$c.run</c:v>
+                </c:pt>
+                <c:pt idx="787">
+                  <c:v>com.vungle.publisher.bx.run</c:v>
+                </c:pt>
+                <c:pt idx="788">
+                  <c:v>com.vungle.publisher.ch.run</c:v>
+                </c:pt>
+                <c:pt idx="789">
+                  <c:v>com.vungle.publisher.db.DatabaseBroadcastReceiver.onReceive</c:v>
+                </c:pt>
+                <c:pt idx="790">
+                  <c:v>com.vungle.publisher.db.DatabaseHelper$1.run</c:v>
+                </c:pt>
+                <c:pt idx="791">
+                  <c:v>com.vungle.publisher.db.DatabaseHelper.onCreate</c:v>
+                </c:pt>
+                <c:pt idx="792">
+                  <c:v>com.vungle.publisher.device.ExternalStorageStateBroadcastReceiver.onReceive</c:v>
+                </c:pt>
+                <c:pt idx="793">
+                  <c:v>com.vungle.publisher.display.view.AdFragment.onCreate</c:v>
+                </c:pt>
+                <c:pt idx="794">
+                  <c:v>com.vungle.publisher.display.view.AlertDialogFactory$1.onClick</c:v>
+                </c:pt>
+                <c:pt idx="795">
+                  <c:v>com.vungle.publisher.display.view.AlertDialogFactory$2.onClick</c:v>
+                </c:pt>
+                <c:pt idx="796">
+                  <c:v>com.vungle.publisher.display.view.PostRollFragment.onCreate</c:v>
+                </c:pt>
+                <c:pt idx="797">
+                  <c:v>com.vungle.publisher.display.view.PostRollFragment.onCreateView</c:v>
+                </c:pt>
+                <c:pt idx="798">
+                  <c:v>com.vungle.publisher.display.view.VideoFragment$1.onClick</c:v>
+                </c:pt>
+                <c:pt idx="799">
+                  <c:v>com.vungle.publisher.display.view.VideoFragment$2.onTouch</c:v>
+                </c:pt>
+                <c:pt idx="800">
+                  <c:v>com.vungle.publisher.display.view.VideoFragment$3.run</c:v>
+                </c:pt>
+                <c:pt idx="801">
+                  <c:v>com.vungle.publisher.display.view.VideoFragment$4.onClick</c:v>
+                </c:pt>
+                <c:pt idx="802">
+                  <c:v>com.vungle.publisher.display.view.VideoFragment$b.onClick</c:v>
+                </c:pt>
+                <c:pt idx="803">
+                  <c:v>com.vungle.publisher.display.view.VideoFragment$c.run</c:v>
+                </c:pt>
+                <c:pt idx="804">
+                  <c:v>com.vungle.publisher.display.view.VideoFragment.onCreate</c:v>
+                </c:pt>
+                <c:pt idx="805">
+                  <c:v>com.vungle.publisher.display.view.VideoFragment.onCreateView</c:v>
+                </c:pt>
+                <c:pt idx="806">
+                  <c:v>com.vungle.publisher.display.view.VideoFragment.onPause</c:v>
+                </c:pt>
+                <c:pt idx="807">
+                  <c:v>com.vungle.publisher.display.view.VideoFragment.onResume</c:v>
+                </c:pt>
+                <c:pt idx="808">
+                  <c:v>com.vungle.publisher.display.view.WebViewFragment.onCreate</c:v>
+                </c:pt>
+                <c:pt idx="809">
+                  <c:v>com.vungle.publisher.display.view.WebViewFragment.onCreateView</c:v>
+                </c:pt>
+                <c:pt idx="810">
+                  <c:v>com.vungle.publisher.env.AdvertisingDeviceIdStrategy$FetchAdvertisingPreferencesRunnable.run</c:v>
+                </c:pt>
+                <c:pt idx="811">
+                  <c:v>com.vungle.publisher.event.ClientEventListenerAdapter$1.run</c:v>
+                </c:pt>
+                <c:pt idx="812">
+                  <c:v>com.vungle.publisher.event.ClientEventListenerAdapter$2.run</c:v>
+                </c:pt>
+                <c:pt idx="813">
+                  <c:v>com.vungle.publisher.event.ClientEventListenerAdapter$3.run</c:v>
+                </c:pt>
+                <c:pt idx="814">
+                  <c:v>com.vungle.publisher.protocol.ProtocolHttpGateway$1.run</c:v>
+                </c:pt>
+                <c:pt idx="815">
+                  <c:v>com.vungle.publisher.protocol.ProtocolHttpGateway$2.run</c:v>
+                </c:pt>
+                <c:pt idx="816">
+                  <c:v>com.vungle.publisher.protocol.RequestConfigAsync$RequestConfigRunnable.run</c:v>
+                </c:pt>
+                <c:pt idx="817">
+                  <c:v>com.vungle.publisher.service.PrepareLocalAdIntentHandler$c.run</c:v>
+                </c:pt>
+                <c:pt idx="818">
+                  <c:v>com.vungle.sdk.VungleAdvert.onCreate</c:v>
+                </c:pt>
+                <c:pt idx="819">
+                  <c:v>com.vungle.sdk.VungleAdvert.onDestroy</c:v>
+                </c:pt>
+                <c:pt idx="820">
+                  <c:v>com.vungle.sdk.VungleAdvert.onPause</c:v>
+                </c:pt>
+                <c:pt idx="821">
+                  <c:v>com.vungle.sdk.VungleAdvert.onResume</c:v>
+                </c:pt>
+                <c:pt idx="822">
+                  <c:v>com.vungle.sdk.VungleAdvert.onStart</c:v>
+                </c:pt>
+                <c:pt idx="823">
+                  <c:v>com.vungle.sdk.VungleIntentService.onCreate</c:v>
+                </c:pt>
+                <c:pt idx="824">
+                  <c:v>com.vungle.sdk.VungleIntentService.onDestroy</c:v>
+                </c:pt>
+                <c:pt idx="825">
+                  <c:v>com.vungle.sdk.VunglePub.onPause</c:v>
+                </c:pt>
+                <c:pt idx="826">
+                  <c:v>com.vungle.sdk.VunglePub.onResume</c:v>
+                </c:pt>
+                <c:pt idx="827">
+                  <c:v>java.lang.Thread.start</c:v>
+                </c:pt>
+                <c:pt idx="828">
+                  <c:v>java.net.DatagramSocket.&lt;init&gt;</c:v>
+                </c:pt>
+                <c:pt idx="829">
+                  <c:v>java.net.HttpURLConnection.connect</c:v>
+                </c:pt>
+                <c:pt idx="830">
+                  <c:v>java.net.Socket.&lt;init&gt;</c:v>
+                </c:pt>
+                <c:pt idx="831">
+                  <c:v>java.net.URL.openConnection</c:v>
+                </c:pt>
+                <c:pt idx="832">
+                  <c:v>java.net.URL.openStream</c:v>
+                </c:pt>
+                <c:pt idx="833">
+                  <c:v>java.net.URLConnection.connect</c:v>
+                </c:pt>
+                <c:pt idx="834">
+                  <c:v>java.net.URLConnection.getInputStream</c:v>
+                </c:pt>
+                <c:pt idx="835">
+                  <c:v>org.apache.http.impl.client.DefaultHttpClient.&lt;init&gt;</c:v>
+                </c:pt>
+                <c:pt idx="836">
+                  <c:v>org.apache.http.impl.client.DefaultHttpClient.execute</c:v>
+                </c:pt>
+              </c:strCache>
+            </c:strRef>
+          </c:cat>
+          <c:val>
+            <c:numRef>
+              <c:f>Sheet1!$B$2:$B$838</c:f>
+              <c:numCache>
+                <c:formatCode>General</c:formatCode>
+                <c:ptCount val="837"/>
+                <c:pt idx="0">
+                  <c:v>302.0</c:v>
+                </c:pt>
+                <c:pt idx="1">
+                  <c:v>0.0</c:v>
+                </c:pt>
+                <c:pt idx="2">
+                  <c:v>0.0</c:v>
+                </c:pt>
+                <c:pt idx="3">
+                  <c:v>0.0</c:v>
+                </c:pt>
+                <c:pt idx="4">
+                  <c:v>2.0</c:v>
+                </c:pt>
+                <c:pt idx="5">
+                  <c:v>0.0</c:v>
+                </c:pt>
+                <c:pt idx="6">
+                  <c:v>0.0</c:v>
+                </c:pt>
+                <c:pt idx="7">
+                  <c:v>16.0</c:v>
+                </c:pt>
+                <c:pt idx="8">
+                  <c:v>6.0</c:v>
+                </c:pt>
+                <c:pt idx="9">
+                  <c:v>0.0</c:v>
+                </c:pt>
+                <c:pt idx="10">
+                  <c:v>0.0</c:v>
+                </c:pt>
+                <c:pt idx="11">
+                  <c:v>0.0</c:v>
+                </c:pt>
+                <c:pt idx="12">
+                  <c:v>4.0</c:v>
+                </c:pt>
+                <c:pt idx="13">
+                  <c:v>2.0</c:v>
+                </c:pt>
+                <c:pt idx="14">
+                  <c:v>0.0</c:v>
+                </c:pt>
+                <c:pt idx="15">
+                  <c:v>0.0</c:v>
+                </c:pt>
+                <c:pt idx="16">
+                  <c:v>0.0</c:v>
+                </c:pt>
+                <c:pt idx="17">
+                  <c:v>36.0</c:v>
+                </c:pt>
+                <c:pt idx="18">
+                  <c:v>0.0</c:v>
+                </c:pt>
+                <c:pt idx="19">
+                  <c:v>0.0</c:v>
+                </c:pt>
+                <c:pt idx="20">
+                  <c:v>26.0</c:v>
+                </c:pt>
+                <c:pt idx="21">
+                  <c:v>2.0</c:v>
+                </c:pt>
+                <c:pt idx="22">
+                  <c:v>6.0</c:v>
+                </c:pt>
+                <c:pt idx="23">
+                  <c:v>0.0</c:v>
+                </c:pt>
+                <c:pt idx="24">
+                  <c:v>2.0</c:v>
+                </c:pt>
+                <c:pt idx="25">
+                  <c:v>10.0</c:v>
+                </c:pt>
+                <c:pt idx="26">
+                  <c:v>0.0</c:v>
+                </c:pt>
+                <c:pt idx="27">
+                  <c:v>0.0</c:v>
+                </c:pt>
+                <c:pt idx="28">
+                  <c:v>6.0</c:v>
+                </c:pt>
+                <c:pt idx="29">
+                  <c:v>0.0</c:v>
+                </c:pt>
+                <c:pt idx="30">
+                  <c:v>0.0</c:v>
+                </c:pt>
+                <c:pt idx="31">
+                  <c:v>0.0</c:v>
+                </c:pt>
+                <c:pt idx="32">
+                  <c:v>0.0</c:v>
+                </c:pt>
+                <c:pt idx="33">
+                  <c:v>0.0</c:v>
+                </c:pt>
+                <c:pt idx="34">
+                  <c:v>0.0</c:v>
+                </c:pt>
+                <c:pt idx="35">
+                  <c:v>0.0</c:v>
+                </c:pt>
+                <c:pt idx="36">
+                  <c:v>0.0</c:v>
+                </c:pt>
+                <c:pt idx="37">
+                  <c:v>0.0</c:v>
+                </c:pt>
+                <c:pt idx="38">
+                  <c:v>0.0</c:v>
+                </c:pt>
+                <c:pt idx="39">
+                  <c:v>0.0</c:v>
+                </c:pt>
+                <c:pt idx="40">
+                  <c:v>0.0</c:v>
+                </c:pt>
+                <c:pt idx="41">
+                  <c:v>0.0</c:v>
+                </c:pt>
+                <c:pt idx="42">
+                  <c:v>0.0</c:v>
+                </c:pt>
+                <c:pt idx="43">
+                  <c:v>0.0</c:v>
+                </c:pt>
+                <c:pt idx="44">
+                  <c:v>0.0</c:v>
+                </c:pt>
+                <c:pt idx="45">
+                  <c:v>0.0</c:v>
+                </c:pt>
+                <c:pt idx="46">
+                  <c:v>0.0</c:v>
+                </c:pt>
+                <c:pt idx="47">
+                  <c:v>0.0</c:v>
+                </c:pt>
+                <c:pt idx="48">
+                  <c:v>0.0</c:v>
+                </c:pt>
+                <c:pt idx="49">
+                  <c:v>0.0</c:v>
+                </c:pt>
+                <c:pt idx="50">
+                  <c:v>0.0</c:v>
+                </c:pt>
+                <c:pt idx="51">
+                  <c:v>0.0</c:v>
+                </c:pt>
+                <c:pt idx="52">
+                  <c:v>0.0</c:v>
+                </c:pt>
+                <c:pt idx="53">
+                  <c:v>0.0</c:v>
+                </c:pt>
+                <c:pt idx="54">
+                  <c:v>0.0</c:v>
+                </c:pt>
+                <c:pt idx="55">
+                  <c:v>0.0</c:v>
+                </c:pt>
+                <c:pt idx="56">
+                  <c:v>0.0</c:v>
+                </c:pt>
+                <c:pt idx="57">
+                  <c:v>0.0</c:v>
+                </c:pt>
+                <c:pt idx="58">
+                  <c:v>0.0</c:v>
+                </c:pt>
+                <c:pt idx="59">
+                  <c:v>0.0</c:v>
+                </c:pt>
+                <c:pt idx="60">
+                  <c:v>0.0</c:v>
+                </c:pt>
+                <c:pt idx="61">
+                  <c:v>0.0</c:v>
+                </c:pt>
+                <c:pt idx="62">
+                  <c:v>0.0</c:v>
+                </c:pt>
+                <c:pt idx="63">
+                  <c:v>0.0</c:v>
+                </c:pt>
+                <c:pt idx="64">
+                  <c:v>0.0</c:v>
+                </c:pt>
+                <c:pt idx="65">
+                  <c:v>0.0</c:v>
+                </c:pt>
+                <c:pt idx="66">
+                  <c:v>0.0</c:v>
+                </c:pt>
+                <c:pt idx="67">
+                  <c:v>0.0</c:v>
+                </c:pt>
+                <c:pt idx="68">
+                  <c:v>0.0</c:v>
+                </c:pt>
+                <c:pt idx="69">
+                  <c:v>0.0</c:v>
+                </c:pt>
+                <c:pt idx="70">
+                  <c:v>0.0</c:v>
+                </c:pt>
+                <c:pt idx="71">
+                  <c:v>0.0</c:v>
+                </c:pt>
+                <c:pt idx="72">
+                  <c:v>0.0</c:v>
+                </c:pt>
+                <c:pt idx="73">
+                  <c:v>0.0</c:v>
+                </c:pt>
+                <c:pt idx="74">
+                  <c:v>0.0</c:v>
+                </c:pt>
+                <c:pt idx="75">
+                  <c:v>0.0</c:v>
+                </c:pt>
+                <c:pt idx="76">
+                  <c:v>0.0</c:v>
+                </c:pt>
+                <c:pt idx="77">
+                  <c:v>0.0</c:v>
+                </c:pt>
+                <c:pt idx="78">
+                  <c:v>0.0</c:v>
+                </c:pt>
+                <c:pt idx="79">
+                  <c:v>0.0</c:v>
+                </c:pt>
+                <c:pt idx="80">
+                  <c:v>0.0</c:v>
+                </c:pt>
+                <c:pt idx="81">
+                  <c:v>0.0</c:v>
+                </c:pt>
+                <c:pt idx="82">
+                  <c:v>0.0</c:v>
+                </c:pt>
+                <c:pt idx="83">
+                  <c:v>0.0</c:v>
+                </c:pt>
+                <c:pt idx="84">
+                  <c:v>0.0</c:v>
+                </c:pt>
+                <c:pt idx="85">
+                  <c:v>0.0</c:v>
+                </c:pt>
+                <c:pt idx="86">
+                  <c:v>0.0</c:v>
+                </c:pt>
+                <c:pt idx="87">
+                  <c:v>0.0</c:v>
+                </c:pt>
+                <c:pt idx="88">
+                  <c:v>0.0</c:v>
+                </c:pt>
+                <c:pt idx="89">
+                  <c:v>0.0</c:v>
+                </c:pt>
+                <c:pt idx="90">
+                  <c:v>0.0</c:v>
+                </c:pt>
+                <c:pt idx="91">
+                  <c:v>0.0</c:v>
+                </c:pt>
+                <c:pt idx="92">
+                  <c:v>0.0</c:v>
+                </c:pt>
+                <c:pt idx="93">
+                  <c:v>0.0</c:v>
+                </c:pt>
+                <c:pt idx="94">
+                  <c:v>0.0</c:v>
+                </c:pt>
+                <c:pt idx="95">
+                  <c:v>0.0</c:v>
+                </c:pt>
+                <c:pt idx="96">
+                  <c:v>0.0</c:v>
+                </c:pt>
+                <c:pt idx="97">
+                  <c:v>0.0</c:v>
+                </c:pt>
+                <c:pt idx="98">
+                  <c:v>0.0</c:v>
+                </c:pt>
+                <c:pt idx="99">
+                  <c:v>0.0</c:v>
+                </c:pt>
+                <c:pt idx="100">
+                  <c:v>0.0</c:v>
+                </c:pt>
+                <c:pt idx="101">
+                  <c:v>0.0</c:v>
+                </c:pt>
+                <c:pt idx="102">
+                  <c:v>0.0</c:v>
+                </c:pt>
+                <c:pt idx="103">
+                  <c:v>0.0</c:v>
+                </c:pt>
+                <c:pt idx="104">
+                  <c:v>0.0</c:v>
+                </c:pt>
+                <c:pt idx="105">
+                  <c:v>0.0</c:v>
+                </c:pt>
+                <c:pt idx="106">
+                  <c:v>0.0</c:v>
+                </c:pt>
+                <c:pt idx="107">
+                  <c:v>0.0</c:v>
+                </c:pt>
+                <c:pt idx="108">
+                  <c:v>0.0</c:v>
+                </c:pt>
+                <c:pt idx="109">
+                  <c:v>0.0</c:v>
+                </c:pt>
+                <c:pt idx="110">
+                  <c:v>0.0</c:v>
+                </c:pt>
+                <c:pt idx="111">
+                  <c:v>0.0</c:v>
+                </c:pt>
+                <c:pt idx="112">
+                  <c:v>0.0</c:v>
+                </c:pt>
+                <c:pt idx="113">
+                  <c:v>0.0</c:v>
+                </c:pt>
+                <c:pt idx="114">
+                  <c:v>0.0</c:v>
+                </c:pt>
+                <c:pt idx="115">
+                  <c:v>0.0</c:v>
+                </c:pt>
+                <c:pt idx="116">
+                  <c:v>0.0</c:v>
+                </c:pt>
+                <c:pt idx="117">
+                  <c:v>0.0</c:v>
+                </c:pt>
+                <c:pt idx="118">
+                  <c:v>0.0</c:v>
+                </c:pt>
+                <c:pt idx="119">
+                  <c:v>0.0</c:v>
+                </c:pt>
+                <c:pt idx="120">
+                  <c:v>0.0</c:v>
+                </c:pt>
+                <c:pt idx="121">
+                  <c:v>0.0</c:v>
+                </c:pt>
+                <c:pt idx="122">
+                  <c:v>0.0</c:v>
+                </c:pt>
+                <c:pt idx="123">
+                  <c:v>0.0</c:v>
+                </c:pt>
+                <c:pt idx="124">
+                  <c:v>0.0</c:v>
+                </c:pt>
+                <c:pt idx="125">
+                  <c:v>0.0</c:v>
+                </c:pt>
+                <c:pt idx="126">
+                  <c:v>0.0</c:v>
+                </c:pt>
+                <c:pt idx="127">
+                  <c:v>0.0</c:v>
+                </c:pt>
+                <c:pt idx="128">
+                  <c:v>0.0</c:v>
+                </c:pt>
+                <c:pt idx="129">
+                  <c:v>0.0</c:v>
+                </c:pt>
+                <c:pt idx="130">
+                  <c:v>0.0</c:v>
+                </c:pt>
+                <c:pt idx="131">
+                  <c:v>0.0</c:v>
+                </c:pt>
+                <c:pt idx="132">
+                  <c:v>0.0</c:v>
+                </c:pt>
+                <c:pt idx="133">
+                  <c:v>0.0</c:v>
+                </c:pt>
+                <c:pt idx="134">
+                  <c:v>0.0</c:v>
+                </c:pt>
+                <c:pt idx="135">
+                  <c:v>0.0</c:v>
+                </c:pt>
+                <c:pt idx="136">
+                  <c:v>0.0</c:v>
+                </c:pt>
+                <c:pt idx="137">
+                  <c:v>0.0</c:v>
+                </c:pt>
+                <c:pt idx="138">
+                  <c:v>0.0</c:v>
+                </c:pt>
+                <c:pt idx="139">
+                  <c:v>0.0</c:v>
+                </c:pt>
+                <c:pt idx="140">
+                  <c:v>0.0</c:v>
+                </c:pt>
+                <c:pt idx="141">
+                  <c:v>0.0</c:v>
+                </c:pt>
+                <c:pt idx="142">
+                  <c:v>0.0</c:v>
+                </c:pt>
+                <c:pt idx="143">
+                  <c:v>0.0</c:v>
+                </c:pt>
+                <c:pt idx="144">
+                  <c:v>0.0</c:v>
+                </c:pt>
+                <c:pt idx="145">
+                  <c:v>0.0</c:v>
+                </c:pt>
+                <c:pt idx="146">
+                  <c:v>0.0</c:v>
+                </c:pt>
+                <c:pt idx="147">
+                  <c:v>0.0</c:v>
+                </c:pt>
+                <c:pt idx="148">
+                  <c:v>0.0</c:v>
+                </c:pt>
+                <c:pt idx="149">
+                  <c:v>0.0</c:v>
+                </c:pt>
+                <c:pt idx="150">
+                  <c:v>0.0</c:v>
+                </c:pt>
+                <c:pt idx="151">
+                  <c:v>0.0</c:v>
+                </c:pt>
+                <c:pt idx="152">
+                  <c:v>0.0</c:v>
+                </c:pt>
+                <c:pt idx="153">
+                  <c:v>0.0</c:v>
+                </c:pt>
+                <c:pt idx="154">
+                  <c:v>0.0</c:v>
+                </c:pt>
+                <c:pt idx="155">
+                  <c:v>0.0</c:v>
+                </c:pt>
+                <c:pt idx="156">
+                  <c:v>0.0</c:v>
+                </c:pt>
+                <c:pt idx="157">
+                  <c:v>0.0</c:v>
+                </c:pt>
+                <c:pt idx="158">
+                  <c:v>0.0</c:v>
+                </c:pt>
+                <c:pt idx="159">
+                  <c:v>0.0</c:v>
+                </c:pt>
+                <c:pt idx="160">
+                  <c:v>0.0</c:v>
+                </c:pt>
+                <c:pt idx="161">
+                  <c:v>0.0</c:v>
+                </c:pt>
+                <c:pt idx="162">
+                  <c:v>0.0</c:v>
+                </c:pt>
+                <c:pt idx="163">
+                  <c:v>0.0</c:v>
+                </c:pt>
+                <c:pt idx="164">
+                  <c:v>0.0</c:v>
+                </c:pt>
+                <c:pt idx="165">
+                  <c:v>0.0</c:v>
+                </c:pt>
+                <c:pt idx="166">
+                  <c:v>0.0</c:v>
+                </c:pt>
+                <c:pt idx="167">
+                  <c:v>0.0</c:v>
+                </c:pt>
+                <c:pt idx="168">
+                  <c:v>0.0</c:v>
+                </c:pt>
+                <c:pt idx="169">
+                  <c:v>0.0</c:v>
+                </c:pt>
+                <c:pt idx="170">
+                  <c:v>0.0</c:v>
+                </c:pt>
+                <c:pt idx="171">
+                  <c:v>0.0</c:v>
+                </c:pt>
+                <c:pt idx="172">
+                  <c:v>0.0</c:v>
+                </c:pt>
+                <c:pt idx="173">
+                  <c:v>0.0</c:v>
+                </c:pt>
+                <c:pt idx="174">
+                  <c:v>0.0</c:v>
+                </c:pt>
+                <c:pt idx="175">
+                  <c:v>0.0</c:v>
+                </c:pt>
+                <c:pt idx="176">
+                  <c:v>0.0</c:v>
+                </c:pt>
+                <c:pt idx="177">
+                  <c:v>0.0</c:v>
+                </c:pt>
+                <c:pt idx="178">
+                  <c:v>0.0</c:v>
+                </c:pt>
+                <c:pt idx="179">
+                  <c:v>0.0</c:v>
+                </c:pt>
+                <c:pt idx="180">
+                  <c:v>0.0</c:v>
+                </c:pt>
+                <c:pt idx="181">
+                  <c:v>0.0</c:v>
+                </c:pt>
+                <c:pt idx="182">
+                  <c:v>0.0</c:v>
+                </c:pt>
+                <c:pt idx="183">
+                  <c:v>0.0</c:v>
+                </c:pt>
+                <c:pt idx="184">
+                  <c:v>0.0</c:v>
+                </c:pt>
+                <c:pt idx="185">
+                  <c:v>0.0</c:v>
+                </c:pt>
+                <c:pt idx="186">
+                  <c:v>0.0</c:v>
+                </c:pt>
+                <c:pt idx="187">
+                  <c:v>0.0</c:v>
+                </c:pt>
+                <c:pt idx="188">
+                  <c:v>0.0</c:v>
+                </c:pt>
+                <c:pt idx="189">
+                  <c:v>0.0</c:v>
+                </c:pt>
+                <c:pt idx="190">
+                  <c:v>0.0</c:v>
+                </c:pt>
+                <c:pt idx="191">
+                  <c:v>0.0</c:v>
+                </c:pt>
+                <c:pt idx="192">
+                  <c:v>0.0</c:v>
+                </c:pt>
+                <c:pt idx="193">
+                  <c:v>0.0</c:v>
+                </c:pt>
+                <c:pt idx="194">
+                  <c:v>0.0</c:v>
+                </c:pt>
+                <c:pt idx="195">
+                  <c:v>0.0</c:v>
+                </c:pt>
+                <c:pt idx="196">
+                  <c:v>0.0</c:v>
+                </c:pt>
+                <c:pt idx="197">
+                  <c:v>0.0</c:v>
+                </c:pt>
+                <c:pt idx="198">
+                  <c:v>0.0</c:v>
+                </c:pt>
+                <c:pt idx="199">
+                  <c:v>0.0</c:v>
+                </c:pt>
+                <c:pt idx="200">
+                  <c:v>0.0</c:v>
+                </c:pt>
+                <c:pt idx="201">
+                  <c:v>0.0</c:v>
+                </c:pt>
+                <c:pt idx="202">
+                  <c:v>0.0</c:v>
+                </c:pt>
+                <c:pt idx="203">
+                  <c:v>0.0</c:v>
+                </c:pt>
+                <c:pt idx="204">
+                  <c:v>0.0</c:v>
+                </c:pt>
+                <c:pt idx="205">
+                  <c:v>0.0</c:v>
+                </c:pt>
+                <c:pt idx="206">
+                  <c:v>0.0</c:v>
+                </c:pt>
+                <c:pt idx="207">
+                  <c:v>0.0</c:v>
+                </c:pt>
+                <c:pt idx="208">
+                  <c:v>0.0</c:v>
+                </c:pt>
+                <c:pt idx="209">
+                  <c:v>0.0</c:v>
+                </c:pt>
+                <c:pt idx="210">
+                  <c:v>0.0</c:v>
+                </c:pt>
+                <c:pt idx="211">
+                  <c:v>0.0</c:v>
+                </c:pt>
+                <c:pt idx="212">
+                  <c:v>0.0</c:v>
+                </c:pt>
+                <c:pt idx="213">
+                  <c:v>0.0</c:v>
+                </c:pt>
+                <c:pt idx="214">
+                  <c:v>0.0</c:v>
+                </c:pt>
+                <c:pt idx="215">
+                  <c:v>0.0</c:v>
+                </c:pt>
+                <c:pt idx="216">
+                  <c:v>0.0</c:v>
+                </c:pt>
+                <c:pt idx="217">
+                  <c:v>0.0</c:v>
+                </c:pt>
+                <c:pt idx="218">
+                  <c:v>0.0</c:v>
+                </c:pt>
+                <c:pt idx="219">
+                  <c:v>0.0</c:v>
+                </c:pt>
+                <c:pt idx="220">
+                  <c:v>0.0</c:v>
+                </c:pt>
+                <c:pt idx="221">
+                  <c:v>0.0</c:v>
+                </c:pt>
+                <c:pt idx="222">
+                  <c:v>0.0</c:v>
+                </c:pt>
+                <c:pt idx="223">
+                  <c:v>0.0</c:v>
+                </c:pt>
+                <c:pt idx="224">
+                  <c:v>0.0</c:v>
+                </c:pt>
+                <c:pt idx="225">
+                  <c:v>0.0</c:v>
+                </c:pt>
+                <c:pt idx="226">
+                  <c:v>0.0</c:v>
+                </c:pt>
+                <c:pt idx="227">
+                  <c:v>0.0</c:v>
+                </c:pt>
+                <c:pt idx="228">
+                  <c:v>0.0</c:v>
+                </c:pt>
+                <c:pt idx="229">
+                  <c:v>0.0</c:v>
+                </c:pt>
+                <c:pt idx="230">
+                  <c:v>0.0</c:v>
+                </c:pt>
+                <c:pt idx="231">
+                  <c:v>0.0</c:v>
+                </c:pt>
+                <c:pt idx="232">
+                  <c:v>2.0</c:v>
+                </c:pt>
+                <c:pt idx="233">
+                  <c:v>2.0</c:v>
+                </c:pt>
+                <c:pt idx="234">
+                  <c:v>2.0</c:v>
+                </c:pt>
+                <c:pt idx="235">
+                  <c:v>2.0</c:v>
+                </c:pt>
+                <c:pt idx="236">
+                  <c:v>2.0</c:v>
+                </c:pt>
+                <c:pt idx="237">
+                  <c:v>0.0</c:v>
+                </c:pt>
+                <c:pt idx="238">
+                  <c:v>0.0</c:v>
+                </c:pt>
+                <c:pt idx="239">
+                  <c:v>0.0</c:v>
+                </c:pt>
+                <c:pt idx="240">
+                  <c:v>0.0</c:v>
+                </c:pt>
+                <c:pt idx="241">
+                  <c:v>0.0</c:v>
+                </c:pt>
+                <c:pt idx="242">
+                  <c:v>0.0</c:v>
+                </c:pt>
+                <c:pt idx="243">
+                  <c:v>0.0</c:v>
+                </c:pt>
+                <c:pt idx="244">
+                  <c:v>0.0</c:v>
+                </c:pt>
+                <c:pt idx="245">
+                  <c:v>0.0</c:v>
+                </c:pt>
+                <c:pt idx="246">
+                  <c:v>0.0</c:v>
+                </c:pt>
+                <c:pt idx="247">
+                  <c:v>0.0</c:v>
+                </c:pt>
+                <c:pt idx="248">
+                  <c:v>0.0</c:v>
+                </c:pt>
+                <c:pt idx="249">
+                  <c:v>0.0</c:v>
+                </c:pt>
+                <c:pt idx="250">
+                  <c:v>0.0</c:v>
+                </c:pt>
+                <c:pt idx="251">
+                  <c:v>0.0</c:v>
+                </c:pt>
+                <c:pt idx="252">
+                  <c:v>0.0</c:v>
+                </c:pt>
+                <c:pt idx="253">
+                  <c:v>0.0</c:v>
+                </c:pt>
+                <c:pt idx="254">
+                  <c:v>2.0</c:v>
+                </c:pt>
+                <c:pt idx="255">
+                  <c:v>34.0</c:v>
+                </c:pt>
+                <c:pt idx="256">
+                  <c:v>0.0</c:v>
+                </c:pt>
+                <c:pt idx="257">
+                  <c:v>0.0</c:v>
+                </c:pt>
+                <c:pt idx="258">
+                  <c:v>0.0</c:v>
+                </c:pt>
+                <c:pt idx="259">
+                  <c:v>0.0</c:v>
+                </c:pt>
+                <c:pt idx="260">
+                  <c:v>0.0</c:v>
+                </c:pt>
+                <c:pt idx="261">
+                  <c:v>0.0</c:v>
+                </c:pt>
+                <c:pt idx="262">
+                  <c:v>0.0</c:v>
+                </c:pt>
+                <c:pt idx="263">
+                  <c:v>0.0</c:v>
+                </c:pt>
+                <c:pt idx="264">
+                  <c:v>0.0</c:v>
+                </c:pt>
+                <c:pt idx="265">
+                  <c:v>0.0</c:v>
+                </c:pt>
+                <c:pt idx="266">
+                  <c:v>2.0</c:v>
+                </c:pt>
+                <c:pt idx="267">
+                  <c:v>0.0</c:v>
+                </c:pt>
+                <c:pt idx="268">
+                  <c:v>2.0</c:v>
+                </c:pt>
+                <c:pt idx="269">
+                  <c:v>2.0</c:v>
+                </c:pt>
+                <c:pt idx="270">
+                  <c:v>0.0</c:v>
+                </c:pt>
+                <c:pt idx="271">
+                  <c:v>0.0</c:v>
+                </c:pt>
+                <c:pt idx="272">
+                  <c:v>0.0</c:v>
+                </c:pt>
+                <c:pt idx="273">
+                  <c:v>0.0</c:v>
+                </c:pt>
+                <c:pt idx="274">
+                  <c:v>0.0</c:v>
+                </c:pt>
+                <c:pt idx="275">
+                  <c:v>0.0</c:v>
+                </c:pt>
+                <c:pt idx="276">
+                  <c:v>0.0</c:v>
+                </c:pt>
+                <c:pt idx="277">
+                  <c:v>0.0</c:v>
+                </c:pt>
+                <c:pt idx="278">
+                  <c:v>0.0</c:v>
+                </c:pt>
+                <c:pt idx="279">
+                  <c:v>2.0</c:v>
+                </c:pt>
+                <c:pt idx="280">
+                  <c:v>2.0</c:v>
+                </c:pt>
+                <c:pt idx="281">
+                  <c:v>2.0</c:v>
+                </c:pt>
+                <c:pt idx="282">
+                  <c:v>0.0</c:v>
+                </c:pt>
+                <c:pt idx="283">
+                  <c:v>0.0</c:v>
+                </c:pt>
+                <c:pt idx="284">
+                  <c:v>4.0</c:v>
+                </c:pt>
+                <c:pt idx="285">
+                  <c:v>0.0</c:v>
+                </c:pt>
+                <c:pt idx="286">
+                  <c:v>0.0</c:v>
+                </c:pt>
+                <c:pt idx="287">
+                  <c:v>0.0</c:v>
+                </c:pt>
+                <c:pt idx="288">
+                  <c:v>0.0</c:v>
+                </c:pt>
+                <c:pt idx="289">
+                  <c:v>0.0</c:v>
+                </c:pt>
+                <c:pt idx="290">
+                  <c:v>0.0</c:v>
+                </c:pt>
+                <c:pt idx="291">
+                  <c:v>0.0</c:v>
+                </c:pt>
+                <c:pt idx="292">
+                  <c:v>0.0</c:v>
+                </c:pt>
+                <c:pt idx="293">
+                  <c:v>0.0</c:v>
+                </c:pt>
+                <c:pt idx="294">
+                  <c:v>0.0</c:v>
+                </c:pt>
+                <c:pt idx="295">
+                  <c:v>0.0</c:v>
+                </c:pt>
+                <c:pt idx="296">
+                  <c:v>0.0</c:v>
+                </c:pt>
+                <c:pt idx="297">
+                  <c:v>0.0</c:v>
+                </c:pt>
+                <c:pt idx="298">
+                  <c:v>0.0</c:v>
+                </c:pt>
+                <c:pt idx="299">
+                  <c:v>0.0</c:v>
+                </c:pt>
+                <c:pt idx="300">
+                  <c:v>0.0</c:v>
+                </c:pt>
+                <c:pt idx="301">
+                  <c:v>0.0</c:v>
+                </c:pt>
+                <c:pt idx="302">
+                  <c:v>0.0</c:v>
+                </c:pt>
+                <c:pt idx="303">
+                  <c:v>0.0</c:v>
+                </c:pt>
+                <c:pt idx="304">
+                  <c:v>0.0</c:v>
+                </c:pt>
+                <c:pt idx="305">
+                  <c:v>0.0</c:v>
+                </c:pt>
+                <c:pt idx="306">
+                  <c:v>0.0</c:v>
+                </c:pt>
+                <c:pt idx="307">
+                  <c:v>0.0</c:v>
+                </c:pt>
+                <c:pt idx="308">
+                  <c:v>0.0</c:v>
+                </c:pt>
+                <c:pt idx="309">
+                  <c:v>0.0</c:v>
+                </c:pt>
+                <c:pt idx="310">
+                  <c:v>0.0</c:v>
+                </c:pt>
+                <c:pt idx="311">
+                  <c:v>0.0</c:v>
+                </c:pt>
+                <c:pt idx="312">
+                  <c:v>0.0</c:v>
+                </c:pt>
+                <c:pt idx="313">
+                  <c:v>0.0</c:v>
+                </c:pt>
+                <c:pt idx="314">
+                  <c:v>0.0</c:v>
+                </c:pt>
+                <c:pt idx="315">
+                  <c:v>0.0</c:v>
+                </c:pt>
+                <c:pt idx="316">
+                  <c:v>0.0</c:v>
+                </c:pt>
+                <c:pt idx="317">
+                  <c:v>0.0</c:v>
+                </c:pt>
+                <c:pt idx="318">
+                  <c:v>0.0</c:v>
+                </c:pt>
+                <c:pt idx="319">
+                  <c:v>0.0</c:v>
+                </c:pt>
+                <c:pt idx="320">
+                  <c:v>0.0</c:v>
+                </c:pt>
+                <c:pt idx="321">
+                  <c:v>0.0</c:v>
+                </c:pt>
+                <c:pt idx="322">
+                  <c:v>0.0</c:v>
+                </c:pt>
+                <c:pt idx="323">
+                  <c:v>0.0</c:v>
+                </c:pt>
+                <c:pt idx="324">
+                  <c:v>0.0</c:v>
+                </c:pt>
+                <c:pt idx="325">
+                  <c:v>0.0</c:v>
+                </c:pt>
+                <c:pt idx="326">
+                  <c:v>0.0</c:v>
+                </c:pt>
+                <c:pt idx="327">
+                  <c:v>0.0</c:v>
+                </c:pt>
+                <c:pt idx="328">
+                  <c:v>0.0</c:v>
+                </c:pt>
+                <c:pt idx="329">
+                  <c:v>0.0</c:v>
+                </c:pt>
+                <c:pt idx="330">
+                  <c:v>0.0</c:v>
+                </c:pt>
+                <c:pt idx="331">
+                  <c:v>0.0</c:v>
+                </c:pt>
+                <c:pt idx="332">
+                  <c:v>0.0</c:v>
+                </c:pt>
+                <c:pt idx="333">
+                  <c:v>0.0</c:v>
+                </c:pt>
+                <c:pt idx="334">
+                  <c:v>0.0</c:v>
+                </c:pt>
+                <c:pt idx="335">
+                  <c:v>0.0</c:v>
+                </c:pt>
+                <c:pt idx="336">
+                  <c:v>2.0</c:v>
+                </c:pt>
+                <c:pt idx="337">
+                  <c:v>0.0</c:v>
+                </c:pt>
+                <c:pt idx="338">
+                  <c:v>0.0</c:v>
+                </c:pt>
+                <c:pt idx="339">
+                  <c:v>0.0</c:v>
+                </c:pt>
+                <c:pt idx="340">
+                  <c:v>0.0</c:v>
+                </c:pt>
+                <c:pt idx="341">
+                  <c:v>2.0</c:v>
+                </c:pt>
+                <c:pt idx="342">
+                  <c:v>2.0</c:v>
+                </c:pt>
+                <c:pt idx="343">
+                  <c:v>2.0</c:v>
+                </c:pt>
+                <c:pt idx="344">
+                  <c:v>0.0</c:v>
+                </c:pt>
+                <c:pt idx="345">
+                  <c:v>0.0</c:v>
+                </c:pt>
+                <c:pt idx="346">
+                  <c:v>0.0</c:v>
+                </c:pt>
+                <c:pt idx="347">
+                  <c:v>4.0</c:v>
+                </c:pt>
+                <c:pt idx="348">
+                  <c:v>2.0</c:v>
+                </c:pt>
+                <c:pt idx="349">
+                  <c:v>0.0</c:v>
+                </c:pt>
+                <c:pt idx="350">
+                  <c:v>0.0</c:v>
+                </c:pt>
+                <c:pt idx="351">
+                  <c:v>0.0</c:v>
+                </c:pt>
+                <c:pt idx="352">
+                  <c:v>0.0</c:v>
+                </c:pt>
+                <c:pt idx="353">
+                  <c:v>0.0</c:v>
+                </c:pt>
+                <c:pt idx="354">
+                  <c:v>0.0</c:v>
+                </c:pt>
+                <c:pt idx="355">
+                  <c:v>0.0</c:v>
+                </c:pt>
+                <c:pt idx="356">
+                  <c:v>0.0</c:v>
+                </c:pt>
+                <c:pt idx="357">
+                  <c:v>0.0</c:v>
+                </c:pt>
+                <c:pt idx="358">
+                  <c:v>332.0</c:v>
+                </c:pt>
+                <c:pt idx="359">
+                  <c:v>0.0</c:v>
+                </c:pt>
+                <c:pt idx="360">
+                  <c:v>0.0</c:v>
+                </c:pt>
+                <c:pt idx="361">
+                  <c:v>0.0</c:v>
+                </c:pt>
+                <c:pt idx="362">
+                  <c:v>0.0</c:v>
+                </c:pt>
+                <c:pt idx="363">
+                  <c:v>0.0</c:v>
+                </c:pt>
+                <c:pt idx="364">
+                  <c:v>0.0</c:v>
+                </c:pt>
+                <c:pt idx="365">
+                  <c:v>0.0</c:v>
+                </c:pt>
+                <c:pt idx="366">
+                  <c:v>0.0</c:v>
+                </c:pt>
+                <c:pt idx="367">
+                  <c:v>0.0</c:v>
+                </c:pt>
+                <c:pt idx="368">
+                  <c:v>0.0</c:v>
+                </c:pt>
+                <c:pt idx="369">
+                  <c:v>28.0</c:v>
+                </c:pt>
+                <c:pt idx="370">
+                  <c:v>70.0</c:v>
+                </c:pt>
+                <c:pt idx="371">
+                  <c:v>2.0</c:v>
+                </c:pt>
+                <c:pt idx="372">
+                  <c:v>0.0</c:v>
+                </c:pt>
+                <c:pt idx="373">
+                  <c:v>0.0</c:v>
+                </c:pt>
+                <c:pt idx="374">
+                  <c:v>8.0</c:v>
+                </c:pt>
+                <c:pt idx="375">
+                  <c:v>0.0</c:v>
+                </c:pt>
+                <c:pt idx="376">
+                  <c:v>2.0</c:v>
+                </c:pt>
+                <c:pt idx="377">
+                  <c:v>0.0</c:v>
+                </c:pt>
+                <c:pt idx="378">
+                  <c:v>0.0</c:v>
+                </c:pt>
+                <c:pt idx="379">
+                  <c:v>0.0</c:v>
+                </c:pt>
+                <c:pt idx="380">
+                  <c:v>0.0</c:v>
+                </c:pt>
+                <c:pt idx="381">
+                  <c:v>4.0</c:v>
+                </c:pt>
+                <c:pt idx="382">
+                  <c:v>0.0</c:v>
+                </c:pt>
+                <c:pt idx="383">
+                  <c:v>0.0</c:v>
+                </c:pt>
+                <c:pt idx="384">
+                  <c:v>0.0</c:v>
+                </c:pt>
+                <c:pt idx="385">
+                  <c:v>0.0</c:v>
+                </c:pt>
+                <c:pt idx="386">
+                  <c:v>4.0</c:v>
+                </c:pt>
+                <c:pt idx="387">
+                  <c:v>4.0</c:v>
+                </c:pt>
+                <c:pt idx="388">
+                  <c:v>4.0</c:v>
+                </c:pt>
+                <c:pt idx="389">
+                  <c:v>0.0</c:v>
+                </c:pt>
+                <c:pt idx="390">
+                  <c:v>0.0</c:v>
+                </c:pt>
+                <c:pt idx="391">
+                  <c:v>0.0</c:v>
+                </c:pt>
+                <c:pt idx="392">
+                  <c:v>0.0</c:v>
+                </c:pt>
+                <c:pt idx="393">
+                  <c:v>0.0</c:v>
+                </c:pt>
+                <c:pt idx="394">
+                  <c:v>0.0</c:v>
+                </c:pt>
+                <c:pt idx="395">
+                  <c:v>0.0</c:v>
+                </c:pt>
+                <c:pt idx="396">
+                  <c:v>0.0</c:v>
+                </c:pt>
+                <c:pt idx="397">
+                  <c:v>0.0</c:v>
+                </c:pt>
+                <c:pt idx="398">
+                  <c:v>0.0</c:v>
+                </c:pt>
+                <c:pt idx="399">
+                  <c:v>0.0</c:v>
+                </c:pt>
+                <c:pt idx="400">
+                  <c:v>0.0</c:v>
+                </c:pt>
+                <c:pt idx="401">
+                  <c:v>0.0</c:v>
+                </c:pt>
+                <c:pt idx="402">
+                  <c:v>0.0</c:v>
+                </c:pt>
+                <c:pt idx="403">
+                  <c:v>0.0</c:v>
+                </c:pt>
+                <c:pt idx="404">
+                  <c:v>0.0</c:v>
+                </c:pt>
+                <c:pt idx="405">
+                  <c:v>0.0</c:v>
+                </c:pt>
+                <c:pt idx="406">
+                  <c:v>0.0</c:v>
+                </c:pt>
+                <c:pt idx="407">
+                  <c:v>0.0</c:v>
+                </c:pt>
+                <c:pt idx="408">
+                  <c:v>0.0</c:v>
+                </c:pt>
+                <c:pt idx="409">
+                  <c:v>0.0</c:v>
+                </c:pt>
+                <c:pt idx="410">
+                  <c:v>48.0</c:v>
+                </c:pt>
+                <c:pt idx="411">
+                  <c:v>0.0</c:v>
+                </c:pt>
+                <c:pt idx="412">
+                  <c:v>0.0</c:v>
+                </c:pt>
+                <c:pt idx="413">
+                  <c:v>0.0</c:v>
+                </c:pt>
+                <c:pt idx="414">
+                  <c:v>0.0</c:v>
+                </c:pt>
+                <c:pt idx="415">
+                  <c:v>0.0</c:v>
+                </c:pt>
+                <c:pt idx="416">
+                  <c:v>0.0</c:v>
+                </c:pt>
+                <c:pt idx="417">
+                  <c:v>0.0</c:v>
+                </c:pt>
+                <c:pt idx="418">
+                  <c:v>0.0</c:v>
+                </c:pt>
+                <c:pt idx="419">
+                  <c:v>0.0</c:v>
+                </c:pt>
+                <c:pt idx="420">
+                  <c:v>0.0</c:v>
+                </c:pt>
+                <c:pt idx="421">
+                  <c:v>70.0</c:v>
+                </c:pt>
+                <c:pt idx="422">
+                  <c:v>0.0</c:v>
+                </c:pt>
+                <c:pt idx="423">
+                  <c:v>0.0</c:v>
+                </c:pt>
+                <c:pt idx="424">
+                  <c:v>0.0</c:v>
+                </c:pt>
+                <c:pt idx="425">
+                  <c:v>0.0</c:v>
+                </c:pt>
+                <c:pt idx="426">
+                  <c:v>0.0</c:v>
+                </c:pt>
+                <c:pt idx="427">
+                  <c:v>2.0</c:v>
+                </c:pt>
+                <c:pt idx="428">
+                  <c:v>2.0</c:v>
+                </c:pt>
+                <c:pt idx="429">
+                  <c:v>2.0</c:v>
+                </c:pt>
+                <c:pt idx="430">
+                  <c:v>2.0</c:v>
+                </c:pt>
+                <c:pt idx="431">
+                  <c:v>2.0</c:v>
+                </c:pt>
+                <c:pt idx="432">
+                  <c:v>2.0</c:v>
+                </c:pt>
+                <c:pt idx="433">
+                  <c:v>2.0</c:v>
+                </c:pt>
+                <c:pt idx="434">
+                  <c:v>0.0</c:v>
+                </c:pt>
+                <c:pt idx="435">
+                  <c:v>0.0</c:v>
+                </c:pt>
+                <c:pt idx="436">
+                  <c:v>0.0</c:v>
+                </c:pt>
+                <c:pt idx="437">
+                  <c:v>0.0</c:v>
+                </c:pt>
+                <c:pt idx="438">
+                  <c:v>0.0</c:v>
+                </c:pt>
+                <c:pt idx="439">
+                  <c:v>126.0</c:v>
+                </c:pt>
+                <c:pt idx="440">
+                  <c:v>0.0</c:v>
+                </c:pt>
+                <c:pt idx="441">
+                  <c:v>0.0</c:v>
+                </c:pt>
+                <c:pt idx="442">
+                  <c:v>0.0</c:v>
+                </c:pt>
+                <c:pt idx="443">
+                  <c:v>2.0</c:v>
+                </c:pt>
+                <c:pt idx="444">
+                  <c:v>0.0</c:v>
+                </c:pt>
+                <c:pt idx="445">
+                  <c:v>2.0</c:v>
+                </c:pt>
+                <c:pt idx="446">
+                  <c:v>0.0</c:v>
+                </c:pt>
+                <c:pt idx="447">
+                  <c:v>0.0</c:v>
+                </c:pt>
+                <c:pt idx="448">
+                  <c:v>0.0</c:v>
+                </c:pt>
+                <c:pt idx="449">
+                  <c:v>6.0</c:v>
+                </c:pt>
+                <c:pt idx="450">
+                  <c:v>6.0</c:v>
+                </c:pt>
+                <c:pt idx="451">
+                  <c:v>6.0</c:v>
+                </c:pt>
+                <c:pt idx="452">
+                  <c:v>0.0</c:v>
+                </c:pt>
+                <c:pt idx="453">
+                  <c:v>2.0</c:v>
+                </c:pt>
+                <c:pt idx="454">
+                  <c:v>12.0</c:v>
+                </c:pt>
+                <c:pt idx="455">
+                  <c:v>2.0</c:v>
+                </c:pt>
+                <c:pt idx="456">
+                  <c:v>0.0</c:v>
+                </c:pt>
+                <c:pt idx="457">
+                  <c:v>0.0</c:v>
+                </c:pt>
+                <c:pt idx="458">
+                  <c:v>0.0</c:v>
+                </c:pt>
+                <c:pt idx="459">
+                  <c:v>0.0</c:v>
+                </c:pt>
+                <c:pt idx="460">
+                  <c:v>0.0</c:v>
+                </c:pt>
+                <c:pt idx="461">
+                  <c:v>0.0</c:v>
+                </c:pt>
+                <c:pt idx="462">
+                  <c:v>0.0</c:v>
+                </c:pt>
+                <c:pt idx="463">
+                  <c:v>0.0</c:v>
+                </c:pt>
+                <c:pt idx="464">
+                  <c:v>0.0</c:v>
+                </c:pt>
+                <c:pt idx="465">
+                  <c:v>0.0</c:v>
+                </c:pt>
+                <c:pt idx="466">
+                  <c:v>28.0</c:v>
+                </c:pt>
+                <c:pt idx="467">
+                  <c:v>0.0</c:v>
+                </c:pt>
+                <c:pt idx="468">
+                  <c:v>0.0</c:v>
+                </c:pt>
+                <c:pt idx="469">
+                  <c:v>4.0</c:v>
+                </c:pt>
+                <c:pt idx="470">
+                  <c:v>0.0</c:v>
+                </c:pt>
+                <c:pt idx="471">
+                  <c:v>0.0</c:v>
+                </c:pt>
+                <c:pt idx="472">
+                  <c:v>0.0</c:v>
+                </c:pt>
+                <c:pt idx="473">
+                  <c:v>0.0</c:v>
+                </c:pt>
+                <c:pt idx="474">
+                  <c:v>2.0</c:v>
+                </c:pt>
+                <c:pt idx="475">
+                  <c:v>0.0</c:v>
+                </c:pt>
+                <c:pt idx="476">
+                  <c:v>0.0</c:v>
+                </c:pt>
+                <c:pt idx="477">
+                  <c:v>0.0</c:v>
+                </c:pt>
+                <c:pt idx="478">
+                  <c:v>0.0</c:v>
+                </c:pt>
+                <c:pt idx="479">
+                  <c:v>2.0</c:v>
+                </c:pt>
+                <c:pt idx="480">
+                  <c:v>0.0</c:v>
+                </c:pt>
+                <c:pt idx="481">
+                  <c:v>0.0</c:v>
+                </c:pt>
+                <c:pt idx="482">
+                  <c:v>0.0</c:v>
+                </c:pt>
+                <c:pt idx="483">
+                  <c:v>6.0</c:v>
+                </c:pt>
+                <c:pt idx="484">
+                  <c:v>0.0</c:v>
+                </c:pt>
+                <c:pt idx="485">
+                  <c:v>0.0</c:v>
+                </c:pt>
+                <c:pt idx="486">
+                  <c:v>0.0</c:v>
+                </c:pt>
+                <c:pt idx="487">
+                  <c:v>0.0</c:v>
+                </c:pt>
+                <c:pt idx="488">
+                  <c:v>0.0</c:v>
+                </c:pt>
+                <c:pt idx="489">
+                  <c:v>0.0</c:v>
+                </c:pt>
+                <c:pt idx="490">
+                  <c:v>0.0</c:v>
+                </c:pt>
+                <c:pt idx="491">
+                  <c:v>0.0</c:v>
+                </c:pt>
+                <c:pt idx="492">
+                  <c:v>0.0</c:v>
+                </c:pt>
+                <c:pt idx="493">
+                  <c:v>0.0</c:v>
+                </c:pt>
+                <c:pt idx="494">
+                  <c:v>0.0</c:v>
+                </c:pt>
+                <c:pt idx="495">
+                  <c:v>0.0</c:v>
+                </c:pt>
+                <c:pt idx="496">
+                  <c:v>0.0</c:v>
+                </c:pt>
+                <c:pt idx="497">
+                  <c:v>0.0</c:v>
+                </c:pt>
+                <c:pt idx="498">
+                  <c:v>0.0</c:v>
+                </c:pt>
+                <c:pt idx="499">
+                  <c:v>0.0</c:v>
+                </c:pt>
+                <c:pt idx="500">
+                  <c:v>0.0</c:v>
+                </c:pt>
+                <c:pt idx="501">
+                  <c:v>0.0</c:v>
+                </c:pt>
+                <c:pt idx="502">
+                  <c:v>0.0</c:v>
+                </c:pt>
+                <c:pt idx="503">
+                  <c:v>0.0</c:v>
+                </c:pt>
+                <c:pt idx="504">
+                  <c:v>0.0</c:v>
+                </c:pt>
+                <c:pt idx="505">
+                  <c:v>2.0</c:v>
+                </c:pt>
+                <c:pt idx="506">
+                  <c:v>0.0</c:v>
+                </c:pt>
+                <c:pt idx="507">
+                  <c:v>0.0</c:v>
+                </c:pt>
+                <c:pt idx="508">
+                  <c:v>0.0</c:v>
+                </c:pt>
+                <c:pt idx="509">
+                  <c:v>0.0</c:v>
+                </c:pt>
+                <c:pt idx="510">
+                  <c:v>0.0</c:v>
+                </c:pt>
+                <c:pt idx="511">
+                  <c:v>0.0</c:v>
+                </c:pt>
+                <c:pt idx="512">
+                  <c:v>0.0</c:v>
+                </c:pt>
+                <c:pt idx="513">
+                  <c:v>0.0</c:v>
+                </c:pt>
+                <c:pt idx="514">
+                  <c:v>0.0</c:v>
+                </c:pt>
+                <c:pt idx="515">
+                  <c:v>0.0</c:v>
+                </c:pt>
+                <c:pt idx="516">
+                  <c:v>6.0</c:v>
+                </c:pt>
+                <c:pt idx="517">
+                  <c:v>0.0</c:v>
+                </c:pt>
+                <c:pt idx="518">
+                  <c:v>0.0</c:v>
+                </c:pt>
+                <c:pt idx="519">
+                  <c:v>0.0</c:v>
+                </c:pt>
+                <c:pt idx="520">
+                  <c:v>0.0</c:v>
+                </c:pt>
+                <c:pt idx="521">
+                  <c:v>0.0</c:v>
+                </c:pt>
+                <c:pt idx="522">
+                  <c:v>0.0</c:v>
+                </c:pt>
+                <c:pt idx="523">
+                  <c:v>0.0</c:v>
+                </c:pt>
+                <c:pt idx="524">
+                  <c:v>0.0</c:v>
+                </c:pt>
+                <c:pt idx="525">
+                  <c:v>0.0</c:v>
+                </c:pt>
+                <c:pt idx="526">
+                  <c:v>0.0</c:v>
+                </c:pt>
+                <c:pt idx="527">
+                  <c:v>0.0</c:v>
+                </c:pt>
+                <c:pt idx="528">
+                  <c:v>0.0</c:v>
+                </c:pt>
+                <c:pt idx="529">
+                  <c:v>0.0</c:v>
+                </c:pt>
+                <c:pt idx="530">
+                  <c:v>0.0</c:v>
+                </c:pt>
+                <c:pt idx="531">
+                  <c:v>0.0</c:v>
+                </c:pt>
+                <c:pt idx="532">
+                  <c:v>0.0</c:v>
+                </c:pt>
+                <c:pt idx="533">
+                  <c:v>0.0</c:v>
+                </c:pt>
+                <c:pt idx="534">
+                  <c:v>0.0</c:v>
+                </c:pt>
+                <c:pt idx="535">
+                  <c:v>0.0</c:v>
+                </c:pt>
+                <c:pt idx="536">
+                  <c:v>0.0</c:v>
+                </c:pt>
+                <c:pt idx="537">
+                  <c:v>0.0</c:v>
+                </c:pt>
+                <c:pt idx="538">
+                  <c:v>0.0</c:v>
+                </c:pt>
+                <c:pt idx="539">
+                  <c:v>0.0</c:v>
+                </c:pt>
+                <c:pt idx="540">
+                  <c:v>2.0</c:v>
+                </c:pt>
+                <c:pt idx="541">
+                  <c:v>0.0</c:v>
+                </c:pt>
+                <c:pt idx="542">
+                  <c:v>0.0</c:v>
+                </c:pt>
+                <c:pt idx="543">
+                  <c:v>0.0</c:v>
+                </c:pt>
+                <c:pt idx="544">
+                  <c:v>0.0</c:v>
+                </c:pt>
+                <c:pt idx="545">
+                  <c:v>0.0</c:v>
+                </c:pt>
+                <c:pt idx="546">
+                  <c:v>0.0</c:v>
+                </c:pt>
+                <c:pt idx="547">
+                  <c:v>0.0</c:v>
+                </c:pt>
+                <c:pt idx="548">
+                  <c:v>0.0</c:v>
+                </c:pt>
+                <c:pt idx="549">
+                  <c:v>0.0</c:v>
+                </c:pt>
+                <c:pt idx="550">
+                  <c:v>0.0</c:v>
+                </c:pt>
+                <c:pt idx="551">
+                  <c:v>0.0</c:v>
+                </c:pt>
+                <c:pt idx="552">
+                  <c:v>0.0</c:v>
+                </c:pt>
+                <c:pt idx="553">
+                  <c:v>0.0</c:v>
+                </c:pt>
+                <c:pt idx="554">
+                  <c:v>0.0</c:v>
+                </c:pt>
+                <c:pt idx="555">
+                  <c:v>0.0</c:v>
+                </c:pt>
+                <c:pt idx="556">
+                  <c:v>0.0</c:v>
+                </c:pt>
+                <c:pt idx="557">
+                  <c:v>0.0</c:v>
+                </c:pt>
+                <c:pt idx="558">
+                  <c:v>0.0</c:v>
+                </c:pt>
+                <c:pt idx="559">
+                  <c:v>0.0</c:v>
+                </c:pt>
+                <c:pt idx="560">
+                  <c:v>0.0</c:v>
+                </c:pt>
+                <c:pt idx="561">
+                  <c:v>0.0</c:v>
+                </c:pt>
+                <c:pt idx="562">
+                  <c:v>0.0</c:v>
+                </c:pt>
+                <c:pt idx="563">
+                  <c:v>2.0</c:v>
+                </c:pt>
+                <c:pt idx="564">
+                  <c:v>2.0</c:v>
+                </c:pt>
+                <c:pt idx="565">
+                  <c:v>0.0</c:v>
+                </c:pt>
+                <c:pt idx="566">
+                  <c:v>0.0</c:v>
+                </c:pt>
+                <c:pt idx="567">
+                  <c:v>0.0</c:v>
+                </c:pt>
+                <c:pt idx="568">
+                  <c:v>0.0</c:v>
+                </c:pt>
+                <c:pt idx="569">
+                  <c:v>0.0</c:v>
+                </c:pt>
+                <c:pt idx="570">
+                  <c:v>0.0</c:v>
+                </c:pt>
+                <c:pt idx="571">
+                  <c:v>0.0</c:v>
+                </c:pt>
+                <c:pt idx="572">
+                  <c:v>0.0</c:v>
+                </c:pt>
+                <c:pt idx="573">
+                  <c:v>0.0</c:v>
+                </c:pt>
+                <c:pt idx="574">
+                  <c:v>0.0</c:v>
+                </c:pt>
+                <c:pt idx="575">
+                  <c:v>0.0</c:v>
+                </c:pt>
+                <c:pt idx="576">
+                  <c:v>0.0</c:v>
+                </c:pt>
+                <c:pt idx="577">
+                  <c:v>0.0</c:v>
+                </c:pt>
+                <c:pt idx="578">
+                  <c:v>0.0</c:v>
+                </c:pt>
+                <c:pt idx="579">
+                  <c:v>0.0</c:v>
+                </c:pt>
+                <c:pt idx="580">
+                  <c:v>0.0</c:v>
+                </c:pt>
+                <c:pt idx="581">
+                  <c:v>0.0</c:v>
+                </c:pt>
+                <c:pt idx="582">
+                  <c:v>0.0</c:v>
+                </c:pt>
+                <c:pt idx="583">
+                  <c:v>0.0</c:v>
+                </c:pt>
+                <c:pt idx="584">
+                  <c:v>0.0</c:v>
+                </c:pt>
+                <c:pt idx="585">
+                  <c:v>0.0</c:v>
+                </c:pt>
+                <c:pt idx="586">
+                  <c:v>0.0</c:v>
+                </c:pt>
+                <c:pt idx="587">
+                  <c:v>0.0</c:v>
+                </c:pt>
+                <c:pt idx="588">
+                  <c:v>0.0</c:v>
+                </c:pt>
+                <c:pt idx="589">
+                  <c:v>0.0</c:v>
+                </c:pt>
+                <c:pt idx="590">
+                  <c:v>0.0</c:v>
+                </c:pt>
+                <c:pt idx="591">
+                  <c:v>0.0</c:v>
+                </c:pt>
+                <c:pt idx="592">
+                  <c:v>0.0</c:v>
+                </c:pt>
+                <c:pt idx="593">
+                  <c:v>0.0</c:v>
+                </c:pt>
+                <c:pt idx="594">
+                  <c:v>0.0</c:v>
+                </c:pt>
+                <c:pt idx="595">
+                  <c:v>0.0</c:v>
+                </c:pt>
+                <c:pt idx="596">
+                  <c:v>0.0</c:v>
+                </c:pt>
+                <c:pt idx="597">
+                  <c:v>0.0</c:v>
+                </c:pt>
+                <c:pt idx="598">
+                  <c:v>0.0</c:v>
+                </c:pt>
+                <c:pt idx="599">
+                  <c:v>0.0</c:v>
+                </c:pt>
+                <c:pt idx="600">
+                  <c:v>0.0</c:v>
+                </c:pt>
+                <c:pt idx="601">
+                  <c:v>0.0</c:v>
+                </c:pt>
+                <c:pt idx="602">
+                  <c:v>0.0</c:v>
+                </c:pt>
+                <c:pt idx="603">
+                  <c:v>0.0</c:v>
+                </c:pt>
+                <c:pt idx="604">
+                  <c:v>0.0</c:v>
+                </c:pt>
+                <c:pt idx="605">
+                  <c:v>0.0</c:v>
+                </c:pt>
+                <c:pt idx="606">
+                  <c:v>0.0</c:v>
+                </c:pt>
+                <c:pt idx="607">
+                  <c:v>0.0</c:v>
+                </c:pt>
+                <c:pt idx="608">
+                  <c:v>0.0</c:v>
+                </c:pt>
+                <c:pt idx="609">
+                  <c:v>0.0</c:v>
+                </c:pt>
+                <c:pt idx="610">
+                  <c:v>0.0</c:v>
+                </c:pt>
+                <c:pt idx="611">
+                  <c:v>0.0</c:v>
+                </c:pt>
+                <c:pt idx="612">
+                  <c:v>0.0</c:v>
+                </c:pt>
+                <c:pt idx="613">
+                  <c:v>0.0</c:v>
+                </c:pt>
+                <c:pt idx="614">
+                  <c:v>0.0</c:v>
+                </c:pt>
+                <c:pt idx="615">
+                  <c:v>0.0</c:v>
+                </c:pt>
+                <c:pt idx="616">
+                  <c:v>0.0</c:v>
+                </c:pt>
+                <c:pt idx="617">
+                  <c:v>0.0</c:v>
+                </c:pt>
+                <c:pt idx="618">
+                  <c:v>0.0</c:v>
+                </c:pt>
+                <c:pt idx="619">
+                  <c:v>0.0</c:v>
+                </c:pt>
+                <c:pt idx="620">
+                  <c:v>0.0</c:v>
+                </c:pt>
+                <c:pt idx="621">
+                  <c:v>0.0</c:v>
+                </c:pt>
+                <c:pt idx="622">
+                  <c:v>0.0</c:v>
+                </c:pt>
+                <c:pt idx="623">
+                  <c:v>0.0</c:v>
+                </c:pt>
+                <c:pt idx="624">
+                  <c:v>0.0</c:v>
+                </c:pt>
+                <c:pt idx="625">
+                  <c:v>0.0</c:v>
+                </c:pt>
+                <c:pt idx="626">
+                  <c:v>0.0</c:v>
+                </c:pt>
+                <c:pt idx="627">
+                  <c:v>0.0</c:v>
+                </c:pt>
+                <c:pt idx="628">
+                  <c:v>0.0</c:v>
+                </c:pt>
+                <c:pt idx="629">
+                  <c:v>0.0</c:v>
+                </c:pt>
+                <c:pt idx="630">
+                  <c:v>0.0</c:v>
+                </c:pt>
+                <c:pt idx="631">
+                  <c:v>0.0</c:v>
+                </c:pt>
+                <c:pt idx="632">
+                  <c:v>0.0</c:v>
+                </c:pt>
+                <c:pt idx="633">
+                  <c:v>0.0</c:v>
+                </c:pt>
+                <c:pt idx="634">
+                  <c:v>0.0</c:v>
+                </c:pt>
+                <c:pt idx="635">
+                  <c:v>0.0</c:v>
+                </c:pt>
+                <c:pt idx="636">
+                  <c:v>0.0</c:v>
+                </c:pt>
+                <c:pt idx="637">
+                  <c:v>0.0</c:v>
+                </c:pt>
+                <c:pt idx="638">
+                  <c:v>0.0</c:v>
+                </c:pt>
+                <c:pt idx="639">
+                  <c:v>0.0</c:v>
+                </c:pt>
+                <c:pt idx="640">
+                  <c:v>0.0</c:v>
+                </c:pt>
+                <c:pt idx="641">
+                  <c:v>0.0</c:v>
+                </c:pt>
+                <c:pt idx="642">
+                  <c:v>0.0</c:v>
+                </c:pt>
+                <c:pt idx="643">
+                  <c:v>0.0</c:v>
+                </c:pt>
+                <c:pt idx="644">
+                  <c:v>0.0</c:v>
+                </c:pt>
+                <c:pt idx="645">
+                  <c:v>0.0</c:v>
+                </c:pt>
+                <c:pt idx="646">
+                  <c:v>0.0</c:v>
+                </c:pt>
+                <c:pt idx="647">
+                  <c:v>0.0</c:v>
+                </c:pt>
+                <c:pt idx="648">
+                  <c:v>0.0</c:v>
+                </c:pt>
+                <c:pt idx="649">
+                  <c:v>0.0</c:v>
+                </c:pt>
+                <c:pt idx="650">
+                  <c:v>0.0</c:v>
+                </c:pt>
+                <c:pt idx="651">
+                  <c:v>0.0</c:v>
+                </c:pt>
+                <c:pt idx="652">
+                  <c:v>0.0</c:v>
+                </c:pt>
+                <c:pt idx="653">
+                  <c:v>0.0</c:v>
+                </c:pt>
+                <c:pt idx="654">
+                  <c:v>0.0</c:v>
+                </c:pt>
+                <c:pt idx="655">
+                  <c:v>0.0</c:v>
+                </c:pt>
+                <c:pt idx="656">
+                  <c:v>0.0</c:v>
+                </c:pt>
+                <c:pt idx="657">
+                  <c:v>0.0</c:v>
+                </c:pt>
+                <c:pt idx="658">
+                  <c:v>0.0</c:v>
+                </c:pt>
+                <c:pt idx="659">
+                  <c:v>0.0</c:v>
+                </c:pt>
+                <c:pt idx="660">
+                  <c:v>0.0</c:v>
+                </c:pt>
+                <c:pt idx="661">
+                  <c:v>0.0</c:v>
+                </c:pt>
+                <c:pt idx="662">
+                  <c:v>0.0</c:v>
+                </c:pt>
+                <c:pt idx="663">
+                  <c:v>0.0</c:v>
+                </c:pt>
+                <c:pt idx="664">
+                  <c:v>0.0</c:v>
+                </c:pt>
+                <c:pt idx="665">
+                  <c:v>0.0</c:v>
+                </c:pt>
+                <c:pt idx="666">
+                  <c:v>0.0</c:v>
+                </c:pt>
+                <c:pt idx="667">
+                  <c:v>0.0</c:v>
+                </c:pt>
+                <c:pt idx="668">
+                  <c:v>0.0</c:v>
+                </c:pt>
+                <c:pt idx="669">
+                  <c:v>0.0</c:v>
+                </c:pt>
+                <c:pt idx="670">
+                  <c:v>0.0</c:v>
+                </c:pt>
+                <c:pt idx="671">
+                  <c:v>0.0</c:v>
+                </c:pt>
+                <c:pt idx="672">
+                  <c:v>0.0</c:v>
+                </c:pt>
+                <c:pt idx="673">
+                  <c:v>0.0</c:v>
+                </c:pt>
+                <c:pt idx="674">
+                  <c:v>0.0</c:v>
+                </c:pt>
+                <c:pt idx="675">
+                  <c:v>0.0</c:v>
+                </c:pt>
+                <c:pt idx="676">
+                  <c:v>0.0</c:v>
+                </c:pt>
+                <c:pt idx="677">
+                  <c:v>0.0</c:v>
+                </c:pt>
+                <c:pt idx="678">
+                  <c:v>0.0</c:v>
+                </c:pt>
+                <c:pt idx="679">
+                  <c:v>0.0</c:v>
+                </c:pt>
+                <c:pt idx="680">
+                  <c:v>0.0</c:v>
+                </c:pt>
+                <c:pt idx="681">
+                  <c:v>0.0</c:v>
+                </c:pt>
+                <c:pt idx="682">
+                  <c:v>0.0</c:v>
+                </c:pt>
+                <c:pt idx="683">
+                  <c:v>0.0</c:v>
+                </c:pt>
+                <c:pt idx="684">
+                  <c:v>0.0</c:v>
+                </c:pt>
+                <c:pt idx="685">
+                  <c:v>0.0</c:v>
+                </c:pt>
+                <c:pt idx="686">
+                  <c:v>0.0</c:v>
+                </c:pt>
+                <c:pt idx="687">
+                  <c:v>0.0</c:v>
+                </c:pt>
+                <c:pt idx="688">
+                  <c:v>0.0</c:v>
+                </c:pt>
+                <c:pt idx="689">
+                  <c:v>0.0</c:v>
+                </c:pt>
+                <c:pt idx="690">
+                  <c:v>0.0</c:v>
+                </c:pt>
+                <c:pt idx="691">
+                  <c:v>0.0</c:v>
+                </c:pt>
+                <c:pt idx="692">
+                  <c:v>0.0</c:v>
+                </c:pt>
+                <c:pt idx="693">
+                  <c:v>0.0</c:v>
+                </c:pt>
+                <c:pt idx="694">
+                  <c:v>0.0</c:v>
+                </c:pt>
+                <c:pt idx="695">
+                  <c:v>0.0</c:v>
+                </c:pt>
+                <c:pt idx="696">
+                  <c:v>0.0</c:v>
+                </c:pt>
+                <c:pt idx="697">
+                  <c:v>0.0</c:v>
+                </c:pt>
+                <c:pt idx="698">
+                  <c:v>0.0</c:v>
+                </c:pt>
+                <c:pt idx="699">
+                  <c:v>0.0</c:v>
+                </c:pt>
+                <c:pt idx="700">
+                  <c:v>0.0</c:v>
+                </c:pt>
+                <c:pt idx="701">
+                  <c:v>0.0</c:v>
+                </c:pt>
+                <c:pt idx="702">
+                  <c:v>0.0</c:v>
+                </c:pt>
+                <c:pt idx="703">
+                  <c:v>0.0</c:v>
+                </c:pt>
+                <c:pt idx="704">
+                  <c:v>0.0</c:v>
+                </c:pt>
+                <c:pt idx="705">
+                  <c:v>0.0</c:v>
+                </c:pt>
+                <c:pt idx="706">
+                  <c:v>0.0</c:v>
+                </c:pt>
+                <c:pt idx="707">
+                  <c:v>0.0</c:v>
+                </c:pt>
+                <c:pt idx="708">
+                  <c:v>0.0</c:v>
+                </c:pt>
+                <c:pt idx="709">
+                  <c:v>0.0</c:v>
+                </c:pt>
+                <c:pt idx="710">
+                  <c:v>0.0</c:v>
+                </c:pt>
+                <c:pt idx="711">
+                  <c:v>0.0</c:v>
+                </c:pt>
+                <c:pt idx="712">
+                  <c:v>0.0</c:v>
+                </c:pt>
+                <c:pt idx="713">
+                  <c:v>0.0</c:v>
+                </c:pt>
+                <c:pt idx="714">
+                  <c:v>0.0</c:v>
+                </c:pt>
+                <c:pt idx="715">
+                  <c:v>0.0</c:v>
+                </c:pt>
+                <c:pt idx="716">
+                  <c:v>0.0</c:v>
+                </c:pt>
+                <c:pt idx="717">
+                  <c:v>0.0</c:v>
+                </c:pt>
+                <c:pt idx="718">
+                  <c:v>0.0</c:v>
+                </c:pt>
+                <c:pt idx="719">
+                  <c:v>0.0</c:v>
+                </c:pt>
+                <c:pt idx="720">
+                  <c:v>0.0</c:v>
+                </c:pt>
+                <c:pt idx="721">
+                  <c:v>0.0</c:v>
+                </c:pt>
+                <c:pt idx="722">
+                  <c:v>0.0</c:v>
+                </c:pt>
+                <c:pt idx="723">
+                  <c:v>0.0</c:v>
+                </c:pt>
+                <c:pt idx="724">
+                  <c:v>0.0</c:v>
+                </c:pt>
+                <c:pt idx="725">
+                  <c:v>0.0</c:v>
+                </c:pt>
+                <c:pt idx="726">
+                  <c:v>0.0</c:v>
+                </c:pt>
+                <c:pt idx="727">
+                  <c:v>0.0</c:v>
+                </c:pt>
+                <c:pt idx="728">
+                  <c:v>0.0</c:v>
+                </c:pt>
+                <c:pt idx="729">
+                  <c:v>0.0</c:v>
+                </c:pt>
+                <c:pt idx="730">
+                  <c:v>0.0</c:v>
+                </c:pt>
+                <c:pt idx="731">
+                  <c:v>0.0</c:v>
+                </c:pt>
+                <c:pt idx="732">
+                  <c:v>0.0</c:v>
+                </c:pt>
+                <c:pt idx="733">
+                  <c:v>0.0</c:v>
+                </c:pt>
+                <c:pt idx="734">
+                  <c:v>0.0</c:v>
+                </c:pt>
+                <c:pt idx="735">
+                  <c:v>0.0</c:v>
+                </c:pt>
+                <c:pt idx="736">
+                  <c:v>0.0</c:v>
+                </c:pt>
+                <c:pt idx="737">
+                  <c:v>0.0</c:v>
+                </c:pt>
+                <c:pt idx="738">
+                  <c:v>0.0</c:v>
+                </c:pt>
+                <c:pt idx="739">
+                  <c:v>0.0</c:v>
+                </c:pt>
+                <c:pt idx="740">
+                  <c:v>0.0</c:v>
+                </c:pt>
+                <c:pt idx="741">
+                  <c:v>0.0</c:v>
+                </c:pt>
+                <c:pt idx="742">
+                  <c:v>0.0</c:v>
+                </c:pt>
+                <c:pt idx="743">
+                  <c:v>0.0</c:v>
+                </c:pt>
+                <c:pt idx="744">
+                  <c:v>0.0</c:v>
+                </c:pt>
+                <c:pt idx="745">
+                  <c:v>0.0</c:v>
+                </c:pt>
+                <c:pt idx="746">
+                  <c:v>0.0</c:v>
+                </c:pt>
+                <c:pt idx="747">
+                  <c:v>0.0</c:v>
+                </c:pt>
+                <c:pt idx="748">
+                  <c:v>0.0</c:v>
+                </c:pt>
+                <c:pt idx="749">
+                  <c:v>0.0</c:v>
+                </c:pt>
+                <c:pt idx="750">
+                  <c:v>0.0</c:v>
+                </c:pt>
+                <c:pt idx="751">
+                  <c:v>0.0</c:v>
+                </c:pt>
+                <c:pt idx="752">
+                  <c:v>0.0</c:v>
+                </c:pt>
+                <c:pt idx="753">
+                  <c:v>0.0</c:v>
+                </c:pt>
+                <c:pt idx="754">
+                  <c:v>0.0</c:v>
+                </c:pt>
+                <c:pt idx="755">
+                  <c:v>0.0</c:v>
+                </c:pt>
+                <c:pt idx="756">
+                  <c:v>0.0</c:v>
+                </c:pt>
+                <c:pt idx="757">
+                  <c:v>0.0</c:v>
+                </c:pt>
+                <c:pt idx="758">
+                  <c:v>0.0</c:v>
+                </c:pt>
+                <c:pt idx="759">
+                  <c:v>0.0</c:v>
+                </c:pt>
+                <c:pt idx="760">
+                  <c:v>0.0</c:v>
+                </c:pt>
+                <c:pt idx="761">
+                  <c:v>0.0</c:v>
+                </c:pt>
+                <c:pt idx="762">
+                  <c:v>0.0</c:v>
+                </c:pt>
+                <c:pt idx="763">
+                  <c:v>2.0</c:v>
+                </c:pt>
+                <c:pt idx="764">
+                  <c:v>2.0</c:v>
+                </c:pt>
+                <c:pt idx="765">
+                  <c:v>0.0</c:v>
+                </c:pt>
+                <c:pt idx="766">
+                  <c:v>0.0</c:v>
+                </c:pt>
+                <c:pt idx="767">
+                  <c:v>0.0</c:v>
+                </c:pt>
+                <c:pt idx="768">
+                  <c:v>0.0</c:v>
+                </c:pt>
+                <c:pt idx="769">
+                  <c:v>0.0</c:v>
+                </c:pt>
+                <c:pt idx="770">
+                  <c:v>0.0</c:v>
+                </c:pt>
+                <c:pt idx="771">
+                  <c:v>0.0</c:v>
+                </c:pt>
+                <c:pt idx="772">
+                  <c:v>0.0</c:v>
+                </c:pt>
+                <c:pt idx="773">
+                  <c:v>6.0</c:v>
+                </c:pt>
+                <c:pt idx="774">
+                  <c:v>4.0</c:v>
+                </c:pt>
+                <c:pt idx="775">
+                  <c:v>2.0</c:v>
+                </c:pt>
+                <c:pt idx="776">
+                  <c:v>6.0</c:v>
+                </c:pt>
+                <c:pt idx="777">
+                  <c:v>4.0</c:v>
+                </c:pt>
+                <c:pt idx="778">
+                  <c:v>2.0</c:v>
+                </c:pt>
+                <c:pt idx="779">
+                  <c:v>0.0</c:v>
+                </c:pt>
+                <c:pt idx="780">
+                  <c:v>8.0</c:v>
+                </c:pt>
+                <c:pt idx="781">
+                  <c:v>16.0</c:v>
+                </c:pt>
+                <c:pt idx="782">
+                  <c:v>0.0</c:v>
+                </c:pt>
+                <c:pt idx="783">
+                  <c:v>0.0</c:v>
+                </c:pt>
+                <c:pt idx="784">
+                  <c:v>12.0</c:v>
+                </c:pt>
+                <c:pt idx="785">
+                  <c:v>8.0</c:v>
+                </c:pt>
+                <c:pt idx="786">
+                  <c:v>2.0</c:v>
+                </c:pt>
+                <c:pt idx="787">
+                  <c:v>6.0</c:v>
+                </c:pt>
+                <c:pt idx="788">
+                  <c:v>0.0</c:v>
+                </c:pt>
+                <c:pt idx="789">
+                  <c:v>0.0</c:v>
+                </c:pt>
+                <c:pt idx="790">
+                  <c:v>2.0</c:v>
+                </c:pt>
+                <c:pt idx="791">
+                  <c:v>0.0</c:v>
+                </c:pt>
+                <c:pt idx="792">
+                  <c:v>0.0</c:v>
+                </c:pt>
+                <c:pt idx="793">
+                  <c:v>0.0</c:v>
+                </c:pt>
+                <c:pt idx="794">
+                  <c:v>0.0</c:v>
+                </c:pt>
+                <c:pt idx="795">
+                  <c:v>0.0</c:v>
+                </c:pt>
+                <c:pt idx="796">
+                  <c:v>0.0</c:v>
+                </c:pt>
+                <c:pt idx="797">
+                  <c:v>0.0</c:v>
+                </c:pt>
+                <c:pt idx="798">
+                  <c:v>0.0</c:v>
+                </c:pt>
+                <c:pt idx="799">
+                  <c:v>0.0</c:v>
+                </c:pt>
+                <c:pt idx="800">
+                  <c:v>0.0</c:v>
+                </c:pt>
+                <c:pt idx="801">
+                  <c:v>0.0</c:v>
+                </c:pt>
+                <c:pt idx="802">
+                  <c:v>0.0</c:v>
+                </c:pt>
+                <c:pt idx="803">
+                  <c:v>0.0</c:v>
+                </c:pt>
+                <c:pt idx="804">
+                  <c:v>0.0</c:v>
+                </c:pt>
+                <c:pt idx="805">
+                  <c:v>0.0</c:v>
+                </c:pt>
+                <c:pt idx="806">
+                  <c:v>0.0</c:v>
+                </c:pt>
+                <c:pt idx="807">
+                  <c:v>0.0</c:v>
+                </c:pt>
+                <c:pt idx="808">
+                  <c:v>0.0</c:v>
+                </c:pt>
+                <c:pt idx="809">
+                  <c:v>0.0</c:v>
+                </c:pt>
+                <c:pt idx="810">
+                  <c:v>8.0</c:v>
+                </c:pt>
+                <c:pt idx="811">
+                  <c:v>0.0</c:v>
+                </c:pt>
+                <c:pt idx="812">
+                  <c:v>0.0</c:v>
+                </c:pt>
+                <c:pt idx="813">
+                  <c:v>0.0</c:v>
+                </c:pt>
+                <c:pt idx="814">
+                  <c:v>0.0</c:v>
+                </c:pt>
+                <c:pt idx="815">
+                  <c:v>0.0</c:v>
+                </c:pt>
+                <c:pt idx="816">
+                  <c:v>0.0</c:v>
+                </c:pt>
+                <c:pt idx="817">
+                  <c:v>0.0</c:v>
+                </c:pt>
+                <c:pt idx="818">
+                  <c:v>0.0</c:v>
+                </c:pt>
+                <c:pt idx="819">
+                  <c:v>0.0</c:v>
+                </c:pt>
+                <c:pt idx="820">
+                  <c:v>0.0</c:v>
+                </c:pt>
+                <c:pt idx="821">
+                  <c:v>0.0</c:v>
+                </c:pt>
+                <c:pt idx="822">
+                  <c:v>0.0</c:v>
+                </c:pt>
+                <c:pt idx="823">
+                  <c:v>0.0</c:v>
+                </c:pt>
+                <c:pt idx="824">
+                  <c:v>0.0</c:v>
+                </c:pt>
+                <c:pt idx="825">
+                  <c:v>0.0</c:v>
+                </c:pt>
+                <c:pt idx="826">
+                  <c:v>0.0</c:v>
+                </c:pt>
+                <c:pt idx="827">
+                  <c:v>10.0</c:v>
+                </c:pt>
+                <c:pt idx="828">
+                  <c:v>0.0</c:v>
+                </c:pt>
+                <c:pt idx="829">
+                  <c:v>2.0</c:v>
+                </c:pt>
+                <c:pt idx="830">
+                  <c:v>0.0</c:v>
+                </c:pt>
+                <c:pt idx="831">
+                  <c:v>12.0</c:v>
+                </c:pt>
+                <c:pt idx="832">
+                  <c:v>6.0</c:v>
+                </c:pt>
+                <c:pt idx="833">
+                  <c:v>0.0</c:v>
+                </c:pt>
+                <c:pt idx="834">
+                  <c:v>2.0</c:v>
+                </c:pt>
+                <c:pt idx="835">
+                  <c:v>4.0</c:v>
+                </c:pt>
+                <c:pt idx="836">
+                  <c:v>0.0</c:v>
+                </c:pt>
+              </c:numCache>
+            </c:numRef>
+          </c:val>
+        </c:ser>
+        <c:dLbls>
+          <c:showLegendKey val="0"/>
+          <c:showVal val="0"/>
+          <c:showCatName val="0"/>
+          <c:showSerName val="0"/>
+          <c:showPercent val="0"/>
+          <c:showBubbleSize val="0"/>
+        </c:dLbls>
+        <c:gapWidth val="150"/>
+        <c:axId val="2036350344"/>
+        <c:axId val="2036542056"/>
+      </c:barChart>
+      <c:catAx>
+        <c:axId val="2036350344"/>
+        <c:scaling>
+          <c:orientation val="minMax"/>
+        </c:scaling>
+        <c:delete val="0"/>
+        <c:axPos val="l"/>
+        <c:majorTickMark val="out"/>
+        <c:minorTickMark val="none"/>
+        <c:tickLblPos val="nextTo"/>
+        <c:txPr>
+          <a:bodyPr/>
+          <a:lstStyle/>
+          <a:p>
+            <a:pPr>
+              <a:defRPr sz="900"/>
+            </a:pPr>
+            <a:endParaRPr lang="en-US"/>
+          </a:p>
+        </c:txPr>
+        <c:crossAx val="2036542056"/>
+        <c:crosses val="autoZero"/>
+        <c:auto val="1"/>
+        <c:lblAlgn val="ctr"/>
+        <c:lblOffset val="100"/>
+        <c:noMultiLvlLbl val="0"/>
+      </c:catAx>
+      <c:valAx>
+        <c:axId val="2036542056"/>
+        <c:scaling>
+          <c:orientation val="minMax"/>
+          <c:max val="75.0"/>
+        </c:scaling>
+        <c:delete val="0"/>
+        <c:axPos val="b"/>
+        <c:majorGridlines/>
+        <c:numFmt formatCode="General" sourceLinked="1"/>
+        <c:majorTickMark val="out"/>
+        <c:minorTickMark val="none"/>
+        <c:tickLblPos val="nextTo"/>
+        <c:crossAx val="2036350344"/>
+        <c:crosses val="autoZero"/>
+        <c:crossBetween val="between"/>
+      </c:valAx>
+    </c:plotArea>
+    <c:plotVisOnly val="1"/>
+    <c:dispBlanksAs val="gap"/>
+    <c:showDLblsOverMax val="0"/>
+  </c:chart>
+  <c:txPr>
+    <a:bodyPr/>
+    <a:lstStyle/>
+    <a:p>
+      <a:pPr>
+        <a:defRPr sz="1800"/>
+      </a:pPr>
+      <a:endParaRPr lang="en-US"/>
+    </a:p>
+  </c:txPr>
+  <c:externalData r:id="rId1">
+    <c:autoUpdate val="0"/>
+  </c:externalData>
+  <c:userShapes r:id="rId2"/>
+</c:chartSpace>
+</file>
+
+<file path=ppt/drawings/drawing1.xml><?xml version="1.0" encoding="utf-8"?>
+<c:userShapes xmlns:c="http://schemas.openxmlformats.org/drawingml/2006/chart">
+  <cdr:relSizeAnchor xmlns:cdr="http://schemas.openxmlformats.org/drawingml/2006/chartDrawing">
+    <cdr:from>
+      <cdr:x>0.96805</cdr:x>
+      <cdr:y>0.48013</cdr:y>
+    </cdr:from>
+    <cdr:to>
+      <cdr:x>1</cdr:x>
+      <cdr:y>0.51618</cdr:y>
+    </cdr:to>
+    <cdr:sp macro="" textlink="">
+      <cdr:nvSpPr>
+        <cdr:cNvPr id="2" name="TextBox 1"/>
+        <cdr:cNvSpPr txBox="1"/>
+      </cdr:nvSpPr>
+      <cdr:spPr>
+        <a:xfrm xmlns:a="http://schemas.openxmlformats.org/drawingml/2006/main">
+          <a:off x="8851805" y="3292739"/>
+          <a:ext cx="292195" cy="247236"/>
+        </a:xfrm>
+        <a:prstGeom xmlns:a="http://schemas.openxmlformats.org/drawingml/2006/main" prst="rect">
+          <a:avLst/>
+        </a:prstGeom>
+      </cdr:spPr>
+      <cdr:txBody>
+        <a:bodyPr xmlns:a="http://schemas.openxmlformats.org/drawingml/2006/main" vertOverflow="clip" wrap="none" rtlCol="0"/>
+        <a:lstStyle xmlns:a="http://schemas.openxmlformats.org/drawingml/2006/main"/>
+        <a:p xmlns:a="http://schemas.openxmlformats.org/drawingml/2006/main">
+          <a:pPr algn="ctr"/>
+          <a:r>
+            <a:rPr lang="en-US" sz="1100" dirty="0" smtClean="0"/>
+            <a:t>126</a:t>
+          </a:r>
+        </a:p>
+      </cdr:txBody>
+    </cdr:sp>
+  </cdr:relSizeAnchor>
+</c:userShapes>
 </file>
 
 <file path=ppt/slideLayouts/slideLayout1.xml><?xml version="1.0" encoding="utf-8"?>
@@ -3979,7 +9159,7 @@
           <p:nvPr>
             <p:extLst>
               <p:ext uri="{D42A27DB-BD31-4B8C-83A1-F6EECF244321}">
-                <p14:modId xmlns:p14="http://schemas.microsoft.com/office/powerpoint/2010/main" val="3519842838"/>
+                <p14:modId xmlns:p14="http://schemas.microsoft.com/office/powerpoint/2010/main" val="1441959439"/>
               </p:ext>
             </p:extLst>
           </p:nvPr>
@@ -4002,8 +9182,8 @@
         </p:nvSpPr>
         <p:spPr>
           <a:xfrm>
-            <a:off x="8412687" y="2689003"/>
-            <a:ext cx="496650" cy="338554"/>
+            <a:off x="8815939" y="3142456"/>
+            <a:ext cx="418654" cy="276999"/>
           </a:xfrm>
           <a:prstGeom prst="rect">
             <a:avLst/>
@@ -4017,14 +9197,14 @@
           <a:lstStyle/>
           <a:p>
             <a:r>
-              <a:rPr lang="en-US" sz="1600" dirty="0" smtClean="0">
+              <a:rPr lang="en-US" sz="1200" dirty="0" smtClean="0">
                 <a:solidFill>
                   <a:schemeClr val="bg1"/>
                 </a:solidFill>
               </a:rPr>
               <a:t>154</a:t>
             </a:r>
-            <a:endParaRPr lang="en-US" sz="1600" dirty="0">
+            <a:endParaRPr lang="en-US" sz="1200" dirty="0">
               <a:solidFill>
                 <a:schemeClr val="bg1"/>
               </a:solidFill>
@@ -4036,6 +9216,88 @@
     <p:extLst>
       <p:ext uri="{BB962C8B-B14F-4D97-AF65-F5344CB8AC3E}">
         <p14:creationId xmlns:p14="http://schemas.microsoft.com/office/powerpoint/2010/main" val="268153582"/>
+      </p:ext>
+    </p:extLst>
+  </p:cSld>
+  <p:clrMapOvr>
+    <a:masterClrMapping/>
+  </p:clrMapOvr>
+</p:sld>
+</file>
+
+<file path=ppt/slides/slide4.xml><?xml version="1.0" encoding="utf-8"?>
+<p:sld xmlns:a="http://schemas.openxmlformats.org/drawingml/2006/main" xmlns:r="http://schemas.openxmlformats.org/officeDocument/2006/relationships" xmlns:p="http://schemas.openxmlformats.org/presentationml/2006/main">
+  <p:cSld>
+    <p:spTree>
+      <p:nvGrpSpPr>
+        <p:cNvPr id="1" name=""/>
+        <p:cNvGrpSpPr/>
+        <p:nvPr/>
+      </p:nvGrpSpPr>
+      <p:grpSpPr>
+        <a:xfrm>
+          <a:off x="0" y="0"/>
+          <a:ext cx="0" cy="0"/>
+          <a:chOff x="0" y="0"/>
+          <a:chExt cx="0" cy="0"/>
+        </a:xfrm>
+      </p:grpSpPr>
+      <p:graphicFrame>
+        <p:nvGraphicFramePr>
+          <p:cNvPr id="2" name="Chart 1"/>
+          <p:cNvGraphicFramePr/>
+          <p:nvPr>
+            <p:extLst>
+              <p:ext uri="{D42A27DB-BD31-4B8C-83A1-F6EECF244321}">
+                <p14:modId xmlns:p14="http://schemas.microsoft.com/office/powerpoint/2010/main" val="2259915153"/>
+              </p:ext>
+            </p:extLst>
+          </p:nvPr>
+        </p:nvGraphicFramePr>
+        <p:xfrm>
+          <a:off x="0" y="0"/>
+          <a:ext cx="9144000" cy="6858000"/>
+        </p:xfrm>
+        <a:graphic>
+          <a:graphicData uri="http://schemas.openxmlformats.org/drawingml/2006/chart">
+            <c:chart xmlns:c="http://schemas.openxmlformats.org/drawingml/2006/chart" xmlns:r="http://schemas.openxmlformats.org/officeDocument/2006/relationships" r:id="rId2"/>
+          </a:graphicData>
+        </a:graphic>
+      </p:graphicFrame>
+      <p:sp>
+        <p:nvSpPr>
+          <p:cNvPr id="3" name="TextBox 2"/>
+          <p:cNvSpPr txBox="1"/>
+          <p:nvPr/>
+        </p:nvSpPr>
+        <p:spPr>
+          <a:xfrm>
+            <a:off x="8818088" y="3788734"/>
+            <a:ext cx="418654" cy="276999"/>
+          </a:xfrm>
+          <a:prstGeom prst="rect">
+            <a:avLst/>
+          </a:prstGeom>
+          <a:noFill/>
+        </p:spPr>
+        <p:txBody>
+          <a:bodyPr wrap="none" rtlCol="0">
+            <a:spAutoFit/>
+          </a:bodyPr>
+          <a:lstStyle/>
+          <a:p>
+            <a:r>
+              <a:rPr lang="en-US" sz="1200" dirty="0" smtClean="0"/>
+              <a:t>332</a:t>
+            </a:r>
+            <a:endParaRPr lang="en-US" sz="1200" dirty="0"/>
+          </a:p>
+        </p:txBody>
+      </p:sp>
+    </p:spTree>
+    <p:extLst>
+      <p:ext uri="{BB962C8B-B14F-4D97-AF65-F5344CB8AC3E}">
+        <p14:creationId xmlns:p14="http://schemas.microsoft.com/office/powerpoint/2010/main" val="777470905"/>
       </p:ext>
     </p:extLst>
   </p:cSld>

--- a/Slide deck-Research-11_16.pptx
+++ b/Slide deck-Research-11_16.pptx
@@ -9,6 +9,8 @@
     <p:sldId id="257" r:id="rId3"/>
     <p:sldId id="258" r:id="rId4"/>
     <p:sldId id="259" r:id="rId5"/>
+    <p:sldId id="260" r:id="rId6"/>
+    <p:sldId id="261" r:id="rId7"/>
   </p:sldIdLst>
   <p:sldSz cx="9144000" cy="6858000" type="screen4x3"/>
   <p:notesSz cx="6858000" cy="9144000"/>
@@ -267,11 +269,11 @@
           <c:showBubbleSize val="0"/>
         </c:dLbls>
         <c:gapWidth val="150"/>
-        <c:axId val="2135904888"/>
-        <c:axId val="2102140248"/>
+        <c:axId val="2139652280"/>
+        <c:axId val="2111481368"/>
       </c:barChart>
       <c:catAx>
-        <c:axId val="2135904888"/>
+        <c:axId val="2139652280"/>
         <c:scaling>
           <c:orientation val="minMax"/>
         </c:scaling>
@@ -280,7 +282,7 @@
         <c:majorTickMark val="out"/>
         <c:minorTickMark val="none"/>
         <c:tickLblPos val="nextTo"/>
-        <c:crossAx val="2102140248"/>
+        <c:crossAx val="2111481368"/>
         <c:crosses val="autoZero"/>
         <c:auto val="1"/>
         <c:lblAlgn val="ctr"/>
@@ -288,7 +290,7 @@
         <c:noMultiLvlLbl val="0"/>
       </c:catAx>
       <c:valAx>
-        <c:axId val="2102140248"/>
+        <c:axId val="2111481368"/>
         <c:scaling>
           <c:orientation val="minMax"/>
           <c:max val="30.0"/>
@@ -300,7 +302,7 @@
         <c:majorTickMark val="out"/>
         <c:minorTickMark val="none"/>
         <c:tickLblPos val="nextTo"/>
-        <c:crossAx val="2135904888"/>
+        <c:crossAx val="2139652280"/>
         <c:crosses val="autoZero"/>
         <c:crossBetween val="between"/>
       </c:valAx>
@@ -452,11 +454,11 @@
           <c:showBubbleSize val="0"/>
         </c:dLbls>
         <c:gapWidth val="150"/>
-        <c:axId val="-2136691576"/>
-        <c:axId val="-2136688568"/>
+        <c:axId val="2112662792"/>
+        <c:axId val="2112524760"/>
       </c:barChart>
       <c:catAx>
-        <c:axId val="-2136691576"/>
+        <c:axId val="2112662792"/>
         <c:scaling>
           <c:orientation val="minMax"/>
         </c:scaling>
@@ -465,7 +467,7 @@
         <c:majorTickMark val="out"/>
         <c:minorTickMark val="none"/>
         <c:tickLblPos val="nextTo"/>
-        <c:crossAx val="-2136688568"/>
+        <c:crossAx val="2112524760"/>
         <c:crosses val="autoZero"/>
         <c:auto val="1"/>
         <c:lblAlgn val="ctr"/>
@@ -473,7 +475,7 @@
         <c:noMultiLvlLbl val="0"/>
       </c:catAx>
       <c:valAx>
-        <c:axId val="-2136688568"/>
+        <c:axId val="2112524760"/>
         <c:scaling>
           <c:orientation val="minMax"/>
           <c:max val="20.0"/>
@@ -485,7 +487,7 @@
         <c:majorTickMark val="out"/>
         <c:minorTickMark val="none"/>
         <c:tickLblPos val="nextTo"/>
-        <c:crossAx val="-2136691576"/>
+        <c:crossAx val="2112662792"/>
         <c:crosses val="autoZero"/>
         <c:crossBetween val="between"/>
       </c:valAx>
@@ -763,11 +765,11 @@
           <c:showBubbleSize val="0"/>
         </c:dLbls>
         <c:gapWidth val="150"/>
-        <c:axId val="-2136665752"/>
-        <c:axId val="-2136662776"/>
+        <c:axId val="2142794520"/>
+        <c:axId val="2142798264"/>
       </c:barChart>
       <c:catAx>
-        <c:axId val="-2136665752"/>
+        <c:axId val="2142794520"/>
         <c:scaling>
           <c:orientation val="minMax"/>
         </c:scaling>
@@ -786,7 +788,7 @@
             <a:endParaRPr lang="en-US"/>
           </a:p>
         </c:txPr>
-        <c:crossAx val="-2136662776"/>
+        <c:crossAx val="2142798264"/>
         <c:crosses val="autoZero"/>
         <c:auto val="1"/>
         <c:lblAlgn val="ctr"/>
@@ -794,7 +796,7 @@
         <c:noMultiLvlLbl val="0"/>
       </c:catAx>
       <c:valAx>
-        <c:axId val="-2136662776"/>
+        <c:axId val="2142798264"/>
         <c:scaling>
           <c:orientation val="minMax"/>
           <c:max val="25.0"/>
@@ -806,7 +808,7 @@
         <c:majorTickMark val="out"/>
         <c:minorTickMark val="none"/>
         <c:tickLblPos val="nextTo"/>
-        <c:crossAx val="-2136665752"/>
+        <c:crossAx val="2142794520"/>
         <c:crosses val="autoZero"/>
         <c:crossBetween val="between"/>
       </c:valAx>
@@ -838,15 +840,58 @@
   <c:roundedCorners val="0"/>
   <mc:AlternateContent xmlns:mc="http://schemas.openxmlformats.org/markup-compatibility/2006">
     <mc:Choice xmlns:c14="http://schemas.microsoft.com/office/drawing/2007/8/2/chart" Requires="c14">
-      <c14:style val="118"/>
+      <c14:style val="145"/>
     </mc:Choice>
     <mc:Fallback>
-      <c:style val="18"/>
+      <c:style val="45"/>
     </mc:Fallback>
   </mc:AlternateContent>
   <c:chart>
     <c:title>
-      <c:layout/>
+      <c:tx>
+        <c:rich>
+          <a:bodyPr/>
+          <a:lstStyle/>
+          <a:p>
+            <a:pPr>
+              <a:defRPr/>
+            </a:pPr>
+            <a:r>
+              <a:rPr lang="en-US" sz="1800" b="1" i="0" baseline="0" dirty="0" smtClean="0">
+                <a:effectLst/>
+              </a:rPr>
+              <a:t>1 Run Solitaire App:</a:t>
+            </a:r>
+            <a:endParaRPr lang="en-US" dirty="0" smtClean="0">
+              <a:effectLst/>
+            </a:endParaRPr>
+          </a:p>
+          <a:p>
+            <a:pPr>
+              <a:defRPr/>
+            </a:pPr>
+            <a:r>
+              <a:rPr lang="en-US" sz="1800" b="1" i="0" baseline="0" dirty="0" smtClean="0">
+                <a:effectLst/>
+              </a:rPr>
+              <a:t>Methods &amp; APIs Called (out of Total)</a:t>
+            </a:r>
+            <a:r>
+              <a:rPr lang="en-US" dirty="0" smtClean="0"/>
+              <a:t> </a:t>
+            </a:r>
+            <a:endParaRPr lang="en-US" dirty="0"/>
+          </a:p>
+        </c:rich>
+      </c:tx>
+      <c:layout>
+        <c:manualLayout>
+          <c:xMode val="edge"/>
+          <c:yMode val="edge"/>
+          <c:x val="0.306215441819772"/>
+          <c:y val="0.0148185594289137"/>
+        </c:manualLayout>
+      </c:layout>
       <c:overlay val="0"/>
     </c:title>
     <c:autoTitleDeleted val="0"/>
@@ -873,3215 +918,1451 @@
           <c:invertIfNegative val="0"/>
           <c:cat>
             <c:strRef>
-              <c:f>Sheet1!$A$2:$A$838</c:f>
+              <c:f>Sheet1!$A$2:$A$250</c:f>
               <c:strCache>
-                <c:ptCount val="837"/>
+                <c:ptCount val="249"/>
                 <c:pt idx="0">
-                  <c:v>android.animation.AnimatorSet.start</c:v>
+                  <c:v>org.apache.http.impl.client.DefaultHttpClient.&lt;init&gt;</c:v>
                 </c:pt>
                 <c:pt idx="1">
-                  <c:v>android.animation.ObjectAnimator.start</c:v>
+                  <c:v>java.net.URLConnection.getInputStream</c:v>
                 </c:pt>
                 <c:pt idx="2">
-                  <c:v>android.bluetooth.BluetoothAdapter.getAddress</c:v>
+                  <c:v>java.net.URL.openStream</c:v>
                 </c:pt>
                 <c:pt idx="3">
-                  <c:v>android.content.ContentResolver.openInputStream</c:v>
+                  <c:v>java.net.URL.openConnection</c:v>
                 </c:pt>
                 <c:pt idx="4">
-                  <c:v>android.content.ContentResolver.query</c:v>
+                  <c:v>java.net.HttpURLConnection.connect</c:v>
                 </c:pt>
                 <c:pt idx="5">
-                  <c:v>android.content.ContentResolver.registerContentObserver</c:v>
+                  <c:v>java.lang.Thread.start</c:v>
                 </c:pt>
                 <c:pt idx="6">
-                  <c:v>android.content.Context.sendBroadcast</c:v>
+                  <c:v>com.vungle.publisher.VungleService.onStartCommand</c:v>
                 </c:pt>
                 <c:pt idx="7">
-                  <c:v>android.content.Context.startService</c:v>
+                  <c:v>com.vungle.publisher.VungleService.onStart</c:v>
                 </c:pt>
                 <c:pt idx="8">
-                  <c:v>android.content.Intent.&lt;init&gt;</c:v>
+                  <c:v>com.vungle.publisher.VungleService.onCreate</c:v>
                 </c:pt>
                 <c:pt idx="9">
-                  <c:v>android.content.Intent.setData</c:v>
+                  <c:v>com.vungle.publisher.VunglePubBase$AsyncInitEventListener$1.run</c:v>
                 </c:pt>
                 <c:pt idx="10">
-                  <c:v>android.content.Intent.setDataAndType</c:v>
+                  <c:v>com.vungle.publisher.VunglePubBase.onResume</c:v>
                 </c:pt>
                 <c:pt idx="11">
-                  <c:v>android.hardware.Camera.open</c:v>
+                  <c:v>com.vungle.publisher.VunglePubBase.onPause</c:v>
                 </c:pt>
                 <c:pt idx="12">
-                  <c:v>android.location.LocationManager.getBestProvider</c:v>
+                  <c:v>com.vungle.publisher.VunglePub.onResume</c:v>
                 </c:pt>
                 <c:pt idx="13">
-                  <c:v>android.location.LocationManager.getLastKnownLocation</c:v>
+                  <c:v>com.vungle.publisher.VunglePub.onPause</c:v>
                 </c:pt>
                 <c:pt idx="14">
-                  <c:v>android.location.LocationManager.isProviderEnabled</c:v>
+                  <c:v>com.vungle.publisher.env.AdvertisingDeviceIdStrategy$FetchAdvertisingPreferencesRunnable.run</c:v>
                 </c:pt>
                 <c:pt idx="15">
-                  <c:v>android.location.LocationManager.requestLocationUpdates</c:v>
+                  <c:v>com.vungle.publisher.db.DatabaseHelper$1.run</c:v>
                 </c:pt>
                 <c:pt idx="16">
-                  <c:v>android.media.MediaPlayer.release</c:v>
+                  <c:v>com.vungle.publisher.bx.run</c:v>
                 </c:pt>
                 <c:pt idx="17">
-                  <c:v>android.media.MediaPlayer.start</c:v>
+                  <c:v>com.vungle.publisher.bt$c.run</c:v>
                 </c:pt>
                 <c:pt idx="18">
-                  <c:v>android.media.MediaPlayer.stop</c:v>
+                  <c:v>com.vungle.publisher.bt$a.run</c:v>
                 </c:pt>
                 <c:pt idx="19">
-                  <c:v>android.media.MediaScannerConnection.scanFile</c:v>
+                  <c:v>com.vungle.publisher.async.ScheduledPriorityExecutor$a$a.run</c:v>
                 </c:pt>
                 <c:pt idx="20">
-                  <c:v>android.net.ConnectivityManager.getActiveNetworkInfo</c:v>
+                  <c:v>com.ts.loopj.android.http.AsyncHttpResponseHandler.onStart</c:v>
                 </c:pt>
                 <c:pt idx="21">
-                  <c:v>android.net.wifi.WifiManager.getConnectionInfo</c:v>
+                  <c:v>com.ts.loopj.android.http.AsyncHttpRequest.run</c:v>
                 </c:pt>
                 <c:pt idx="22">
-                  <c:v>android.os.HandlerThread.start</c:v>
+                  <c:v>com.tapsense.android.publisher.TapSenseAdsUtils$AdvertisingIdTask.onPreExecute</c:v>
                 </c:pt>
                 <c:pt idx="23">
-                  <c:v>android.os.Vibrator.vibrate</c:v>
+                  <c:v>com.tapsense.android.publisher.TapSenseAdsUtils$AdvertisingIdTask.doInBackground</c:v>
                 </c:pt>
                 <c:pt idx="24">
-                  <c:v>android.preference.CheckBoxPreference.isChecked</c:v>
+                  <c:v>com.tapsense.android.publisher.TapSenseAds.start</c:v>
                 </c:pt>
                 <c:pt idx="25">
-                  <c:v>android.telephony.TelephonyManager.getDeviceId</c:v>
+                  <c:v>com.mopub.common.util.Reflection$MethodBuilder.execute</c:v>
                 </c:pt>
                 <c:pt idx="26">
-                  <c:v>android.telephony.TelephonyManager.getLine1Number</c:v>
+                  <c:v>com.mopub.common.GpsHelper$1.run</c:v>
                 </c:pt>
                 <c:pt idx="27">
-                  <c:v>android.view.ViewPropertyAnimator.start</c:v>
+                  <c:v>com.mobilityware.solitaire.WinDeal.run</c:v>
                 </c:pt>
                 <c:pt idx="28">
-                  <c:v>android.webkit.WebView.&lt;init&gt;</c:v>
+                  <c:v>com.mobilityware.solitaire.Toolbar$8.onClick</c:v>
                 </c:pt>
                 <c:pt idx="29">
-                  <c:v>android.widget.CheckBox.isChecked</c:v>
+                  <c:v>com.mobilityware.solitaire.Toolbar$3.onClick</c:v>
                 </c:pt>
                 <c:pt idx="30">
-                  <c:v>android.widget.VideoView.pause</c:v>
+                  <c:v>com.mobilityware.solitaire.Toolbar$12.onClick</c:v>
                 </c:pt>
                 <c:pt idx="31">
-                  <c:v>android.widget.VideoView.setVideoPath</c:v>
+                  <c:v>com.mobilityware.solitaire.Toolbar$1.run</c:v>
                 </c:pt>
                 <c:pt idx="32">
-                  <c:v>android.widget.VideoView.setVideoURI</c:v>
+                  <c:v>com.mobilityware.solitaire.SolutionPlayer$1.run</c:v>
                 </c:pt>
                 <c:pt idx="33">
-                  <c:v>android.widget.VideoView.start</c:v>
+                  <c:v>com.mobilityware.solitaire.SolutionPlayer.start</c:v>
                 </c:pt>
                 <c:pt idx="34">
-                  <c:v>android.widget.VideoView.stopPlayback</c:v>
+                  <c:v>com.mobilityware.solitaire.SolitaireApplication.onCreate</c:v>
                 </c:pt>
                 <c:pt idx="35">
-                  <c:v>com.applovin.adview.AppLovinConfirmationActivity.onCreate</c:v>
+                  <c:v>com.mobilityware.solitaire.Solitaire$1.run</c:v>
                 </c:pt>
                 <c:pt idx="36">
-                  <c:v>com.applovin.adview.AppLovinConfirmationActivity.onDestroy</c:v>
+                  <c:v>com.mobilityware.solitaire.Solitaire.onStart</c:v>
                 </c:pt>
                 <c:pt idx="37">
-                  <c:v>com.applovin.adview.AppLovinConfirmationActivity.onPause</c:v>
+                  <c:v>com.mobilityware.solitaire.Solitaire.onResume</c:v>
                 </c:pt>
                 <c:pt idx="38">
-                  <c:v>com.applovin.adview.AppLovinConfirmationActivity.onResume</c:v>
+                  <c:v>com.mobilityware.solitaire.Solitaire.onPause</c:v>
                 </c:pt>
                 <c:pt idx="39">
-                  <c:v>com.applovin.adview.AppLovinConfirmationActivity.onStart</c:v>
+                  <c:v>com.mobilityware.solitaire.Solitaire.onDestroy</c:v>
                 </c:pt>
                 <c:pt idx="40">
-                  <c:v>com.applovin.adview.AppLovinInterstitialActivity.onBackPressed</c:v>
+                  <c:v>com.mobilityware.solitaire.Solitaire.onCreate</c:v>
                 </c:pt>
                 <c:pt idx="41">
-                  <c:v>com.applovin.adview.AppLovinInterstitialActivity.onCreate</c:v>
+                  <c:v>com.mobilityware.solitaire.Preferences$24.onClick</c:v>
                 </c:pt>
                 <c:pt idx="42">
-                  <c:v>com.applovin.adview.AppLovinInterstitialActivity.onDestroy</c:v>
+                  <c:v>com.mobilityware.solitaire.Preferences.onResume</c:v>
                 </c:pt>
                 <c:pt idx="43">
-                  <c:v>com.applovin.adview.AppLovinInterstitialActivity.onPause</c:v>
+                  <c:v>com.mobilityware.solitaire.Preferences.onPause</c:v>
                 </c:pt>
                 <c:pt idx="44">
-                  <c:v>com.applovin.adview.AppLovinInterstitialActivity.onResume</c:v>
+                  <c:v>com.mobilityware.solitaire.Preferences.onDestroy</c:v>
                 </c:pt>
                 <c:pt idx="45">
-                  <c:v>com.applovin.adview.AppLovinInterstitialActivity.onStart</c:v>
+                  <c:v>com.mobilityware.solitaire.Preferences.onCreate</c:v>
                 </c:pt>
                 <c:pt idx="46">
-                  <c:v>com.applovin.adview.a.onClick</c:v>
+                  <c:v>com.mobilityware.solitaire.PlayServices.onStart</c:v>
                 </c:pt>
                 <c:pt idx="47">
-                  <c:v>com.applovin.adview.d.run</c:v>
+                  <c:v>com.mobilityware.solitaire.PlayServices.onCreate</c:v>
                 </c:pt>
                 <c:pt idx="48">
-                  <c:v>com.applovin.adview.i.run</c:v>
+                  <c:v>com.mobilityware.solitaire.MWView$4.run</c:v>
                 </c:pt>
                 <c:pt idx="49">
-                  <c:v>com.applovin.adview.j.onClick</c:v>
+                  <c:v>com.mobilityware.solitaire.MWView$24.run</c:v>
                 </c:pt>
                 <c:pt idx="50">
-                  <c:v>com.applovin.adview.k.onClick</c:v>
+                  <c:v>com.mobilityware.solitaire.MWView$23.run</c:v>
                 </c:pt>
                 <c:pt idx="51">
-                  <c:v>com.applovin.adview.l.run</c:v>
+                  <c:v>com.mobilityware.solitaire.MWView$22.run</c:v>
                 </c:pt>
                 <c:pt idx="52">
-                  <c:v>com.applovin.adview.m.run</c:v>
+                  <c:v>com.mobilityware.solitaire.MWView$18.onClick</c:v>
                 </c:pt>
                 <c:pt idx="53">
-                  <c:v>com.applovin.adview.o.run</c:v>
+                  <c:v>com.mobilityware.solitaire.MWView$15.onClick</c:v>
                 </c:pt>
                 <c:pt idx="54">
-                  <c:v>com.applovin.adview.p.run</c:v>
+                  <c:v>com.mobilityware.solitaire.MWView$13.onClick</c:v>
                 </c:pt>
                 <c:pt idx="55">
-                  <c:v>com.applovin.impl.adview.AppLovinVideoView.setVideoURI</c:v>
+                  <c:v>com.mobilityware.solitaire.MWView$10.onClick</c:v>
                 </c:pt>
                 <c:pt idx="56">
-                  <c:v>com.applovin.impl.adview.AppLovinVideoView.start</c:v>
+                  <c:v>com.mobilityware.solitaire.MWView$1.run</c:v>
                 </c:pt>
                 <c:pt idx="57">
-                  <c:v>com.applovin.impl.adview.a.run</c:v>
+                  <c:v>com.mobilityware.solitaire.MWView.onTouchEvent</c:v>
                 </c:pt>
                 <c:pt idx="58">
-                  <c:v>com.applovin.impl.adview.aa.onClick</c:v>
+                  <c:v>com.mobilityware.solitaire.MWProgressBar$1.run</c:v>
                 </c:pt>
                 <c:pt idx="59">
-                  <c:v>com.applovin.impl.adview.ab.onClick</c:v>
+                  <c:v>com.mobilityware.solitaire.AnimationManager$1.run</c:v>
                 </c:pt>
                 <c:pt idx="60">
-                  <c:v>com.applovin.impl.adview.ac.run</c:v>
+                  <c:v>com.mobilityware.advertising.AdParams.onResume</c:v>
                 </c:pt>
                 <c:pt idx="61">
-                  <c:v>com.applovin.impl.adview.af.run</c:v>
+                  <c:v>com.mobilityware.advertising.AdControl$6.run</c:v>
                 </c:pt>
                 <c:pt idx="62">
-                  <c:v>com.applovin.impl.adview.ag.run</c:v>
+                  <c:v>com.mobilityware.advertising.AdControl$5.run</c:v>
                 </c:pt>
                 <c:pt idx="63">
-                  <c:v>com.applovin.impl.adview.ah.run</c:v>
+                  <c:v>com.mobilityware.advertising.AdControl$4.run</c:v>
                 </c:pt>
                 <c:pt idx="64">
-                  <c:v>com.applovin.impl.adview.ai.run</c:v>
+                  <c:v>com.mobilityware.advertising.AdControl$1.run</c:v>
                 </c:pt>
                 <c:pt idx="65">
-                  <c:v>com.applovin.impl.adview.b.run</c:v>
+                  <c:v>com.mobilityware.advertising.AdControl.onStart</c:v>
                 </c:pt>
                 <c:pt idx="66">
-                  <c:v>com.applovin.impl.adview.f.run</c:v>
+                  <c:v>com.greystripe.sdk.core.AdWebView$1.run</c:v>
                 </c:pt>
                 <c:pt idx="67">
-                  <c:v>com.applovin.impl.adview.g.run</c:v>
+                  <c:v>com.greystripe.sdk.core.AdModel$RetrieveGooglePlayServiceTask.onPreExecute</c:v>
                 </c:pt>
                 <c:pt idx="68">
-                  <c:v>com.applovin.impl.adview.h.run</c:v>
+                  <c:v>com.greystripe.sdk.core.AdModel$RetrieveGooglePlayServiceTask.onPostExecute</c:v>
                 </c:pt>
                 <c:pt idx="69">
-                  <c:v>com.applovin.impl.adview.i.run</c:v>
+                  <c:v>com.greystripe.sdk.core.AdModel$RetrieveGooglePlayServiceTask.doInBackground</c:v>
                 </c:pt>
                 <c:pt idx="70">
-                  <c:v>com.applovin.impl.adview.j.run</c:v>
+                  <c:v>com.greystripe.sdk.core.AdModel$3.run</c:v>
                 </c:pt>
                 <c:pt idx="71">
-                  <c:v>com.applovin.impl.adview.k.run</c:v>
+                  <c:v>com.greystripe.sdk.core.AdModel$2.run</c:v>
                 </c:pt>
                 <c:pt idx="72">
-                  <c:v>com.applovin.impl.adview.o.onFocusChanged</c:v>
+                  <c:v>com.greystripe.sdk.core.AdModel$1.run</c:v>
                 </c:pt>
                 <c:pt idx="73">
-                  <c:v>com.applovin.impl.adview.p.onTouch</c:v>
+                  <c:v>com.flurry.sdk.fc.run</c:v>
                 </c:pt>
                 <c:pt idx="74">
-                  <c:v>com.applovin.impl.adview.q.onLongClick</c:v>
+                  <c:v>com.flurry.sdk.es.onReceive</c:v>
                 </c:pt>
                 <c:pt idx="75">
-                  <c:v>com.applovin.impl.adview.v.onCreate</c:v>
+                  <c:v>com.facebook.ads.internal.AdRequest$1.onPreExecute</c:v>
                 </c:pt>
                 <c:pt idx="76">
-                  <c:v>com.applovin.impl.adview.z.run</c:v>
+                  <c:v>com.facebook.ads.internal.AdRequest$1.onPostExecute</c:v>
                 </c:pt>
                 <c:pt idx="77">
-                  <c:v>com.applovin.impl.sdk.aa.run</c:v>
+                  <c:v>com.facebook.ads.internal.AdRequest$1.doInBackground</c:v>
                 </c:pt>
                 <c:pt idx="78">
-                  <c:v>com.applovin.impl.sdk.ab.run</c:v>
+                  <c:v>com.facebook.ads.internal.AdRequest.executeConnectionAndWait</c:v>
                 </c:pt>
                 <c:pt idx="79">
-                  <c:v>com.applovin.impl.sdk.ac.run</c:v>
+                  <c:v>com.facebook.ads.internal.AdRequest.executeAsync</c:v>
                 </c:pt>
                 <c:pt idx="80">
-                  <c:v>com.applovin.impl.sdk.ad.run</c:v>
+                  <c:v>com.chartboost.sdk.Libraries.c$1.run</c:v>
                 </c:pt>
                 <c:pt idx="81">
-                  <c:v>com.applovin.impl.sdk.ae.run</c:v>
+                  <c:v>com.chartboost.sdk.impl.a$a$1.onClick</c:v>
                 </c:pt>
                 <c:pt idx="82">
-                  <c:v>com.applovin.impl.sdk.af.run</c:v>
+                  <c:v>com.chartboost.sdk.ChartboostNativeActivity.onStart</c:v>
                 </c:pt>
                 <c:pt idx="83">
-                  <c:v>com.applovin.impl.sdk.ag.run</c:v>
+                  <c:v>com.chartboost.sdk.ChartboostNativeActivity.onDestroy</c:v>
                 </c:pt>
                 <c:pt idx="84">
-                  <c:v>com.applovin.impl.sdk.ah.run</c:v>
+                  <c:v>com.chartboost.sdk.ChartboostNativeActivity.onCreate</c:v>
                 </c:pt>
                 <c:pt idx="85">
-                  <c:v>com.applovin.impl.sdk.ai.run</c:v>
+                  <c:v>com.chartboost.sdk.ChartboostNativeActivity.onBackPressed</c:v>
                 </c:pt>
                 <c:pt idx="86">
-                  <c:v>com.applovin.impl.sdk.ak.run</c:v>
+                  <c:v>com.chartboost.sdk.ChartboostActivity.onStart</c:v>
                 </c:pt>
                 <c:pt idx="87">
-                  <c:v>com.applovin.impl.sdk.am.run</c:v>
+                  <c:v>com.chartboost.sdk.ChartboostActivity.onResume</c:v>
                 </c:pt>
                 <c:pt idx="88">
-                  <c:v>com.applovin.impl.sdk.an.onClick</c:v>
+                  <c:v>com.chartboost.sdk.ChartboostActivity.onPause</c:v>
                 </c:pt>
                 <c:pt idx="89">
-                  <c:v>com.applovin.impl.sdk.ao.run</c:v>
+                  <c:v>com.chartboost.sdk.ChartboostActivity.onDestroy</c:v>
                 </c:pt>
                 <c:pt idx="90">
-                  <c:v>com.applovin.impl.sdk.ap.run</c:v>
+                  <c:v>com.chartboost.sdk.ChartboostActivity.onCreate</c:v>
                 </c:pt>
                 <c:pt idx="91">
-                  <c:v>com.applovin.impl.sdk.aq.onClick</c:v>
+                  <c:v>com.chartboost.sdk.ChartboostActivity.onBackPressed</c:v>
                 </c:pt>
                 <c:pt idx="92">
-                  <c:v>com.applovin.impl.sdk.bg.run</c:v>
+                  <c:v>com.chartboost.sdk.Chartboost$CBAgeGateConfirmation.execute</c:v>
                 </c:pt>
                 <c:pt idx="93">
-                  <c:v>com.applovin.impl.sdk.bi.run</c:v>
+                  <c:v>com.chartboost.sdk.Chartboost$a.run</c:v>
                 </c:pt>
                 <c:pt idx="94">
-                  <c:v>com.applovin.impl.sdk.bk.run</c:v>
+                  <c:v>com.chartboost.sdk.Chartboost$3.run</c:v>
                 </c:pt>
                 <c:pt idx="95">
-                  <c:v>com.applovin.impl.sdk.bp.run</c:v>
+                  <c:v>com.chartboost.sdk.Chartboost$2.run</c:v>
                 </c:pt>
                 <c:pt idx="96">
-                  <c:v>com.applovin.impl.sdk.bq.run</c:v>
+                  <c:v>com.chartboost.sdk.Chartboost.onStart</c:v>
                 </c:pt>
                 <c:pt idx="97">
-                  <c:v>com.applovin.impl.sdk.br.run</c:v>
+                  <c:v>com.chartboost.sdk.Chartboost.onDestroy</c:v>
                 </c:pt>
                 <c:pt idx="98">
-                  <c:v>com.applovin.impl.sdk.bt.run</c:v>
+                  <c:v>com.chartboost.sdk.Chartboost.onCreate</c:v>
                 </c:pt>
                 <c:pt idx="99">
-                  <c:v>com.applovin.impl.sdk.by.run</c:v>
+                  <c:v>com.chartboost.sdk.Chartboost.onBackPressed</c:v>
                 </c:pt>
                 <c:pt idx="100">
-                  <c:v>com.applovin.impl.sdk.x.run</c:v>
+                  <c:v>com.chartboost.sdk.CBImpressionActivity.onStart</c:v>
                 </c:pt>
                 <c:pt idx="101">
-                  <c:v>com.applovin.impl.sdk.y.run</c:v>
+                  <c:v>com.chartboost.sdk.CBImpressionActivity.onResume</c:v>
                 </c:pt>
                 <c:pt idx="102">
-                  <c:v>com.bluekai.sdk.SettingsActivity$1.onClick</c:v>
+                  <c:v>com.chartboost.sdk.CBImpressionActivity.onPause</c:v>
                 </c:pt>
                 <c:pt idx="103">
-                  <c:v>com.bluekai.sdk.SettingsActivity$2.onClick</c:v>
+                  <c:v>com.chartboost.sdk.CBImpressionActivity.onDestroy</c:v>
                 </c:pt>
                 <c:pt idx="104">
-                  <c:v>com.bluekai.sdk.SettingsActivity.onCreate</c:v>
+                  <c:v>com.chartboost.sdk.CBImpressionActivity.onCreate</c:v>
                 </c:pt>
                 <c:pt idx="105">
-                  <c:v>com.bluekai.sdk.SettingsActivity.onDestroy</c:v>
+                  <c:v>com.chartboost.sdk.CBImpressionActivity.onBackPressed</c:v>
                 </c:pt>
                 <c:pt idx="106">
-                  <c:v>com.bluekai.sdk.SettingsActivity.onPause</c:v>
+                  <c:v>com.chartboost.sdk.c$b$1.onTouch</c:v>
                 </c:pt>
                 <c:pt idx="107">
-                  <c:v>com.bluekai.sdk.SettingsActivity.onResume</c:v>
+                  <c:v>com.chartboost.sdk.b$2$1$1.run</c:v>
                 </c:pt>
                 <c:pt idx="108">
-                  <c:v>com.bluekai.sdk.SettingsActivity.onStart</c:v>
+                  <c:v>com.chartboost.sdk.b$2.run</c:v>
                 </c:pt>
                 <c:pt idx="109">
-                  <c:v>com.bluekai.sdk.a$a$1.run</c:v>
+                  <c:v>com.chartboost.sdk.a$4$1.run</c:v>
                 </c:pt>
                 <c:pt idx="110">
-                  <c:v>com.bluekai.sdk.a$a.run</c:v>
+                  <c:v>com.chartboost.sdk.a$4.execute</c:v>
                 </c:pt>
                 <c:pt idx="111">
-                  <c:v>com.bluekai.sdk.c.onCreate</c:v>
+                  <c:v>com.chartboost.sdk.a$3.run</c:v>
                 </c:pt>
                 <c:pt idx="112">
-                  <c:v>com.bluekai.sdk.d$1.onReceivedError</c:v>
+                  <c:v>com.chartboost.sdk.a$2.run</c:v>
                 </c:pt>
                 <c:pt idx="113">
-                  <c:v>com.bluekai.sdk.d$2.onClick</c:v>
+                  <c:v>com.chartboost.sdk.a$1.run</c:v>
                 </c:pt>
                 <c:pt idx="114">
-                  <c:v>com.bluekai.sdk.d.onCreateDialog</c:v>
+                  <c:v>com.brightroll.androidsdk.AsyncHttpRequest.start</c:v>
                 </c:pt>
                 <c:pt idx="115">
-                  <c:v>com.bluekai.sdk.e$1.onReceivedError</c:v>
+                  <c:v>com.brightroll.androidsdk.AsyncHttpRequest.onPreExecute</c:v>
                 </c:pt>
                 <c:pt idx="116">
-                  <c:v>com.brightroll.androidsdk.AdActivity$1.onReceive</c:v>
+                  <c:v>com.brightroll.androidsdk.AsyncHttpRequest.onPostExecute</c:v>
                 </c:pt>
                 <c:pt idx="117">
-                  <c:v>com.brightroll.androidsdk.AdActivity$3.run</c:v>
+                  <c:v>com.brightroll.androidsdk.AsyncHttpRequest.doInBackground</c:v>
                 </c:pt>
                 <c:pt idx="118">
-                  <c:v>com.brightroll.androidsdk.AdActivity$4$1.run</c:v>
+                  <c:v>com.brightroll.androidsdk.AdIdTask.onPreExecute</c:v>
                 </c:pt>
                 <c:pt idx="119">
-                  <c:v>com.brightroll.androidsdk.AdActivity$4.run</c:v>
+                  <c:v>com.brightroll.androidsdk.AdIdTask.onPostExecute</c:v>
                 </c:pt>
                 <c:pt idx="120">
-                  <c:v>com.brightroll.androidsdk.AdActivity$5.run</c:v>
+                  <c:v>com.brightroll.androidsdk.AdIdTask.doInBackground</c:v>
                 </c:pt>
                 <c:pt idx="121">
                   <c:v>com.brightroll.androidsdk.AdActivity$6.run</c:v>
                 </c:pt>
                 <c:pt idx="122">
-                  <c:v>com.brightroll.androidsdk.AdActivity.onBackPressed</c:v>
+                  <c:v>com.brightroll.androidsdk.AdActivity$5.run</c:v>
                 </c:pt>
                 <c:pt idx="123">
-                  <c:v>com.brightroll.androidsdk.AdActivity.onCreate</c:v>
+                  <c:v>com.brightroll.androidsdk.AdActivity$4$1.run</c:v>
                 </c:pt>
                 <c:pt idx="124">
-                  <c:v>com.brightroll.androidsdk.AdActivity.onDestroy</c:v>
+                  <c:v>com.brightroll.androidsdk.AdActivity$4.run</c:v>
                 </c:pt>
                 <c:pt idx="125">
-                  <c:v>com.brightroll.androidsdk.AdActivity.onPause</c:v>
+                  <c:v>com.brightroll.androidsdk.AdActivity$3.run</c:v>
                 </c:pt>
                 <c:pt idx="126">
-                  <c:v>com.brightroll.androidsdk.AdActivity.onResume</c:v>
+                  <c:v>com.brightroll.androidsdk.AdActivity$1.onReceive</c:v>
                 </c:pt>
                 <c:pt idx="127">
                   <c:v>com.brightroll.androidsdk.AdActivity.onStart</c:v>
                 </c:pt>
                 <c:pt idx="128">
-                  <c:v>com.brightroll.androidsdk.AdIdTask.doInBackground</c:v>
+                  <c:v>com.brightroll.androidsdk.AdActivity.onResume</c:v>
                 </c:pt>
                 <c:pt idx="129">
-                  <c:v>com.brightroll.androidsdk.AdIdTask.onPostExecute</c:v>
+                  <c:v>com.brightroll.androidsdk.AdActivity.onPause</c:v>
                 </c:pt>
                 <c:pt idx="130">
-                  <c:v>com.brightroll.androidsdk.AdIdTask.onPreExecute</c:v>
+                  <c:v>com.brightroll.androidsdk.AdActivity.onDestroy</c:v>
                 </c:pt>
                 <c:pt idx="131">
-                  <c:v>com.brightroll.androidsdk.AsyncHttpRequest.doInBackground</c:v>
+                  <c:v>com.brightroll.androidsdk.AdActivity.onCreate</c:v>
                 </c:pt>
                 <c:pt idx="132">
-                  <c:v>com.brightroll.androidsdk.AsyncHttpRequest.onPostExecute</c:v>
+                  <c:v>com.brightroll.androidsdk.AdActivity.onBackPressed</c:v>
                 </c:pt>
                 <c:pt idx="133">
-                  <c:v>com.brightroll.androidsdk.AsyncHttpRequest.onPreExecute</c:v>
+                  <c:v>com.bluekai.sdk.SettingsActivity$2.onClick</c:v>
                 </c:pt>
                 <c:pt idx="134">
-                  <c:v>com.brightroll.androidsdk.AsyncHttpRequest.start</c:v>
+                  <c:v>com.bluekai.sdk.SettingsActivity$1.onClick</c:v>
                 </c:pt>
                 <c:pt idx="135">
-                  <c:v>com.chartboost.sdk.CBImpressionActivity.onBackPressed</c:v>
+                  <c:v>com.bluekai.sdk.SettingsActivity.onStart</c:v>
                 </c:pt>
                 <c:pt idx="136">
-                  <c:v>com.chartboost.sdk.CBImpressionActivity.onCreate</c:v>
+                  <c:v>com.bluekai.sdk.SettingsActivity.onResume</c:v>
                 </c:pt>
                 <c:pt idx="137">
-                  <c:v>com.chartboost.sdk.CBImpressionActivity.onDestroy</c:v>
+                  <c:v>com.bluekai.sdk.SettingsActivity.onPause</c:v>
                 </c:pt>
                 <c:pt idx="138">
-                  <c:v>com.chartboost.sdk.CBImpressionActivity.onPause</c:v>
+                  <c:v>com.bluekai.sdk.SettingsActivity.onDestroy</c:v>
                 </c:pt>
                 <c:pt idx="139">
-                  <c:v>com.chartboost.sdk.CBImpressionActivity.onResume</c:v>
+                  <c:v>com.bluekai.sdk.SettingsActivity.onCreate</c:v>
                 </c:pt>
                 <c:pt idx="140">
-                  <c:v>com.chartboost.sdk.CBImpressionActivity.onStart</c:v>
+                  <c:v>com.bluekai.sdk.e$1.onReceivedError</c:v>
                 </c:pt>
                 <c:pt idx="141">
-                  <c:v>com.chartboost.sdk.Chartboost$2.run</c:v>
+                  <c:v>com.bluekai.sdk.d$2.onClick</c:v>
                 </c:pt>
                 <c:pt idx="142">
-                  <c:v>com.chartboost.sdk.Chartboost$3.run</c:v>
+                  <c:v>com.bluekai.sdk.d$1.onReceivedError</c:v>
                 </c:pt>
                 <c:pt idx="143">
-                  <c:v>com.chartboost.sdk.Chartboost$CBAgeGateConfirmation.execute</c:v>
+                  <c:v>com.bluekai.sdk.d.onCreateDialog</c:v>
                 </c:pt>
                 <c:pt idx="144">
-                  <c:v>com.chartboost.sdk.Chartboost$a.run</c:v>
+                  <c:v>com.bluekai.sdk.c.onCreate</c:v>
                 </c:pt>
                 <c:pt idx="145">
-                  <c:v>com.chartboost.sdk.Chartboost.onBackPressed</c:v>
+                  <c:v>com.bluekai.sdk.a$a$1.run</c:v>
                 </c:pt>
                 <c:pt idx="146">
-                  <c:v>com.chartboost.sdk.Chartboost.onCreate</c:v>
+                  <c:v>com.bluekai.sdk.a$a.run</c:v>
                 </c:pt>
                 <c:pt idx="147">
-                  <c:v>com.chartboost.sdk.Chartboost.onDestroy</c:v>
+                  <c:v>com.applovin.impl.sdk.y.run</c:v>
                 </c:pt>
                 <c:pt idx="148">
-                  <c:v>com.chartboost.sdk.Chartboost.onStart</c:v>
+                  <c:v>com.applovin.impl.sdk.x.run</c:v>
                 </c:pt>
                 <c:pt idx="149">
-                  <c:v>com.chartboost.sdk.ChartboostActivity.onBackPressed</c:v>
+                  <c:v>com.applovin.impl.sdk.by.run</c:v>
                 </c:pt>
                 <c:pt idx="150">
-                  <c:v>com.chartboost.sdk.ChartboostActivity.onCreate</c:v>
+                  <c:v>com.applovin.impl.sdk.bt.run</c:v>
                 </c:pt>
                 <c:pt idx="151">
-                  <c:v>com.chartboost.sdk.ChartboostActivity.onDestroy</c:v>
+                  <c:v>com.applovin.impl.sdk.br.run</c:v>
                 </c:pt>
                 <c:pt idx="152">
-                  <c:v>com.chartboost.sdk.ChartboostActivity.onPause</c:v>
+                  <c:v>com.applovin.impl.sdk.bq.run</c:v>
                 </c:pt>
                 <c:pt idx="153">
-                  <c:v>com.chartboost.sdk.ChartboostActivity.onResume</c:v>
+                  <c:v>com.applovin.impl.sdk.bp.run</c:v>
                 </c:pt>
                 <c:pt idx="154">
-                  <c:v>com.chartboost.sdk.ChartboostActivity.onStart</c:v>
+                  <c:v>com.applovin.impl.sdk.bk.run</c:v>
                 </c:pt>
                 <c:pt idx="155">
-                  <c:v>com.chartboost.sdk.ChartboostNativeActivity.onBackPressed</c:v>
+                  <c:v>com.applovin.impl.sdk.bi.run</c:v>
                 </c:pt>
                 <c:pt idx="156">
-                  <c:v>com.chartboost.sdk.ChartboostNativeActivity.onCreate</c:v>
+                  <c:v>com.applovin.impl.sdk.bg.run</c:v>
                 </c:pt>
                 <c:pt idx="157">
-                  <c:v>com.chartboost.sdk.ChartboostNativeActivity.onDestroy</c:v>
+                  <c:v>com.applovin.impl.sdk.aq.onClick</c:v>
                 </c:pt>
                 <c:pt idx="158">
-                  <c:v>com.chartboost.sdk.ChartboostNativeActivity.onStart</c:v>
+                  <c:v>com.applovin.impl.sdk.ap.run</c:v>
                 </c:pt>
                 <c:pt idx="159">
-                  <c:v>com.chartboost.sdk.Libraries.c$1.run</c:v>
+                  <c:v>com.applovin.impl.sdk.ao.run</c:v>
                 </c:pt>
                 <c:pt idx="160">
-                  <c:v>com.chartboost.sdk.a$1.run</c:v>
+                  <c:v>com.applovin.impl.sdk.an.onClick</c:v>
                 </c:pt>
                 <c:pt idx="161">
-                  <c:v>com.chartboost.sdk.a$2.run</c:v>
+                  <c:v>com.applovin.impl.sdk.am.run</c:v>
                 </c:pt>
                 <c:pt idx="162">
-                  <c:v>com.chartboost.sdk.a$3.run</c:v>
+                  <c:v>com.applovin.impl.sdk.ak.run</c:v>
                 </c:pt>
                 <c:pt idx="163">
-                  <c:v>com.chartboost.sdk.a$4$1.run</c:v>
+                  <c:v>com.applovin.impl.sdk.ai.run</c:v>
                 </c:pt>
                 <c:pt idx="164">
-                  <c:v>com.chartboost.sdk.a$4.execute</c:v>
+                  <c:v>com.applovin.impl.sdk.ah.run</c:v>
                 </c:pt>
                 <c:pt idx="165">
-                  <c:v>com.chartboost.sdk.b$2$1$1.run</c:v>
+                  <c:v>com.applovin.impl.sdk.ag.run</c:v>
                 </c:pt>
                 <c:pt idx="166">
-                  <c:v>com.chartboost.sdk.b$2.run</c:v>
+                  <c:v>com.applovin.impl.sdk.af.run</c:v>
                 </c:pt>
                 <c:pt idx="167">
-                  <c:v>com.chartboost.sdk.c$b$1.onTouch</c:v>
+                  <c:v>com.applovin.impl.sdk.ae.run</c:v>
                 </c:pt>
                 <c:pt idx="168">
-                  <c:v>com.chartboost.sdk.impl.a$a$1.onClick</c:v>
+                  <c:v>com.applovin.impl.sdk.ad.run</c:v>
                 </c:pt>
                 <c:pt idx="169">
-                  <c:v>com.chartboost.sdk.impl.a$a$2.onClick</c:v>
+                  <c:v>com.applovin.impl.sdk.ac.run</c:v>
                 </c:pt>
                 <c:pt idx="170">
-                  <c:v>com.chartboost.sdk.impl.g$a$1.onClick</c:v>
+                  <c:v>com.applovin.impl.sdk.ab.run</c:v>
                 </c:pt>
                 <c:pt idx="171">
-                  <c:v>com.chartboost.sdk.impl.g$a$2.run</c:v>
+                  <c:v>com.applovin.impl.sdk.aa.run</c:v>
                 </c:pt>
                 <c:pt idx="172">
-                  <c:v>com.chartboost.sdk.impl.g$a$a$1.onClick</c:v>
+                  <c:v>com.applovin.impl.adview.z.run</c:v>
                 </c:pt>
                 <c:pt idx="173">
-                  <c:v>com.chartboost.sdk.impl.i$d$1.run</c:v>
+                  <c:v>com.applovin.impl.adview.v.onCreate</c:v>
                 </c:pt>
                 <c:pt idx="174">
-                  <c:v>com.chartboost.sdk.impl.m$1$1.run</c:v>
+                  <c:v>com.applovin.impl.adview.q.onLongClick</c:v>
                 </c:pt>
                 <c:pt idx="175">
-                  <c:v>com.chartboost.sdk.impl.m$1.run</c:v>
+                  <c:v>com.applovin.impl.adview.p.onTouch</c:v>
                 </c:pt>
                 <c:pt idx="176">
-                  <c:v>com.chartboost.sdk.impl.n$a$1.run</c:v>
+                  <c:v>com.applovin.impl.adview.o.onFocusChanged</c:v>
                 </c:pt>
                 <c:pt idx="177">
-                  <c:v>com.chartboost.sdk.impl.n$a.run</c:v>
+                  <c:v>com.applovin.impl.adview.k.run</c:v>
                 </c:pt>
                 <c:pt idx="178">
-                  <c:v>com.chartboost.sdk.impl.o$2.run</c:v>
+                  <c:v>com.applovin.impl.adview.j.run</c:v>
                 </c:pt>
                 <c:pt idx="179">
-                  <c:v>com.chartboost.sdk.impl.r$1.onTouch</c:v>
+                  <c:v>com.applovin.impl.adview.i.run</c:v>
                 </c:pt>
                 <c:pt idx="180">
-                  <c:v>com.chartboost.sdk.impl.t$2.onTouch</c:v>
+                  <c:v>com.applovin.impl.adview.h.run</c:v>
                 </c:pt>
                 <c:pt idx="181">
-                  <c:v>com.chartboost.sdk.impl.t.onTouchEvent</c:v>
+                  <c:v>com.applovin.impl.adview.g.run</c:v>
                 </c:pt>
                 <c:pt idx="182">
-                  <c:v>com.chartboost.sdk.impl.v$1.run</c:v>
+                  <c:v>com.applovin.impl.adview.f.run</c:v>
                 </c:pt>
                 <c:pt idx="183">
-                  <c:v>com.chartboost.sdk.impl.w$b.onKeyDown</c:v>
+                  <c:v>com.applovin.impl.adview.b.run</c:v>
                 </c:pt>
                 <c:pt idx="184">
-                  <c:v>com.chartboost.sdk.impl.w$c.onReceivedError</c:v>
+                  <c:v>com.applovin.impl.adview.AppLovinVideoView.start</c:v>
                 </c:pt>
                 <c:pt idx="185">
-                  <c:v>com.crashlytics.android.Crashlytics.start</c:v>
+                  <c:v>com.applovin.impl.adview.AppLovinVideoView.setVideoURI</c:v>
                 </c:pt>
                 <c:pt idx="186">
-                  <c:v>com.crashlytics.android.E.run</c:v>
+                  <c:v>com.applovin.impl.adview.ai.run</c:v>
                 </c:pt>
                 <c:pt idx="187">
-                  <c:v>com.crashlytics.android.G.run</c:v>
+                  <c:v>com.applovin.impl.adview.ah.run</c:v>
                 </c:pt>
                 <c:pt idx="188">
-                  <c:v>com.crashlytics.android.L.onReceive</c:v>
+                  <c:v>com.applovin.impl.adview.ag.run</c:v>
                 </c:pt>
                 <c:pt idx="189">
-                  <c:v>com.crashlytics.android.M.onReceive</c:v>
+                  <c:v>com.applovin.impl.adview.af.run</c:v>
                 </c:pt>
                 <c:pt idx="190">
-                  <c:v>com.crashlytics.android.P.run</c:v>
+                  <c:v>com.applovin.impl.adview.ac.run</c:v>
                 </c:pt>
                 <c:pt idx="191">
-                  <c:v>com.crashlytics.android.internal.C.run</c:v>
+                  <c:v>com.applovin.impl.adview.ab.onClick</c:v>
                 </c:pt>
                 <c:pt idx="192">
-                  <c:v>com.crashlytics.android.internal.P.run</c:v>
+                  <c:v>com.applovin.impl.adview.aa.onClick</c:v>
                 </c:pt>
                 <c:pt idx="193">
-                  <c:v>com.crashlytics.android.internal.Q.run</c:v>
+                  <c:v>com.applovin.impl.adview.a.run</c:v>
                 </c:pt>
                 <c:pt idx="194">
-                  <c:v>com.crashlytics.android.internal.R.run</c:v>
+                  <c:v>com.applovin.adview.p.run</c:v>
                 </c:pt>
                 <c:pt idx="195">
-                  <c:v>com.crashlytics.android.internal.S.run</c:v>
+                  <c:v>com.applovin.adview.o.run</c:v>
                 </c:pt>
                 <c:pt idx="196">
-                  <c:v>com.crashlytics.android.internal.T.run</c:v>
+                  <c:v>com.applovin.adview.m.run</c:v>
                 </c:pt>
                 <c:pt idx="197">
-                  <c:v>com.crashlytics.android.internal.Y.run</c:v>
+                  <c:v>com.applovin.adview.l.run</c:v>
                 </c:pt>
                 <c:pt idx="198">
-                  <c:v>com.crashlytics.android.internal.aB.a</c:v>
+                  <c:v>com.applovin.adview.k.onClick</c:v>
                 </c:pt>
                 <c:pt idx="199">
-                  <c:v>com.crashlytics.android.internal.aa.run</c:v>
+                  <c:v>com.applovin.adview.j.onClick</c:v>
                 </c:pt>
                 <c:pt idx="200">
-                  <c:v>com.crashlytics.android.j.onPreExecute</c:v>
+                  <c:v>com.applovin.adview.i.run</c:v>
                 </c:pt>
                 <c:pt idx="201">
-                  <c:v>com.crashlytics.android.p.run</c:v>
+                  <c:v>com.applovin.adview.d.run</c:v>
                 </c:pt>
                 <c:pt idx="202">
-                  <c:v>com.crashlytics.android.q.onClick</c:v>
+                  <c:v>com.applovin.adview.AppLovinInterstitialActivity.onStart</c:v>
                 </c:pt>
                 <c:pt idx="203">
-                  <c:v>com.crashlytics.android.r.onClick</c:v>
+                  <c:v>com.applovin.adview.AppLovinInterstitialActivity.onResume</c:v>
                 </c:pt>
                 <c:pt idx="204">
-                  <c:v>com.crashlytics.android.s.onClick</c:v>
+                  <c:v>com.applovin.adview.AppLovinInterstitialActivity.onPause</c:v>
                 </c:pt>
                 <c:pt idx="205">
-                  <c:v>com.electrotank.electroserver5.client.connection.EsEngine$1.run</c:v>
+                  <c:v>com.applovin.adview.AppLovinInterstitialActivity.onDestroy</c:v>
                 </c:pt>
                 <c:pt idx="206">
-                  <c:v>com.electrotank.electroserver5.client.connection.EsEngine$2.run</c:v>
+                  <c:v>com.applovin.adview.AppLovinInterstitialActivity.onCreate</c:v>
                 </c:pt>
                 <c:pt idx="207">
-                  <c:v>com.electrotank.electroserver5.client.connection.SocketConnection.run</c:v>
+                  <c:v>com.applovin.adview.AppLovinInterstitialActivity.onBackPressed</c:v>
                 </c:pt>
                 <c:pt idx="208">
-                  <c:v>com.electrotank.electroserver5.client.connection.UdpConnection.run</c:v>
+                  <c:v>com.applovin.adview.AppLovinConfirmationActivity.onStart</c:v>
                 </c:pt>
                 <c:pt idx="209">
-                  <c:v>com.facebook.ads.AdView$ScreenStateReceiver.onReceive</c:v>
+                  <c:v>com.applovin.adview.AppLovinConfirmationActivity.onResume</c:v>
                 </c:pt>
                 <c:pt idx="210">
-                  <c:v>com.facebook.ads.InterstitialAd$AdInterstitialBroadcastReceiver.onReceive</c:v>
+                  <c:v>com.applovin.adview.AppLovinConfirmationActivity.onPause</c:v>
                 </c:pt>
                 <c:pt idx="211">
-                  <c:v>com.facebook.ads.InterstitialAdActivity.onCreate</c:v>
+                  <c:v>com.applovin.adview.AppLovinConfirmationActivity.onDestroy</c:v>
                 </c:pt>
                 <c:pt idx="212">
-                  <c:v>com.facebook.ads.InterstitialAdActivity.onDestroy</c:v>
+                  <c:v>com.applovin.adview.AppLovinConfirmationActivity.onCreate</c:v>
                 </c:pt>
                 <c:pt idx="213">
-                  <c:v>com.facebook.ads.InterstitialAdActivity.onPause</c:v>
+                  <c:v>com.applovin.adview.a.onClick</c:v>
                 </c:pt>
                 <c:pt idx="214">
-                  <c:v>com.facebook.ads.InterstitialAdActivity.onResume</c:v>
+                  <c:v>android.widget.VideoView.stopPlayback</c:v>
                 </c:pt>
                 <c:pt idx="215">
-                  <c:v>com.facebook.ads.InterstitialAdActivity.onStart</c:v>
+                  <c:v>android.widget.VideoView.start</c:v>
                 </c:pt>
                 <c:pt idx="216">
-                  <c:v>com.facebook.ads.NativeAd$EventHandler.onClick</c:v>
+                  <c:v>android.widget.VideoView.setVideoURI</c:v>
                 </c:pt>
                 <c:pt idx="217">
-                  <c:v>com.facebook.ads.NativeAd$EventHandler.onTouch</c:v>
+                  <c:v>android.widget.VideoView.setVideoPath</c:v>
                 </c:pt>
                 <c:pt idx="218">
-                  <c:v>com.facebook.ads.VideoAdActivity$10.onTouch</c:v>
+                  <c:v>android.widget.VideoView.pause</c:v>
                 </c:pt>
                 <c:pt idx="219">
-                  <c:v>com.facebook.ads.VideoAdActivity$11.run</c:v>
+                  <c:v>android.widget.CheckBox.isChecked</c:v>
                 </c:pt>
                 <c:pt idx="220">
-                  <c:v>com.facebook.ads.VideoAdActivity$2.onTouch</c:v>
+                  <c:v>android.webkit.WebView.&lt;init&gt;</c:v>
                 </c:pt>
                 <c:pt idx="221">
-                  <c:v>com.facebook.ads.VideoAdActivity$3.onClick</c:v>
+                  <c:v>android.view.ViewPropertyAnimator.start</c:v>
                 </c:pt>
                 <c:pt idx="222">
-                  <c:v>com.facebook.ads.VideoAdActivity$4.onClick</c:v>
+                  <c:v>android.telephony.TelephonyManager.getLine1Number</c:v>
                 </c:pt>
                 <c:pt idx="223">
-                  <c:v>com.facebook.ads.VideoAdActivity$5.onClick</c:v>
+                  <c:v>android.telephony.TelephonyManager.getDeviceId</c:v>
                 </c:pt>
                 <c:pt idx="224">
-                  <c:v>com.facebook.ads.VideoAdActivity$6.onClick</c:v>
+                  <c:v>android.preference.CheckBoxPreference.isChecked</c:v>
                 </c:pt>
                 <c:pt idx="225">
-                  <c:v>com.facebook.ads.VideoAdActivity$7.onTouch</c:v>
+                  <c:v>android.os.Vibrator.vibrate</c:v>
                 </c:pt>
                 <c:pt idx="226">
-                  <c:v>com.facebook.ads.VideoAdActivity.onCreate</c:v>
+                  <c:v>android.os.HandlerThread.start</c:v>
                 </c:pt>
                 <c:pt idx="227">
-                  <c:v>com.facebook.ads.VideoAdActivity.onDestroy</c:v>
+                  <c:v>android.net.wifi.WifiManager.getConnectionInfo</c:v>
                 </c:pt>
                 <c:pt idx="228">
-                  <c:v>com.facebook.ads.VideoAdActivity.onPause</c:v>
+                  <c:v>android.net.ConnectivityManager.getActiveNetworkInfo</c:v>
                 </c:pt>
                 <c:pt idx="229">
-                  <c:v>com.facebook.ads.VideoAdActivity.onResume</c:v>
+                  <c:v>android.media.MediaScannerConnection.scanFile</c:v>
                 </c:pt>
                 <c:pt idx="230">
-                  <c:v>com.facebook.ads.VideoAdActivity.onStart</c:v>
+                  <c:v>android.media.MediaPlayer.stop</c:v>
                 </c:pt>
                 <c:pt idx="231">
-                  <c:v>com.facebook.ads.internal.AdHandler$1.run</c:v>
+                  <c:v>android.media.MediaPlayer.start</c:v>
                 </c:pt>
                 <c:pt idx="232">
-                  <c:v>com.facebook.ads.internal.AdRequest$1.doInBackground</c:v>
+                  <c:v>android.media.MediaPlayer.release</c:v>
                 </c:pt>
                 <c:pt idx="233">
-                  <c:v>com.facebook.ads.internal.AdRequest$1.onPostExecute</c:v>
+                  <c:v>android.location.LocationManager.requestLocationUpdates</c:v>
                 </c:pt>
                 <c:pt idx="234">
-                  <c:v>com.facebook.ads.internal.AdRequest$1.onPreExecute</c:v>
+                  <c:v>android.location.LocationManager.isProviderEnabled</c:v>
                 </c:pt>
                 <c:pt idx="235">
-                  <c:v>com.facebook.ads.internal.AdRequest.executeAsync</c:v>
+                  <c:v>android.location.LocationManager.getLastKnownLocation</c:v>
                 </c:pt>
                 <c:pt idx="236">
-                  <c:v>com.facebook.ads.internal.AdRequest.executeConnectionAndWait</c:v>
+                  <c:v>android.location.LocationManager.getBestProvider</c:v>
                 </c:pt>
                 <c:pt idx="237">
-                  <c:v>com.facebook.ads.internal.AdRequestController$1.run</c:v>
+                  <c:v>android.hardware.Camera.open</c:v>
                 </c:pt>
                 <c:pt idx="238">
-                  <c:v>com.facebook.ads.internal.AdRequestController$ScreenStateReceiver.onReceive</c:v>
+                  <c:v>android.content.Intent.setDataAndType</c:v>
                 </c:pt>
                 <c:pt idx="239">
-                  <c:v>com.facebook.ads.internal.DownloadImageTask.doInBackground</c:v>
+                  <c:v>android.content.Intent.setData</c:v>
                 </c:pt>
                 <c:pt idx="240">
-                  <c:v>com.facebook.ads.internal.DownloadImageTask.onPostExecute</c:v>
+                  <c:v>android.content.Intent.&lt;init&gt;</c:v>
                 </c:pt>
                 <c:pt idx="241">
-                  <c:v>com.facebook.ads.internal.DownloadImageTask.onPreExecute</c:v>
+                  <c:v>android.content.Context.startService</c:v>
                 </c:pt>
                 <c:pt idx="242">
-                  <c:v>com.facebook.ads.internal.OpenUrlTask.doInBackground</c:v>
+                  <c:v>android.content.Context.sendBroadcast</c:v>
                 </c:pt>
                 <c:pt idx="243">
-                  <c:v>com.facebook.ads.internal.OpenUrlTask.onPreExecute</c:v>
+                  <c:v>android.content.ContentResolver.registerContentObserver</c:v>
                 </c:pt>
                 <c:pt idx="244">
-                  <c:v>com.facebook.ads.internal.action.AdAction.execute</c:v>
+                  <c:v>android.content.ContentResolver.query</c:v>
                 </c:pt>
                 <c:pt idx="245">
-                  <c:v>com.facebook.ads.internal.action.AppAdAction.execute</c:v>
+                  <c:v>android.content.ContentResolver.openInputStream</c:v>
                 </c:pt>
                 <c:pt idx="246">
-                  <c:v>com.facebook.ads.internal.action.AppAdAction.logAdClick</c:v>
+                  <c:v>android.bluetooth.BluetoothAdapter.getAddress</c:v>
                 </c:pt>
                 <c:pt idx="247">
-                  <c:v>com.facebook.ads.internal.action.LinkAdAction.execute</c:v>
+                  <c:v>android.animation.ObjectAnimator.start</c:v>
                 </c:pt>
                 <c:pt idx="248">
-                  <c:v>com.facebook.ads.internal.action.LinkAdAction.logAdClick</c:v>
-                </c:pt>
-                <c:pt idx="249">
-                  <c:v>com.facebook.ads.internal.action.VideoAppAdAction.execute</c:v>
-                </c:pt>
-                <c:pt idx="250">
-                  <c:v>com.facebook.ads.internal.action.VideoAppAdAction.logAdClick</c:v>
-                </c:pt>
-                <c:pt idx="251">
-                  <c:v>com.flurry.sdk.da$1$1.run</c:v>
-                </c:pt>
-                <c:pt idx="252">
-                  <c:v>com.flurry.sdk.dj$a.run</c:v>
-                </c:pt>
-                <c:pt idx="253">
-                  <c:v>com.flurry.sdk.ek$2.run</c:v>
-                </c:pt>
-                <c:pt idx="254">
-                  <c:v>com.flurry.sdk.es.onReceive</c:v>
-                </c:pt>
-                <c:pt idx="255">
-                  <c:v>com.flurry.sdk.fc.run</c:v>
-                </c:pt>
-                <c:pt idx="256">
-                  <c:v>com.greystripe.sdk.GSFullscreenActivity$1.run</c:v>
-                </c:pt>
-                <c:pt idx="257">
-                  <c:v>com.greystripe.sdk.GSFullscreenActivity$2.run</c:v>
-                </c:pt>
-                <c:pt idx="258">
-                  <c:v>com.greystripe.sdk.GSFullscreenActivity.onBackPressed</c:v>
-                </c:pt>
-                <c:pt idx="259">
-                  <c:v>com.greystripe.sdk.GSFullscreenActivity.onCreate</c:v>
-                </c:pt>
-                <c:pt idx="260">
-                  <c:v>com.greystripe.sdk.GSFullscreenActivity.onDestroy</c:v>
-                </c:pt>
-                <c:pt idx="261">
-                  <c:v>com.greystripe.sdk.GSFullscreenActivity.onPause</c:v>
-                </c:pt>
-                <c:pt idx="262">
-                  <c:v>com.greystripe.sdk.GSFullscreenActivity.onResume</c:v>
-                </c:pt>
-                <c:pt idx="263">
-                  <c:v>com.greystripe.sdk.GSFullscreenActivity.onStart</c:v>
-                </c:pt>
-                <c:pt idx="264">
-                  <c:v>com.greystripe.sdk.GSFullscreenAd.onClickthroughFailure</c:v>
-                </c:pt>
-                <c:pt idx="265">
-                  <c:v>com.greystripe.sdk.GSFullscreenAd.onStartThrottlingFetches</c:v>
-                </c:pt>
-                <c:pt idx="266">
-                  <c:v>com.greystripe.sdk.core.AdModel$1.run</c:v>
-                </c:pt>
-                <c:pt idx="267">
-                  <c:v>com.greystripe.sdk.core.AdModel$10.run</c:v>
-                </c:pt>
-                <c:pt idx="268">
-                  <c:v>com.greystripe.sdk.core.AdModel$2.run</c:v>
-                </c:pt>
-                <c:pt idx="269">
-                  <c:v>com.greystripe.sdk.core.AdModel$3.run</c:v>
-                </c:pt>
-                <c:pt idx="270">
-                  <c:v>com.greystripe.sdk.core.AdModel$4.run</c:v>
-                </c:pt>
-                <c:pt idx="271">
-                  <c:v>com.greystripe.sdk.core.AdModel$5.run</c:v>
-                </c:pt>
-                <c:pt idx="272">
-                  <c:v>com.greystripe.sdk.core.AdModel$6.run</c:v>
-                </c:pt>
-                <c:pt idx="273">
-                  <c:v>com.greystripe.sdk.core.AdModel$7.run</c:v>
-                </c:pt>
-                <c:pt idx="274">
-                  <c:v>com.greystripe.sdk.core.AdModel$8.run</c:v>
-                </c:pt>
-                <c:pt idx="275">
-                  <c:v>com.greystripe.sdk.core.AdModel$9.run</c:v>
-                </c:pt>
-                <c:pt idx="276">
-                  <c:v>com.greystripe.sdk.core.AdModel$AdStateListener$1.run</c:v>
-                </c:pt>
-                <c:pt idx="277">
-                  <c:v>com.greystripe.sdk.core.AdModel$AdStateListener$2.run</c:v>
-                </c:pt>
-                <c:pt idx="278">
-                  <c:v>com.greystripe.sdk.core.AdModel$AdStateListener.onClickthrough</c:v>
-                </c:pt>
-                <c:pt idx="279">
-                  <c:v>com.greystripe.sdk.core.AdModel$RetrieveGooglePlayServiceTask.doInBackground</c:v>
-                </c:pt>
-                <c:pt idx="280">
-                  <c:v>com.greystripe.sdk.core.AdModel$RetrieveGooglePlayServiceTask.onPostExecute</c:v>
-                </c:pt>
-                <c:pt idx="281">
-                  <c:v>com.greystripe.sdk.core.AdModel$RetrieveGooglePlayServiceTask.onPreExecute</c:v>
-                </c:pt>
-                <c:pt idx="282">
-                  <c:v>com.greystripe.sdk.core.AdModel.onClickthroughFailure</c:v>
-                </c:pt>
-                <c:pt idx="283">
-                  <c:v>com.greystripe.sdk.core.AdModel.onStartThrottlingFetches</c:v>
-                </c:pt>
-                <c:pt idx="284">
-                  <c:v>com.greystripe.sdk.core.AdWebView$1.run</c:v>
-                </c:pt>
-                <c:pt idx="285">
-                  <c:v>com.greystripe.sdk.core.AdWebView$2.run</c:v>
-                </c:pt>
-                <c:pt idx="286">
-                  <c:v>com.greystripe.sdk.core.AdWebView$3$1.run</c:v>
-                </c:pt>
-                <c:pt idx="287">
-                  <c:v>com.greystripe.sdk.core.AdWebView$3.run</c:v>
-                </c:pt>
-                <c:pt idx="288">
-                  <c:v>com.greystripe.sdk.core.AdWebView$AdWebViewClient.onReceivedError</c:v>
-                </c:pt>
-                <c:pt idx="289">
-                  <c:v>com.greystripe.sdk.core.BannerView$BannerAdListener$1.run</c:v>
-                </c:pt>
-                <c:pt idx="290">
-                  <c:v>com.greystripe.sdk.core.LeaderboardAd.onClickthroughFailure</c:v>
-                </c:pt>
-                <c:pt idx="291">
-                  <c:v>com.greystripe.sdk.core.LeaderboardAd.onStartThrottlingFetches</c:v>
-                </c:pt>
-                <c:pt idx="292">
-                  <c:v>com.greystripe.sdk.core.MediumRectangleAd.onClickthroughFailure</c:v>
-                </c:pt>
-                <c:pt idx="293">
-                  <c:v>com.greystripe.sdk.core.MediumRectangleAd.onStartThrottlingFetches</c:v>
-                </c:pt>
-                <c:pt idx="294">
-                  <c:v>com.greystripe.sdk.core.MobileBannerAd.onClickthroughFailure</c:v>
-                </c:pt>
-                <c:pt idx="295">
-                  <c:v>com.greystripe.sdk.core.MobileBannerAd.onStartThrottlingFetches</c:v>
-                </c:pt>
-                <c:pt idx="296">
-                  <c:v>com.greystripe.sdk.core.jsinterface.MraidCommandInterface$1.run</c:v>
-                </c:pt>
-                <c:pt idx="297">
-                  <c:v>com.greystripe.sdk.core.jsinterface.MraidCommandInterface$2$1.onClick</c:v>
-                </c:pt>
-                <c:pt idx="298">
-                  <c:v>com.greystripe.sdk.core.jsinterface.MraidCommandInterface$2$2.onClick</c:v>
-                </c:pt>
-                <c:pt idx="299">
-                  <c:v>com.greystripe.sdk.core.jsinterface.MraidCommandInterface$2.run</c:v>
-                </c:pt>
-                <c:pt idx="300">
-                  <c:v>com.greystripe.sdk.core.jsinterface.MraidCommandInterface$3.run</c:v>
-                </c:pt>
-                <c:pt idx="301">
-                  <c:v>com.greystripe.sdk.core.jsinterface.MraidCommandInterface$4.run</c:v>
-                </c:pt>
-                <c:pt idx="302">
-                  <c:v>com.greystripe.sdk.core.jsinterface.MraidCommandInterface$5.run</c:v>
-                </c:pt>
-                <c:pt idx="303">
-                  <c:v>com.greystripe.sdk.core.jsinterface.MraidCommandInterface$6.run</c:v>
-                </c:pt>
-                <c:pt idx="304">
-                  <c:v>com.greystripe.sdk.core.jsinterface.MraidCommandInterface$7.run</c:v>
-                </c:pt>
-                <c:pt idx="305">
-                  <c:v>com.greystripe.sdk.core.jsinterface.MraidCommandInterface$8.run</c:v>
-                </c:pt>
-                <c:pt idx="306">
-                  <c:v>com.greystripe.sdk.core.video.AdVideoController.onPause</c:v>
-                </c:pt>
-                <c:pt idx="307">
-                  <c:v>com.greystripe.sdk.core.video.AdVideoController.onTouchCancel</c:v>
-                </c:pt>
-                <c:pt idx="308">
-                  <c:v>com.greystripe.sdk.core.video.AdVideoController.onTouchEnd</c:v>
-                </c:pt>
-                <c:pt idx="309">
-                  <c:v>com.greystripe.sdk.core.video.AdVideoController.onTouchMove</c:v>
-                </c:pt>
-                <c:pt idx="310">
-                  <c:v>com.greystripe.sdk.core.video.AdVideoController.onTouchStart</c:v>
-                </c:pt>
-                <c:pt idx="311">
-                  <c:v>com.greystripe.sdk.core.video.AdVideoController.start</c:v>
-                </c:pt>
-                <c:pt idx="312">
-                  <c:v>com.greystripe.sdk.core.video.AdVideoListener.onPause</c:v>
-                </c:pt>
-                <c:pt idx="313">
-                  <c:v>com.greystripe.sdk.core.video.AdVideoListener.onTouchCancel</c:v>
-                </c:pt>
-                <c:pt idx="314">
-                  <c:v>com.greystripe.sdk.core.video.AdVideoListener.onTouchEnd</c:v>
-                </c:pt>
-                <c:pt idx="315">
-                  <c:v>com.greystripe.sdk.core.video.AdVideoListener.onTouchMove</c:v>
-                </c:pt>
-                <c:pt idx="316">
-                  <c:v>com.greystripe.sdk.core.video.AdVideoListener.onTouchStart</c:v>
-                </c:pt>
-                <c:pt idx="317">
-                  <c:v>com.greystripe.sdk.core.video.AdVideoView.onTouchEvent</c:v>
-                </c:pt>
-                <c:pt idx="318">
-                  <c:v>com.greystripe.sdk.core.video.AdVideoView.setVideoURI</c:v>
-                </c:pt>
-                <c:pt idx="319">
-                  <c:v>com.greystripe.sdk.core.video.AdVideoView.start</c:v>
-                </c:pt>
-                <c:pt idx="320">
-                  <c:v>com.greystripe.sdk.core.video.BannerAdVideoController$1.run</c:v>
-                </c:pt>
-                <c:pt idx="321">
-                  <c:v>com.greystripe.sdk.core.video.BannerAdVideoController$2.run</c:v>
-                </c:pt>
-                <c:pt idx="322">
-                  <c:v>com.greystripe.sdk.core.video.FullscreenAdVideoController$1.onClick</c:v>
-                </c:pt>
-                <c:pt idx="323">
-                  <c:v>com.greystripe.sdk.core.video.FullscreenAdVideoController$2.run</c:v>
-                </c:pt>
-                <c:pt idx="324">
-                  <c:v>com.greystripe.sdk.core.video.FullscreenAdVideoController$3.run</c:v>
-                </c:pt>
-                <c:pt idx="325">
-                  <c:v>com.greystripe.sdk.core.video.FullscreenAdVideoController$4.run</c:v>
-                </c:pt>
-                <c:pt idx="326">
-                  <c:v>com.greystripe.sdk.utils.ImageDownloader$Task.run</c:v>
-                </c:pt>
-                <c:pt idx="327">
-                  <c:v>com.greystripe.sdk.utils.ImageDownloader.execute</c:v>
-                </c:pt>
-                <c:pt idx="328">
-                  <c:v>com.mobilityware.ElectroClient.MWEsServer$1.run</c:v>
-                </c:pt>
-                <c:pt idx="329">
-                  <c:v>com.mobilityware.ElectroClient.MWEsServer$3.run</c:v>
-                </c:pt>
-                <c:pt idx="330">
-                  <c:v>com.mobilityware.ElectroClient.MWEsServer$4.run</c:v>
-                </c:pt>
-                <c:pt idx="331">
-                  <c:v>com.mobilityware.ElectroClient.MWEsServer$5.run</c:v>
-                </c:pt>
-                <c:pt idx="332">
-                  <c:v>com.mobilityware.ElectroClient.MWEsServer$6.run</c:v>
-                </c:pt>
-                <c:pt idx="333">
-                  <c:v>com.mobilityware.ElectroClient.MWEsServer$7.run</c:v>
-                </c:pt>
-                <c:pt idx="334">
-                  <c:v>com.mobilityware.ElectroClient.MWEsServer$8.run</c:v>
-                </c:pt>
-                <c:pt idx="335">
-                  <c:v>com.mobilityware.ElectroClient.MWEsServer$9.run</c:v>
-                </c:pt>
-                <c:pt idx="336">
-                  <c:v>com.mobilityware.advertising.AdControl$1.run</c:v>
-                </c:pt>
-                <c:pt idx="337">
-                  <c:v>com.mobilityware.advertising.AdControl$10$1.run</c:v>
-                </c:pt>
-                <c:pt idx="338">
-                  <c:v>com.mobilityware.advertising.AdControl$11.run</c:v>
-                </c:pt>
-                <c:pt idx="339">
-                  <c:v>com.mobilityware.advertising.AdControl$12.run</c:v>
-                </c:pt>
-                <c:pt idx="340">
-                  <c:v>com.mobilityware.advertising.AdControl$3.run</c:v>
-                </c:pt>
-                <c:pt idx="341">
-                  <c:v>com.mobilityware.advertising.AdControl$4.run</c:v>
-                </c:pt>
-                <c:pt idx="342">
-                  <c:v>com.mobilityware.advertising.AdControl$5.run</c:v>
-                </c:pt>
-                <c:pt idx="343">
-                  <c:v>com.mobilityware.advertising.AdControl$6.run</c:v>
-                </c:pt>
-                <c:pt idx="344">
-                  <c:v>com.mobilityware.advertising.AdControl$7.run</c:v>
-                </c:pt>
-                <c:pt idx="345">
-                  <c:v>com.mobilityware.advertising.AdControl$8.run</c:v>
-                </c:pt>
-                <c:pt idx="346">
-                  <c:v>com.mobilityware.advertising.AdControl.onBackPressed</c:v>
-                </c:pt>
-                <c:pt idx="347">
-                  <c:v>com.mobilityware.advertising.AdControl.onStart</c:v>
-                </c:pt>
-                <c:pt idx="348">
-                  <c:v>com.mobilityware.advertising.AdParams.onResume</c:v>
-                </c:pt>
-                <c:pt idx="349">
-                  <c:v>com.mobilityware.advertising.AdParams.start</c:v>
-                </c:pt>
-                <c:pt idx="350">
-                  <c:v>com.mobilityware.solitaire.AliasConfig$1.run</c:v>
-                </c:pt>
-                <c:pt idx="351">
-                  <c:v>com.mobilityware.solitaire.AliasConfig$2.run</c:v>
-                </c:pt>
-                <c:pt idx="352">
-                  <c:v>com.mobilityware.solitaire.AliasConfig$3.onClick</c:v>
-                </c:pt>
-                <c:pt idx="353">
-                  <c:v>com.mobilityware.solitaire.AliasConfig.onCreate</c:v>
-                </c:pt>
-                <c:pt idx="354">
-                  <c:v>com.mobilityware.solitaire.AliasConfig.onDestroy</c:v>
-                </c:pt>
-                <c:pt idx="355">
-                  <c:v>com.mobilityware.solitaire.AliasConfig.onPause</c:v>
-                </c:pt>
-                <c:pt idx="356">
-                  <c:v>com.mobilityware.solitaire.AliasConfig.onResume</c:v>
-                </c:pt>
-                <c:pt idx="357">
-                  <c:v>com.mobilityware.solitaire.AliasConfig.onStart</c:v>
-                </c:pt>
-                <c:pt idx="358">
-                  <c:v>com.mobilityware.solitaire.AnimationManager$1.run</c:v>
-                </c:pt>
-                <c:pt idx="359">
-                  <c:v>com.mobilityware.solitaire.AppRater$1.onClick</c:v>
-                </c:pt>
-                <c:pt idx="360">
-                  <c:v>com.mobilityware.solitaire.AppRater$2.onClick</c:v>
-                </c:pt>
-                <c:pt idx="361">
-                  <c:v>com.mobilityware.solitaire.AppRater$3.onClick</c:v>
-                </c:pt>
-                <c:pt idx="362">
-                  <c:v>com.mobilityware.solitaire.Congratulations$1.run</c:v>
-                </c:pt>
-                <c:pt idx="363">
-                  <c:v>com.mobilityware.solitaire.Congratulations$3.onCheckedChanged</c:v>
-                </c:pt>
-                <c:pt idx="364">
-                  <c:v>com.mobilityware.solitaire.GameDB$DatabaseHelper.onCreate</c:v>
-                </c:pt>
-                <c:pt idx="365">
-                  <c:v>com.mobilityware.solitaire.GooglePlay$1.onClick</c:v>
-                </c:pt>
-                <c:pt idx="366">
-                  <c:v>com.mobilityware.solitaire.GooglePlay$2.onClick</c:v>
-                </c:pt>
-                <c:pt idx="367">
-                  <c:v>com.mobilityware.solitaire.GooglePlay$3.onClick</c:v>
-                </c:pt>
-                <c:pt idx="368">
-                  <c:v>com.mobilityware.solitaire.GooglePlay$4.onClick</c:v>
-                </c:pt>
-                <c:pt idx="369">
-                  <c:v>com.mobilityware.solitaire.MWProgressBar$1.run</c:v>
-                </c:pt>
-                <c:pt idx="370">
-                  <c:v>com.mobilityware.solitaire.MWView$1.run</c:v>
-                </c:pt>
-                <c:pt idx="371">
-                  <c:v>com.mobilityware.solitaire.MWView$10.onClick</c:v>
-                </c:pt>
-                <c:pt idx="372">
-                  <c:v>com.mobilityware.solitaire.MWView$11.onClick</c:v>
-                </c:pt>
-                <c:pt idx="373">
-                  <c:v>com.mobilityware.solitaire.MWView$12.onClick</c:v>
-                </c:pt>
-                <c:pt idx="374">
-                  <c:v>com.mobilityware.solitaire.MWView$13.onClick</c:v>
-                </c:pt>
-                <c:pt idx="375">
-                  <c:v>com.mobilityware.solitaire.MWView$14.onClick</c:v>
-                </c:pt>
-                <c:pt idx="376">
-                  <c:v>com.mobilityware.solitaire.MWView$15.onClick</c:v>
-                </c:pt>
-                <c:pt idx="377">
-                  <c:v>com.mobilityware.solitaire.MWView$16.onClick</c:v>
-                </c:pt>
-                <c:pt idx="378">
-                  <c:v>com.mobilityware.solitaire.MWView$17.onClick</c:v>
-                </c:pt>
-                <c:pt idx="379">
-                  <c:v>com.mobilityware.solitaire.MWView$18$1.onClick</c:v>
-                </c:pt>
-                <c:pt idx="380">
-                  <c:v>com.mobilityware.solitaire.MWView$18$2.onClick</c:v>
-                </c:pt>
-                <c:pt idx="381">
-                  <c:v>com.mobilityware.solitaire.MWView$18.onClick</c:v>
-                </c:pt>
-                <c:pt idx="382">
-                  <c:v>com.mobilityware.solitaire.MWView$19.onClick</c:v>
-                </c:pt>
-                <c:pt idx="383">
-                  <c:v>com.mobilityware.solitaire.MWView$2.run</c:v>
-                </c:pt>
-                <c:pt idx="384">
-                  <c:v>com.mobilityware.solitaire.MWView$20.onClick</c:v>
-                </c:pt>
-                <c:pt idx="385">
-                  <c:v>com.mobilityware.solitaire.MWView$21.run</c:v>
-                </c:pt>
-                <c:pt idx="386">
-                  <c:v>com.mobilityware.solitaire.MWView$22.run</c:v>
-                </c:pt>
-                <c:pt idx="387">
-                  <c:v>com.mobilityware.solitaire.MWView$23.run</c:v>
-                </c:pt>
-                <c:pt idx="388">
-                  <c:v>com.mobilityware.solitaire.MWView$24.run</c:v>
-                </c:pt>
-                <c:pt idx="389">
-                  <c:v>com.mobilityware.solitaire.MWView$25.run</c:v>
-                </c:pt>
-                <c:pt idx="390">
-                  <c:v>com.mobilityware.solitaire.MWView$26.run</c:v>
-                </c:pt>
-                <c:pt idx="391">
-                  <c:v>com.mobilityware.solitaire.MWView$27$1.onClick</c:v>
-                </c:pt>
-                <c:pt idx="392">
-                  <c:v>com.mobilityware.solitaire.MWView$27$2.onClick</c:v>
-                </c:pt>
-                <c:pt idx="393">
-                  <c:v>com.mobilityware.solitaire.MWView$27.run</c:v>
-                </c:pt>
-                <c:pt idx="394">
-                  <c:v>com.mobilityware.solitaire.MWView$28$1.onClick</c:v>
-                </c:pt>
-                <c:pt idx="395">
-                  <c:v>com.mobilityware.solitaire.MWView$28.run</c:v>
-                </c:pt>
-                <c:pt idx="396">
-                  <c:v>com.mobilityware.solitaire.MWView$29.onClick</c:v>
-                </c:pt>
-                <c:pt idx="397">
-                  <c:v>com.mobilityware.solitaire.MWView$3$1.run</c:v>
-                </c:pt>
-                <c:pt idx="398">
-                  <c:v>com.mobilityware.solitaire.MWView$3.run</c:v>
-                </c:pt>
-                <c:pt idx="399">
-                  <c:v>com.mobilityware.solitaire.MWView$31.run</c:v>
-                </c:pt>
-                <c:pt idx="400">
-                  <c:v>com.mobilityware.solitaire.MWView$32.run</c:v>
-                </c:pt>
-                <c:pt idx="401">
-                  <c:v>com.mobilityware.solitaire.MWView$33.run</c:v>
-                </c:pt>
-                <c:pt idx="402">
-                  <c:v>com.mobilityware.solitaire.MWView$34.run</c:v>
-                </c:pt>
-                <c:pt idx="403">
-                  <c:v>com.mobilityware.solitaire.MWView$35.run</c:v>
-                </c:pt>
-                <c:pt idx="404">
-                  <c:v>com.mobilityware.solitaire.MWView$36.run</c:v>
-                </c:pt>
-                <c:pt idx="405">
-                  <c:v>com.mobilityware.solitaire.MWView$37.run</c:v>
-                </c:pt>
-                <c:pt idx="406">
-                  <c:v>com.mobilityware.solitaire.MWView$38.run</c:v>
-                </c:pt>
-                <c:pt idx="407">
-                  <c:v>com.mobilityware.solitaire.MWView$39$1.onClick</c:v>
-                </c:pt>
-                <c:pt idx="408">
-                  <c:v>com.mobilityware.solitaire.MWView$39$2.onClick</c:v>
-                </c:pt>
-                <c:pt idx="409">
-                  <c:v>com.mobilityware.solitaire.MWView$39.run</c:v>
-                </c:pt>
-                <c:pt idx="410">
-                  <c:v>com.mobilityware.solitaire.MWView$4.run</c:v>
-                </c:pt>
-                <c:pt idx="411">
-                  <c:v>com.mobilityware.solitaire.MWView$40.run</c:v>
-                </c:pt>
-                <c:pt idx="412">
-                  <c:v>com.mobilityware.solitaire.MWView$41.run</c:v>
-                </c:pt>
-                <c:pt idx="413">
-                  <c:v>com.mobilityware.solitaire.MWView$42.onClick</c:v>
-                </c:pt>
-                <c:pt idx="414">
-                  <c:v>com.mobilityware.solitaire.MWView$43.onClick</c:v>
-                </c:pt>
-                <c:pt idx="415">
-                  <c:v>com.mobilityware.solitaire.MWView$45.onClick</c:v>
-                </c:pt>
-                <c:pt idx="416">
-                  <c:v>com.mobilityware.solitaire.MWView$5.run</c:v>
-                </c:pt>
-                <c:pt idx="417">
-                  <c:v>com.mobilityware.solitaire.MWView$6.run</c:v>
-                </c:pt>
-                <c:pt idx="418">
-                  <c:v>com.mobilityware.solitaire.MWView$7.run</c:v>
-                </c:pt>
-                <c:pt idx="419">
-                  <c:v>com.mobilityware.solitaire.MWView$8.run</c:v>
-                </c:pt>
-                <c:pt idx="420">
-                  <c:v>com.mobilityware.solitaire.MWView$9.run</c:v>
-                </c:pt>
-                <c:pt idx="421">
-                  <c:v>com.mobilityware.solitaire.MWView.onTouchEvent</c:v>
-                </c:pt>
-                <c:pt idx="422">
-                  <c:v>com.mobilityware.solitaire.MobilityWeb.onCreate</c:v>
-                </c:pt>
-                <c:pt idx="423">
-                  <c:v>com.mobilityware.solitaire.MobilityWeb.onDestroy</c:v>
-                </c:pt>
-                <c:pt idx="424">
-                  <c:v>com.mobilityware.solitaire.MobilityWeb.onPause</c:v>
-                </c:pt>
-                <c:pt idx="425">
-                  <c:v>com.mobilityware.solitaire.MobilityWeb.onResume</c:v>
-                </c:pt>
-                <c:pt idx="426">
-                  <c:v>com.mobilityware.solitaire.MobilityWeb.onStart</c:v>
-                </c:pt>
-                <c:pt idx="427">
-                  <c:v>com.mobilityware.solitaire.PlayServices.onCreate</c:v>
-                </c:pt>
-                <c:pt idx="428">
-                  <c:v>com.mobilityware.solitaire.PlayServices.onStart</c:v>
-                </c:pt>
-                <c:pt idx="429">
-                  <c:v>com.mobilityware.solitaire.Preferences$24.onClick</c:v>
-                </c:pt>
-                <c:pt idx="430">
-                  <c:v>com.mobilityware.solitaire.Preferences.onCreate</c:v>
-                </c:pt>
-                <c:pt idx="431">
-                  <c:v>com.mobilityware.solitaire.Preferences.onDestroy</c:v>
-                </c:pt>
-                <c:pt idx="432">
-                  <c:v>com.mobilityware.solitaire.Preferences.onPause</c:v>
-                </c:pt>
-                <c:pt idx="433">
-                  <c:v>com.mobilityware.solitaire.Preferences.onResume</c:v>
-                </c:pt>
-                <c:pt idx="434">
-                  <c:v>com.mobilityware.solitaire.Rules.onCreate</c:v>
-                </c:pt>
-                <c:pt idx="435">
-                  <c:v>com.mobilityware.solitaire.Rules.onDestroy</c:v>
-                </c:pt>
-                <c:pt idx="436">
-                  <c:v>com.mobilityware.solitaire.Rules.onPause</c:v>
-                </c:pt>
-                <c:pt idx="437">
-                  <c:v>com.mobilityware.solitaire.Rules.onResume</c:v>
-                </c:pt>
-                <c:pt idx="438">
-                  <c:v>com.mobilityware.solitaire.Rules.onStart</c:v>
-                </c:pt>
-                <c:pt idx="439">
-                  <c:v>com.mobilityware.solitaire.Solitaire$1.run</c:v>
-                </c:pt>
-                <c:pt idx="440">
-                  <c:v>com.mobilityware.solitaire.Solitaire$2.run</c:v>
-                </c:pt>
-                <c:pt idx="441">
-                  <c:v>com.mobilityware.solitaire.Solitaire$3.onClick</c:v>
-                </c:pt>
-                <c:pt idx="442">
-                  <c:v>com.mobilityware.solitaire.Solitaire.onBackPressed</c:v>
-                </c:pt>
-                <c:pt idx="443">
-                  <c:v>com.mobilityware.solitaire.Solitaire.onCreate</c:v>
-                </c:pt>
-                <c:pt idx="444">
-                  <c:v>com.mobilityware.solitaire.Solitaire.onCreateOptionsMenu</c:v>
-                </c:pt>
-                <c:pt idx="445">
-                  <c:v>com.mobilityware.solitaire.Solitaire.onDestroy</c:v>
-                </c:pt>
-                <c:pt idx="446">
-                  <c:v>com.mobilityware.solitaire.Solitaire.onKeyDown</c:v>
-                </c:pt>
-                <c:pt idx="447">
-                  <c:v>com.mobilityware.solitaire.Solitaire.onKeyUp</c:v>
-                </c:pt>
-                <c:pt idx="448">
-                  <c:v>com.mobilityware.solitaire.Solitaire.onOptionsItemSelected</c:v>
-                </c:pt>
-                <c:pt idx="449">
-                  <c:v>com.mobilityware.solitaire.Solitaire.onPause</c:v>
-                </c:pt>
-                <c:pt idx="450">
-                  <c:v>com.mobilityware.solitaire.Solitaire.onResume</c:v>
-                </c:pt>
-                <c:pt idx="451">
-                  <c:v>com.mobilityware.solitaire.Solitaire.onStart</c:v>
-                </c:pt>
-                <c:pt idx="452">
-                  <c:v>com.mobilityware.solitaire.Solitaire.onTouchEvent</c:v>
-                </c:pt>
-                <c:pt idx="453">
-                  <c:v>com.mobilityware.solitaire.SolitaireApplication.onCreate</c:v>
-                </c:pt>
-                <c:pt idx="454">
-                  <c:v>com.mobilityware.solitaire.SolutionPlayer$1.run</c:v>
-                </c:pt>
-                <c:pt idx="455">
-                  <c:v>com.mobilityware.solitaire.SolutionPlayer.start</c:v>
-                </c:pt>
-                <c:pt idx="456">
-                  <c:v>com.mobilityware.solitaire.Statistics$1.onClick</c:v>
-                </c:pt>
-                <c:pt idx="457">
-                  <c:v>com.mobilityware.solitaire.Statistics$2.onClick</c:v>
-                </c:pt>
-                <c:pt idx="458">
-                  <c:v>com.mobilityware.solitaire.Statistics.onCreate</c:v>
-                </c:pt>
-                <c:pt idx="459">
-                  <c:v>com.mobilityware.solitaire.Statistics.onDestroy</c:v>
-                </c:pt>
-                <c:pt idx="460">
-                  <c:v>com.mobilityware.solitaire.Statistics.onPause</c:v>
-                </c:pt>
-                <c:pt idx="461">
-                  <c:v>com.mobilityware.solitaire.Statistics.onResume</c:v>
-                </c:pt>
-                <c:pt idx="462">
-                  <c:v>com.mobilityware.solitaire.Statistics.onStart</c:v>
-                </c:pt>
-                <c:pt idx="463">
-                  <c:v>com.mobilityware.solitaire.TellAFriendPrompter$1.onClick</c:v>
-                </c:pt>
-                <c:pt idx="464">
-                  <c:v>com.mobilityware.solitaire.TellAFriendPrompter$2.onClick</c:v>
-                </c:pt>
-                <c:pt idx="465">
-                  <c:v>com.mobilityware.solitaire.TellAFriendPrompter$3.onClick</c:v>
-                </c:pt>
-                <c:pt idx="466">
-                  <c:v>com.mobilityware.solitaire.Toolbar$1.run</c:v>
-                </c:pt>
-                <c:pt idx="467">
-                  <c:v>com.mobilityware.solitaire.Toolbar$10.onClick</c:v>
-                </c:pt>
-                <c:pt idx="468">
-                  <c:v>com.mobilityware.solitaire.Toolbar$11.onClick</c:v>
-                </c:pt>
-                <c:pt idx="469">
-                  <c:v>com.mobilityware.solitaire.Toolbar$12.onClick</c:v>
-                </c:pt>
-                <c:pt idx="470">
-                  <c:v>com.mobilityware.solitaire.Toolbar$13.onClick</c:v>
-                </c:pt>
-                <c:pt idx="471">
-                  <c:v>com.mobilityware.solitaire.Toolbar$14.onClick</c:v>
-                </c:pt>
-                <c:pt idx="472">
-                  <c:v>com.mobilityware.solitaire.Toolbar$15.onClick</c:v>
-                </c:pt>
-                <c:pt idx="473">
-                  <c:v>com.mobilityware.solitaire.Toolbar$2.onClick</c:v>
-                </c:pt>
-                <c:pt idx="474">
-                  <c:v>com.mobilityware.solitaire.Toolbar$3.onClick</c:v>
-                </c:pt>
-                <c:pt idx="475">
-                  <c:v>com.mobilityware.solitaire.Toolbar$4.onClick</c:v>
-                </c:pt>
-                <c:pt idx="476">
-                  <c:v>com.mobilityware.solitaire.Toolbar$5.onClick</c:v>
-                </c:pt>
-                <c:pt idx="477">
-                  <c:v>com.mobilityware.solitaire.Toolbar$6.onClick</c:v>
-                </c:pt>
-                <c:pt idx="478">
-                  <c:v>com.mobilityware.solitaire.Toolbar$7.onClick</c:v>
-                </c:pt>
-                <c:pt idx="479">
-                  <c:v>com.mobilityware.solitaire.Toolbar$8.onClick</c:v>
-                </c:pt>
-                <c:pt idx="480">
-                  <c:v>com.mobilityware.solitaire.Toolbar$9.onClick</c:v>
-                </c:pt>
-                <c:pt idx="481">
-                  <c:v>com.mobilityware.solitaire.WhatsNewDialog$1.run</c:v>
-                </c:pt>
-                <c:pt idx="482">
-                  <c:v>com.mobilityware.solitaire.WhatsNewDialog.onBackPressed</c:v>
-                </c:pt>
-                <c:pt idx="483">
-                  <c:v>com.mobilityware.solitaire.WinDeal.run</c:v>
-                </c:pt>
-                <c:pt idx="484">
-                  <c:v>com.mobilityware.solitaire.WinDeal.start</c:v>
-                </c:pt>
-                <c:pt idx="485">
-                  <c:v>com.mobilityware.solitaire.WinGame$1.onClick</c:v>
-                </c:pt>
-                <c:pt idx="486">
-                  <c:v>com.mobilityware.solitaire.WinGame$2.onClick</c:v>
-                </c:pt>
-                <c:pt idx="487">
-                  <c:v>com.mobilityware.solitaire.WinGame$3.onClick</c:v>
-                </c:pt>
-                <c:pt idx="488">
-                  <c:v>com.mobilityware.solitaire.WinGame$5.run</c:v>
-                </c:pt>
-                <c:pt idx="489">
-                  <c:v>com.mobilityware.solitaire.WinGame$6$1.onClick</c:v>
-                </c:pt>
-                <c:pt idx="490">
-                  <c:v>com.mobilityware.solitaire.WinGame$6$2.onClick</c:v>
-                </c:pt>
-                <c:pt idx="491">
-                  <c:v>com.mobilityware.solitaire.WinGame$6.onClick</c:v>
-                </c:pt>
-                <c:pt idx="492">
-                  <c:v>com.mobilityware.solitaire.WinStats.run</c:v>
-                </c:pt>
-                <c:pt idx="493">
-                  <c:v>com.mobilityware.solitaire.WinStats.start</c:v>
-                </c:pt>
-                <c:pt idx="494">
-                  <c:v>com.mobilityware.solitaire.WinningAnimation$1.run</c:v>
-                </c:pt>
-                <c:pt idx="495">
-                  <c:v>com.mobilityware.solitaire.WinningAnimation$2.run</c:v>
-                </c:pt>
-                <c:pt idx="496">
-                  <c:v>com.mobilityware.solitaire.WinningAnimation.start</c:v>
-                </c:pt>
-                <c:pt idx="497">
-                  <c:v>com.mopub.common.CacheService$DiskLruCacheGetTask.doInBackground</c:v>
-                </c:pt>
-                <c:pt idx="498">
-                  <c:v>com.mopub.common.CacheService$DiskLruCacheGetTask.onPostExecute</c:v>
-                </c:pt>
-                <c:pt idx="499">
-                  <c:v>com.mopub.common.CacheService$DiskLruCacheGetTask.onPreExecute</c:v>
-                </c:pt>
-                <c:pt idx="500">
-                  <c:v>com.mopub.common.CacheService$DiskLruCachePutTask.doInBackground</c:v>
-                </c:pt>
-                <c:pt idx="501">
-                  <c:v>com.mopub.common.CacheService$DiskLruCachePutTask.onPreExecute</c:v>
-                </c:pt>
-                <c:pt idx="502">
-                  <c:v>com.mopub.common.DownloadTask.doInBackground</c:v>
-                </c:pt>
-                <c:pt idx="503">
-                  <c:v>com.mopub.common.DownloadTask.onPostExecute</c:v>
-                </c:pt>
-                <c:pt idx="504">
-                  <c:v>com.mopub.common.DownloadTask.onPreExecute</c:v>
-                </c:pt>
-                <c:pt idx="505">
-                  <c:v>com.mopub.common.GpsHelper$1.run</c:v>
-                </c:pt>
-                <c:pt idx="506">
-                  <c:v>com.mopub.common.MoPubBrowser$1.onReceivedError</c:v>
-                </c:pt>
-                <c:pt idx="507">
-                  <c:v>com.mopub.common.MoPubBrowser$3.onClick</c:v>
-                </c:pt>
-                <c:pt idx="508">
-                  <c:v>com.mopub.common.MoPubBrowser$4.onClick</c:v>
-                </c:pt>
-                <c:pt idx="509">
-                  <c:v>com.mopub.common.MoPubBrowser$5.onClick</c:v>
-                </c:pt>
-                <c:pt idx="510">
-                  <c:v>com.mopub.common.MoPubBrowser$6.onClick</c:v>
-                </c:pt>
-                <c:pt idx="511">
-                  <c:v>com.mopub.common.MoPubBrowser.onCreate</c:v>
-                </c:pt>
-                <c:pt idx="512">
-                  <c:v>com.mopub.common.MoPubBrowser.onDestroy</c:v>
-                </c:pt>
-                <c:pt idx="513">
-                  <c:v>com.mopub.common.MoPubBrowser.onPause</c:v>
-                </c:pt>
-                <c:pt idx="514">
-                  <c:v>com.mopub.common.MoPubBrowser.onResume</c:v>
-                </c:pt>
-                <c:pt idx="515">
-                  <c:v>com.mopub.common.MoPubBrowser.onStart</c:v>
-                </c:pt>
-                <c:pt idx="516">
-                  <c:v>com.mopub.common.util.Reflection$MethodBuilder.execute</c:v>
-                </c:pt>
-                <c:pt idx="517">
-                  <c:v>com.mopub.nativeads.ImageDiskTaskManager.execute</c:v>
-                </c:pt>
-                <c:pt idx="518">
-                  <c:v>com.mopub.nativeads.ImageDownloadTaskManager.execute</c:v>
-                </c:pt>
-                <c:pt idx="519">
-                  <c:v>com.mopub.nativeads.ImageTaskManager.execute</c:v>
-                </c:pt>
-                <c:pt idx="520">
-                  <c:v>com.mopub.nativeads.ImpressionTrackingManager$VisibilityCheck.run</c:v>
-                </c:pt>
-                <c:pt idx="521">
-                  <c:v>com.mopub.nativeads.ImpressionTrackingManager.start</c:v>
-                </c:pt>
-                <c:pt idx="522">
-                  <c:v>com.mopub.nativeads.NativeAdViewHelper$NativeViewClickListener.onClick</c:v>
-                </c:pt>
-                <c:pt idx="523">
-                  <c:v>com.mopub.nativeads.UrlResolutionTask.doInBackground</c:v>
-                </c:pt>
-                <c:pt idx="524">
-                  <c:v>com.mopub.nativeads.UrlResolutionTask.onPostExecute</c:v>
-                </c:pt>
-                <c:pt idx="525">
-                  <c:v>com.mopub.nativeads.UrlResolutionTask.onPreExecute</c:v>
-                </c:pt>
-                <c:pt idx="526">
-                  <c:v>com.nineoldandroids.animation.Animator.start</c:v>
-                </c:pt>
-                <c:pt idx="527">
-                  <c:v>com.nineoldandroids.animation.AnimatorSet.start</c:v>
-                </c:pt>
-                <c:pt idx="528">
-                  <c:v>com.nineoldandroids.animation.ObjectAnimator.start</c:v>
-                </c:pt>
-                <c:pt idx="529">
-                  <c:v>com.nineoldandroids.animation.ValueAnimator.start</c:v>
-                </c:pt>
-                <c:pt idx="530">
-                  <c:v>com.nineoldandroids.view.ViewPropertyAnimator.start</c:v>
-                </c:pt>
-                <c:pt idx="531">
-                  <c:v>com.nineoldandroids.view.ViewPropertyAnimatorHC$1.run</c:v>
-                </c:pt>
-                <c:pt idx="532">
-                  <c:v>com.nineoldandroids.view.ViewPropertyAnimatorHC.start</c:v>
-                </c:pt>
-                <c:pt idx="533">
-                  <c:v>com.nineoldandroids.view.ViewPropertyAnimatorICS.start</c:v>
-                </c:pt>
-                <c:pt idx="534">
-                  <c:v>com.nineoldandroids.view.ViewPropertyAnimatorPreHC$1.run</c:v>
-                </c:pt>
-                <c:pt idx="535">
-                  <c:v>com.nineoldandroids.view.ViewPropertyAnimatorPreHC.start</c:v>
-                </c:pt>
-                <c:pt idx="536">
-                  <c:v>com.tapsense.android.publisher.TapSenseAds$1.onReceive</c:v>
-                </c:pt>
-                <c:pt idx="537">
-                  <c:v>com.tapsense.android.publisher.TapSenseAds$AsyncPreloadingTask.doInBackground</c:v>
-                </c:pt>
-                <c:pt idx="538">
-                  <c:v>com.tapsense.android.publisher.TapSenseAds$AsyncPreloadingTask.onPostExecute</c:v>
-                </c:pt>
-                <c:pt idx="539">
-                  <c:v>com.tapsense.android.publisher.TapSenseAds$AsyncPreloadingTask.onPreExecute</c:v>
-                </c:pt>
-                <c:pt idx="540">
-                  <c:v>com.tapsense.android.publisher.TapSenseAds.start</c:v>
-                </c:pt>
-                <c:pt idx="541">
-                  <c:v>com.tapsense.android.publisher.TapSenseAdsClickVideoActivity$2.onClick</c:v>
-                </c:pt>
-                <c:pt idx="542">
-                  <c:v>com.tapsense.android.publisher.TapSenseAdsClickVideoActivity$3.run</c:v>
-                </c:pt>
-                <c:pt idx="543">
-                  <c:v>com.tapsense.android.publisher.TapSenseAdsClickVideoActivity.onCreate</c:v>
-                </c:pt>
-                <c:pt idx="544">
-                  <c:v>com.tapsense.android.publisher.TapSenseAdsClickVideoActivity.onDestroy</c:v>
-                </c:pt>
-                <c:pt idx="545">
-                  <c:v>com.tapsense.android.publisher.TapSenseAdsClickVideoActivity.onPause</c:v>
-                </c:pt>
-                <c:pt idx="546">
-                  <c:v>com.tapsense.android.publisher.TapSenseAdsClickVideoActivity.onResume</c:v>
-                </c:pt>
-                <c:pt idx="547">
-                  <c:v>com.tapsense.android.publisher.TapSenseAdsClickVideoActivity.onStart</c:v>
-                </c:pt>
-                <c:pt idx="548">
-                  <c:v>com.tapsense.android.publisher.TapSenseAdsInterstitialActivity$2.onClick</c:v>
-                </c:pt>
-                <c:pt idx="549">
-                  <c:v>com.tapsense.android.publisher.TapSenseAdsInterstitialActivity$3.run</c:v>
-                </c:pt>
-                <c:pt idx="550">
-                  <c:v>com.tapsense.android.publisher.TapSenseAdsInterstitialActivity.onCreate</c:v>
-                </c:pt>
-                <c:pt idx="551">
-                  <c:v>com.tapsense.android.publisher.TapSenseAdsInterstitialActivity.onDestroy</c:v>
-                </c:pt>
-                <c:pt idx="552">
-                  <c:v>com.tapsense.android.publisher.TapSenseAdsInterstitialActivity.onPause</c:v>
-                </c:pt>
-                <c:pt idx="553">
-                  <c:v>com.tapsense.android.publisher.TapSenseAdsInterstitialActivity.onResume</c:v>
-                </c:pt>
-                <c:pt idx="554">
-                  <c:v>com.tapsense.android.publisher.TapSenseAdsInterstitialActivity.onStart</c:v>
-                </c:pt>
-                <c:pt idx="555">
-                  <c:v>com.tapsense.android.publisher.TapSenseAdsPureHtmlActivity$1.onClick</c:v>
-                </c:pt>
-                <c:pt idx="556">
-                  <c:v>com.tapsense.android.publisher.TapSenseAdsPureHtmlActivity$2.run</c:v>
-                </c:pt>
-                <c:pt idx="557">
-                  <c:v>com.tapsense.android.publisher.TapSenseAdsPureHtmlActivity.onCreate</c:v>
-                </c:pt>
-                <c:pt idx="558">
-                  <c:v>com.tapsense.android.publisher.TapSenseAdsPureHtmlActivity.onDestroy</c:v>
-                </c:pt>
-                <c:pt idx="559">
-                  <c:v>com.tapsense.android.publisher.TapSenseAdsPureHtmlActivity.onPause</c:v>
-                </c:pt>
-                <c:pt idx="560">
-                  <c:v>com.tapsense.android.publisher.TapSenseAdsPureHtmlActivity.onResume</c:v>
-                </c:pt>
-                <c:pt idx="561">
-                  <c:v>com.tapsense.android.publisher.TapSenseAdsPureHtmlActivity.onStart</c:v>
-                </c:pt>
-                <c:pt idx="562">
-                  <c:v>com.tapsense.android.publisher.TapSenseAdsUtils$1.onTouch</c:v>
-                </c:pt>
-                <c:pt idx="563">
-                  <c:v>com.tapsense.android.publisher.TapSenseAdsUtils$AdvertisingIdTask.doInBackground</c:v>
-                </c:pt>
-                <c:pt idx="564">
-                  <c:v>com.tapsense.android.publisher.TapSenseAdsUtils$AdvertisingIdTask.onPreExecute</c:v>
-                </c:pt>
-                <c:pt idx="565">
-                  <c:v>com.tapsense.android.publisher.TapSenseAdsVastActivity$1.onClick</c:v>
-                </c:pt>
-                <c:pt idx="566">
-                  <c:v>com.tapsense.android.publisher.TapSenseAdsVastActivity$10.onClick</c:v>
-                </c:pt>
-                <c:pt idx="567">
-                  <c:v>com.tapsense.android.publisher.TapSenseAdsVastActivity$11.onClick</c:v>
-                </c:pt>
-                <c:pt idx="568">
-                  <c:v>com.tapsense.android.publisher.TapSenseAdsVastActivity$12.onClick</c:v>
-                </c:pt>
-                <c:pt idx="569">
-                  <c:v>com.tapsense.android.publisher.TapSenseAdsVastActivity$2.onClick</c:v>
-                </c:pt>
-                <c:pt idx="570">
-                  <c:v>com.tapsense.android.publisher.TapSenseAdsVastActivity$5.start</c:v>
-                </c:pt>
-                <c:pt idx="571">
-                  <c:v>com.tapsense.android.publisher.TapSenseAdsVastActivity$6.onClick</c:v>
-                </c:pt>
-                <c:pt idx="572">
-                  <c:v>com.tapsense.android.publisher.TapSenseAdsVastActivity$7.run</c:v>
-                </c:pt>
-                <c:pt idx="573">
-                  <c:v>com.tapsense.android.publisher.TapSenseAdsVastActivity$8.onClick</c:v>
-                </c:pt>
-                <c:pt idx="574">
-                  <c:v>com.tapsense.android.publisher.TapSenseAdsVastActivity$9.onClick</c:v>
-                </c:pt>
-                <c:pt idx="575">
-                  <c:v>com.tapsense.android.publisher.TapSenseAdsVastActivity$VideoProgressTracker.doInBackground</c:v>
-                </c:pt>
-                <c:pt idx="576">
-                  <c:v>com.tapsense.android.publisher.TapSenseAdsVastActivity$VideoProgressTracker.onPreExecute</c:v>
-                </c:pt>
-                <c:pt idx="577">
-                  <c:v>com.tapsense.android.publisher.TapSenseAdsVastActivity.onCreate</c:v>
-                </c:pt>
-                <c:pt idx="578">
-                  <c:v>com.tapsense.android.publisher.TapSenseAdsVastActivity.onDestroy</c:v>
-                </c:pt>
-                <c:pt idx="579">
-                  <c:v>com.tapsense.android.publisher.TapSenseAdsVastActivity.onPause</c:v>
-                </c:pt>
-                <c:pt idx="580">
-                  <c:v>com.tapsense.android.publisher.TapSenseAdsVastActivity.onResume</c:v>
-                </c:pt>
-                <c:pt idx="581">
-                  <c:v>com.tapsense.android.publisher.TapSenseAdsVastActivity.onStart</c:v>
-                </c:pt>
-                <c:pt idx="582">
-                  <c:v>com.tapsense.android.publisher.TapSenseAdsVideoView$PlayPauseListener.onPause</c:v>
-                </c:pt>
-                <c:pt idx="583">
-                  <c:v>com.tapsense.android.publisher.TapSenseAdsVideoView.start</c:v>
-                </c:pt>
-                <c:pt idx="584">
-                  <c:v>com.tremorvideo.a.d$a.onReceivedError</c:v>
-                </c:pt>
-                <c:pt idx="585">
-                  <c:v>com.tremorvideo.a.d.onCreate</c:v>
-                </c:pt>
-                <c:pt idx="586">
-                  <c:v>com.tremorvideo.a.d.onKeyDown</c:v>
-                </c:pt>
-                <c:pt idx="587">
-                  <c:v>com.tremorvideo.a.d.onStart</c:v>
-                </c:pt>
-                <c:pt idx="588">
-                  <c:v>com.tremorvideo.a.e.onKeyLongPress</c:v>
-                </c:pt>
-                <c:pt idx="589">
-                  <c:v>com.tremorvideo.a.f$a.onReceivedSslError</c:v>
-                </c:pt>
-                <c:pt idx="590">
-                  <c:v>com.tremorvideo.a.f.onKeyLongPress</c:v>
-                </c:pt>
-                <c:pt idx="591">
-                  <c:v>com.tremorvideo.sdk.android.a.a$a.run</c:v>
-                </c:pt>
-                <c:pt idx="592">
-                  <c:v>com.tremorvideo.sdk.android.a.b$1.onReceive</c:v>
-                </c:pt>
-                <c:pt idx="593">
-                  <c:v>com.tremorvideo.sdk.android.a.b$2.onReceive</c:v>
-                </c:pt>
-                <c:pt idx="594">
-                  <c:v>com.tremorvideo.sdk.android.a.b$3.onReceive</c:v>
-                </c:pt>
-                <c:pt idx="595">
-                  <c:v>com.tremorvideo.sdk.android.a.b$a$1.run</c:v>
-                </c:pt>
-                <c:pt idx="596">
-                  <c:v>com.tremorvideo.sdk.android.a.b$a.run</c:v>
-                </c:pt>
-                <c:pt idx="597">
-                  <c:v>com.tremorvideo.sdk.android.a.i$1.run</c:v>
-                </c:pt>
-                <c:pt idx="598">
-                  <c:v>com.tremorvideo.sdk.android.a.j$b.onReceivedError</c:v>
-                </c:pt>
-                <c:pt idx="599">
-                  <c:v>com.tremorvideo.sdk.android.b.a$a.run</c:v>
-                </c:pt>
-                <c:pt idx="600">
-                  <c:v>com.tremorvideo.sdk.android.b.b$1.onReceive</c:v>
-                </c:pt>
-                <c:pt idx="601">
-                  <c:v>com.tremorvideo.sdk.android.b.b$2.onReceive</c:v>
-                </c:pt>
-                <c:pt idx="602">
-                  <c:v>com.tremorvideo.sdk.android.b.b$3.onReceive</c:v>
-                </c:pt>
-                <c:pt idx="603">
-                  <c:v>com.tremorvideo.sdk.android.b.b$a$1.run</c:v>
-                </c:pt>
-                <c:pt idx="604">
-                  <c:v>com.tremorvideo.sdk.android.b.b$a.run</c:v>
-                </c:pt>
-                <c:pt idx="605">
-                  <c:v>com.tremorvideo.sdk.android.b.d$b.onReceivedError</c:v>
-                </c:pt>
-                <c:pt idx="606">
-                  <c:v>com.tremorvideo.sdk.android.b.d$c.onPreExecute</c:v>
-                </c:pt>
-                <c:pt idx="607">
-                  <c:v>com.tremorvideo.sdk.android.e.k$1.run</c:v>
-                </c:pt>
-                <c:pt idx="608">
-                  <c:v>com.tremorvideo.sdk.android.e.k$2.onReceive</c:v>
-                </c:pt>
-                <c:pt idx="609">
-                  <c:v>com.tremorvideo.sdk.android.e.p$1.onTouch</c:v>
-                </c:pt>
-                <c:pt idx="610">
-                  <c:v>com.tremorvideo.sdk.android.e.p$d.onReceivedError</c:v>
-                </c:pt>
-                <c:pt idx="611">
-                  <c:v>com.tremorvideo.sdk.android.e.p.onPause</c:v>
-                </c:pt>
-                <c:pt idx="612">
-                  <c:v>com.tremorvideo.sdk.android.e.p.onResume</c:v>
-                </c:pt>
-                <c:pt idx="613">
-                  <c:v>com.tremorvideo.sdk.android.richmedia.ScriptInterpreter$1.run</c:v>
-                </c:pt>
-                <c:pt idx="614">
-                  <c:v>com.tremorvideo.sdk.android.richmedia.ScriptInterpreter$c.run</c:v>
-                </c:pt>
-                <c:pt idx="615">
-                  <c:v>com.tremorvideo.sdk.android.richmedia.WebViewEmbedJSCallHandler$1.run</c:v>
-                </c:pt>
-                <c:pt idx="616">
-                  <c:v>com.tremorvideo.sdk.android.richmedia.a.b$1.onReceive</c:v>
-                </c:pt>
-                <c:pt idx="617">
-                  <c:v>com.tremorvideo.sdk.android.richmedia.a.b$2.onReceive</c:v>
-                </c:pt>
-                <c:pt idx="618">
-                  <c:v>com.tremorvideo.sdk.android.richmedia.a.b$3.onReceive</c:v>
-                </c:pt>
-                <c:pt idx="619">
-                  <c:v>com.tremorvideo.sdk.android.richmedia.a.b$a$1.run</c:v>
-                </c:pt>
-                <c:pt idx="620">
-                  <c:v>com.tremorvideo.sdk.android.richmedia.a.b$a.run</c:v>
-                </c:pt>
-                <c:pt idx="621">
-                  <c:v>com.tremorvideo.sdk.android.richmedia.a.c$b.onReceivedError</c:v>
-                </c:pt>
-                <c:pt idx="622">
-                  <c:v>com.tremorvideo.sdk.android.richmedia.a.c$c.run</c:v>
-                </c:pt>
-                <c:pt idx="623">
-                  <c:v>com.tremorvideo.sdk.android.richmedia.a.g.onPreExecute</c:v>
-                </c:pt>
-                <c:pt idx="624">
-                  <c:v>com.tremorvideo.sdk.android.richmedia.a.h$a$1.run</c:v>
-                </c:pt>
-                <c:pt idx="625">
-                  <c:v>com.tremorvideo.sdk.android.richmedia.a.h$a$1.start</c:v>
-                </c:pt>
-                <c:pt idx="626">
-                  <c:v>com.tremorvideo.sdk.android.richmedia.a.h$a.onReceivedError</c:v>
-                </c:pt>
-                <c:pt idx="627">
-                  <c:v>com.tremorvideo.sdk.android.richmedia.a.h$b.onPreExecute</c:v>
-                </c:pt>
-                <c:pt idx="628">
-                  <c:v>com.tremorvideo.sdk.android.richmedia.a.h$e.run</c:v>
-                </c:pt>
-                <c:pt idx="629">
-                  <c:v>com.tremorvideo.sdk.android.richmedia.a.h$f.run</c:v>
-                </c:pt>
-                <c:pt idx="630">
-                  <c:v>com.tremorvideo.sdk.android.richmedia.a.h$g$1.run</c:v>
-                </c:pt>
-                <c:pt idx="631">
-                  <c:v>com.tremorvideo.sdk.android.richmedia.a.h$g.run</c:v>
-                </c:pt>
-                <c:pt idx="632">
-                  <c:v>com.tremorvideo.sdk.android.richmedia.a.h.executeSDKCall</c:v>
-                </c:pt>
-                <c:pt idx="633">
-                  <c:v>com.tremorvideo.sdk.android.richmedia.a.h.onTouchEvent</c:v>
-                </c:pt>
-                <c:pt idx="634">
-                  <c:v>com.tremorvideo.sdk.android.richmedia.ae$2$1.run</c:v>
-                </c:pt>
-                <c:pt idx="635">
-                  <c:v>com.tremorvideo.sdk.android.richmedia.ae$4.run</c:v>
-                </c:pt>
-                <c:pt idx="636">
-                  <c:v>com.tremorvideo.sdk.android.richmedia.ae$5.run</c:v>
-                </c:pt>
-                <c:pt idx="637">
-                  <c:v>com.tremorvideo.sdk.android.richmedia.ae$6.run</c:v>
-                </c:pt>
-                <c:pt idx="638">
-                  <c:v>com.tremorvideo.sdk.android.richmedia.ae$a.setVideoURI</c:v>
-                </c:pt>
-                <c:pt idx="639">
-                  <c:v>com.tremorvideo.sdk.android.richmedia.ae$a.start</c:v>
-                </c:pt>
-                <c:pt idx="640">
-                  <c:v>com.tremorvideo.sdk.android.richmedia.af$1.run</c:v>
-                </c:pt>
-                <c:pt idx="641">
-                  <c:v>com.tremorvideo.sdk.android.richmedia.af$b.onReceivedError</c:v>
-                </c:pt>
-                <c:pt idx="642">
-                  <c:v>com.tremorvideo.sdk.android.richmedia.b.d$a.onReceivedError</c:v>
-                </c:pt>
-                <c:pt idx="643">
-                  <c:v>com.tremorvideo.sdk.android.richmedia.b.d$b.onPreExecute</c:v>
-                </c:pt>
-                <c:pt idx="644">
-                  <c:v>com.tremorvideo.sdk.android.richmedia.b.d$d.run</c:v>
-                </c:pt>
-                <c:pt idx="645">
-                  <c:v>com.tremorvideo.sdk.android.richmedia.b.d$e.run</c:v>
-                </c:pt>
-                <c:pt idx="646">
-                  <c:v>com.tremorvideo.sdk.android.richmedia.n$1.run</c:v>
-                </c:pt>
-                <c:pt idx="647">
-                  <c:v>com.tremorvideo.sdk.android.richmedia.n$10.run</c:v>
-                </c:pt>
-                <c:pt idx="648">
-                  <c:v>com.tremorvideo.sdk.android.richmedia.n$11.run</c:v>
-                </c:pt>
-                <c:pt idx="649">
-                  <c:v>com.tremorvideo.sdk.android.richmedia.n$2.run</c:v>
-                </c:pt>
-                <c:pt idx="650">
-                  <c:v>com.tremorvideo.sdk.android.richmedia.n$4.run</c:v>
-                </c:pt>
-                <c:pt idx="651">
-                  <c:v>com.tremorvideo.sdk.android.richmedia.n$5.run</c:v>
-                </c:pt>
-                <c:pt idx="652">
-                  <c:v>com.tremorvideo.sdk.android.richmedia.n$6.run</c:v>
-                </c:pt>
-                <c:pt idx="653">
-                  <c:v>com.tremorvideo.sdk.android.richmedia.n$7.run</c:v>
-                </c:pt>
-                <c:pt idx="654">
-                  <c:v>com.tremorvideo.sdk.android.richmedia.n$8.run</c:v>
-                </c:pt>
-                <c:pt idx="655">
-                  <c:v>com.tremorvideo.sdk.android.richmedia.n$9.run</c:v>
-                </c:pt>
-                <c:pt idx="656">
-                  <c:v>com.tremorvideo.sdk.android.richmedia.n$b.run</c:v>
-                </c:pt>
-                <c:pt idx="657">
-                  <c:v>com.tremorvideo.sdk.android.richmedia.n.onKeyDown</c:v>
-                </c:pt>
-                <c:pt idx="658">
-                  <c:v>com.tremorvideo.sdk.android.richmedia.n.onTouchEvent</c:v>
-                </c:pt>
-                <c:pt idx="659">
-                  <c:v>com.tremorvideo.sdk.android.richmedia.y$c.onPreExecute</c:v>
-                </c:pt>
-                <c:pt idx="660">
-                  <c:v>com.tremorvideo.sdk.android.videoad.AdViewManager$1.run</c:v>
-                </c:pt>
-                <c:pt idx="661">
-                  <c:v>com.tremorvideo.sdk.android.videoad.AdViewManager.onResume</c:v>
-                </c:pt>
-                <c:pt idx="662">
-                  <c:v>com.tremorvideo.sdk.android.videoad.Playvideo.onCreate</c:v>
-                </c:pt>
-                <c:pt idx="663">
-                  <c:v>com.tremorvideo.sdk.android.videoad.Playvideo.onDestroy</c:v>
-                </c:pt>
-                <c:pt idx="664">
-                  <c:v>com.tremorvideo.sdk.android.videoad.Playvideo.onKeyDown</c:v>
-                </c:pt>
-                <c:pt idx="665">
-                  <c:v>com.tremorvideo.sdk.android.videoad.Playvideo.onPause</c:v>
-                </c:pt>
-                <c:pt idx="666">
-                  <c:v>com.tremorvideo.sdk.android.videoad.Playvideo.onResume</c:v>
-                </c:pt>
-                <c:pt idx="667">
-                  <c:v>com.tremorvideo.sdk.android.videoad.Playvideo.onStart</c:v>
-                </c:pt>
-                <c:pt idx="668">
-                  <c:v>com.tremorvideo.sdk.android.videoad.TremorVideo.start</c:v>
-                </c:pt>
-                <c:pt idx="669">
-                  <c:v>com.tremorvideo.sdk.android.videoad.aa$1.run</c:v>
-                </c:pt>
-                <c:pt idx="670">
-                  <c:v>com.tremorvideo.sdk.android.videoad.aa$a.onPreExecute</c:v>
-                </c:pt>
-                <c:pt idx="671">
-                  <c:v>com.tremorvideo.sdk.android.videoad.aa$b.onPreExecute</c:v>
-                </c:pt>
-                <c:pt idx="672">
-                  <c:v>com.tremorvideo.sdk.android.videoad.aa$c.onPreExecute</c:v>
-                </c:pt>
-                <c:pt idx="673">
-                  <c:v>com.tremorvideo.sdk.android.videoad.ab$1.onReceive</c:v>
-                </c:pt>
-                <c:pt idx="674">
-                  <c:v>com.tremorvideo.sdk.android.videoad.ab$2.onClick</c:v>
-                </c:pt>
-                <c:pt idx="675">
-                  <c:v>com.tremorvideo.sdk.android.videoad.ab$3.onClick</c:v>
-                </c:pt>
-                <c:pt idx="676">
-                  <c:v>com.tremorvideo.sdk.android.videoad.ab.onKeyDown</c:v>
-                </c:pt>
-                <c:pt idx="677">
-                  <c:v>com.tremorvideo.sdk.android.videoad.ad$1.run</c:v>
-                </c:pt>
-                <c:pt idx="678">
-                  <c:v>com.tremorvideo.sdk.android.videoad.ad$2.run</c:v>
-                </c:pt>
-                <c:pt idx="679">
-                  <c:v>com.tremorvideo.sdk.android.videoad.ad$f.onPreExecute</c:v>
-                </c:pt>
-                <c:pt idx="680">
-                  <c:v>com.tremorvideo.sdk.android.videoad.ad$h.run</c:v>
-                </c:pt>
-                <c:pt idx="681">
-                  <c:v>com.tremorvideo.sdk.android.videoad.af$1.onTouch</c:v>
-                </c:pt>
-                <c:pt idx="682">
-                  <c:v>com.tremorvideo.sdk.android.videoad.af$2.onFocusChange</c:v>
-                </c:pt>
-                <c:pt idx="683">
-                  <c:v>com.tremorvideo.sdk.android.videoad.af$3.onKey</c:v>
-                </c:pt>
-                <c:pt idx="684">
-                  <c:v>com.tremorvideo.sdk.android.videoad.ag.onKeyDown</c:v>
-                </c:pt>
-                <c:pt idx="685">
-                  <c:v>com.tremorvideo.sdk.android.videoad.ah.onKeyLongPress</c:v>
-                </c:pt>
-                <c:pt idx="686">
-                  <c:v>com.tremorvideo.sdk.android.videoad.ai.onKeyDown</c:v>
-                </c:pt>
-                <c:pt idx="687">
-                  <c:v>com.tremorvideo.sdk.android.videoad.aj.onKeyLongPress</c:v>
-                </c:pt>
-                <c:pt idx="688">
-                  <c:v>com.tremorvideo.sdk.android.videoad.ak.onKeyLongPress</c:v>
-                </c:pt>
-                <c:pt idx="689">
-                  <c:v>com.tremorvideo.sdk.android.videoad.am$1.onClick</c:v>
-                </c:pt>
-                <c:pt idx="690">
-                  <c:v>com.tremorvideo.sdk.android.videoad.am$2.onFocusChange</c:v>
-                </c:pt>
-                <c:pt idx="691">
-                  <c:v>com.tremorvideo.sdk.android.videoad.am$3.onTouch</c:v>
-                </c:pt>
-                <c:pt idx="692">
-                  <c:v>com.tremorvideo.sdk.android.videoad.an.onKeyDown</c:v>
-                </c:pt>
-                <c:pt idx="693">
-                  <c:v>com.tremorvideo.sdk.android.videoad.ao.onKeyLongPress</c:v>
-                </c:pt>
-                <c:pt idx="694">
-                  <c:v>com.tremorvideo.sdk.android.videoad.aq$a.onReceivedError</c:v>
-                </c:pt>
-                <c:pt idx="695">
-                  <c:v>com.tremorvideo.sdk.android.videoad.aq$b.onReceivedSslError</c:v>
-                </c:pt>
-                <c:pt idx="696">
-                  <c:v>com.tremorvideo.sdk.android.videoad.ax$1$1.run</c:v>
-                </c:pt>
-                <c:pt idx="697">
-                  <c:v>com.tremorvideo.sdk.android.videoad.ax$1$2.run</c:v>
-                </c:pt>
-                <c:pt idx="698">
-                  <c:v>com.tremorvideo.sdk.android.videoad.ax$1$3.run</c:v>
-                </c:pt>
-                <c:pt idx="699">
-                  <c:v>com.tremorvideo.sdk.android.videoad.ax$13.onItemClick</c:v>
-                </c:pt>
-                <c:pt idx="700">
-                  <c:v>com.tremorvideo.sdk.android.videoad.b$1.onClick</c:v>
-                </c:pt>
-                <c:pt idx="701">
-                  <c:v>com.tremorvideo.sdk.android.videoad.b$2.run</c:v>
-                </c:pt>
-                <c:pt idx="702">
-                  <c:v>com.tremorvideo.sdk.android.videoad.b$a.onPreExecute</c:v>
-                </c:pt>
-                <c:pt idx="703">
-                  <c:v>com.tremorvideo.sdk.android.videoad.ba$1$1.run</c:v>
-                </c:pt>
-                <c:pt idx="704">
-                  <c:v>com.tremorvideo.sdk.android.videoad.ba$2.run</c:v>
-                </c:pt>
-                <c:pt idx="705">
-                  <c:v>com.tremorvideo.sdk.android.videoad.bb$a.onPreExecute</c:v>
-                </c:pt>
-                <c:pt idx="706">
-                  <c:v>com.tremorvideo.sdk.android.videoad.bc$1.onClick</c:v>
-                </c:pt>
-                <c:pt idx="707">
-                  <c:v>com.tremorvideo.sdk.android.videoad.bc$2.onClick</c:v>
-                </c:pt>
-                <c:pt idx="708">
-                  <c:v>com.tremorvideo.sdk.android.videoad.be$2.onClick</c:v>
-                </c:pt>
-                <c:pt idx="709">
-                  <c:v>com.tremorvideo.sdk.android.videoad.be$3.onFocusChange</c:v>
-                </c:pt>
-                <c:pt idx="710">
-                  <c:v>com.tremorvideo.sdk.android.videoad.be$4.onTouch</c:v>
-                </c:pt>
-                <c:pt idx="711">
-                  <c:v>com.tremorvideo.sdk.android.videoad.be$5.run</c:v>
-                </c:pt>
-                <c:pt idx="712">
-                  <c:v>com.tremorvideo.sdk.android.videoad.be$6.onClick</c:v>
-                </c:pt>
-                <c:pt idx="713">
-                  <c:v>com.tremorvideo.sdk.android.videoad.bl$a.run</c:v>
-                </c:pt>
-                <c:pt idx="714">
-                  <c:v>com.tremorvideo.sdk.android.videoad.bu$b.onPreExecute</c:v>
-                </c:pt>
-                <c:pt idx="715">
-                  <c:v>com.tremorvideo.sdk.android.videoad.bx$1.run</c:v>
-                </c:pt>
-                <c:pt idx="716">
-                  <c:v>com.tremorvideo.sdk.android.videoad.by$a$1.run</c:v>
-                </c:pt>
-                <c:pt idx="717">
-                  <c:v>com.tremorvideo.sdk.android.videoad.by$a$2.run</c:v>
-                </c:pt>
-                <c:pt idx="718">
-                  <c:v>com.tremorvideo.sdk.android.videoad.by$a$3.run</c:v>
-                </c:pt>
-                <c:pt idx="719">
-                  <c:v>com.tremorvideo.sdk.android.videoad.by$a$a.onPreExecute</c:v>
-                </c:pt>
-                <c:pt idx="720">
-                  <c:v>com.tremorvideo.sdk.android.videoad.by$a.onReceivedError</c:v>
-                </c:pt>
-                <c:pt idx="721">
-                  <c:v>com.tremorvideo.sdk.android.videoad.by$b.onReceivedSslError</c:v>
-                </c:pt>
-                <c:pt idx="722">
-                  <c:v>com.tremorvideo.sdk.android.videoad.by$d.onPreExecute</c:v>
-                </c:pt>
-                <c:pt idx="723">
-                  <c:v>com.tremorvideo.sdk.android.videoad.c$1.onClick</c:v>
-                </c:pt>
-                <c:pt idx="724">
-                  <c:v>com.tremorvideo.sdk.android.videoad.c$2.run</c:v>
-                </c:pt>
-                <c:pt idx="725">
-                  <c:v>com.tremorvideo.sdk.android.videoad.e$1.run</c:v>
-                </c:pt>
-                <c:pt idx="726">
-                  <c:v>com.tremorvideo.sdk.android.videoad.e$10.onFocusChange</c:v>
-                </c:pt>
-                <c:pt idx="727">
-                  <c:v>com.tremorvideo.sdk.android.videoad.e$12.onClick</c:v>
-                </c:pt>
-                <c:pt idx="728">
-                  <c:v>com.tremorvideo.sdk.android.videoad.e$3$1.run</c:v>
-                </c:pt>
-                <c:pt idx="729">
-                  <c:v>com.tremorvideo.sdk.android.videoad.e$3.onClick</c:v>
-                </c:pt>
-                <c:pt idx="730">
-                  <c:v>com.tremorvideo.sdk.android.videoad.e$4.run</c:v>
-                </c:pt>
-                <c:pt idx="731">
-                  <c:v>com.tremorvideo.sdk.android.videoad.e$5$1.onClick</c:v>
-                </c:pt>
-                <c:pt idx="732">
-                  <c:v>com.tremorvideo.sdk.android.videoad.e$5.run</c:v>
-                </c:pt>
-                <c:pt idx="733">
-                  <c:v>com.tremorvideo.sdk.android.videoad.e$6.run</c:v>
-                </c:pt>
-                <c:pt idx="734">
-                  <c:v>com.tremorvideo.sdk.android.videoad.e$8.onClick</c:v>
-                </c:pt>
-                <c:pt idx="735">
-                  <c:v>com.tremorvideo.sdk.android.videoad.e$9.onTouch</c:v>
-                </c:pt>
-                <c:pt idx="736">
-                  <c:v>com.tremorvideo.sdk.android.videoad.e$a.run</c:v>
-                </c:pt>
-                <c:pt idx="737">
-                  <c:v>com.tremorvideo.sdk.android.videoad.g$5.onClick</c:v>
-                </c:pt>
-                <c:pt idx="738">
-                  <c:v>com.tremorvideo.sdk.android.videoad.h$a.run</c:v>
-                </c:pt>
-                <c:pt idx="739">
-                  <c:v>com.tremorvideo.sdk.android.videoad.h$b.run</c:v>
-                </c:pt>
-                <c:pt idx="740">
-                  <c:v>com.tremorvideo.sdk.android.videoad.h$c.run</c:v>
-                </c:pt>
-                <c:pt idx="741">
-                  <c:v>com.tremorvideo.sdk.android.videoad.i$1.onReceive</c:v>
-                </c:pt>
-                <c:pt idx="742">
-                  <c:v>com.tremorvideo.sdk.android.videoad.i$2.onReceive</c:v>
-                </c:pt>
-                <c:pt idx="743">
-                  <c:v>com.tremorvideo.sdk.android.videoad.i$3.onReceive</c:v>
-                </c:pt>
-                <c:pt idx="744">
-                  <c:v>com.tremorvideo.sdk.android.videoad.j$2.run</c:v>
-                </c:pt>
-                <c:pt idx="745">
-                  <c:v>com.tremorvideo.sdk.android.videoad.m$a$1.run</c:v>
-                </c:pt>
-                <c:pt idx="746">
-                  <c:v>com.tremorvideo.sdk.android.videoad.m$a.run</c:v>
-                </c:pt>
-                <c:pt idx="747">
-                  <c:v>com.tremorvideo.sdk.android.videoad.p$1.onClick</c:v>
-                </c:pt>
-                <c:pt idx="748">
-                  <c:v>com.tremorvideo.sdk.android.videoad.p$2.onFocusChange</c:v>
-                </c:pt>
-                <c:pt idx="749">
-                  <c:v>com.tremorvideo.sdk.android.videoad.p$3.onTouch</c:v>
-                </c:pt>
-                <c:pt idx="750">
-                  <c:v>com.tremorvideo.sdk.android.videoad.v$10$1.run</c:v>
-                </c:pt>
-                <c:pt idx="751">
-                  <c:v>com.tremorvideo.sdk.android.videoad.v$10.onClick</c:v>
-                </c:pt>
-                <c:pt idx="752">
-                  <c:v>com.tremorvideo.sdk.android.videoad.v$2.run</c:v>
-                </c:pt>
-                <c:pt idx="753">
-                  <c:v>com.tremorvideo.sdk.android.videoad.v$3.onClick</c:v>
-                </c:pt>
-                <c:pt idx="754">
-                  <c:v>com.tremorvideo.sdk.android.videoad.v$4.onTouch</c:v>
-                </c:pt>
-                <c:pt idx="755">
-                  <c:v>com.tremorvideo.sdk.android.videoad.v$6.onClick</c:v>
-                </c:pt>
-                <c:pt idx="756">
-                  <c:v>com.tremorvideo.sdk.android.videoad.v$a.run</c:v>
-                </c:pt>
-                <c:pt idx="757">
-                  <c:v>com.tremorvideo.sdk.android.videoad.v.onKeyDown</c:v>
-                </c:pt>
-                <c:pt idx="758">
-                  <c:v>com.tremorvideo.sdk.android.videoad.w$c$1.onTouch</c:v>
-                </c:pt>
-                <c:pt idx="759">
-                  <c:v>com.tremorvideo.sdk.android.videoad.w$c$2.onFocusChange</c:v>
-                </c:pt>
-                <c:pt idx="760">
-                  <c:v>com.tremorvideo.sdk.android.videoad.w$c$3.onKey</c:v>
-                </c:pt>
-                <c:pt idx="761">
-                  <c:v>com.tremorvideo.sdk.android.videoad.w$c$4.run</c:v>
-                </c:pt>
-                <c:pt idx="762">
-                  <c:v>com.tremorvideo.sdk.android.videoad.w$d.run</c:v>
-                </c:pt>
-                <c:pt idx="763">
-                  <c:v>com.ts.loopj.android.http.AsyncHttpRequest.run</c:v>
-                </c:pt>
-                <c:pt idx="764">
-                  <c:v>com.ts.loopj.android.http.AsyncHttpResponseHandler.onStart</c:v>
-                </c:pt>
-                <c:pt idx="765">
-                  <c:v>com.vungle.publisher.FullScreenAdActivity$1.onSystemUiVisibilityChange</c:v>
-                </c:pt>
-                <c:pt idx="766">
-                  <c:v>com.vungle.publisher.FullScreenAdActivity.onBackPressed</c:v>
-                </c:pt>
-                <c:pt idx="767">
-                  <c:v>com.vungle.publisher.FullScreenAdActivity.onCreate</c:v>
-                </c:pt>
-                <c:pt idx="768">
-                  <c:v>com.vungle.publisher.FullScreenAdActivity.onDestroy</c:v>
-                </c:pt>
-                <c:pt idx="769">
-                  <c:v>com.vungle.publisher.FullScreenAdActivity.onKeyDown</c:v>
-                </c:pt>
-                <c:pt idx="770">
-                  <c:v>com.vungle.publisher.FullScreenAdActivity.onPause</c:v>
-                </c:pt>
-                <c:pt idx="771">
-                  <c:v>com.vungle.publisher.FullScreenAdActivity.onResume</c:v>
-                </c:pt>
-                <c:pt idx="772">
-                  <c:v>com.vungle.publisher.FullScreenAdActivity.onStart</c:v>
-                </c:pt>
-                <c:pt idx="773">
-                  <c:v>com.vungle.publisher.VunglePub.onPause</c:v>
-                </c:pt>
-                <c:pt idx="774">
-                  <c:v>com.vungle.publisher.VunglePub.onResume</c:v>
-                </c:pt>
-                <c:pt idx="775">
-                  <c:v>com.vungle.publisher.VunglePubBase$AsyncInitEventListener$1.run</c:v>
-                </c:pt>
-                <c:pt idx="776">
-                  <c:v>com.vungle.publisher.VunglePubBase.onPause</c:v>
-                </c:pt>
-                <c:pt idx="777">
-                  <c:v>com.vungle.publisher.VunglePubBase.onResume</c:v>
-                </c:pt>
-                <c:pt idx="778">
-                  <c:v>com.vungle.publisher.VungleService.onCreate</c:v>
-                </c:pt>
-                <c:pt idx="779">
-                  <c:v>com.vungle.publisher.VungleService.onDestroy</c:v>
-                </c:pt>
-                <c:pt idx="780">
-                  <c:v>com.vungle.publisher.VungleService.onStart</c:v>
-                </c:pt>
-                <c:pt idx="781">
-                  <c:v>com.vungle.publisher.VungleService.onStartCommand</c:v>
-                </c:pt>
-                <c:pt idx="782">
-                  <c:v>com.vungle.publisher.ad.AdManager$1.run</c:v>
-                </c:pt>
-                <c:pt idx="783">
-                  <c:v>com.vungle.publisher.ao.onReceivedError</c:v>
-                </c:pt>
-                <c:pt idx="784">
-                  <c:v>com.vungle.publisher.async.ScheduledPriorityExecutor$a$a.run</c:v>
-                </c:pt>
-                <c:pt idx="785">
-                  <c:v>com.vungle.publisher.bt$a.run</c:v>
-                </c:pt>
-                <c:pt idx="786">
-                  <c:v>com.vungle.publisher.bt$c.run</c:v>
-                </c:pt>
-                <c:pt idx="787">
-                  <c:v>com.vungle.publisher.bx.run</c:v>
-                </c:pt>
-                <c:pt idx="788">
-                  <c:v>com.vungle.publisher.ch.run</c:v>
-                </c:pt>
-                <c:pt idx="789">
-                  <c:v>com.vungle.publisher.db.DatabaseBroadcastReceiver.onReceive</c:v>
-                </c:pt>
-                <c:pt idx="790">
-                  <c:v>com.vungle.publisher.db.DatabaseHelper$1.run</c:v>
-                </c:pt>
-                <c:pt idx="791">
-                  <c:v>com.vungle.publisher.db.DatabaseHelper.onCreate</c:v>
-                </c:pt>
-                <c:pt idx="792">
-                  <c:v>com.vungle.publisher.device.ExternalStorageStateBroadcastReceiver.onReceive</c:v>
-                </c:pt>
-                <c:pt idx="793">
-                  <c:v>com.vungle.publisher.display.view.AdFragment.onCreate</c:v>
-                </c:pt>
-                <c:pt idx="794">
-                  <c:v>com.vungle.publisher.display.view.AlertDialogFactory$1.onClick</c:v>
-                </c:pt>
-                <c:pt idx="795">
-                  <c:v>com.vungle.publisher.display.view.AlertDialogFactory$2.onClick</c:v>
-                </c:pt>
-                <c:pt idx="796">
-                  <c:v>com.vungle.publisher.display.view.PostRollFragment.onCreate</c:v>
-                </c:pt>
-                <c:pt idx="797">
-                  <c:v>com.vungle.publisher.display.view.PostRollFragment.onCreateView</c:v>
-                </c:pt>
-                <c:pt idx="798">
-                  <c:v>com.vungle.publisher.display.view.VideoFragment$1.onClick</c:v>
-                </c:pt>
-                <c:pt idx="799">
-                  <c:v>com.vungle.publisher.display.view.VideoFragment$2.onTouch</c:v>
-                </c:pt>
-                <c:pt idx="800">
-                  <c:v>com.vungle.publisher.display.view.VideoFragment$3.run</c:v>
-                </c:pt>
-                <c:pt idx="801">
-                  <c:v>com.vungle.publisher.display.view.VideoFragment$4.onClick</c:v>
-                </c:pt>
-                <c:pt idx="802">
-                  <c:v>com.vungle.publisher.display.view.VideoFragment$b.onClick</c:v>
-                </c:pt>
-                <c:pt idx="803">
-                  <c:v>com.vungle.publisher.display.view.VideoFragment$c.run</c:v>
-                </c:pt>
-                <c:pt idx="804">
-                  <c:v>com.vungle.publisher.display.view.VideoFragment.onCreate</c:v>
-                </c:pt>
-                <c:pt idx="805">
-                  <c:v>com.vungle.publisher.display.view.VideoFragment.onCreateView</c:v>
-                </c:pt>
-                <c:pt idx="806">
-                  <c:v>com.vungle.publisher.display.view.VideoFragment.onPause</c:v>
-                </c:pt>
-                <c:pt idx="807">
-                  <c:v>com.vungle.publisher.display.view.VideoFragment.onResume</c:v>
-                </c:pt>
-                <c:pt idx="808">
-                  <c:v>com.vungle.publisher.display.view.WebViewFragment.onCreate</c:v>
-                </c:pt>
-                <c:pt idx="809">
-                  <c:v>com.vungle.publisher.display.view.WebViewFragment.onCreateView</c:v>
-                </c:pt>
-                <c:pt idx="810">
-                  <c:v>com.vungle.publisher.env.AdvertisingDeviceIdStrategy$FetchAdvertisingPreferencesRunnable.run</c:v>
-                </c:pt>
-                <c:pt idx="811">
-                  <c:v>com.vungle.publisher.event.ClientEventListenerAdapter$1.run</c:v>
-                </c:pt>
-                <c:pt idx="812">
-                  <c:v>com.vungle.publisher.event.ClientEventListenerAdapter$2.run</c:v>
-                </c:pt>
-                <c:pt idx="813">
-                  <c:v>com.vungle.publisher.event.ClientEventListenerAdapter$3.run</c:v>
-                </c:pt>
-                <c:pt idx="814">
-                  <c:v>com.vungle.publisher.protocol.ProtocolHttpGateway$1.run</c:v>
-                </c:pt>
-                <c:pt idx="815">
-                  <c:v>com.vungle.publisher.protocol.ProtocolHttpGateway$2.run</c:v>
-                </c:pt>
-                <c:pt idx="816">
-                  <c:v>com.vungle.publisher.protocol.RequestConfigAsync$RequestConfigRunnable.run</c:v>
-                </c:pt>
-                <c:pt idx="817">
-                  <c:v>com.vungle.publisher.service.PrepareLocalAdIntentHandler$c.run</c:v>
-                </c:pt>
-                <c:pt idx="818">
-                  <c:v>com.vungle.sdk.VungleAdvert.onCreate</c:v>
-                </c:pt>
-                <c:pt idx="819">
-                  <c:v>com.vungle.sdk.VungleAdvert.onDestroy</c:v>
-                </c:pt>
-                <c:pt idx="820">
-                  <c:v>com.vungle.sdk.VungleAdvert.onPause</c:v>
-                </c:pt>
-                <c:pt idx="821">
-                  <c:v>com.vungle.sdk.VungleAdvert.onResume</c:v>
-                </c:pt>
-                <c:pt idx="822">
-                  <c:v>com.vungle.sdk.VungleAdvert.onStart</c:v>
-                </c:pt>
-                <c:pt idx="823">
-                  <c:v>com.vungle.sdk.VungleIntentService.onCreate</c:v>
-                </c:pt>
-                <c:pt idx="824">
-                  <c:v>com.vungle.sdk.VungleIntentService.onDestroy</c:v>
-                </c:pt>
-                <c:pt idx="825">
-                  <c:v>com.vungle.sdk.VunglePub.onPause</c:v>
-                </c:pt>
-                <c:pt idx="826">
-                  <c:v>com.vungle.sdk.VunglePub.onResume</c:v>
-                </c:pt>
-                <c:pt idx="827">
-                  <c:v>java.lang.Thread.start</c:v>
-                </c:pt>
-                <c:pt idx="828">
-                  <c:v>java.net.DatagramSocket.&lt;init&gt;</c:v>
-                </c:pt>
-                <c:pt idx="829">
-                  <c:v>java.net.HttpURLConnection.connect</c:v>
-                </c:pt>
-                <c:pt idx="830">
-                  <c:v>java.net.Socket.&lt;init&gt;</c:v>
-                </c:pt>
-                <c:pt idx="831">
-                  <c:v>java.net.URL.openConnection</c:v>
-                </c:pt>
-                <c:pt idx="832">
-                  <c:v>java.net.URL.openStream</c:v>
-                </c:pt>
-                <c:pt idx="833">
-                  <c:v>java.net.URLConnection.connect</c:v>
-                </c:pt>
-                <c:pt idx="834">
-                  <c:v>java.net.URLConnection.getInputStream</c:v>
-                </c:pt>
-                <c:pt idx="835">
-                  <c:v>org.apache.http.impl.client.DefaultHttpClient.&lt;init&gt;</c:v>
-                </c:pt>
-                <c:pt idx="836">
-                  <c:v>org.apache.http.impl.client.DefaultHttpClient.execute</c:v>
+                  <c:v>android.animation.AnimatorSet.start</c:v>
                 </c:pt>
               </c:strCache>
             </c:strRef>
           </c:cat>
           <c:val>
             <c:numRef>
-              <c:f>Sheet1!$B$2:$B$838</c:f>
+              <c:f>Sheet1!$B$2:$B$250</c:f>
               <c:numCache>
                 <c:formatCode>General</c:formatCode>
-                <c:ptCount val="837"/>
+                <c:ptCount val="249"/>
                 <c:pt idx="0">
-                  <c:v>302.0</c:v>
+                  <c:v>4.0</c:v>
                 </c:pt>
                 <c:pt idx="1">
-                  <c:v>0.0</c:v>
+                  <c:v>2.0</c:v>
                 </c:pt>
                 <c:pt idx="2">
-                  <c:v>0.0</c:v>
+                  <c:v>6.0</c:v>
                 </c:pt>
                 <c:pt idx="3">
-                  <c:v>0.0</c:v>
+                  <c:v>12.0</c:v>
                 </c:pt>
                 <c:pt idx="4">
                   <c:v>2.0</c:v>
                 </c:pt>
                 <c:pt idx="5">
-                  <c:v>0.0</c:v>
+                  <c:v>10.0</c:v>
                 </c:pt>
                 <c:pt idx="6">
-                  <c:v>0.0</c:v>
+                  <c:v>16.0</c:v>
                 </c:pt>
                 <c:pt idx="7">
-                  <c:v>16.0</c:v>
+                  <c:v>8.0</c:v>
                 </c:pt>
                 <c:pt idx="8">
+                  <c:v>2.0</c:v>
+                </c:pt>
+                <c:pt idx="9">
+                  <c:v>2.0</c:v>
+                </c:pt>
+                <c:pt idx="10">
+                  <c:v>4.0</c:v>
+                </c:pt>
+                <c:pt idx="11">
                   <c:v>6.0</c:v>
-                </c:pt>
-                <c:pt idx="9">
-                  <c:v>0.0</c:v>
-                </c:pt>
-                <c:pt idx="10">
-                  <c:v>0.0</c:v>
-                </c:pt>
-                <c:pt idx="11">
-                  <c:v>0.0</c:v>
                 </c:pt>
                 <c:pt idx="12">
                   <c:v>4.0</c:v>
                 </c:pt>
                 <c:pt idx="13">
+                  <c:v>6.0</c:v>
+                </c:pt>
+                <c:pt idx="14">
+                  <c:v>8.0</c:v>
+                </c:pt>
+                <c:pt idx="15">
                   <c:v>2.0</c:v>
                 </c:pt>
-                <c:pt idx="14">
-                  <c:v>0.0</c:v>
-                </c:pt>
-                <c:pt idx="15">
-                  <c:v>0.0</c:v>
-                </c:pt>
                 <c:pt idx="16">
-                  <c:v>0.0</c:v>
+                  <c:v>6.0</c:v>
                 </c:pt>
                 <c:pt idx="17">
-                  <c:v>36.0</c:v>
+                  <c:v>2.0</c:v>
                 </c:pt>
                 <c:pt idx="18">
-                  <c:v>0.0</c:v>
+                  <c:v>8.0</c:v>
                 </c:pt>
                 <c:pt idx="19">
-                  <c:v>0.0</c:v>
+                  <c:v>12.0</c:v>
                 </c:pt>
                 <c:pt idx="20">
-                  <c:v>26.0</c:v>
+                  <c:v>2.0</c:v>
                 </c:pt>
                 <c:pt idx="21">
                   <c:v>2.0</c:v>
                 </c:pt>
                 <c:pt idx="22">
-                  <c:v>6.0</c:v>
+                  <c:v>2.0</c:v>
                 </c:pt>
                 <c:pt idx="23">
-                  <c:v>0.0</c:v>
+                  <c:v>2.0</c:v>
                 </c:pt>
                 <c:pt idx="24">
                   <c:v>2.0</c:v>
                 </c:pt>
                 <c:pt idx="25">
+                  <c:v>6.0</c:v>
+                </c:pt>
+                <c:pt idx="26">
+                  <c:v>2.0</c:v>
+                </c:pt>
+                <c:pt idx="27">
+                  <c:v>6.0</c:v>
+                </c:pt>
+                <c:pt idx="28">
+                  <c:v>2.0</c:v>
+                </c:pt>
+                <c:pt idx="29">
+                  <c:v>2.0</c:v>
+                </c:pt>
+                <c:pt idx="30">
+                  <c:v>4.0</c:v>
+                </c:pt>
+                <c:pt idx="31">
+                  <c:v>28.0</c:v>
+                </c:pt>
+                <c:pt idx="32">
+                  <c:v>12.0</c:v>
+                </c:pt>
+                <c:pt idx="33">
+                  <c:v>2.0</c:v>
+                </c:pt>
+                <c:pt idx="34">
+                  <c:v>2.0</c:v>
+                </c:pt>
+                <c:pt idx="35">
+                  <c:v>126.0</c:v>
+                </c:pt>
+                <c:pt idx="36">
+                  <c:v>6.0</c:v>
+                </c:pt>
+                <c:pt idx="37">
+                  <c:v>6.0</c:v>
+                </c:pt>
+                <c:pt idx="38">
+                  <c:v>6.0</c:v>
+                </c:pt>
+                <c:pt idx="39">
+                  <c:v>2.0</c:v>
+                </c:pt>
+                <c:pt idx="40">
+                  <c:v>2.0</c:v>
+                </c:pt>
+                <c:pt idx="41">
+                  <c:v>2.0</c:v>
+                </c:pt>
+                <c:pt idx="42">
+                  <c:v>2.0</c:v>
+                </c:pt>
+                <c:pt idx="43">
+                  <c:v>2.0</c:v>
+                </c:pt>
+                <c:pt idx="44">
+                  <c:v>2.0</c:v>
+                </c:pt>
+                <c:pt idx="45">
+                  <c:v>2.0</c:v>
+                </c:pt>
+                <c:pt idx="46">
+                  <c:v>2.0</c:v>
+                </c:pt>
+                <c:pt idx="47">
+                  <c:v>2.0</c:v>
+                </c:pt>
+                <c:pt idx="48">
+                  <c:v>48.0</c:v>
+                </c:pt>
+                <c:pt idx="49">
+                  <c:v>4.0</c:v>
+                </c:pt>
+                <c:pt idx="50">
+                  <c:v>4.0</c:v>
+                </c:pt>
+                <c:pt idx="51">
+                  <c:v>4.0</c:v>
+                </c:pt>
+                <c:pt idx="52">
+                  <c:v>4.0</c:v>
+                </c:pt>
+                <c:pt idx="53">
+                  <c:v>2.0</c:v>
+                </c:pt>
+                <c:pt idx="54">
+                  <c:v>8.0</c:v>
+                </c:pt>
+                <c:pt idx="55">
+                  <c:v>2.0</c:v>
+                </c:pt>
+                <c:pt idx="56">
+                  <c:v>70.0</c:v>
+                </c:pt>
+                <c:pt idx="57">
+                  <c:v>70.0</c:v>
+                </c:pt>
+                <c:pt idx="58">
+                  <c:v>28.0</c:v>
+                </c:pt>
+                <c:pt idx="59">
+                  <c:v>332.0</c:v>
+                </c:pt>
+                <c:pt idx="60">
+                  <c:v>2.0</c:v>
+                </c:pt>
+                <c:pt idx="61">
+                  <c:v>2.0</c:v>
+                </c:pt>
+                <c:pt idx="62">
+                  <c:v>2.0</c:v>
+                </c:pt>
+                <c:pt idx="63">
+                  <c:v>2.0</c:v>
+                </c:pt>
+                <c:pt idx="64">
+                  <c:v>2.0</c:v>
+                </c:pt>
+                <c:pt idx="65">
+                  <c:v>4.0</c:v>
+                </c:pt>
+                <c:pt idx="66">
+                  <c:v>4.0</c:v>
+                </c:pt>
+                <c:pt idx="67">
+                  <c:v>2.0</c:v>
+                </c:pt>
+                <c:pt idx="68">
+                  <c:v>2.0</c:v>
+                </c:pt>
+                <c:pt idx="69">
+                  <c:v>2.0</c:v>
+                </c:pt>
+                <c:pt idx="70">
+                  <c:v>2.0</c:v>
+                </c:pt>
+                <c:pt idx="71">
+                  <c:v>2.0</c:v>
+                </c:pt>
+                <c:pt idx="72">
+                  <c:v>2.0</c:v>
+                </c:pt>
+                <c:pt idx="73">
+                  <c:v>34.0</c:v>
+                </c:pt>
+                <c:pt idx="74">
+                  <c:v>2.0</c:v>
+                </c:pt>
+                <c:pt idx="75">
+                  <c:v>2.0</c:v>
+                </c:pt>
+                <c:pt idx="76">
+                  <c:v>2.0</c:v>
+                </c:pt>
+                <c:pt idx="77">
+                  <c:v>2.0</c:v>
+                </c:pt>
+                <c:pt idx="78">
+                  <c:v>2.0</c:v>
+                </c:pt>
+                <c:pt idx="79">
+                  <c:v>2.0</c:v>
+                </c:pt>
+                <c:pt idx="80">
+                  <c:v>0.0</c:v>
+                </c:pt>
+                <c:pt idx="81">
+                  <c:v>0.0</c:v>
+                </c:pt>
+                <c:pt idx="82">
+                  <c:v>0.0</c:v>
+                </c:pt>
+                <c:pt idx="83">
+                  <c:v>0.0</c:v>
+                </c:pt>
+                <c:pt idx="84">
+                  <c:v>0.0</c:v>
+                </c:pt>
+                <c:pt idx="85">
+                  <c:v>0.0</c:v>
+                </c:pt>
+                <c:pt idx="86">
+                  <c:v>0.0</c:v>
+                </c:pt>
+                <c:pt idx="87">
+                  <c:v>0.0</c:v>
+                </c:pt>
+                <c:pt idx="88">
+                  <c:v>0.0</c:v>
+                </c:pt>
+                <c:pt idx="89">
+                  <c:v>0.0</c:v>
+                </c:pt>
+                <c:pt idx="90">
+                  <c:v>0.0</c:v>
+                </c:pt>
+                <c:pt idx="91">
+                  <c:v>0.0</c:v>
+                </c:pt>
+                <c:pt idx="92">
+                  <c:v>0.0</c:v>
+                </c:pt>
+                <c:pt idx="93">
+                  <c:v>0.0</c:v>
+                </c:pt>
+                <c:pt idx="94">
+                  <c:v>0.0</c:v>
+                </c:pt>
+                <c:pt idx="95">
+                  <c:v>0.0</c:v>
+                </c:pt>
+                <c:pt idx="96">
+                  <c:v>0.0</c:v>
+                </c:pt>
+                <c:pt idx="97">
+                  <c:v>0.0</c:v>
+                </c:pt>
+                <c:pt idx="98">
+                  <c:v>0.0</c:v>
+                </c:pt>
+                <c:pt idx="99">
+                  <c:v>0.0</c:v>
+                </c:pt>
+                <c:pt idx="100">
+                  <c:v>0.0</c:v>
+                </c:pt>
+                <c:pt idx="101">
+                  <c:v>0.0</c:v>
+                </c:pt>
+                <c:pt idx="102">
+                  <c:v>0.0</c:v>
+                </c:pt>
+                <c:pt idx="103">
+                  <c:v>0.0</c:v>
+                </c:pt>
+                <c:pt idx="104">
+                  <c:v>0.0</c:v>
+                </c:pt>
+                <c:pt idx="105">
+                  <c:v>0.0</c:v>
+                </c:pt>
+                <c:pt idx="106">
+                  <c:v>0.0</c:v>
+                </c:pt>
+                <c:pt idx="107">
+                  <c:v>0.0</c:v>
+                </c:pt>
+                <c:pt idx="108">
+                  <c:v>0.0</c:v>
+                </c:pt>
+                <c:pt idx="109">
+                  <c:v>0.0</c:v>
+                </c:pt>
+                <c:pt idx="110">
+                  <c:v>0.0</c:v>
+                </c:pt>
+                <c:pt idx="111">
+                  <c:v>0.0</c:v>
+                </c:pt>
+                <c:pt idx="112">
+                  <c:v>0.0</c:v>
+                </c:pt>
+                <c:pt idx="113">
+                  <c:v>0.0</c:v>
+                </c:pt>
+                <c:pt idx="114">
+                  <c:v>0.0</c:v>
+                </c:pt>
+                <c:pt idx="115">
+                  <c:v>0.0</c:v>
+                </c:pt>
+                <c:pt idx="116">
+                  <c:v>0.0</c:v>
+                </c:pt>
+                <c:pt idx="117">
+                  <c:v>0.0</c:v>
+                </c:pt>
+                <c:pt idx="118">
+                  <c:v>0.0</c:v>
+                </c:pt>
+                <c:pt idx="119">
+                  <c:v>0.0</c:v>
+                </c:pt>
+                <c:pt idx="120">
+                  <c:v>0.0</c:v>
+                </c:pt>
+                <c:pt idx="121">
+                  <c:v>0.0</c:v>
+                </c:pt>
+                <c:pt idx="122">
+                  <c:v>0.0</c:v>
+                </c:pt>
+                <c:pt idx="123">
+                  <c:v>0.0</c:v>
+                </c:pt>
+                <c:pt idx="124">
+                  <c:v>0.0</c:v>
+                </c:pt>
+                <c:pt idx="125">
+                  <c:v>0.0</c:v>
+                </c:pt>
+                <c:pt idx="126">
+                  <c:v>0.0</c:v>
+                </c:pt>
+                <c:pt idx="127">
+                  <c:v>0.0</c:v>
+                </c:pt>
+                <c:pt idx="128">
+                  <c:v>0.0</c:v>
+                </c:pt>
+                <c:pt idx="129">
+                  <c:v>0.0</c:v>
+                </c:pt>
+                <c:pt idx="130">
+                  <c:v>0.0</c:v>
+                </c:pt>
+                <c:pt idx="131">
+                  <c:v>0.0</c:v>
+                </c:pt>
+                <c:pt idx="132">
+                  <c:v>0.0</c:v>
+                </c:pt>
+                <c:pt idx="133">
+                  <c:v>0.0</c:v>
+                </c:pt>
+                <c:pt idx="134">
+                  <c:v>0.0</c:v>
+                </c:pt>
+                <c:pt idx="135">
+                  <c:v>0.0</c:v>
+                </c:pt>
+                <c:pt idx="136">
+                  <c:v>0.0</c:v>
+                </c:pt>
+                <c:pt idx="137">
+                  <c:v>0.0</c:v>
+                </c:pt>
+                <c:pt idx="138">
+                  <c:v>0.0</c:v>
+                </c:pt>
+                <c:pt idx="139">
+                  <c:v>0.0</c:v>
+                </c:pt>
+                <c:pt idx="140">
+                  <c:v>0.0</c:v>
+                </c:pt>
+                <c:pt idx="141">
+                  <c:v>0.0</c:v>
+                </c:pt>
+                <c:pt idx="142">
+                  <c:v>0.0</c:v>
+                </c:pt>
+                <c:pt idx="143">
+                  <c:v>0.0</c:v>
+                </c:pt>
+                <c:pt idx="144">
+                  <c:v>0.0</c:v>
+                </c:pt>
+                <c:pt idx="145">
+                  <c:v>0.0</c:v>
+                </c:pt>
+                <c:pt idx="146">
+                  <c:v>0.0</c:v>
+                </c:pt>
+                <c:pt idx="147">
+                  <c:v>0.0</c:v>
+                </c:pt>
+                <c:pt idx="148">
+                  <c:v>0.0</c:v>
+                </c:pt>
+                <c:pt idx="149">
+                  <c:v>0.0</c:v>
+                </c:pt>
+                <c:pt idx="150">
+                  <c:v>0.0</c:v>
+                </c:pt>
+                <c:pt idx="151">
+                  <c:v>0.0</c:v>
+                </c:pt>
+                <c:pt idx="152">
+                  <c:v>0.0</c:v>
+                </c:pt>
+                <c:pt idx="153">
+                  <c:v>0.0</c:v>
+                </c:pt>
+                <c:pt idx="154">
+                  <c:v>0.0</c:v>
+                </c:pt>
+                <c:pt idx="155">
+                  <c:v>0.0</c:v>
+                </c:pt>
+                <c:pt idx="156">
+                  <c:v>0.0</c:v>
+                </c:pt>
+                <c:pt idx="157">
+                  <c:v>0.0</c:v>
+                </c:pt>
+                <c:pt idx="158">
+                  <c:v>0.0</c:v>
+                </c:pt>
+                <c:pt idx="159">
+                  <c:v>0.0</c:v>
+                </c:pt>
+                <c:pt idx="160">
+                  <c:v>0.0</c:v>
+                </c:pt>
+                <c:pt idx="161">
+                  <c:v>0.0</c:v>
+                </c:pt>
+                <c:pt idx="162">
+                  <c:v>0.0</c:v>
+                </c:pt>
+                <c:pt idx="163">
+                  <c:v>0.0</c:v>
+                </c:pt>
+                <c:pt idx="164">
+                  <c:v>0.0</c:v>
+                </c:pt>
+                <c:pt idx="165">
+                  <c:v>0.0</c:v>
+                </c:pt>
+                <c:pt idx="166">
+                  <c:v>0.0</c:v>
+                </c:pt>
+                <c:pt idx="167">
+                  <c:v>0.0</c:v>
+                </c:pt>
+                <c:pt idx="168">
+                  <c:v>0.0</c:v>
+                </c:pt>
+                <c:pt idx="169">
+                  <c:v>0.0</c:v>
+                </c:pt>
+                <c:pt idx="170">
+                  <c:v>0.0</c:v>
+                </c:pt>
+                <c:pt idx="171">
+                  <c:v>0.0</c:v>
+                </c:pt>
+                <c:pt idx="172">
+                  <c:v>0.0</c:v>
+                </c:pt>
+                <c:pt idx="173">
+                  <c:v>0.0</c:v>
+                </c:pt>
+                <c:pt idx="174">
+                  <c:v>0.0</c:v>
+                </c:pt>
+                <c:pt idx="175">
+                  <c:v>0.0</c:v>
+                </c:pt>
+                <c:pt idx="176">
+                  <c:v>0.0</c:v>
+                </c:pt>
+                <c:pt idx="177">
+                  <c:v>0.0</c:v>
+                </c:pt>
+                <c:pt idx="178">
+                  <c:v>0.0</c:v>
+                </c:pt>
+                <c:pt idx="179">
+                  <c:v>0.0</c:v>
+                </c:pt>
+                <c:pt idx="180">
+                  <c:v>0.0</c:v>
+                </c:pt>
+                <c:pt idx="181">
+                  <c:v>0.0</c:v>
+                </c:pt>
+                <c:pt idx="182">
+                  <c:v>0.0</c:v>
+                </c:pt>
+                <c:pt idx="183">
+                  <c:v>0.0</c:v>
+                </c:pt>
+                <c:pt idx="184">
+                  <c:v>0.0</c:v>
+                </c:pt>
+                <c:pt idx="185">
+                  <c:v>0.0</c:v>
+                </c:pt>
+                <c:pt idx="186">
+                  <c:v>0.0</c:v>
+                </c:pt>
+                <c:pt idx="187">
+                  <c:v>0.0</c:v>
+                </c:pt>
+                <c:pt idx="188">
+                  <c:v>0.0</c:v>
+                </c:pt>
+                <c:pt idx="189">
+                  <c:v>0.0</c:v>
+                </c:pt>
+                <c:pt idx="190">
+                  <c:v>0.0</c:v>
+                </c:pt>
+                <c:pt idx="191">
+                  <c:v>0.0</c:v>
+                </c:pt>
+                <c:pt idx="192">
+                  <c:v>0.0</c:v>
+                </c:pt>
+                <c:pt idx="193">
+                  <c:v>0.0</c:v>
+                </c:pt>
+                <c:pt idx="194">
+                  <c:v>0.0</c:v>
+                </c:pt>
+                <c:pt idx="195">
+                  <c:v>0.0</c:v>
+                </c:pt>
+                <c:pt idx="196">
+                  <c:v>0.0</c:v>
+                </c:pt>
+                <c:pt idx="197">
+                  <c:v>0.0</c:v>
+                </c:pt>
+                <c:pt idx="198">
+                  <c:v>0.0</c:v>
+                </c:pt>
+                <c:pt idx="199">
+                  <c:v>0.0</c:v>
+                </c:pt>
+                <c:pt idx="200">
+                  <c:v>0.0</c:v>
+                </c:pt>
+                <c:pt idx="201">
+                  <c:v>0.0</c:v>
+                </c:pt>
+                <c:pt idx="202">
+                  <c:v>0.0</c:v>
+                </c:pt>
+                <c:pt idx="203">
+                  <c:v>0.0</c:v>
+                </c:pt>
+                <c:pt idx="204">
+                  <c:v>0.0</c:v>
+                </c:pt>
+                <c:pt idx="205">
+                  <c:v>0.0</c:v>
+                </c:pt>
+                <c:pt idx="206">
+                  <c:v>0.0</c:v>
+                </c:pt>
+                <c:pt idx="207">
+                  <c:v>0.0</c:v>
+                </c:pt>
+                <c:pt idx="208">
+                  <c:v>0.0</c:v>
+                </c:pt>
+                <c:pt idx="209">
+                  <c:v>0.0</c:v>
+                </c:pt>
+                <c:pt idx="210">
+                  <c:v>0.0</c:v>
+                </c:pt>
+                <c:pt idx="211">
+                  <c:v>0.0</c:v>
+                </c:pt>
+                <c:pt idx="212">
+                  <c:v>0.0</c:v>
+                </c:pt>
+                <c:pt idx="213">
+                  <c:v>0.0</c:v>
+                </c:pt>
+                <c:pt idx="214">
+                  <c:v>0.0</c:v>
+                </c:pt>
+                <c:pt idx="215">
+                  <c:v>0.0</c:v>
+                </c:pt>
+                <c:pt idx="216">
+                  <c:v>0.0</c:v>
+                </c:pt>
+                <c:pt idx="217">
+                  <c:v>0.0</c:v>
+                </c:pt>
+                <c:pt idx="218">
+                  <c:v>0.0</c:v>
+                </c:pt>
+                <c:pt idx="219">
+                  <c:v>0.0</c:v>
+                </c:pt>
+                <c:pt idx="220">
+                  <c:v>6.0</c:v>
+                </c:pt>
+                <c:pt idx="221">
+                  <c:v>0.0</c:v>
+                </c:pt>
+                <c:pt idx="222">
+                  <c:v>0.0</c:v>
+                </c:pt>
+                <c:pt idx="223">
                   <c:v>10.0</c:v>
                 </c:pt>
-                <c:pt idx="26">
-                  <c:v>0.0</c:v>
-                </c:pt>
-                <c:pt idx="27">
-                  <c:v>0.0</c:v>
-                </c:pt>
-                <c:pt idx="28">
+                <c:pt idx="224">
+                  <c:v>2.0</c:v>
+                </c:pt>
+                <c:pt idx="225">
+                  <c:v>0.0</c:v>
+                </c:pt>
+                <c:pt idx="226">
                   <c:v>6.0</c:v>
                 </c:pt>
-                <c:pt idx="29">
-                  <c:v>0.0</c:v>
-                </c:pt>
-                <c:pt idx="30">
-                  <c:v>0.0</c:v>
-                </c:pt>
-                <c:pt idx="31">
-                  <c:v>0.0</c:v>
-                </c:pt>
-                <c:pt idx="32">
-                  <c:v>0.0</c:v>
-                </c:pt>
-                <c:pt idx="33">
-                  <c:v>0.0</c:v>
-                </c:pt>
-                <c:pt idx="34">
-                  <c:v>0.0</c:v>
-                </c:pt>
-                <c:pt idx="35">
-                  <c:v>0.0</c:v>
-                </c:pt>
-                <c:pt idx="36">
-                  <c:v>0.0</c:v>
-                </c:pt>
-                <c:pt idx="37">
-                  <c:v>0.0</c:v>
-                </c:pt>
-                <c:pt idx="38">
-                  <c:v>0.0</c:v>
-                </c:pt>
-                <c:pt idx="39">
-                  <c:v>0.0</c:v>
-                </c:pt>
-                <c:pt idx="40">
-                  <c:v>0.0</c:v>
-                </c:pt>
-                <c:pt idx="41">
-                  <c:v>0.0</c:v>
-                </c:pt>
-                <c:pt idx="42">
-                  <c:v>0.0</c:v>
-                </c:pt>
-                <c:pt idx="43">
-                  <c:v>0.0</c:v>
-                </c:pt>
-                <c:pt idx="44">
-                  <c:v>0.0</c:v>
-                </c:pt>
-                <c:pt idx="45">
-                  <c:v>0.0</c:v>
-                </c:pt>
-                <c:pt idx="46">
-                  <c:v>0.0</c:v>
-                </c:pt>
-                <c:pt idx="47">
-                  <c:v>0.0</c:v>
-                </c:pt>
-                <c:pt idx="48">
-                  <c:v>0.0</c:v>
-                </c:pt>
-                <c:pt idx="49">
-                  <c:v>0.0</c:v>
-                </c:pt>
-                <c:pt idx="50">
-                  <c:v>0.0</c:v>
-                </c:pt>
-                <c:pt idx="51">
-                  <c:v>0.0</c:v>
-                </c:pt>
-                <c:pt idx="52">
-                  <c:v>0.0</c:v>
-                </c:pt>
-                <c:pt idx="53">
-                  <c:v>0.0</c:v>
-                </c:pt>
-                <c:pt idx="54">
-                  <c:v>0.0</c:v>
-                </c:pt>
-                <c:pt idx="55">
-                  <c:v>0.0</c:v>
-                </c:pt>
-                <c:pt idx="56">
-                  <c:v>0.0</c:v>
-                </c:pt>
-                <c:pt idx="57">
-                  <c:v>0.0</c:v>
-                </c:pt>
-                <c:pt idx="58">
-                  <c:v>0.0</c:v>
-                </c:pt>
-                <c:pt idx="59">
-                  <c:v>0.0</c:v>
-                </c:pt>
-                <c:pt idx="60">
-                  <c:v>0.0</c:v>
-                </c:pt>
-                <c:pt idx="61">
-                  <c:v>0.0</c:v>
-                </c:pt>
-                <c:pt idx="62">
-                  <c:v>0.0</c:v>
-                </c:pt>
-                <c:pt idx="63">
-                  <c:v>0.0</c:v>
-                </c:pt>
-                <c:pt idx="64">
-                  <c:v>0.0</c:v>
-                </c:pt>
-                <c:pt idx="65">
-                  <c:v>0.0</c:v>
-                </c:pt>
-                <c:pt idx="66">
-                  <c:v>0.0</c:v>
-                </c:pt>
-                <c:pt idx="67">
-                  <c:v>0.0</c:v>
-                </c:pt>
-                <c:pt idx="68">
-                  <c:v>0.0</c:v>
-                </c:pt>
-                <c:pt idx="69">
-                  <c:v>0.0</c:v>
-                </c:pt>
-                <c:pt idx="70">
-                  <c:v>0.0</c:v>
-                </c:pt>
-                <c:pt idx="71">
-                  <c:v>0.0</c:v>
-                </c:pt>
-                <c:pt idx="72">
-                  <c:v>0.0</c:v>
-                </c:pt>
-                <c:pt idx="73">
-                  <c:v>0.0</c:v>
-                </c:pt>
-                <c:pt idx="74">
-                  <c:v>0.0</c:v>
-                </c:pt>
-                <c:pt idx="75">
-                  <c:v>0.0</c:v>
-                </c:pt>
-                <c:pt idx="76">
-                  <c:v>0.0</c:v>
-                </c:pt>
-                <c:pt idx="77">
-                  <c:v>0.0</c:v>
-                </c:pt>
-                <c:pt idx="78">
-                  <c:v>0.0</c:v>
-                </c:pt>
-                <c:pt idx="79">
-                  <c:v>0.0</c:v>
-                </c:pt>
-                <c:pt idx="80">
-                  <c:v>0.0</c:v>
-                </c:pt>
-                <c:pt idx="81">
-                  <c:v>0.0</c:v>
-                </c:pt>
-                <c:pt idx="82">
-                  <c:v>0.0</c:v>
-                </c:pt>
-                <c:pt idx="83">
-                  <c:v>0.0</c:v>
-                </c:pt>
-                <c:pt idx="84">
-                  <c:v>0.0</c:v>
-                </c:pt>
-                <c:pt idx="85">
-                  <c:v>0.0</c:v>
-                </c:pt>
-                <c:pt idx="86">
-                  <c:v>0.0</c:v>
-                </c:pt>
-                <c:pt idx="87">
-                  <c:v>0.0</c:v>
-                </c:pt>
-                <c:pt idx="88">
-                  <c:v>0.0</c:v>
-                </c:pt>
-                <c:pt idx="89">
-                  <c:v>0.0</c:v>
-                </c:pt>
-                <c:pt idx="90">
-                  <c:v>0.0</c:v>
-                </c:pt>
-                <c:pt idx="91">
-                  <c:v>0.0</c:v>
-                </c:pt>
-                <c:pt idx="92">
-                  <c:v>0.0</c:v>
-                </c:pt>
-                <c:pt idx="93">
-                  <c:v>0.0</c:v>
-                </c:pt>
-                <c:pt idx="94">
-                  <c:v>0.0</c:v>
-                </c:pt>
-                <c:pt idx="95">
-                  <c:v>0.0</c:v>
-                </c:pt>
-                <c:pt idx="96">
-                  <c:v>0.0</c:v>
-                </c:pt>
-                <c:pt idx="97">
-                  <c:v>0.0</c:v>
-                </c:pt>
-                <c:pt idx="98">
-                  <c:v>0.0</c:v>
-                </c:pt>
-                <c:pt idx="99">
-                  <c:v>0.0</c:v>
-                </c:pt>
-                <c:pt idx="100">
-                  <c:v>0.0</c:v>
-                </c:pt>
-                <c:pt idx="101">
-                  <c:v>0.0</c:v>
-                </c:pt>
-                <c:pt idx="102">
-                  <c:v>0.0</c:v>
-                </c:pt>
-                <c:pt idx="103">
-                  <c:v>0.0</c:v>
-                </c:pt>
-                <c:pt idx="104">
-                  <c:v>0.0</c:v>
-                </c:pt>
-                <c:pt idx="105">
-                  <c:v>0.0</c:v>
-                </c:pt>
-                <c:pt idx="106">
-                  <c:v>0.0</c:v>
-                </c:pt>
-                <c:pt idx="107">
-                  <c:v>0.0</c:v>
-                </c:pt>
-                <c:pt idx="108">
-                  <c:v>0.0</c:v>
-                </c:pt>
-                <c:pt idx="109">
-                  <c:v>0.0</c:v>
-                </c:pt>
-                <c:pt idx="110">
-                  <c:v>0.0</c:v>
-                </c:pt>
-                <c:pt idx="111">
-                  <c:v>0.0</c:v>
-                </c:pt>
-                <c:pt idx="112">
-                  <c:v>0.0</c:v>
-                </c:pt>
-                <c:pt idx="113">
-                  <c:v>0.0</c:v>
-                </c:pt>
-                <c:pt idx="114">
-                  <c:v>0.0</c:v>
-                </c:pt>
-                <c:pt idx="115">
-                  <c:v>0.0</c:v>
-                </c:pt>
-                <c:pt idx="116">
-                  <c:v>0.0</c:v>
-                </c:pt>
-                <c:pt idx="117">
-                  <c:v>0.0</c:v>
-                </c:pt>
-                <c:pt idx="118">
-                  <c:v>0.0</c:v>
-                </c:pt>
-                <c:pt idx="119">
-                  <c:v>0.0</c:v>
-                </c:pt>
-                <c:pt idx="120">
-                  <c:v>0.0</c:v>
-                </c:pt>
-                <c:pt idx="121">
-                  <c:v>0.0</c:v>
-                </c:pt>
-                <c:pt idx="122">
-                  <c:v>0.0</c:v>
-                </c:pt>
-                <c:pt idx="123">
-                  <c:v>0.0</c:v>
-                </c:pt>
-                <c:pt idx="124">
-                  <c:v>0.0</c:v>
-                </c:pt>
-                <c:pt idx="125">
-                  <c:v>0.0</c:v>
-                </c:pt>
-                <c:pt idx="126">
-                  <c:v>0.0</c:v>
-                </c:pt>
-                <c:pt idx="127">
-                  <c:v>0.0</c:v>
-                </c:pt>
-                <c:pt idx="128">
-                  <c:v>0.0</c:v>
-                </c:pt>
-                <c:pt idx="129">
-                  <c:v>0.0</c:v>
-                </c:pt>
-                <c:pt idx="130">
-                  <c:v>0.0</c:v>
-                </c:pt>
-                <c:pt idx="131">
-                  <c:v>0.0</c:v>
-                </c:pt>
-                <c:pt idx="132">
-                  <c:v>0.0</c:v>
-                </c:pt>
-                <c:pt idx="133">
-                  <c:v>0.0</c:v>
-                </c:pt>
-                <c:pt idx="134">
-                  <c:v>0.0</c:v>
-                </c:pt>
-                <c:pt idx="135">
-                  <c:v>0.0</c:v>
-                </c:pt>
-                <c:pt idx="136">
-                  <c:v>0.0</c:v>
-                </c:pt>
-                <c:pt idx="137">
-                  <c:v>0.0</c:v>
-                </c:pt>
-                <c:pt idx="138">
-                  <c:v>0.0</c:v>
-                </c:pt>
-                <c:pt idx="139">
-                  <c:v>0.0</c:v>
-                </c:pt>
-                <c:pt idx="140">
-                  <c:v>0.0</c:v>
-                </c:pt>
-                <c:pt idx="141">
-                  <c:v>0.0</c:v>
-                </c:pt>
-                <c:pt idx="142">
-                  <c:v>0.0</c:v>
-                </c:pt>
-                <c:pt idx="143">
-                  <c:v>0.0</c:v>
-                </c:pt>
-                <c:pt idx="144">
-                  <c:v>0.0</c:v>
-                </c:pt>
-                <c:pt idx="145">
-                  <c:v>0.0</c:v>
-                </c:pt>
-                <c:pt idx="146">
-                  <c:v>0.0</c:v>
-                </c:pt>
-                <c:pt idx="147">
-                  <c:v>0.0</c:v>
-                </c:pt>
-                <c:pt idx="148">
-                  <c:v>0.0</c:v>
-                </c:pt>
-                <c:pt idx="149">
-                  <c:v>0.0</c:v>
-                </c:pt>
-                <c:pt idx="150">
-                  <c:v>0.0</c:v>
-                </c:pt>
-                <c:pt idx="151">
-                  <c:v>0.0</c:v>
-                </c:pt>
-                <c:pt idx="152">
-                  <c:v>0.0</c:v>
-                </c:pt>
-                <c:pt idx="153">
-                  <c:v>0.0</c:v>
-                </c:pt>
-                <c:pt idx="154">
-                  <c:v>0.0</c:v>
-                </c:pt>
-                <c:pt idx="155">
-                  <c:v>0.0</c:v>
-                </c:pt>
-                <c:pt idx="156">
-                  <c:v>0.0</c:v>
-                </c:pt>
-                <c:pt idx="157">
-                  <c:v>0.0</c:v>
-                </c:pt>
-                <c:pt idx="158">
-                  <c:v>0.0</c:v>
-                </c:pt>
-                <c:pt idx="159">
-                  <c:v>0.0</c:v>
-                </c:pt>
-                <c:pt idx="160">
-                  <c:v>0.0</c:v>
-                </c:pt>
-                <c:pt idx="161">
-                  <c:v>0.0</c:v>
-                </c:pt>
-                <c:pt idx="162">
-                  <c:v>0.0</c:v>
-                </c:pt>
-                <c:pt idx="163">
-                  <c:v>0.0</c:v>
-                </c:pt>
-                <c:pt idx="164">
-                  <c:v>0.0</c:v>
-                </c:pt>
-                <c:pt idx="165">
-                  <c:v>0.0</c:v>
-                </c:pt>
-                <c:pt idx="166">
-                  <c:v>0.0</c:v>
-                </c:pt>
-                <c:pt idx="167">
-                  <c:v>0.0</c:v>
-                </c:pt>
-                <c:pt idx="168">
-                  <c:v>0.0</c:v>
-                </c:pt>
-                <c:pt idx="169">
-                  <c:v>0.0</c:v>
-                </c:pt>
-                <c:pt idx="170">
-                  <c:v>0.0</c:v>
-                </c:pt>
-                <c:pt idx="171">
-                  <c:v>0.0</c:v>
-                </c:pt>
-                <c:pt idx="172">
-                  <c:v>0.0</c:v>
-                </c:pt>
-                <c:pt idx="173">
-                  <c:v>0.0</c:v>
-                </c:pt>
-                <c:pt idx="174">
-                  <c:v>0.0</c:v>
-                </c:pt>
-                <c:pt idx="175">
-                  <c:v>0.0</c:v>
-                </c:pt>
-                <c:pt idx="176">
-                  <c:v>0.0</c:v>
-                </c:pt>
-                <c:pt idx="177">
-                  <c:v>0.0</c:v>
-                </c:pt>
-                <c:pt idx="178">
-                  <c:v>0.0</c:v>
-                </c:pt>
-                <c:pt idx="179">
-                  <c:v>0.0</c:v>
-                </c:pt>
-                <c:pt idx="180">
-                  <c:v>0.0</c:v>
-                </c:pt>
-                <c:pt idx="181">
-                  <c:v>0.0</c:v>
-                </c:pt>
-                <c:pt idx="182">
-                  <c:v>0.0</c:v>
-                </c:pt>
-                <c:pt idx="183">
-                  <c:v>0.0</c:v>
-                </c:pt>
-                <c:pt idx="184">
-                  <c:v>0.0</c:v>
-                </c:pt>
-                <c:pt idx="185">
-                  <c:v>0.0</c:v>
-                </c:pt>
-                <c:pt idx="186">
-                  <c:v>0.0</c:v>
-                </c:pt>
-                <c:pt idx="187">
-                  <c:v>0.0</c:v>
-                </c:pt>
-                <c:pt idx="188">
-                  <c:v>0.0</c:v>
-                </c:pt>
-                <c:pt idx="189">
-                  <c:v>0.0</c:v>
-                </c:pt>
-                <c:pt idx="190">
-                  <c:v>0.0</c:v>
-                </c:pt>
-                <c:pt idx="191">
-                  <c:v>0.0</c:v>
-                </c:pt>
-                <c:pt idx="192">
-                  <c:v>0.0</c:v>
-                </c:pt>
-                <c:pt idx="193">
-                  <c:v>0.0</c:v>
-                </c:pt>
-                <c:pt idx="194">
-                  <c:v>0.0</c:v>
-                </c:pt>
-                <c:pt idx="195">
-                  <c:v>0.0</c:v>
-                </c:pt>
-                <c:pt idx="196">
-                  <c:v>0.0</c:v>
-                </c:pt>
-                <c:pt idx="197">
-                  <c:v>0.0</c:v>
-                </c:pt>
-                <c:pt idx="198">
-                  <c:v>0.0</c:v>
-                </c:pt>
-                <c:pt idx="199">
-                  <c:v>0.0</c:v>
-                </c:pt>
-                <c:pt idx="200">
-                  <c:v>0.0</c:v>
-                </c:pt>
-                <c:pt idx="201">
-                  <c:v>0.0</c:v>
-                </c:pt>
-                <c:pt idx="202">
-                  <c:v>0.0</c:v>
-                </c:pt>
-                <c:pt idx="203">
-                  <c:v>0.0</c:v>
-                </c:pt>
-                <c:pt idx="204">
-                  <c:v>0.0</c:v>
-                </c:pt>
-                <c:pt idx="205">
-                  <c:v>0.0</c:v>
-                </c:pt>
-                <c:pt idx="206">
-                  <c:v>0.0</c:v>
-                </c:pt>
-                <c:pt idx="207">
-                  <c:v>0.0</c:v>
-                </c:pt>
-                <c:pt idx="208">
-                  <c:v>0.0</c:v>
-                </c:pt>
-                <c:pt idx="209">
-                  <c:v>0.0</c:v>
-                </c:pt>
-                <c:pt idx="210">
-                  <c:v>0.0</c:v>
-                </c:pt>
-                <c:pt idx="211">
-                  <c:v>0.0</c:v>
-                </c:pt>
-                <c:pt idx="212">
-                  <c:v>0.0</c:v>
-                </c:pt>
-                <c:pt idx="213">
-                  <c:v>0.0</c:v>
-                </c:pt>
-                <c:pt idx="214">
-                  <c:v>0.0</c:v>
-                </c:pt>
-                <c:pt idx="215">
-                  <c:v>0.0</c:v>
-                </c:pt>
-                <c:pt idx="216">
-                  <c:v>0.0</c:v>
-                </c:pt>
-                <c:pt idx="217">
-                  <c:v>0.0</c:v>
-                </c:pt>
-                <c:pt idx="218">
-                  <c:v>0.0</c:v>
-                </c:pt>
-                <c:pt idx="219">
-                  <c:v>0.0</c:v>
-                </c:pt>
-                <c:pt idx="220">
-                  <c:v>0.0</c:v>
-                </c:pt>
-                <c:pt idx="221">
-                  <c:v>0.0</c:v>
-                </c:pt>
-                <c:pt idx="222">
-                  <c:v>0.0</c:v>
-                </c:pt>
-                <c:pt idx="223">
-                  <c:v>0.0</c:v>
-                </c:pt>
-                <c:pt idx="224">
-                  <c:v>0.0</c:v>
-                </c:pt>
-                <c:pt idx="225">
-                  <c:v>0.0</c:v>
-                </c:pt>
-                <c:pt idx="226">
-                  <c:v>0.0</c:v>
-                </c:pt>
                 <c:pt idx="227">
-                  <c:v>0.0</c:v>
+                  <c:v>2.0</c:v>
                 </c:pt>
                 <c:pt idx="228">
-                  <c:v>0.0</c:v>
+                  <c:v>26.0</c:v>
                 </c:pt>
                 <c:pt idx="229">
                   <c:v>0.0</c:v>
@@ -4090,47 +2371,47 @@
                   <c:v>0.0</c:v>
                 </c:pt>
                 <c:pt idx="231">
-                  <c:v>0.0</c:v>
+                  <c:v>36.0</c:v>
                 </c:pt>
                 <c:pt idx="232">
-                  <c:v>2.0</c:v>
+                  <c:v>0.0</c:v>
                 </c:pt>
                 <c:pt idx="233">
-                  <c:v>2.0</c:v>
+                  <c:v>0.0</c:v>
                 </c:pt>
                 <c:pt idx="234">
-                  <c:v>2.0</c:v>
+                  <c:v>0.0</c:v>
                 </c:pt>
                 <c:pt idx="235">
                   <c:v>2.0</c:v>
                 </c:pt>
                 <c:pt idx="236">
+                  <c:v>4.0</c:v>
+                </c:pt>
+                <c:pt idx="237">
+                  <c:v>0.0</c:v>
+                </c:pt>
+                <c:pt idx="238">
+                  <c:v>0.0</c:v>
+                </c:pt>
+                <c:pt idx="239">
+                  <c:v>0.0</c:v>
+                </c:pt>
+                <c:pt idx="240">
+                  <c:v>6.0</c:v>
+                </c:pt>
+                <c:pt idx="241">
+                  <c:v>16.0</c:v>
+                </c:pt>
+                <c:pt idx="242">
+                  <c:v>0.0</c:v>
+                </c:pt>
+                <c:pt idx="243">
+                  <c:v>0.0</c:v>
+                </c:pt>
+                <c:pt idx="244">
                   <c:v>2.0</c:v>
                 </c:pt>
-                <c:pt idx="237">
-                  <c:v>0.0</c:v>
-                </c:pt>
-                <c:pt idx="238">
-                  <c:v>0.0</c:v>
-                </c:pt>
-                <c:pt idx="239">
-                  <c:v>0.0</c:v>
-                </c:pt>
-                <c:pt idx="240">
-                  <c:v>0.0</c:v>
-                </c:pt>
-                <c:pt idx="241">
-                  <c:v>0.0</c:v>
-                </c:pt>
-                <c:pt idx="242">
-                  <c:v>0.0</c:v>
-                </c:pt>
-                <c:pt idx="243">
-                  <c:v>0.0</c:v>
-                </c:pt>
-                <c:pt idx="244">
-                  <c:v>0.0</c:v>
-                </c:pt>
                 <c:pt idx="245">
                   <c:v>0.0</c:v>
                 </c:pt>
@@ -4141,1771 +2422,7 @@
                   <c:v>0.0</c:v>
                 </c:pt>
                 <c:pt idx="248">
-                  <c:v>0.0</c:v>
-                </c:pt>
-                <c:pt idx="249">
-                  <c:v>0.0</c:v>
-                </c:pt>
-                <c:pt idx="250">
-                  <c:v>0.0</c:v>
-                </c:pt>
-                <c:pt idx="251">
-                  <c:v>0.0</c:v>
-                </c:pt>
-                <c:pt idx="252">
-                  <c:v>0.0</c:v>
-                </c:pt>
-                <c:pt idx="253">
-                  <c:v>0.0</c:v>
-                </c:pt>
-                <c:pt idx="254">
-                  <c:v>2.0</c:v>
-                </c:pt>
-                <c:pt idx="255">
-                  <c:v>34.0</c:v>
-                </c:pt>
-                <c:pt idx="256">
-                  <c:v>0.0</c:v>
-                </c:pt>
-                <c:pt idx="257">
-                  <c:v>0.0</c:v>
-                </c:pt>
-                <c:pt idx="258">
-                  <c:v>0.0</c:v>
-                </c:pt>
-                <c:pt idx="259">
-                  <c:v>0.0</c:v>
-                </c:pt>
-                <c:pt idx="260">
-                  <c:v>0.0</c:v>
-                </c:pt>
-                <c:pt idx="261">
-                  <c:v>0.0</c:v>
-                </c:pt>
-                <c:pt idx="262">
-                  <c:v>0.0</c:v>
-                </c:pt>
-                <c:pt idx="263">
-                  <c:v>0.0</c:v>
-                </c:pt>
-                <c:pt idx="264">
-                  <c:v>0.0</c:v>
-                </c:pt>
-                <c:pt idx="265">
-                  <c:v>0.0</c:v>
-                </c:pt>
-                <c:pt idx="266">
-                  <c:v>2.0</c:v>
-                </c:pt>
-                <c:pt idx="267">
-                  <c:v>0.0</c:v>
-                </c:pt>
-                <c:pt idx="268">
-                  <c:v>2.0</c:v>
-                </c:pt>
-                <c:pt idx="269">
-                  <c:v>2.0</c:v>
-                </c:pt>
-                <c:pt idx="270">
-                  <c:v>0.0</c:v>
-                </c:pt>
-                <c:pt idx="271">
-                  <c:v>0.0</c:v>
-                </c:pt>
-                <c:pt idx="272">
-                  <c:v>0.0</c:v>
-                </c:pt>
-                <c:pt idx="273">
-                  <c:v>0.0</c:v>
-                </c:pt>
-                <c:pt idx="274">
-                  <c:v>0.0</c:v>
-                </c:pt>
-                <c:pt idx="275">
-                  <c:v>0.0</c:v>
-                </c:pt>
-                <c:pt idx="276">
-                  <c:v>0.0</c:v>
-                </c:pt>
-                <c:pt idx="277">
-                  <c:v>0.0</c:v>
-                </c:pt>
-                <c:pt idx="278">
-                  <c:v>0.0</c:v>
-                </c:pt>
-                <c:pt idx="279">
-                  <c:v>2.0</c:v>
-                </c:pt>
-                <c:pt idx="280">
-                  <c:v>2.0</c:v>
-                </c:pt>
-                <c:pt idx="281">
-                  <c:v>2.0</c:v>
-                </c:pt>
-                <c:pt idx="282">
-                  <c:v>0.0</c:v>
-                </c:pt>
-                <c:pt idx="283">
-                  <c:v>0.0</c:v>
-                </c:pt>
-                <c:pt idx="284">
-                  <c:v>4.0</c:v>
-                </c:pt>
-                <c:pt idx="285">
-                  <c:v>0.0</c:v>
-                </c:pt>
-                <c:pt idx="286">
-                  <c:v>0.0</c:v>
-                </c:pt>
-                <c:pt idx="287">
-                  <c:v>0.0</c:v>
-                </c:pt>
-                <c:pt idx="288">
-                  <c:v>0.0</c:v>
-                </c:pt>
-                <c:pt idx="289">
-                  <c:v>0.0</c:v>
-                </c:pt>
-                <c:pt idx="290">
-                  <c:v>0.0</c:v>
-                </c:pt>
-                <c:pt idx="291">
-                  <c:v>0.0</c:v>
-                </c:pt>
-                <c:pt idx="292">
-                  <c:v>0.0</c:v>
-                </c:pt>
-                <c:pt idx="293">
-                  <c:v>0.0</c:v>
-                </c:pt>
-                <c:pt idx="294">
-                  <c:v>0.0</c:v>
-                </c:pt>
-                <c:pt idx="295">
-                  <c:v>0.0</c:v>
-                </c:pt>
-                <c:pt idx="296">
-                  <c:v>0.0</c:v>
-                </c:pt>
-                <c:pt idx="297">
-                  <c:v>0.0</c:v>
-                </c:pt>
-                <c:pt idx="298">
-                  <c:v>0.0</c:v>
-                </c:pt>
-                <c:pt idx="299">
-                  <c:v>0.0</c:v>
-                </c:pt>
-                <c:pt idx="300">
-                  <c:v>0.0</c:v>
-                </c:pt>
-                <c:pt idx="301">
-                  <c:v>0.0</c:v>
-                </c:pt>
-                <c:pt idx="302">
-                  <c:v>0.0</c:v>
-                </c:pt>
-                <c:pt idx="303">
-                  <c:v>0.0</c:v>
-                </c:pt>
-                <c:pt idx="304">
-                  <c:v>0.0</c:v>
-                </c:pt>
-                <c:pt idx="305">
-                  <c:v>0.0</c:v>
-                </c:pt>
-                <c:pt idx="306">
-                  <c:v>0.0</c:v>
-                </c:pt>
-                <c:pt idx="307">
-                  <c:v>0.0</c:v>
-                </c:pt>
-                <c:pt idx="308">
-                  <c:v>0.0</c:v>
-                </c:pt>
-                <c:pt idx="309">
-                  <c:v>0.0</c:v>
-                </c:pt>
-                <c:pt idx="310">
-                  <c:v>0.0</c:v>
-                </c:pt>
-                <c:pt idx="311">
-                  <c:v>0.0</c:v>
-                </c:pt>
-                <c:pt idx="312">
-                  <c:v>0.0</c:v>
-                </c:pt>
-                <c:pt idx="313">
-                  <c:v>0.0</c:v>
-                </c:pt>
-                <c:pt idx="314">
-                  <c:v>0.0</c:v>
-                </c:pt>
-                <c:pt idx="315">
-                  <c:v>0.0</c:v>
-                </c:pt>
-                <c:pt idx="316">
-                  <c:v>0.0</c:v>
-                </c:pt>
-                <c:pt idx="317">
-                  <c:v>0.0</c:v>
-                </c:pt>
-                <c:pt idx="318">
-                  <c:v>0.0</c:v>
-                </c:pt>
-                <c:pt idx="319">
-                  <c:v>0.0</c:v>
-                </c:pt>
-                <c:pt idx="320">
-                  <c:v>0.0</c:v>
-                </c:pt>
-                <c:pt idx="321">
-                  <c:v>0.0</c:v>
-                </c:pt>
-                <c:pt idx="322">
-                  <c:v>0.0</c:v>
-                </c:pt>
-                <c:pt idx="323">
-                  <c:v>0.0</c:v>
-                </c:pt>
-                <c:pt idx="324">
-                  <c:v>0.0</c:v>
-                </c:pt>
-                <c:pt idx="325">
-                  <c:v>0.0</c:v>
-                </c:pt>
-                <c:pt idx="326">
-                  <c:v>0.0</c:v>
-                </c:pt>
-                <c:pt idx="327">
-                  <c:v>0.0</c:v>
-                </c:pt>
-                <c:pt idx="328">
-                  <c:v>0.0</c:v>
-                </c:pt>
-                <c:pt idx="329">
-                  <c:v>0.0</c:v>
-                </c:pt>
-                <c:pt idx="330">
-                  <c:v>0.0</c:v>
-                </c:pt>
-                <c:pt idx="331">
-                  <c:v>0.0</c:v>
-                </c:pt>
-                <c:pt idx="332">
-                  <c:v>0.0</c:v>
-                </c:pt>
-                <c:pt idx="333">
-                  <c:v>0.0</c:v>
-                </c:pt>
-                <c:pt idx="334">
-                  <c:v>0.0</c:v>
-                </c:pt>
-                <c:pt idx="335">
-                  <c:v>0.0</c:v>
-                </c:pt>
-                <c:pt idx="336">
-                  <c:v>2.0</c:v>
-                </c:pt>
-                <c:pt idx="337">
-                  <c:v>0.0</c:v>
-                </c:pt>
-                <c:pt idx="338">
-                  <c:v>0.0</c:v>
-                </c:pt>
-                <c:pt idx="339">
-                  <c:v>0.0</c:v>
-                </c:pt>
-                <c:pt idx="340">
-                  <c:v>0.0</c:v>
-                </c:pt>
-                <c:pt idx="341">
-                  <c:v>2.0</c:v>
-                </c:pt>
-                <c:pt idx="342">
-                  <c:v>2.0</c:v>
-                </c:pt>
-                <c:pt idx="343">
-                  <c:v>2.0</c:v>
-                </c:pt>
-                <c:pt idx="344">
-                  <c:v>0.0</c:v>
-                </c:pt>
-                <c:pt idx="345">
-                  <c:v>0.0</c:v>
-                </c:pt>
-                <c:pt idx="346">
-                  <c:v>0.0</c:v>
-                </c:pt>
-                <c:pt idx="347">
-                  <c:v>4.0</c:v>
-                </c:pt>
-                <c:pt idx="348">
-                  <c:v>2.0</c:v>
-                </c:pt>
-                <c:pt idx="349">
-                  <c:v>0.0</c:v>
-                </c:pt>
-                <c:pt idx="350">
-                  <c:v>0.0</c:v>
-                </c:pt>
-                <c:pt idx="351">
-                  <c:v>0.0</c:v>
-                </c:pt>
-                <c:pt idx="352">
-                  <c:v>0.0</c:v>
-                </c:pt>
-                <c:pt idx="353">
-                  <c:v>0.0</c:v>
-                </c:pt>
-                <c:pt idx="354">
-                  <c:v>0.0</c:v>
-                </c:pt>
-                <c:pt idx="355">
-                  <c:v>0.0</c:v>
-                </c:pt>
-                <c:pt idx="356">
-                  <c:v>0.0</c:v>
-                </c:pt>
-                <c:pt idx="357">
-                  <c:v>0.0</c:v>
-                </c:pt>
-                <c:pt idx="358">
-                  <c:v>332.0</c:v>
-                </c:pt>
-                <c:pt idx="359">
-                  <c:v>0.0</c:v>
-                </c:pt>
-                <c:pt idx="360">
-                  <c:v>0.0</c:v>
-                </c:pt>
-                <c:pt idx="361">
-                  <c:v>0.0</c:v>
-                </c:pt>
-                <c:pt idx="362">
-                  <c:v>0.0</c:v>
-                </c:pt>
-                <c:pt idx="363">
-                  <c:v>0.0</c:v>
-                </c:pt>
-                <c:pt idx="364">
-                  <c:v>0.0</c:v>
-                </c:pt>
-                <c:pt idx="365">
-                  <c:v>0.0</c:v>
-                </c:pt>
-                <c:pt idx="366">
-                  <c:v>0.0</c:v>
-                </c:pt>
-                <c:pt idx="367">
-                  <c:v>0.0</c:v>
-                </c:pt>
-                <c:pt idx="368">
-                  <c:v>0.0</c:v>
-                </c:pt>
-                <c:pt idx="369">
-                  <c:v>28.0</c:v>
-                </c:pt>
-                <c:pt idx="370">
-                  <c:v>70.0</c:v>
-                </c:pt>
-                <c:pt idx="371">
-                  <c:v>2.0</c:v>
-                </c:pt>
-                <c:pt idx="372">
-                  <c:v>0.0</c:v>
-                </c:pt>
-                <c:pt idx="373">
-                  <c:v>0.0</c:v>
-                </c:pt>
-                <c:pt idx="374">
-                  <c:v>8.0</c:v>
-                </c:pt>
-                <c:pt idx="375">
-                  <c:v>0.0</c:v>
-                </c:pt>
-                <c:pt idx="376">
-                  <c:v>2.0</c:v>
-                </c:pt>
-                <c:pt idx="377">
-                  <c:v>0.0</c:v>
-                </c:pt>
-                <c:pt idx="378">
-                  <c:v>0.0</c:v>
-                </c:pt>
-                <c:pt idx="379">
-                  <c:v>0.0</c:v>
-                </c:pt>
-                <c:pt idx="380">
-                  <c:v>0.0</c:v>
-                </c:pt>
-                <c:pt idx="381">
-                  <c:v>4.0</c:v>
-                </c:pt>
-                <c:pt idx="382">
-                  <c:v>0.0</c:v>
-                </c:pt>
-                <c:pt idx="383">
-                  <c:v>0.0</c:v>
-                </c:pt>
-                <c:pt idx="384">
-                  <c:v>0.0</c:v>
-                </c:pt>
-                <c:pt idx="385">
-                  <c:v>0.0</c:v>
-                </c:pt>
-                <c:pt idx="386">
-                  <c:v>4.0</c:v>
-                </c:pt>
-                <c:pt idx="387">
-                  <c:v>4.0</c:v>
-                </c:pt>
-                <c:pt idx="388">
-                  <c:v>4.0</c:v>
-                </c:pt>
-                <c:pt idx="389">
-                  <c:v>0.0</c:v>
-                </c:pt>
-                <c:pt idx="390">
-                  <c:v>0.0</c:v>
-                </c:pt>
-                <c:pt idx="391">
-                  <c:v>0.0</c:v>
-                </c:pt>
-                <c:pt idx="392">
-                  <c:v>0.0</c:v>
-                </c:pt>
-                <c:pt idx="393">
-                  <c:v>0.0</c:v>
-                </c:pt>
-                <c:pt idx="394">
-                  <c:v>0.0</c:v>
-                </c:pt>
-                <c:pt idx="395">
-                  <c:v>0.0</c:v>
-                </c:pt>
-                <c:pt idx="396">
-                  <c:v>0.0</c:v>
-                </c:pt>
-                <c:pt idx="397">
-                  <c:v>0.0</c:v>
-                </c:pt>
-                <c:pt idx="398">
-                  <c:v>0.0</c:v>
-                </c:pt>
-                <c:pt idx="399">
-                  <c:v>0.0</c:v>
-                </c:pt>
-                <c:pt idx="400">
-                  <c:v>0.0</c:v>
-                </c:pt>
-                <c:pt idx="401">
-                  <c:v>0.0</c:v>
-                </c:pt>
-                <c:pt idx="402">
-                  <c:v>0.0</c:v>
-                </c:pt>
-                <c:pt idx="403">
-                  <c:v>0.0</c:v>
-                </c:pt>
-                <c:pt idx="404">
-                  <c:v>0.0</c:v>
-                </c:pt>
-                <c:pt idx="405">
-                  <c:v>0.0</c:v>
-                </c:pt>
-                <c:pt idx="406">
-                  <c:v>0.0</c:v>
-                </c:pt>
-                <c:pt idx="407">
-                  <c:v>0.0</c:v>
-                </c:pt>
-                <c:pt idx="408">
-                  <c:v>0.0</c:v>
-                </c:pt>
-                <c:pt idx="409">
-                  <c:v>0.0</c:v>
-                </c:pt>
-                <c:pt idx="410">
-                  <c:v>48.0</c:v>
-                </c:pt>
-                <c:pt idx="411">
-                  <c:v>0.0</c:v>
-                </c:pt>
-                <c:pt idx="412">
-                  <c:v>0.0</c:v>
-                </c:pt>
-                <c:pt idx="413">
-                  <c:v>0.0</c:v>
-                </c:pt>
-                <c:pt idx="414">
-                  <c:v>0.0</c:v>
-                </c:pt>
-                <c:pt idx="415">
-                  <c:v>0.0</c:v>
-                </c:pt>
-                <c:pt idx="416">
-                  <c:v>0.0</c:v>
-                </c:pt>
-                <c:pt idx="417">
-                  <c:v>0.0</c:v>
-                </c:pt>
-                <c:pt idx="418">
-                  <c:v>0.0</c:v>
-                </c:pt>
-                <c:pt idx="419">
-                  <c:v>0.0</c:v>
-                </c:pt>
-                <c:pt idx="420">
-                  <c:v>0.0</c:v>
-                </c:pt>
-                <c:pt idx="421">
-                  <c:v>70.0</c:v>
-                </c:pt>
-                <c:pt idx="422">
-                  <c:v>0.0</c:v>
-                </c:pt>
-                <c:pt idx="423">
-                  <c:v>0.0</c:v>
-                </c:pt>
-                <c:pt idx="424">
-                  <c:v>0.0</c:v>
-                </c:pt>
-                <c:pt idx="425">
-                  <c:v>0.0</c:v>
-                </c:pt>
-                <c:pt idx="426">
-                  <c:v>0.0</c:v>
-                </c:pt>
-                <c:pt idx="427">
-                  <c:v>2.0</c:v>
-                </c:pt>
-                <c:pt idx="428">
-                  <c:v>2.0</c:v>
-                </c:pt>
-                <c:pt idx="429">
-                  <c:v>2.0</c:v>
-                </c:pt>
-                <c:pt idx="430">
-                  <c:v>2.0</c:v>
-                </c:pt>
-                <c:pt idx="431">
-                  <c:v>2.0</c:v>
-                </c:pt>
-                <c:pt idx="432">
-                  <c:v>2.0</c:v>
-                </c:pt>
-                <c:pt idx="433">
-                  <c:v>2.0</c:v>
-                </c:pt>
-                <c:pt idx="434">
-                  <c:v>0.0</c:v>
-                </c:pt>
-                <c:pt idx="435">
-                  <c:v>0.0</c:v>
-                </c:pt>
-                <c:pt idx="436">
-                  <c:v>0.0</c:v>
-                </c:pt>
-                <c:pt idx="437">
-                  <c:v>0.0</c:v>
-                </c:pt>
-                <c:pt idx="438">
-                  <c:v>0.0</c:v>
-                </c:pt>
-                <c:pt idx="439">
-                  <c:v>126.0</c:v>
-                </c:pt>
-                <c:pt idx="440">
-                  <c:v>0.0</c:v>
-                </c:pt>
-                <c:pt idx="441">
-                  <c:v>0.0</c:v>
-                </c:pt>
-                <c:pt idx="442">
-                  <c:v>0.0</c:v>
-                </c:pt>
-                <c:pt idx="443">
-                  <c:v>2.0</c:v>
-                </c:pt>
-                <c:pt idx="444">
-                  <c:v>0.0</c:v>
-                </c:pt>
-                <c:pt idx="445">
-                  <c:v>2.0</c:v>
-                </c:pt>
-                <c:pt idx="446">
-                  <c:v>0.0</c:v>
-                </c:pt>
-                <c:pt idx="447">
-                  <c:v>0.0</c:v>
-                </c:pt>
-                <c:pt idx="448">
-                  <c:v>0.0</c:v>
-                </c:pt>
-                <c:pt idx="449">
-                  <c:v>6.0</c:v>
-                </c:pt>
-                <c:pt idx="450">
-                  <c:v>6.0</c:v>
-                </c:pt>
-                <c:pt idx="451">
-                  <c:v>6.0</c:v>
-                </c:pt>
-                <c:pt idx="452">
-                  <c:v>0.0</c:v>
-                </c:pt>
-                <c:pt idx="453">
-                  <c:v>2.0</c:v>
-                </c:pt>
-                <c:pt idx="454">
-                  <c:v>12.0</c:v>
-                </c:pt>
-                <c:pt idx="455">
-                  <c:v>2.0</c:v>
-                </c:pt>
-                <c:pt idx="456">
-                  <c:v>0.0</c:v>
-                </c:pt>
-                <c:pt idx="457">
-                  <c:v>0.0</c:v>
-                </c:pt>
-                <c:pt idx="458">
-                  <c:v>0.0</c:v>
-                </c:pt>
-                <c:pt idx="459">
-                  <c:v>0.0</c:v>
-                </c:pt>
-                <c:pt idx="460">
-                  <c:v>0.0</c:v>
-                </c:pt>
-                <c:pt idx="461">
-                  <c:v>0.0</c:v>
-                </c:pt>
-                <c:pt idx="462">
-                  <c:v>0.0</c:v>
-                </c:pt>
-                <c:pt idx="463">
-                  <c:v>0.0</c:v>
-                </c:pt>
-                <c:pt idx="464">
-                  <c:v>0.0</c:v>
-                </c:pt>
-                <c:pt idx="465">
-                  <c:v>0.0</c:v>
-                </c:pt>
-                <c:pt idx="466">
-                  <c:v>28.0</c:v>
-                </c:pt>
-                <c:pt idx="467">
-                  <c:v>0.0</c:v>
-                </c:pt>
-                <c:pt idx="468">
-                  <c:v>0.0</c:v>
-                </c:pt>
-                <c:pt idx="469">
-                  <c:v>4.0</c:v>
-                </c:pt>
-                <c:pt idx="470">
-                  <c:v>0.0</c:v>
-                </c:pt>
-                <c:pt idx="471">
-                  <c:v>0.0</c:v>
-                </c:pt>
-                <c:pt idx="472">
-                  <c:v>0.0</c:v>
-                </c:pt>
-                <c:pt idx="473">
-                  <c:v>0.0</c:v>
-                </c:pt>
-                <c:pt idx="474">
-                  <c:v>2.0</c:v>
-                </c:pt>
-                <c:pt idx="475">
-                  <c:v>0.0</c:v>
-                </c:pt>
-                <c:pt idx="476">
-                  <c:v>0.0</c:v>
-                </c:pt>
-                <c:pt idx="477">
-                  <c:v>0.0</c:v>
-                </c:pt>
-                <c:pt idx="478">
-                  <c:v>0.0</c:v>
-                </c:pt>
-                <c:pt idx="479">
-                  <c:v>2.0</c:v>
-                </c:pt>
-                <c:pt idx="480">
-                  <c:v>0.0</c:v>
-                </c:pt>
-                <c:pt idx="481">
-                  <c:v>0.0</c:v>
-                </c:pt>
-                <c:pt idx="482">
-                  <c:v>0.0</c:v>
-                </c:pt>
-                <c:pt idx="483">
-                  <c:v>6.0</c:v>
-                </c:pt>
-                <c:pt idx="484">
-                  <c:v>0.0</c:v>
-                </c:pt>
-                <c:pt idx="485">
-                  <c:v>0.0</c:v>
-                </c:pt>
-                <c:pt idx="486">
-                  <c:v>0.0</c:v>
-                </c:pt>
-                <c:pt idx="487">
-                  <c:v>0.0</c:v>
-                </c:pt>
-                <c:pt idx="488">
-                  <c:v>0.0</c:v>
-                </c:pt>
-                <c:pt idx="489">
-                  <c:v>0.0</c:v>
-                </c:pt>
-                <c:pt idx="490">
-                  <c:v>0.0</c:v>
-                </c:pt>
-                <c:pt idx="491">
-                  <c:v>0.0</c:v>
-                </c:pt>
-                <c:pt idx="492">
-                  <c:v>0.0</c:v>
-                </c:pt>
-                <c:pt idx="493">
-                  <c:v>0.0</c:v>
-                </c:pt>
-                <c:pt idx="494">
-                  <c:v>0.0</c:v>
-                </c:pt>
-                <c:pt idx="495">
-                  <c:v>0.0</c:v>
-                </c:pt>
-                <c:pt idx="496">
-                  <c:v>0.0</c:v>
-                </c:pt>
-                <c:pt idx="497">
-                  <c:v>0.0</c:v>
-                </c:pt>
-                <c:pt idx="498">
-                  <c:v>0.0</c:v>
-                </c:pt>
-                <c:pt idx="499">
-                  <c:v>0.0</c:v>
-                </c:pt>
-                <c:pt idx="500">
-                  <c:v>0.0</c:v>
-                </c:pt>
-                <c:pt idx="501">
-                  <c:v>0.0</c:v>
-                </c:pt>
-                <c:pt idx="502">
-                  <c:v>0.0</c:v>
-                </c:pt>
-                <c:pt idx="503">
-                  <c:v>0.0</c:v>
-                </c:pt>
-                <c:pt idx="504">
-                  <c:v>0.0</c:v>
-                </c:pt>
-                <c:pt idx="505">
-                  <c:v>2.0</c:v>
-                </c:pt>
-                <c:pt idx="506">
-                  <c:v>0.0</c:v>
-                </c:pt>
-                <c:pt idx="507">
-                  <c:v>0.0</c:v>
-                </c:pt>
-                <c:pt idx="508">
-                  <c:v>0.0</c:v>
-                </c:pt>
-                <c:pt idx="509">
-                  <c:v>0.0</c:v>
-                </c:pt>
-                <c:pt idx="510">
-                  <c:v>0.0</c:v>
-                </c:pt>
-                <c:pt idx="511">
-                  <c:v>0.0</c:v>
-                </c:pt>
-                <c:pt idx="512">
-                  <c:v>0.0</c:v>
-                </c:pt>
-                <c:pt idx="513">
-                  <c:v>0.0</c:v>
-                </c:pt>
-                <c:pt idx="514">
-                  <c:v>0.0</c:v>
-                </c:pt>
-                <c:pt idx="515">
-                  <c:v>0.0</c:v>
-                </c:pt>
-                <c:pt idx="516">
-                  <c:v>6.0</c:v>
-                </c:pt>
-                <c:pt idx="517">
-                  <c:v>0.0</c:v>
-                </c:pt>
-                <c:pt idx="518">
-                  <c:v>0.0</c:v>
-                </c:pt>
-                <c:pt idx="519">
-                  <c:v>0.0</c:v>
-                </c:pt>
-                <c:pt idx="520">
-                  <c:v>0.0</c:v>
-                </c:pt>
-                <c:pt idx="521">
-                  <c:v>0.0</c:v>
-                </c:pt>
-                <c:pt idx="522">
-                  <c:v>0.0</c:v>
-                </c:pt>
-                <c:pt idx="523">
-                  <c:v>0.0</c:v>
-                </c:pt>
-                <c:pt idx="524">
-                  <c:v>0.0</c:v>
-                </c:pt>
-                <c:pt idx="525">
-                  <c:v>0.0</c:v>
-                </c:pt>
-                <c:pt idx="526">
-                  <c:v>0.0</c:v>
-                </c:pt>
-                <c:pt idx="527">
-                  <c:v>0.0</c:v>
-                </c:pt>
-                <c:pt idx="528">
-                  <c:v>0.0</c:v>
-                </c:pt>
-                <c:pt idx="529">
-                  <c:v>0.0</c:v>
-                </c:pt>
-                <c:pt idx="530">
-                  <c:v>0.0</c:v>
-                </c:pt>
-                <c:pt idx="531">
-                  <c:v>0.0</c:v>
-                </c:pt>
-                <c:pt idx="532">
-                  <c:v>0.0</c:v>
-                </c:pt>
-                <c:pt idx="533">
-                  <c:v>0.0</c:v>
-                </c:pt>
-                <c:pt idx="534">
-                  <c:v>0.0</c:v>
-                </c:pt>
-                <c:pt idx="535">
-                  <c:v>0.0</c:v>
-                </c:pt>
-                <c:pt idx="536">
-                  <c:v>0.0</c:v>
-                </c:pt>
-                <c:pt idx="537">
-                  <c:v>0.0</c:v>
-                </c:pt>
-                <c:pt idx="538">
-                  <c:v>0.0</c:v>
-                </c:pt>
-                <c:pt idx="539">
-                  <c:v>0.0</c:v>
-                </c:pt>
-                <c:pt idx="540">
-                  <c:v>2.0</c:v>
-                </c:pt>
-                <c:pt idx="541">
-                  <c:v>0.0</c:v>
-                </c:pt>
-                <c:pt idx="542">
-                  <c:v>0.0</c:v>
-                </c:pt>
-                <c:pt idx="543">
-                  <c:v>0.0</c:v>
-                </c:pt>
-                <c:pt idx="544">
-                  <c:v>0.0</c:v>
-                </c:pt>
-                <c:pt idx="545">
-                  <c:v>0.0</c:v>
-                </c:pt>
-                <c:pt idx="546">
-                  <c:v>0.0</c:v>
-                </c:pt>
-                <c:pt idx="547">
-                  <c:v>0.0</c:v>
-                </c:pt>
-                <c:pt idx="548">
-                  <c:v>0.0</c:v>
-                </c:pt>
-                <c:pt idx="549">
-                  <c:v>0.0</c:v>
-                </c:pt>
-                <c:pt idx="550">
-                  <c:v>0.0</c:v>
-                </c:pt>
-                <c:pt idx="551">
-                  <c:v>0.0</c:v>
-                </c:pt>
-                <c:pt idx="552">
-                  <c:v>0.0</c:v>
-                </c:pt>
-                <c:pt idx="553">
-                  <c:v>0.0</c:v>
-                </c:pt>
-                <c:pt idx="554">
-                  <c:v>0.0</c:v>
-                </c:pt>
-                <c:pt idx="555">
-                  <c:v>0.0</c:v>
-                </c:pt>
-                <c:pt idx="556">
-                  <c:v>0.0</c:v>
-                </c:pt>
-                <c:pt idx="557">
-                  <c:v>0.0</c:v>
-                </c:pt>
-                <c:pt idx="558">
-                  <c:v>0.0</c:v>
-                </c:pt>
-                <c:pt idx="559">
-                  <c:v>0.0</c:v>
-                </c:pt>
-                <c:pt idx="560">
-                  <c:v>0.0</c:v>
-                </c:pt>
-                <c:pt idx="561">
-                  <c:v>0.0</c:v>
-                </c:pt>
-                <c:pt idx="562">
-                  <c:v>0.0</c:v>
-                </c:pt>
-                <c:pt idx="563">
-                  <c:v>2.0</c:v>
-                </c:pt>
-                <c:pt idx="564">
-                  <c:v>2.0</c:v>
-                </c:pt>
-                <c:pt idx="565">
-                  <c:v>0.0</c:v>
-                </c:pt>
-                <c:pt idx="566">
-                  <c:v>0.0</c:v>
-                </c:pt>
-                <c:pt idx="567">
-                  <c:v>0.0</c:v>
-                </c:pt>
-                <c:pt idx="568">
-                  <c:v>0.0</c:v>
-                </c:pt>
-                <c:pt idx="569">
-                  <c:v>0.0</c:v>
-                </c:pt>
-                <c:pt idx="570">
-                  <c:v>0.0</c:v>
-                </c:pt>
-                <c:pt idx="571">
-                  <c:v>0.0</c:v>
-                </c:pt>
-                <c:pt idx="572">
-                  <c:v>0.0</c:v>
-                </c:pt>
-                <c:pt idx="573">
-                  <c:v>0.0</c:v>
-                </c:pt>
-                <c:pt idx="574">
-                  <c:v>0.0</c:v>
-                </c:pt>
-                <c:pt idx="575">
-                  <c:v>0.0</c:v>
-                </c:pt>
-                <c:pt idx="576">
-                  <c:v>0.0</c:v>
-                </c:pt>
-                <c:pt idx="577">
-                  <c:v>0.0</c:v>
-                </c:pt>
-                <c:pt idx="578">
-                  <c:v>0.0</c:v>
-                </c:pt>
-                <c:pt idx="579">
-                  <c:v>0.0</c:v>
-                </c:pt>
-                <c:pt idx="580">
-                  <c:v>0.0</c:v>
-                </c:pt>
-                <c:pt idx="581">
-                  <c:v>0.0</c:v>
-                </c:pt>
-                <c:pt idx="582">
-                  <c:v>0.0</c:v>
-                </c:pt>
-                <c:pt idx="583">
-                  <c:v>0.0</c:v>
-                </c:pt>
-                <c:pt idx="584">
-                  <c:v>0.0</c:v>
-                </c:pt>
-                <c:pt idx="585">
-                  <c:v>0.0</c:v>
-                </c:pt>
-                <c:pt idx="586">
-                  <c:v>0.0</c:v>
-                </c:pt>
-                <c:pt idx="587">
-                  <c:v>0.0</c:v>
-                </c:pt>
-                <c:pt idx="588">
-                  <c:v>0.0</c:v>
-                </c:pt>
-                <c:pt idx="589">
-                  <c:v>0.0</c:v>
-                </c:pt>
-                <c:pt idx="590">
-                  <c:v>0.0</c:v>
-                </c:pt>
-                <c:pt idx="591">
-                  <c:v>0.0</c:v>
-                </c:pt>
-                <c:pt idx="592">
-                  <c:v>0.0</c:v>
-                </c:pt>
-                <c:pt idx="593">
-                  <c:v>0.0</c:v>
-                </c:pt>
-                <c:pt idx="594">
-                  <c:v>0.0</c:v>
-                </c:pt>
-                <c:pt idx="595">
-                  <c:v>0.0</c:v>
-                </c:pt>
-                <c:pt idx="596">
-                  <c:v>0.0</c:v>
-                </c:pt>
-                <c:pt idx="597">
-                  <c:v>0.0</c:v>
-                </c:pt>
-                <c:pt idx="598">
-                  <c:v>0.0</c:v>
-                </c:pt>
-                <c:pt idx="599">
-                  <c:v>0.0</c:v>
-                </c:pt>
-                <c:pt idx="600">
-                  <c:v>0.0</c:v>
-                </c:pt>
-                <c:pt idx="601">
-                  <c:v>0.0</c:v>
-                </c:pt>
-                <c:pt idx="602">
-                  <c:v>0.0</c:v>
-                </c:pt>
-                <c:pt idx="603">
-                  <c:v>0.0</c:v>
-                </c:pt>
-                <c:pt idx="604">
-                  <c:v>0.0</c:v>
-                </c:pt>
-                <c:pt idx="605">
-                  <c:v>0.0</c:v>
-                </c:pt>
-                <c:pt idx="606">
-                  <c:v>0.0</c:v>
-                </c:pt>
-                <c:pt idx="607">
-                  <c:v>0.0</c:v>
-                </c:pt>
-                <c:pt idx="608">
-                  <c:v>0.0</c:v>
-                </c:pt>
-                <c:pt idx="609">
-                  <c:v>0.0</c:v>
-                </c:pt>
-                <c:pt idx="610">
-                  <c:v>0.0</c:v>
-                </c:pt>
-                <c:pt idx="611">
-                  <c:v>0.0</c:v>
-                </c:pt>
-                <c:pt idx="612">
-                  <c:v>0.0</c:v>
-                </c:pt>
-                <c:pt idx="613">
-                  <c:v>0.0</c:v>
-                </c:pt>
-                <c:pt idx="614">
-                  <c:v>0.0</c:v>
-                </c:pt>
-                <c:pt idx="615">
-                  <c:v>0.0</c:v>
-                </c:pt>
-                <c:pt idx="616">
-                  <c:v>0.0</c:v>
-                </c:pt>
-                <c:pt idx="617">
-                  <c:v>0.0</c:v>
-                </c:pt>
-                <c:pt idx="618">
-                  <c:v>0.0</c:v>
-                </c:pt>
-                <c:pt idx="619">
-                  <c:v>0.0</c:v>
-                </c:pt>
-                <c:pt idx="620">
-                  <c:v>0.0</c:v>
-                </c:pt>
-                <c:pt idx="621">
-                  <c:v>0.0</c:v>
-                </c:pt>
-                <c:pt idx="622">
-                  <c:v>0.0</c:v>
-                </c:pt>
-                <c:pt idx="623">
-                  <c:v>0.0</c:v>
-                </c:pt>
-                <c:pt idx="624">
-                  <c:v>0.0</c:v>
-                </c:pt>
-                <c:pt idx="625">
-                  <c:v>0.0</c:v>
-                </c:pt>
-                <c:pt idx="626">
-                  <c:v>0.0</c:v>
-                </c:pt>
-                <c:pt idx="627">
-                  <c:v>0.0</c:v>
-                </c:pt>
-                <c:pt idx="628">
-                  <c:v>0.0</c:v>
-                </c:pt>
-                <c:pt idx="629">
-                  <c:v>0.0</c:v>
-                </c:pt>
-                <c:pt idx="630">
-                  <c:v>0.0</c:v>
-                </c:pt>
-                <c:pt idx="631">
-                  <c:v>0.0</c:v>
-                </c:pt>
-                <c:pt idx="632">
-                  <c:v>0.0</c:v>
-                </c:pt>
-                <c:pt idx="633">
-                  <c:v>0.0</c:v>
-                </c:pt>
-                <c:pt idx="634">
-                  <c:v>0.0</c:v>
-                </c:pt>
-                <c:pt idx="635">
-                  <c:v>0.0</c:v>
-                </c:pt>
-                <c:pt idx="636">
-                  <c:v>0.0</c:v>
-                </c:pt>
-                <c:pt idx="637">
-                  <c:v>0.0</c:v>
-                </c:pt>
-                <c:pt idx="638">
-                  <c:v>0.0</c:v>
-                </c:pt>
-                <c:pt idx="639">
-                  <c:v>0.0</c:v>
-                </c:pt>
-                <c:pt idx="640">
-                  <c:v>0.0</c:v>
-                </c:pt>
-                <c:pt idx="641">
-                  <c:v>0.0</c:v>
-                </c:pt>
-                <c:pt idx="642">
-                  <c:v>0.0</c:v>
-                </c:pt>
-                <c:pt idx="643">
-                  <c:v>0.0</c:v>
-                </c:pt>
-                <c:pt idx="644">
-                  <c:v>0.0</c:v>
-                </c:pt>
-                <c:pt idx="645">
-                  <c:v>0.0</c:v>
-                </c:pt>
-                <c:pt idx="646">
-                  <c:v>0.0</c:v>
-                </c:pt>
-                <c:pt idx="647">
-                  <c:v>0.0</c:v>
-                </c:pt>
-                <c:pt idx="648">
-                  <c:v>0.0</c:v>
-                </c:pt>
-                <c:pt idx="649">
-                  <c:v>0.0</c:v>
-                </c:pt>
-                <c:pt idx="650">
-                  <c:v>0.0</c:v>
-                </c:pt>
-                <c:pt idx="651">
-                  <c:v>0.0</c:v>
-                </c:pt>
-                <c:pt idx="652">
-                  <c:v>0.0</c:v>
-                </c:pt>
-                <c:pt idx="653">
-                  <c:v>0.0</c:v>
-                </c:pt>
-                <c:pt idx="654">
-                  <c:v>0.0</c:v>
-                </c:pt>
-                <c:pt idx="655">
-                  <c:v>0.0</c:v>
-                </c:pt>
-                <c:pt idx="656">
-                  <c:v>0.0</c:v>
-                </c:pt>
-                <c:pt idx="657">
-                  <c:v>0.0</c:v>
-                </c:pt>
-                <c:pt idx="658">
-                  <c:v>0.0</c:v>
-                </c:pt>
-                <c:pt idx="659">
-                  <c:v>0.0</c:v>
-                </c:pt>
-                <c:pt idx="660">
-                  <c:v>0.0</c:v>
-                </c:pt>
-                <c:pt idx="661">
-                  <c:v>0.0</c:v>
-                </c:pt>
-                <c:pt idx="662">
-                  <c:v>0.0</c:v>
-                </c:pt>
-                <c:pt idx="663">
-                  <c:v>0.0</c:v>
-                </c:pt>
-                <c:pt idx="664">
-                  <c:v>0.0</c:v>
-                </c:pt>
-                <c:pt idx="665">
-                  <c:v>0.0</c:v>
-                </c:pt>
-                <c:pt idx="666">
-                  <c:v>0.0</c:v>
-                </c:pt>
-                <c:pt idx="667">
-                  <c:v>0.0</c:v>
-                </c:pt>
-                <c:pt idx="668">
-                  <c:v>0.0</c:v>
-                </c:pt>
-                <c:pt idx="669">
-                  <c:v>0.0</c:v>
-                </c:pt>
-                <c:pt idx="670">
-                  <c:v>0.0</c:v>
-                </c:pt>
-                <c:pt idx="671">
-                  <c:v>0.0</c:v>
-                </c:pt>
-                <c:pt idx="672">
-                  <c:v>0.0</c:v>
-                </c:pt>
-                <c:pt idx="673">
-                  <c:v>0.0</c:v>
-                </c:pt>
-                <c:pt idx="674">
-                  <c:v>0.0</c:v>
-                </c:pt>
-                <c:pt idx="675">
-                  <c:v>0.0</c:v>
-                </c:pt>
-                <c:pt idx="676">
-                  <c:v>0.0</c:v>
-                </c:pt>
-                <c:pt idx="677">
-                  <c:v>0.0</c:v>
-                </c:pt>
-                <c:pt idx="678">
-                  <c:v>0.0</c:v>
-                </c:pt>
-                <c:pt idx="679">
-                  <c:v>0.0</c:v>
-                </c:pt>
-                <c:pt idx="680">
-                  <c:v>0.0</c:v>
-                </c:pt>
-                <c:pt idx="681">
-                  <c:v>0.0</c:v>
-                </c:pt>
-                <c:pt idx="682">
-                  <c:v>0.0</c:v>
-                </c:pt>
-                <c:pt idx="683">
-                  <c:v>0.0</c:v>
-                </c:pt>
-                <c:pt idx="684">
-                  <c:v>0.0</c:v>
-                </c:pt>
-                <c:pt idx="685">
-                  <c:v>0.0</c:v>
-                </c:pt>
-                <c:pt idx="686">
-                  <c:v>0.0</c:v>
-                </c:pt>
-                <c:pt idx="687">
-                  <c:v>0.0</c:v>
-                </c:pt>
-                <c:pt idx="688">
-                  <c:v>0.0</c:v>
-                </c:pt>
-                <c:pt idx="689">
-                  <c:v>0.0</c:v>
-                </c:pt>
-                <c:pt idx="690">
-                  <c:v>0.0</c:v>
-                </c:pt>
-                <c:pt idx="691">
-                  <c:v>0.0</c:v>
-                </c:pt>
-                <c:pt idx="692">
-                  <c:v>0.0</c:v>
-                </c:pt>
-                <c:pt idx="693">
-                  <c:v>0.0</c:v>
-                </c:pt>
-                <c:pt idx="694">
-                  <c:v>0.0</c:v>
-                </c:pt>
-                <c:pt idx="695">
-                  <c:v>0.0</c:v>
-                </c:pt>
-                <c:pt idx="696">
-                  <c:v>0.0</c:v>
-                </c:pt>
-                <c:pt idx="697">
-                  <c:v>0.0</c:v>
-                </c:pt>
-                <c:pt idx="698">
-                  <c:v>0.0</c:v>
-                </c:pt>
-                <c:pt idx="699">
-                  <c:v>0.0</c:v>
-                </c:pt>
-                <c:pt idx="700">
-                  <c:v>0.0</c:v>
-                </c:pt>
-                <c:pt idx="701">
-                  <c:v>0.0</c:v>
-                </c:pt>
-                <c:pt idx="702">
-                  <c:v>0.0</c:v>
-                </c:pt>
-                <c:pt idx="703">
-                  <c:v>0.0</c:v>
-                </c:pt>
-                <c:pt idx="704">
-                  <c:v>0.0</c:v>
-                </c:pt>
-                <c:pt idx="705">
-                  <c:v>0.0</c:v>
-                </c:pt>
-                <c:pt idx="706">
-                  <c:v>0.0</c:v>
-                </c:pt>
-                <c:pt idx="707">
-                  <c:v>0.0</c:v>
-                </c:pt>
-                <c:pt idx="708">
-                  <c:v>0.0</c:v>
-                </c:pt>
-                <c:pt idx="709">
-                  <c:v>0.0</c:v>
-                </c:pt>
-                <c:pt idx="710">
-                  <c:v>0.0</c:v>
-                </c:pt>
-                <c:pt idx="711">
-                  <c:v>0.0</c:v>
-                </c:pt>
-                <c:pt idx="712">
-                  <c:v>0.0</c:v>
-                </c:pt>
-                <c:pt idx="713">
-                  <c:v>0.0</c:v>
-                </c:pt>
-                <c:pt idx="714">
-                  <c:v>0.0</c:v>
-                </c:pt>
-                <c:pt idx="715">
-                  <c:v>0.0</c:v>
-                </c:pt>
-                <c:pt idx="716">
-                  <c:v>0.0</c:v>
-                </c:pt>
-                <c:pt idx="717">
-                  <c:v>0.0</c:v>
-                </c:pt>
-                <c:pt idx="718">
-                  <c:v>0.0</c:v>
-                </c:pt>
-                <c:pt idx="719">
-                  <c:v>0.0</c:v>
-                </c:pt>
-                <c:pt idx="720">
-                  <c:v>0.0</c:v>
-                </c:pt>
-                <c:pt idx="721">
-                  <c:v>0.0</c:v>
-                </c:pt>
-                <c:pt idx="722">
-                  <c:v>0.0</c:v>
-                </c:pt>
-                <c:pt idx="723">
-                  <c:v>0.0</c:v>
-                </c:pt>
-                <c:pt idx="724">
-                  <c:v>0.0</c:v>
-                </c:pt>
-                <c:pt idx="725">
-                  <c:v>0.0</c:v>
-                </c:pt>
-                <c:pt idx="726">
-                  <c:v>0.0</c:v>
-                </c:pt>
-                <c:pt idx="727">
-                  <c:v>0.0</c:v>
-                </c:pt>
-                <c:pt idx="728">
-                  <c:v>0.0</c:v>
-                </c:pt>
-                <c:pt idx="729">
-                  <c:v>0.0</c:v>
-                </c:pt>
-                <c:pt idx="730">
-                  <c:v>0.0</c:v>
-                </c:pt>
-                <c:pt idx="731">
-                  <c:v>0.0</c:v>
-                </c:pt>
-                <c:pt idx="732">
-                  <c:v>0.0</c:v>
-                </c:pt>
-                <c:pt idx="733">
-                  <c:v>0.0</c:v>
-                </c:pt>
-                <c:pt idx="734">
-                  <c:v>0.0</c:v>
-                </c:pt>
-                <c:pt idx="735">
-                  <c:v>0.0</c:v>
-                </c:pt>
-                <c:pt idx="736">
-                  <c:v>0.0</c:v>
-                </c:pt>
-                <c:pt idx="737">
-                  <c:v>0.0</c:v>
-                </c:pt>
-                <c:pt idx="738">
-                  <c:v>0.0</c:v>
-                </c:pt>
-                <c:pt idx="739">
-                  <c:v>0.0</c:v>
-                </c:pt>
-                <c:pt idx="740">
-                  <c:v>0.0</c:v>
-                </c:pt>
-                <c:pt idx="741">
-                  <c:v>0.0</c:v>
-                </c:pt>
-                <c:pt idx="742">
-                  <c:v>0.0</c:v>
-                </c:pt>
-                <c:pt idx="743">
-                  <c:v>0.0</c:v>
-                </c:pt>
-                <c:pt idx="744">
-                  <c:v>0.0</c:v>
-                </c:pt>
-                <c:pt idx="745">
-                  <c:v>0.0</c:v>
-                </c:pt>
-                <c:pt idx="746">
-                  <c:v>0.0</c:v>
-                </c:pt>
-                <c:pt idx="747">
-                  <c:v>0.0</c:v>
-                </c:pt>
-                <c:pt idx="748">
-                  <c:v>0.0</c:v>
-                </c:pt>
-                <c:pt idx="749">
-                  <c:v>0.0</c:v>
-                </c:pt>
-                <c:pt idx="750">
-                  <c:v>0.0</c:v>
-                </c:pt>
-                <c:pt idx="751">
-                  <c:v>0.0</c:v>
-                </c:pt>
-                <c:pt idx="752">
-                  <c:v>0.0</c:v>
-                </c:pt>
-                <c:pt idx="753">
-                  <c:v>0.0</c:v>
-                </c:pt>
-                <c:pt idx="754">
-                  <c:v>0.0</c:v>
-                </c:pt>
-                <c:pt idx="755">
-                  <c:v>0.0</c:v>
-                </c:pt>
-                <c:pt idx="756">
-                  <c:v>0.0</c:v>
-                </c:pt>
-                <c:pt idx="757">
-                  <c:v>0.0</c:v>
-                </c:pt>
-                <c:pt idx="758">
-                  <c:v>0.0</c:v>
-                </c:pt>
-                <c:pt idx="759">
-                  <c:v>0.0</c:v>
-                </c:pt>
-                <c:pt idx="760">
-                  <c:v>0.0</c:v>
-                </c:pt>
-                <c:pt idx="761">
-                  <c:v>0.0</c:v>
-                </c:pt>
-                <c:pt idx="762">
-                  <c:v>0.0</c:v>
-                </c:pt>
-                <c:pt idx="763">
-                  <c:v>2.0</c:v>
-                </c:pt>
-                <c:pt idx="764">
-                  <c:v>2.0</c:v>
-                </c:pt>
-                <c:pt idx="765">
-                  <c:v>0.0</c:v>
-                </c:pt>
-                <c:pt idx="766">
-                  <c:v>0.0</c:v>
-                </c:pt>
-                <c:pt idx="767">
-                  <c:v>0.0</c:v>
-                </c:pt>
-                <c:pt idx="768">
-                  <c:v>0.0</c:v>
-                </c:pt>
-                <c:pt idx="769">
-                  <c:v>0.0</c:v>
-                </c:pt>
-                <c:pt idx="770">
-                  <c:v>0.0</c:v>
-                </c:pt>
-                <c:pt idx="771">
-                  <c:v>0.0</c:v>
-                </c:pt>
-                <c:pt idx="772">
-                  <c:v>0.0</c:v>
-                </c:pt>
-                <c:pt idx="773">
-                  <c:v>6.0</c:v>
-                </c:pt>
-                <c:pt idx="774">
-                  <c:v>4.0</c:v>
-                </c:pt>
-                <c:pt idx="775">
-                  <c:v>2.0</c:v>
-                </c:pt>
-                <c:pt idx="776">
-                  <c:v>6.0</c:v>
-                </c:pt>
-                <c:pt idx="777">
-                  <c:v>4.0</c:v>
-                </c:pt>
-                <c:pt idx="778">
-                  <c:v>2.0</c:v>
-                </c:pt>
-                <c:pt idx="779">
-                  <c:v>0.0</c:v>
-                </c:pt>
-                <c:pt idx="780">
-                  <c:v>8.0</c:v>
-                </c:pt>
-                <c:pt idx="781">
-                  <c:v>16.0</c:v>
-                </c:pt>
-                <c:pt idx="782">
-                  <c:v>0.0</c:v>
-                </c:pt>
-                <c:pt idx="783">
-                  <c:v>0.0</c:v>
-                </c:pt>
-                <c:pt idx="784">
-                  <c:v>12.0</c:v>
-                </c:pt>
-                <c:pt idx="785">
-                  <c:v>8.0</c:v>
-                </c:pt>
-                <c:pt idx="786">
-                  <c:v>2.0</c:v>
-                </c:pt>
-                <c:pt idx="787">
-                  <c:v>6.0</c:v>
-                </c:pt>
-                <c:pt idx="788">
-                  <c:v>0.0</c:v>
-                </c:pt>
-                <c:pt idx="789">
-                  <c:v>0.0</c:v>
-                </c:pt>
-                <c:pt idx="790">
-                  <c:v>2.0</c:v>
-                </c:pt>
-                <c:pt idx="791">
-                  <c:v>0.0</c:v>
-                </c:pt>
-                <c:pt idx="792">
-                  <c:v>0.0</c:v>
-                </c:pt>
-                <c:pt idx="793">
-                  <c:v>0.0</c:v>
-                </c:pt>
-                <c:pt idx="794">
-                  <c:v>0.0</c:v>
-                </c:pt>
-                <c:pt idx="795">
-                  <c:v>0.0</c:v>
-                </c:pt>
-                <c:pt idx="796">
-                  <c:v>0.0</c:v>
-                </c:pt>
-                <c:pt idx="797">
-                  <c:v>0.0</c:v>
-                </c:pt>
-                <c:pt idx="798">
-                  <c:v>0.0</c:v>
-                </c:pt>
-                <c:pt idx="799">
-                  <c:v>0.0</c:v>
-                </c:pt>
-                <c:pt idx="800">
-                  <c:v>0.0</c:v>
-                </c:pt>
-                <c:pt idx="801">
-                  <c:v>0.0</c:v>
-                </c:pt>
-                <c:pt idx="802">
-                  <c:v>0.0</c:v>
-                </c:pt>
-                <c:pt idx="803">
-                  <c:v>0.0</c:v>
-                </c:pt>
-                <c:pt idx="804">
-                  <c:v>0.0</c:v>
-                </c:pt>
-                <c:pt idx="805">
-                  <c:v>0.0</c:v>
-                </c:pt>
-                <c:pt idx="806">
-                  <c:v>0.0</c:v>
-                </c:pt>
-                <c:pt idx="807">
-                  <c:v>0.0</c:v>
-                </c:pt>
-                <c:pt idx="808">
-                  <c:v>0.0</c:v>
-                </c:pt>
-                <c:pt idx="809">
-                  <c:v>0.0</c:v>
-                </c:pt>
-                <c:pt idx="810">
-                  <c:v>8.0</c:v>
-                </c:pt>
-                <c:pt idx="811">
-                  <c:v>0.0</c:v>
-                </c:pt>
-                <c:pt idx="812">
-                  <c:v>0.0</c:v>
-                </c:pt>
-                <c:pt idx="813">
-                  <c:v>0.0</c:v>
-                </c:pt>
-                <c:pt idx="814">
-                  <c:v>0.0</c:v>
-                </c:pt>
-                <c:pt idx="815">
-                  <c:v>0.0</c:v>
-                </c:pt>
-                <c:pt idx="816">
-                  <c:v>0.0</c:v>
-                </c:pt>
-                <c:pt idx="817">
-                  <c:v>0.0</c:v>
-                </c:pt>
-                <c:pt idx="818">
-                  <c:v>0.0</c:v>
-                </c:pt>
-                <c:pt idx="819">
-                  <c:v>0.0</c:v>
-                </c:pt>
-                <c:pt idx="820">
-                  <c:v>0.0</c:v>
-                </c:pt>
-                <c:pt idx="821">
-                  <c:v>0.0</c:v>
-                </c:pt>
-                <c:pt idx="822">
-                  <c:v>0.0</c:v>
-                </c:pt>
-                <c:pt idx="823">
-                  <c:v>0.0</c:v>
-                </c:pt>
-                <c:pt idx="824">
-                  <c:v>0.0</c:v>
-                </c:pt>
-                <c:pt idx="825">
-                  <c:v>0.0</c:v>
-                </c:pt>
-                <c:pt idx="826">
-                  <c:v>0.0</c:v>
-                </c:pt>
-                <c:pt idx="827">
-                  <c:v>10.0</c:v>
-                </c:pt>
-                <c:pt idx="828">
-                  <c:v>0.0</c:v>
-                </c:pt>
-                <c:pt idx="829">
-                  <c:v>2.0</c:v>
-                </c:pt>
-                <c:pt idx="830">
-                  <c:v>0.0</c:v>
-                </c:pt>
-                <c:pt idx="831">
-                  <c:v>12.0</c:v>
-                </c:pt>
-                <c:pt idx="832">
-                  <c:v>6.0</c:v>
-                </c:pt>
-                <c:pt idx="833">
-                  <c:v>0.0</c:v>
-                </c:pt>
-                <c:pt idx="834">
-                  <c:v>2.0</c:v>
-                </c:pt>
-                <c:pt idx="835">
-                  <c:v>4.0</c:v>
-                </c:pt>
-                <c:pt idx="836">
-                  <c:v>0.0</c:v>
+                  <c:v>302.0</c:v>
                 </c:pt>
               </c:numCache>
             </c:numRef>
@@ -5920,11 +2437,11 @@
           <c:showBubbleSize val="0"/>
         </c:dLbls>
         <c:gapWidth val="150"/>
-        <c:axId val="2036350344"/>
-        <c:axId val="2036542056"/>
+        <c:axId val="2141966264"/>
+        <c:axId val="2141969256"/>
       </c:barChart>
       <c:catAx>
-        <c:axId val="2036350344"/>
+        <c:axId val="2141966264"/>
         <c:scaling>
           <c:orientation val="minMax"/>
         </c:scaling>
@@ -5938,12 +2455,12 @@
           <a:lstStyle/>
           <a:p>
             <a:pPr>
-              <a:defRPr sz="900"/>
+              <a:defRPr sz="800"/>
             </a:pPr>
             <a:endParaRPr lang="en-US"/>
           </a:p>
         </c:txPr>
-        <c:crossAx val="2036542056"/>
+        <c:crossAx val="2141969256"/>
         <c:crosses val="autoZero"/>
         <c:auto val="1"/>
         <c:lblAlgn val="ctr"/>
@@ -5951,10 +2468,11 @@
         <c:noMultiLvlLbl val="0"/>
       </c:catAx>
       <c:valAx>
-        <c:axId val="2036542056"/>
+        <c:axId val="2141969256"/>
         <c:scaling>
           <c:orientation val="minMax"/>
           <c:max val="75.0"/>
+          <c:min val="0.0"/>
         </c:scaling>
         <c:delete val="0"/>
         <c:axPos val="b"/>
@@ -5963,7 +2481,7 @@
         <c:majorTickMark val="out"/>
         <c:minorTickMark val="none"/>
         <c:tickLblPos val="nextTo"/>
-        <c:crossAx val="2036350344"/>
+        <c:crossAx val="2141966264"/>
         <c:crosses val="autoZero"/>
         <c:crossBetween val="between"/>
       </c:valAx>
@@ -5985,49 +2503,443 @@
   <c:externalData r:id="rId1">
     <c:autoUpdate val="0"/>
   </c:externalData>
-  <c:userShapes r:id="rId2"/>
 </c:chartSpace>
 </file>
 
-<file path=ppt/drawings/drawing1.xml><?xml version="1.0" encoding="utf-8"?>
-<c:userShapes xmlns:c="http://schemas.openxmlformats.org/drawingml/2006/chart">
-  <cdr:relSizeAnchor xmlns:cdr="http://schemas.openxmlformats.org/drawingml/2006/chartDrawing">
-    <cdr:from>
-      <cdr:x>0.96805</cdr:x>
-      <cdr:y>0.48013</cdr:y>
-    </cdr:from>
-    <cdr:to>
-      <cdr:x>1</cdr:x>
-      <cdr:y>0.51618</cdr:y>
-    </cdr:to>
-    <cdr:sp macro="" textlink="">
-      <cdr:nvSpPr>
-        <cdr:cNvPr id="2" name="TextBox 1"/>
-        <cdr:cNvSpPr txBox="1"/>
-      </cdr:nvSpPr>
-      <cdr:spPr>
-        <a:xfrm xmlns:a="http://schemas.openxmlformats.org/drawingml/2006/main">
-          <a:off x="8851805" y="3292739"/>
-          <a:ext cx="292195" cy="247236"/>
-        </a:xfrm>
-        <a:prstGeom xmlns:a="http://schemas.openxmlformats.org/drawingml/2006/main" prst="rect">
-          <a:avLst/>
-        </a:prstGeom>
-      </cdr:spPr>
-      <cdr:txBody>
-        <a:bodyPr xmlns:a="http://schemas.openxmlformats.org/drawingml/2006/main" vertOverflow="clip" wrap="none" rtlCol="0"/>
-        <a:lstStyle xmlns:a="http://schemas.openxmlformats.org/drawingml/2006/main"/>
-        <a:p xmlns:a="http://schemas.openxmlformats.org/drawingml/2006/main">
-          <a:pPr algn="ctr"/>
-          <a:r>
-            <a:rPr lang="en-US" sz="1100" dirty="0" smtClean="0"/>
-            <a:t>126</a:t>
-          </a:r>
-        </a:p>
-      </cdr:txBody>
-    </cdr:sp>
-  </cdr:relSizeAnchor>
-</c:userShapes>
+<file path=ppt/charts/chart5.xml><?xml version="1.0" encoding="utf-8"?>
+<c:chartSpace xmlns:c="http://schemas.openxmlformats.org/drawingml/2006/chart" xmlns:a="http://schemas.openxmlformats.org/drawingml/2006/main" xmlns:r="http://schemas.openxmlformats.org/officeDocument/2006/relationships">
+  <c:date1904 val="0"/>
+  <c:lang val="en-US"/>
+  <c:roundedCorners val="0"/>
+  <mc:AlternateContent xmlns:mc="http://schemas.openxmlformats.org/markup-compatibility/2006">
+    <mc:Choice xmlns:c14="http://schemas.microsoft.com/office/drawing/2007/8/2/chart" Requires="c14">
+      <c14:style val="145"/>
+    </mc:Choice>
+    <mc:Fallback>
+      <c:style val="45"/>
+    </mc:Fallback>
+  </mc:AlternateContent>
+  <c:chart>
+    <c:title>
+      <c:tx>
+        <c:rich>
+          <a:bodyPr/>
+          <a:lstStyle/>
+          <a:p>
+            <a:pPr>
+              <a:defRPr/>
+            </a:pPr>
+            <a:r>
+              <a:rPr lang="en-US" dirty="0" smtClean="0"/>
+              <a:t>Total</a:t>
+            </a:r>
+            <a:r>
+              <a:rPr lang="en-US" baseline="0" dirty="0" smtClean="0"/>
+              <a:t> </a:t>
+            </a:r>
+            <a:r>
+              <a:rPr lang="en-US" baseline="0" dirty="0" err="1" smtClean="0"/>
+              <a:t>vs</a:t>
+            </a:r>
+            <a:r>
+              <a:rPr lang="en-US" baseline="0" dirty="0" smtClean="0"/>
+              <a:t> Called During Run</a:t>
+            </a:r>
+            <a:endParaRPr lang="en-US" dirty="0"/>
+          </a:p>
+        </c:rich>
+      </c:tx>
+      <c:layout/>
+      <c:overlay val="0"/>
+    </c:title>
+    <c:autoTitleDeleted val="0"/>
+    <c:plotArea>
+      <c:layout>
+        <c:manualLayout>
+          <c:layoutTarget val="inner"/>
+          <c:xMode val="edge"/>
+          <c:yMode val="edge"/>
+          <c:x val="0.116199037620297"/>
+          <c:y val="0.115436256041184"/>
+          <c:w val="0.764614391951006"/>
+          <c:h val="0.809707188244586"/>
+        </c:manualLayout>
+      </c:layout>
+      <c:barChart>
+        <c:barDir val="col"/>
+        <c:grouping val="clustered"/>
+        <c:varyColors val="0"/>
+        <c:ser>
+          <c:idx val="0"/>
+          <c:order val="0"/>
+          <c:tx>
+            <c:strRef>
+              <c:f>Sheet1!$B$1</c:f>
+              <c:strCache>
+                <c:ptCount val="1"/>
+                <c:pt idx="0">
+                  <c:v>Total</c:v>
+                </c:pt>
+              </c:strCache>
+            </c:strRef>
+          </c:tx>
+          <c:invertIfNegative val="0"/>
+          <c:cat>
+            <c:strRef>
+              <c:f>Sheet1!$A$2:$A$3</c:f>
+              <c:strCache>
+                <c:ptCount val="2"/>
+                <c:pt idx="0">
+                  <c:v>2048</c:v>
+                </c:pt>
+                <c:pt idx="1">
+                  <c:v>Solitaire</c:v>
+                </c:pt>
+              </c:strCache>
+            </c:strRef>
+          </c:cat>
+          <c:val>
+            <c:numRef>
+              <c:f>Sheet1!$B$2:$B$3</c:f>
+              <c:numCache>
+                <c:formatCode>General</c:formatCode>
+                <c:ptCount val="2"/>
+                <c:pt idx="0">
+                  <c:v>33.0</c:v>
+                </c:pt>
+                <c:pt idx="1">
+                  <c:v>837.0</c:v>
+                </c:pt>
+              </c:numCache>
+            </c:numRef>
+          </c:val>
+        </c:ser>
+        <c:ser>
+          <c:idx val="1"/>
+          <c:order val="1"/>
+          <c:tx>
+            <c:strRef>
+              <c:f>Sheet1!$C$1</c:f>
+              <c:strCache>
+                <c:ptCount val="1"/>
+                <c:pt idx="0">
+                  <c:v>Run</c:v>
+                </c:pt>
+              </c:strCache>
+            </c:strRef>
+          </c:tx>
+          <c:spPr>
+            <a:solidFill>
+              <a:srgbClr val="FC1826">
+                <a:alpha val="90000"/>
+              </a:srgbClr>
+            </a:solidFill>
+          </c:spPr>
+          <c:invertIfNegative val="0"/>
+          <c:cat>
+            <c:strRef>
+              <c:f>Sheet1!$A$2:$A$3</c:f>
+              <c:strCache>
+                <c:ptCount val="2"/>
+                <c:pt idx="0">
+                  <c:v>2048</c:v>
+                </c:pt>
+                <c:pt idx="1">
+                  <c:v>Solitaire</c:v>
+                </c:pt>
+              </c:strCache>
+            </c:strRef>
+          </c:cat>
+          <c:val>
+            <c:numRef>
+              <c:f>Sheet1!$C$2:$C$3</c:f>
+              <c:numCache>
+                <c:formatCode>General</c:formatCode>
+                <c:ptCount val="2"/>
+                <c:pt idx="0">
+                  <c:v>17.0</c:v>
+                </c:pt>
+                <c:pt idx="1">
+                  <c:v>93.0</c:v>
+                </c:pt>
+              </c:numCache>
+            </c:numRef>
+          </c:val>
+        </c:ser>
+        <c:dLbls>
+          <c:showLegendKey val="0"/>
+          <c:showVal val="1"/>
+          <c:showCatName val="0"/>
+          <c:showSerName val="0"/>
+          <c:showPercent val="0"/>
+          <c:showBubbleSize val="0"/>
+        </c:dLbls>
+        <c:gapWidth val="150"/>
+        <c:axId val="2140622824"/>
+        <c:axId val="2142923288"/>
+      </c:barChart>
+      <c:catAx>
+        <c:axId val="2140622824"/>
+        <c:scaling>
+          <c:orientation val="minMax"/>
+        </c:scaling>
+        <c:delete val="0"/>
+        <c:axPos val="b"/>
+        <c:majorTickMark val="out"/>
+        <c:minorTickMark val="none"/>
+        <c:tickLblPos val="nextTo"/>
+        <c:crossAx val="2142923288"/>
+        <c:crosses val="autoZero"/>
+        <c:auto val="1"/>
+        <c:lblAlgn val="ctr"/>
+        <c:lblOffset val="100"/>
+        <c:noMultiLvlLbl val="0"/>
+      </c:catAx>
+      <c:valAx>
+        <c:axId val="2142923288"/>
+        <c:scaling>
+          <c:orientation val="minMax"/>
+          <c:max val="850.0"/>
+          <c:min val="0.0"/>
+        </c:scaling>
+        <c:delete val="0"/>
+        <c:axPos val="l"/>
+        <c:majorGridlines/>
+        <c:title>
+          <c:tx>
+            <c:rich>
+              <a:bodyPr rot="-5400000" vert="horz"/>
+              <a:lstStyle/>
+              <a:p>
+                <a:pPr>
+                  <a:defRPr/>
+                </a:pPr>
+                <a:r>
+                  <a:rPr lang="en-US" dirty="0" smtClean="0"/>
+                  <a:t>#</a:t>
+                </a:r>
+                <a:r>
+                  <a:rPr lang="en-US" baseline="0" dirty="0" smtClean="0"/>
+                  <a:t> Method/APIs per App</a:t>
+                </a:r>
+                <a:endParaRPr lang="en-US" dirty="0"/>
+              </a:p>
+            </c:rich>
+          </c:tx>
+          <c:layout/>
+          <c:overlay val="0"/>
+        </c:title>
+        <c:numFmt formatCode="General" sourceLinked="1"/>
+        <c:majorTickMark val="out"/>
+        <c:minorTickMark val="none"/>
+        <c:tickLblPos val="nextTo"/>
+        <c:crossAx val="2140622824"/>
+        <c:crosses val="autoZero"/>
+        <c:crossBetween val="between"/>
+        <c:majorUnit val="100.0"/>
+        <c:minorUnit val="20.0"/>
+      </c:valAx>
+    </c:plotArea>
+    <c:legend>
+      <c:legendPos val="r"/>
+      <c:layout/>
+      <c:overlay val="0"/>
+    </c:legend>
+    <c:plotVisOnly val="1"/>
+    <c:dispBlanksAs val="gap"/>
+    <c:showDLblsOverMax val="0"/>
+  </c:chart>
+  <c:txPr>
+    <a:bodyPr/>
+    <a:lstStyle/>
+    <a:p>
+      <a:pPr>
+        <a:defRPr sz="1800"/>
+      </a:pPr>
+      <a:endParaRPr lang="en-US"/>
+    </a:p>
+  </c:txPr>
+  <c:externalData r:id="rId1">
+    <c:autoUpdate val="0"/>
+  </c:externalData>
+</c:chartSpace>
+</file>
+
+<file path=ppt/charts/chart6.xml><?xml version="1.0" encoding="utf-8"?>
+<c:chartSpace xmlns:c="http://schemas.openxmlformats.org/drawingml/2006/chart" xmlns:a="http://schemas.openxmlformats.org/drawingml/2006/main" xmlns:r="http://schemas.openxmlformats.org/officeDocument/2006/relationships">
+  <c:date1904 val="0"/>
+  <c:lang val="en-US"/>
+  <c:roundedCorners val="0"/>
+  <mc:AlternateContent xmlns:mc="http://schemas.openxmlformats.org/markup-compatibility/2006">
+    <mc:Choice xmlns:c14="http://schemas.microsoft.com/office/drawing/2007/8/2/chart" Requires="c14">
+      <c14:style val="145"/>
+    </mc:Choice>
+    <mc:Fallback>
+      <c:style val="45"/>
+    </mc:Fallback>
+  </mc:AlternateContent>
+  <c:chart>
+    <c:title>
+      <c:tx>
+        <c:rich>
+          <a:bodyPr/>
+          <a:lstStyle/>
+          <a:p>
+            <a:pPr>
+              <a:defRPr/>
+            </a:pPr>
+            <a:r>
+              <a:rPr lang="en-US" dirty="0" smtClean="0"/>
+              <a:t>Percentage of</a:t>
+            </a:r>
+            <a:r>
+              <a:rPr lang="en-US" baseline="0" dirty="0" smtClean="0"/>
+              <a:t> Total Called During Run</a:t>
+            </a:r>
+            <a:endParaRPr lang="en-US" dirty="0"/>
+          </a:p>
+        </c:rich>
+      </c:tx>
+      <c:layout/>
+      <c:overlay val="0"/>
+    </c:title>
+    <c:autoTitleDeleted val="0"/>
+    <c:plotArea>
+      <c:layout/>
+      <c:barChart>
+        <c:barDir val="col"/>
+        <c:grouping val="clustered"/>
+        <c:varyColors val="0"/>
+        <c:ser>
+          <c:idx val="0"/>
+          <c:order val="0"/>
+          <c:tx>
+            <c:strRef>
+              <c:f>Sheet1!$B$1</c:f>
+              <c:strCache>
+                <c:ptCount val="1"/>
+                <c:pt idx="0">
+                  <c:v>Column1</c:v>
+                </c:pt>
+              </c:strCache>
+            </c:strRef>
+          </c:tx>
+          <c:invertIfNegative val="0"/>
+          <c:cat>
+            <c:strRef>
+              <c:f>Sheet1!$A$2:$A$3</c:f>
+              <c:strCache>
+                <c:ptCount val="2"/>
+                <c:pt idx="0">
+                  <c:v>2048</c:v>
+                </c:pt>
+                <c:pt idx="1">
+                  <c:v>Solitaire</c:v>
+                </c:pt>
+              </c:strCache>
+            </c:strRef>
+          </c:cat>
+          <c:val>
+            <c:numRef>
+              <c:f>Sheet1!$B$2:$B$3</c:f>
+              <c:numCache>
+                <c:formatCode>0%</c:formatCode>
+                <c:ptCount val="2"/>
+                <c:pt idx="0">
+                  <c:v>0.515151515151515</c:v>
+                </c:pt>
+                <c:pt idx="1">
+                  <c:v>0.111111111111111</c:v>
+                </c:pt>
+              </c:numCache>
+            </c:numRef>
+          </c:val>
+        </c:ser>
+        <c:dLbls>
+          <c:showLegendKey val="0"/>
+          <c:showVal val="1"/>
+          <c:showCatName val="0"/>
+          <c:showSerName val="0"/>
+          <c:showPercent val="0"/>
+          <c:showBubbleSize val="0"/>
+        </c:dLbls>
+        <c:gapWidth val="150"/>
+        <c:axId val="-2145702248"/>
+        <c:axId val="-2145506200"/>
+      </c:barChart>
+      <c:catAx>
+        <c:axId val="-2145702248"/>
+        <c:scaling>
+          <c:orientation val="minMax"/>
+        </c:scaling>
+        <c:delete val="0"/>
+        <c:axPos val="b"/>
+        <c:majorTickMark val="out"/>
+        <c:minorTickMark val="none"/>
+        <c:tickLblPos val="nextTo"/>
+        <c:crossAx val="-2145506200"/>
+        <c:crosses val="autoZero"/>
+        <c:auto val="1"/>
+        <c:lblAlgn val="ctr"/>
+        <c:lblOffset val="100"/>
+        <c:noMultiLvlLbl val="0"/>
+      </c:catAx>
+      <c:valAx>
+        <c:axId val="-2145506200"/>
+        <c:scaling>
+          <c:orientation val="minMax"/>
+          <c:max val="1.0"/>
+        </c:scaling>
+        <c:delete val="0"/>
+        <c:axPos val="l"/>
+        <c:majorGridlines/>
+        <c:title>
+          <c:tx>
+            <c:rich>
+              <a:bodyPr rot="-5400000" vert="horz"/>
+              <a:lstStyle/>
+              <a:p>
+                <a:pPr>
+                  <a:defRPr/>
+                </a:pPr>
+                <a:r>
+                  <a:rPr lang="en-US" dirty="0" smtClean="0"/>
+                  <a:t>% of Total Logged Methods/APIs</a:t>
+                </a:r>
+                <a:endParaRPr lang="en-US" dirty="0"/>
+              </a:p>
+            </c:rich>
+          </c:tx>
+          <c:layout/>
+          <c:overlay val="0"/>
+        </c:title>
+        <c:numFmt formatCode="0%" sourceLinked="1"/>
+        <c:majorTickMark val="out"/>
+        <c:minorTickMark val="none"/>
+        <c:tickLblPos val="nextTo"/>
+        <c:crossAx val="-2145702248"/>
+        <c:crosses val="autoZero"/>
+        <c:crossBetween val="between"/>
+      </c:valAx>
+    </c:plotArea>
+    <c:plotVisOnly val="1"/>
+    <c:dispBlanksAs val="gap"/>
+    <c:showDLblsOverMax val="0"/>
+  </c:chart>
+  <c:txPr>
+    <a:bodyPr/>
+    <a:lstStyle/>
+    <a:p>
+      <a:pPr>
+        <a:defRPr sz="1800"/>
+      </a:pPr>
+      <a:endParaRPr lang="en-US"/>
+    </a:p>
+  </c:txPr>
+  <c:externalData r:id="rId1">
+    <c:autoUpdate val="0"/>
+  </c:externalData>
+</c:chartSpace>
 </file>
 
 <file path=ppt/slideLayouts/slideLayout1.xml><?xml version="1.0" encoding="utf-8"?>
@@ -9182,8 +6094,8 @@
         </p:nvSpPr>
         <p:spPr>
           <a:xfrm>
-            <a:off x="8815939" y="3142456"/>
-            <a:ext cx="418654" cy="276999"/>
+            <a:off x="8832873" y="3438801"/>
+            <a:ext cx="402674" cy="261610"/>
           </a:xfrm>
           <a:prstGeom prst="rect">
             <a:avLst/>
@@ -9197,14 +6109,14 @@
           <a:lstStyle/>
           <a:p>
             <a:r>
-              <a:rPr lang="en-US" sz="1200" dirty="0" smtClean="0">
+              <a:rPr lang="en-US" sz="1100" dirty="0" smtClean="0">
                 <a:solidFill>
                   <a:schemeClr val="bg1"/>
                 </a:solidFill>
               </a:rPr>
               <a:t>154</a:t>
             </a:r>
-            <a:endParaRPr lang="en-US" sz="1200" dirty="0">
+            <a:endParaRPr lang="en-US" sz="1100" dirty="0">
               <a:solidFill>
                 <a:schemeClr val="bg1"/>
               </a:solidFill>
@@ -9242,21 +6154,51 @@
           <a:chExt cx="0" cy="0"/>
         </a:xfrm>
       </p:grpSpPr>
+      <p:sp>
+        <p:nvSpPr>
+          <p:cNvPr id="3" name="TextBox 2"/>
+          <p:cNvSpPr txBox="1"/>
+          <p:nvPr/>
+        </p:nvSpPr>
+        <p:spPr>
+          <a:xfrm>
+            <a:off x="8778970" y="3778707"/>
+            <a:ext cx="418654" cy="276999"/>
+          </a:xfrm>
+          <a:prstGeom prst="rect">
+            <a:avLst/>
+          </a:prstGeom>
+          <a:noFill/>
+        </p:spPr>
+        <p:txBody>
+          <a:bodyPr wrap="none" rtlCol="0">
+            <a:spAutoFit/>
+          </a:bodyPr>
+          <a:lstStyle/>
+          <a:p>
+            <a:r>
+              <a:rPr lang="en-US" sz="1200" dirty="0" smtClean="0"/>
+              <a:t>332</a:t>
+            </a:r>
+            <a:endParaRPr lang="en-US" sz="1200" dirty="0"/>
+          </a:p>
+        </p:txBody>
+      </p:sp>
       <p:graphicFrame>
         <p:nvGraphicFramePr>
-          <p:cNvPr id="2" name="Chart 1"/>
+          <p:cNvPr id="5" name="Chart 4"/>
           <p:cNvGraphicFramePr/>
           <p:nvPr>
             <p:extLst>
               <p:ext uri="{D42A27DB-BD31-4B8C-83A1-F6EECF244321}">
-                <p14:modId xmlns:p14="http://schemas.microsoft.com/office/powerpoint/2010/main" val="2259915153"/>
+                <p14:modId xmlns:p14="http://schemas.microsoft.com/office/powerpoint/2010/main" val="1683732491"/>
               </p:ext>
             </p:extLst>
           </p:nvPr>
         </p:nvGraphicFramePr>
         <p:xfrm>
-          <a:off x="0" y="0"/>
-          <a:ext cx="9144000" cy="6858000"/>
+          <a:off x="0" y="1733"/>
+          <a:ext cx="9144000" cy="6856267"/>
         </p:xfrm>
         <a:graphic>
           <a:graphicData uri="http://schemas.openxmlformats.org/drawingml/2006/chart">
@@ -9266,14 +6208,14 @@
       </p:graphicFrame>
       <p:sp>
         <p:nvSpPr>
-          <p:cNvPr id="3" name="TextBox 2"/>
+          <p:cNvPr id="2" name="TextBox 1"/>
           <p:cNvSpPr txBox="1"/>
           <p:nvPr/>
         </p:nvSpPr>
         <p:spPr>
           <a:xfrm>
-            <a:off x="8818088" y="3788734"/>
-            <a:ext cx="418654" cy="276999"/>
+            <a:off x="8826640" y="4921708"/>
+            <a:ext cx="397643" cy="246221"/>
           </a:xfrm>
           <a:prstGeom prst="rect">
             <a:avLst/>
@@ -9281,16 +6223,100 @@
           <a:noFill/>
         </p:spPr>
         <p:txBody>
-          <a:bodyPr wrap="none" rtlCol="0">
+          <a:bodyPr wrap="square" rtlCol="0">
             <a:spAutoFit/>
           </a:bodyPr>
           <a:lstStyle/>
           <a:p>
             <a:r>
-              <a:rPr lang="en-US" sz="1200" dirty="0" smtClean="0"/>
+              <a:rPr lang="en-US" sz="1000" dirty="0" smtClean="0">
+                <a:solidFill>
+                  <a:schemeClr val="bg1"/>
+                </a:solidFill>
+              </a:rPr>
               <a:t>332</a:t>
             </a:r>
-            <a:endParaRPr lang="en-US" sz="1200" dirty="0"/>
+            <a:endParaRPr lang="en-US" sz="1000" dirty="0">
+              <a:solidFill>
+                <a:schemeClr val="bg1"/>
+              </a:solidFill>
+            </a:endParaRPr>
+          </a:p>
+        </p:txBody>
+      </p:sp>
+      <p:sp>
+        <p:nvSpPr>
+          <p:cNvPr id="6" name="TextBox 5"/>
+          <p:cNvSpPr txBox="1"/>
+          <p:nvPr/>
+        </p:nvSpPr>
+        <p:spPr>
+          <a:xfrm>
+            <a:off x="8826640" y="5446626"/>
+            <a:ext cx="397643" cy="246221"/>
+          </a:xfrm>
+          <a:prstGeom prst="rect">
+            <a:avLst/>
+          </a:prstGeom>
+          <a:noFill/>
+        </p:spPr>
+        <p:txBody>
+          <a:bodyPr wrap="square" rtlCol="0">
+            <a:spAutoFit/>
+          </a:bodyPr>
+          <a:lstStyle/>
+          <a:p>
+            <a:r>
+              <a:rPr lang="en-US" sz="1000" dirty="0" smtClean="0">
+                <a:solidFill>
+                  <a:schemeClr val="bg1"/>
+                </a:solidFill>
+              </a:rPr>
+              <a:t>126</a:t>
+            </a:r>
+            <a:endParaRPr lang="en-US" sz="1000" dirty="0">
+              <a:solidFill>
+                <a:schemeClr val="bg1"/>
+              </a:solidFill>
+            </a:endParaRPr>
+          </a:p>
+        </p:txBody>
+      </p:sp>
+      <p:sp>
+        <p:nvSpPr>
+          <p:cNvPr id="7" name="TextBox 6"/>
+          <p:cNvSpPr txBox="1"/>
+          <p:nvPr/>
+        </p:nvSpPr>
+        <p:spPr>
+          <a:xfrm>
+            <a:off x="8826640" y="857706"/>
+            <a:ext cx="397643" cy="246221"/>
+          </a:xfrm>
+          <a:prstGeom prst="rect">
+            <a:avLst/>
+          </a:prstGeom>
+          <a:noFill/>
+        </p:spPr>
+        <p:txBody>
+          <a:bodyPr wrap="square" rtlCol="0">
+            <a:spAutoFit/>
+          </a:bodyPr>
+          <a:lstStyle/>
+          <a:p>
+            <a:r>
+              <a:rPr lang="en-US" sz="1000" dirty="0" smtClean="0">
+                <a:solidFill>
+                  <a:schemeClr val="bg1"/>
+                </a:solidFill>
+              </a:rPr>
+              <a:t>302</a:t>
+            </a:r>
+            <a:endParaRPr lang="en-US" sz="1000" dirty="0">
+              <a:solidFill>
+                <a:schemeClr val="bg1"/>
+              </a:solidFill>
+            </a:endParaRPr>
           </a:p>
         </p:txBody>
       </p:sp>
@@ -9298,6 +6324,110 @@
     <p:extLst>
       <p:ext uri="{BB962C8B-B14F-4D97-AF65-F5344CB8AC3E}">
         <p14:creationId xmlns:p14="http://schemas.microsoft.com/office/powerpoint/2010/main" val="777470905"/>
+      </p:ext>
+    </p:extLst>
+  </p:cSld>
+  <p:clrMapOvr>
+    <a:masterClrMapping/>
+  </p:clrMapOvr>
+</p:sld>
+</file>
+
+<file path=ppt/slides/slide5.xml><?xml version="1.0" encoding="utf-8"?>
+<p:sld xmlns:a="http://schemas.openxmlformats.org/drawingml/2006/main" xmlns:r="http://schemas.openxmlformats.org/officeDocument/2006/relationships" xmlns:p="http://schemas.openxmlformats.org/presentationml/2006/main">
+  <p:cSld>
+    <p:spTree>
+      <p:nvGrpSpPr>
+        <p:cNvPr id="1" name=""/>
+        <p:cNvGrpSpPr/>
+        <p:nvPr/>
+      </p:nvGrpSpPr>
+      <p:grpSpPr>
+        <a:xfrm>
+          <a:off x="0" y="0"/>
+          <a:ext cx="0" cy="0"/>
+          <a:chOff x="0" y="0"/>
+          <a:chExt cx="0" cy="0"/>
+        </a:xfrm>
+      </p:grpSpPr>
+      <p:graphicFrame>
+        <p:nvGraphicFramePr>
+          <p:cNvPr id="4" name="Chart 3"/>
+          <p:cNvGraphicFramePr/>
+          <p:nvPr>
+            <p:extLst>
+              <p:ext uri="{D42A27DB-BD31-4B8C-83A1-F6EECF244321}">
+                <p14:modId xmlns:p14="http://schemas.microsoft.com/office/powerpoint/2010/main" val="3294004616"/>
+              </p:ext>
+            </p:extLst>
+          </p:nvPr>
+        </p:nvGraphicFramePr>
+        <p:xfrm>
+          <a:off x="0" y="-1"/>
+          <a:ext cx="9144000" cy="6790267"/>
+        </p:xfrm>
+        <a:graphic>
+          <a:graphicData uri="http://schemas.openxmlformats.org/drawingml/2006/chart">
+            <c:chart xmlns:c="http://schemas.openxmlformats.org/drawingml/2006/chart" xmlns:r="http://schemas.openxmlformats.org/officeDocument/2006/relationships" r:id="rId2"/>
+          </a:graphicData>
+        </a:graphic>
+      </p:graphicFrame>
+    </p:spTree>
+    <p:extLst>
+      <p:ext uri="{BB962C8B-B14F-4D97-AF65-F5344CB8AC3E}">
+        <p14:creationId xmlns:p14="http://schemas.microsoft.com/office/powerpoint/2010/main" val="1344176402"/>
+      </p:ext>
+    </p:extLst>
+  </p:cSld>
+  <p:clrMapOvr>
+    <a:masterClrMapping/>
+  </p:clrMapOvr>
+</p:sld>
+</file>
+
+<file path=ppt/slides/slide6.xml><?xml version="1.0" encoding="utf-8"?>
+<p:sld xmlns:a="http://schemas.openxmlformats.org/drawingml/2006/main" xmlns:r="http://schemas.openxmlformats.org/officeDocument/2006/relationships" xmlns:p="http://schemas.openxmlformats.org/presentationml/2006/main">
+  <p:cSld>
+    <p:spTree>
+      <p:nvGrpSpPr>
+        <p:cNvPr id="1" name=""/>
+        <p:cNvGrpSpPr/>
+        <p:nvPr/>
+      </p:nvGrpSpPr>
+      <p:grpSpPr>
+        <a:xfrm>
+          <a:off x="0" y="0"/>
+          <a:ext cx="0" cy="0"/>
+          <a:chOff x="0" y="0"/>
+          <a:chExt cx="0" cy="0"/>
+        </a:xfrm>
+      </p:grpSpPr>
+      <p:graphicFrame>
+        <p:nvGraphicFramePr>
+          <p:cNvPr id="4" name="Chart 3"/>
+          <p:cNvGraphicFramePr/>
+          <p:nvPr>
+            <p:extLst>
+              <p:ext uri="{D42A27DB-BD31-4B8C-83A1-F6EECF244321}">
+                <p14:modId xmlns:p14="http://schemas.microsoft.com/office/powerpoint/2010/main" val="1401089541"/>
+              </p:ext>
+            </p:extLst>
+          </p:nvPr>
+        </p:nvGraphicFramePr>
+        <p:xfrm>
+          <a:off x="0" y="-1"/>
+          <a:ext cx="9144000" cy="6858001"/>
+        </p:xfrm>
+        <a:graphic>
+          <a:graphicData uri="http://schemas.openxmlformats.org/drawingml/2006/chart">
+            <c:chart xmlns:c="http://schemas.openxmlformats.org/drawingml/2006/chart" xmlns:r="http://schemas.openxmlformats.org/officeDocument/2006/relationships" r:id="rId2"/>
+          </a:graphicData>
+        </a:graphic>
+      </p:graphicFrame>
+    </p:spTree>
+    <p:extLst>
+      <p:ext uri="{BB962C8B-B14F-4D97-AF65-F5344CB8AC3E}">
+        <p14:creationId xmlns:p14="http://schemas.microsoft.com/office/powerpoint/2010/main" val="1729370634"/>
       </p:ext>
     </p:extLst>
   </p:cSld>
